--- a/slides/Tag-3_5-Abschluss.pptx
+++ b/slides/Tag-3_5-Abschluss.pptx
@@ -6,16 +6,22 @@
     <p:sldMasterId id="2147483649" r:id="rId2"/>
   </p:sldMasterIdLst>
   <p:notesMasterIdLst>
-    <p:notesMasterId r:id="rId7"/>
+    <p:notesMasterId r:id="rId13"/>
   </p:notesMasterIdLst>
   <p:handoutMasterIdLst>
-    <p:handoutMasterId r:id="rId8"/>
+    <p:handoutMasterId r:id="rId14"/>
   </p:handoutMasterIdLst>
   <p:sldIdLst>
     <p:sldId id="288" r:id="rId3"/>
     <p:sldId id="289" r:id="rId4"/>
-    <p:sldId id="726" r:id="rId5"/>
+    <p:sldId id="291" r:id="rId5"/>
     <p:sldId id="597" r:id="rId6"/>
+    <p:sldId id="635" r:id="rId7"/>
+    <p:sldId id="627" r:id="rId8"/>
+    <p:sldId id="628" r:id="rId9"/>
+    <p:sldId id="629" r:id="rId10"/>
+    <p:sldId id="630" r:id="rId11"/>
+    <p:sldId id="631" r:id="rId12"/>
   </p:sldIdLst>
   <p:sldSz cx="9144000" cy="6858000" type="screen4x3"/>
   <p:notesSz cx="6784975" cy="9921875"/>
@@ -923,6 +929,91 @@
 </p:notesMaster>
 </file>
 
+<file path=ppt/notesSlides/notesSlide1.xml><?xml version="1.0" encoding="utf-8"?>
+<p:notes xmlns:a="http://schemas.openxmlformats.org/drawingml/2006/main" xmlns:r="http://schemas.openxmlformats.org/officeDocument/2006/relationships" xmlns:p="http://schemas.openxmlformats.org/presentationml/2006/main">
+  <p:cSld>
+    <p:spTree>
+      <p:nvGrpSpPr>
+        <p:cNvPr id="1" name=""/>
+        <p:cNvGrpSpPr/>
+        <p:nvPr/>
+      </p:nvGrpSpPr>
+      <p:grpSpPr>
+        <a:xfrm>
+          <a:off x="0" y="0"/>
+          <a:ext cx="0" cy="0"/>
+          <a:chOff x="0" y="0"/>
+          <a:chExt cx="0" cy="0"/>
+        </a:xfrm>
+      </p:grpSpPr>
+      <p:sp>
+        <p:nvSpPr>
+          <p:cNvPr id="2" name="Folienbildplatzhalter 1"/>
+          <p:cNvSpPr>
+            <a:spLocks noGrp="1" noRot="1" noChangeAspect="1"/>
+          </p:cNvSpPr>
+          <p:nvPr>
+            <p:ph type="sldImg"/>
+          </p:nvPr>
+        </p:nvSpPr>
+        <p:spPr/>
+      </p:sp>
+      <p:sp>
+        <p:nvSpPr>
+          <p:cNvPr id="3" name="Notizenplatzhalter 2"/>
+          <p:cNvSpPr>
+            <a:spLocks noGrp="1"/>
+          </p:cNvSpPr>
+          <p:nvPr>
+            <p:ph type="body" idx="1"/>
+          </p:nvPr>
+        </p:nvSpPr>
+        <p:spPr/>
+        <p:txBody>
+          <a:bodyPr/>
+          <a:lstStyle/>
+          <a:p>
+            <a:endParaRPr lang="de-DE" dirty="0"/>
+          </a:p>
+        </p:txBody>
+      </p:sp>
+      <p:sp>
+        <p:nvSpPr>
+          <p:cNvPr id="4" name="Foliennummernplatzhalter 3"/>
+          <p:cNvSpPr>
+            <a:spLocks noGrp="1"/>
+          </p:cNvSpPr>
+          <p:nvPr>
+            <p:ph type="sldNum" sz="quarter" idx="5"/>
+          </p:nvPr>
+        </p:nvSpPr>
+        <p:spPr/>
+        <p:txBody>
+          <a:bodyPr/>
+          <a:lstStyle/>
+          <a:p>
+            <a:fld id="{18182567-388C-4D33-8B7B-A651F195F118}" type="slidenum">
+              <a:rPr lang="de-DE" altLang="de-DE" smtClean="0"/>
+              <a:pPr/>
+              <a:t>4</a:t>
+            </a:fld>
+            <a:endParaRPr lang="de-DE" altLang="de-DE"/>
+          </a:p>
+        </p:txBody>
+      </p:sp>
+    </p:spTree>
+    <p:extLst>
+      <p:ext uri="{BB962C8B-B14F-4D97-AF65-F5344CB8AC3E}">
+        <p14:creationId xmlns:p14="http://schemas.microsoft.com/office/powerpoint/2010/main" val="1051163142"/>
+      </p:ext>
+    </p:extLst>
+  </p:cSld>
+  <p:clrMapOvr>
+    <a:masterClrMapping/>
+  </p:clrMapOvr>
+</p:notes>
+</file>
+
 <file path=ppt/slideLayouts/slideLayout1.xml><?xml version="1.0" encoding="utf-8"?>
 <p:sldLayout xmlns:a="http://schemas.openxmlformats.org/drawingml/2006/main" xmlns:r="http://schemas.openxmlformats.org/officeDocument/2006/relationships" xmlns:p="http://schemas.openxmlformats.org/presentationml/2006/main" type="obj" preserve="1">
   <p:cSld name="Titel und Inhalt">
@@ -1649,7 +1740,7 @@
           <a:p>
             <a:pPr lvl="4"/>
             <a:r>
-              <a:rPr lang="de-DE" altLang="de-DE" dirty="0"/>
+              <a:rPr lang="de-DE" altLang="de-DE"/>
               <a:t>Fünfte Ebene</a:t>
             </a:r>
           </a:p>
@@ -1783,7 +1874,7 @@
         <p:spPr bwMode="auto">
           <a:xfrm>
             <a:off x="4252913" y="6424613"/>
-            <a:ext cx="1495922" cy="246221"/>
+            <a:ext cx="2121093" cy="246221"/>
           </a:xfrm>
           <a:prstGeom prst="rect">
             <a:avLst/>
@@ -1813,7 +1904,7 @@
                 </a:solidFill>
                 <a:latin typeface="Arial" charset="0"/>
               </a:rPr>
-              <a:t>Tag-3_5-Abschluss.ppt</a:t>
+              <a:t>Tag-3_2_2-Container-Registry.ppt</a:t>
             </a:r>
             <a:endParaRPr lang="de-DE" dirty="0">
               <a:solidFill>
@@ -3649,6 +3740,578 @@
 </p:sld>
 </file>
 
+<file path=ppt/slides/slide10.xml><?xml version="1.0" encoding="utf-8"?>
+<p:sld xmlns:a="http://schemas.openxmlformats.org/drawingml/2006/main" xmlns:r="http://schemas.openxmlformats.org/officeDocument/2006/relationships" xmlns:p="http://schemas.openxmlformats.org/presentationml/2006/main">
+  <p:cSld>
+    <p:spTree>
+      <p:nvGrpSpPr>
+        <p:cNvPr id="1" name=""/>
+        <p:cNvGrpSpPr/>
+        <p:nvPr/>
+      </p:nvGrpSpPr>
+      <p:grpSpPr>
+        <a:xfrm>
+          <a:off x="0" y="0"/>
+          <a:ext cx="0" cy="0"/>
+          <a:chOff x="0" y="0"/>
+          <a:chExt cx="0" cy="0"/>
+        </a:xfrm>
+      </p:grpSpPr>
+      <p:sp>
+        <p:nvSpPr>
+          <p:cNvPr id="2" name="Titel 1">
+            <a:extLst>
+              <a:ext uri="{FF2B5EF4-FFF2-40B4-BE49-F238E27FC236}">
+                <a16:creationId xmlns:a16="http://schemas.microsoft.com/office/drawing/2014/main" id="{49A48EBC-55D9-6D64-715F-AF6DEBF117C3}"/>
+              </a:ext>
+            </a:extLst>
+          </p:cNvPr>
+          <p:cNvSpPr>
+            <a:spLocks noGrp="1"/>
+          </p:cNvSpPr>
+          <p:nvPr>
+            <p:ph type="title"/>
+          </p:nvPr>
+        </p:nvSpPr>
+        <p:spPr/>
+        <p:txBody>
+          <a:bodyPr/>
+          <a:lstStyle/>
+          <a:p>
+            <a:r>
+              <a:rPr lang="de-DE" cap="none" dirty="0"/>
+              <a:t>Release- und </a:t>
+            </a:r>
+            <a:r>
+              <a:rPr lang="de-DE" cap="none" dirty="0" err="1"/>
+              <a:t>Tagged</a:t>
+            </a:r>
+            <a:r>
+              <a:rPr lang="de-DE" cap="none" dirty="0"/>
+              <a:t>-Images</a:t>
+            </a:r>
+            <a:endParaRPr lang="de-DE" dirty="0"/>
+          </a:p>
+        </p:txBody>
+      </p:sp>
+      <p:sp>
+        <p:nvSpPr>
+          <p:cNvPr id="3" name="Inhaltsplatzhalter 2">
+            <a:extLst>
+              <a:ext uri="{FF2B5EF4-FFF2-40B4-BE49-F238E27FC236}">
+                <a16:creationId xmlns:a16="http://schemas.microsoft.com/office/drawing/2014/main" id="{7B404127-ED2B-6905-BDD1-3C60D11A2A7C}"/>
+              </a:ext>
+            </a:extLst>
+          </p:cNvPr>
+          <p:cNvSpPr>
+            <a:spLocks noGrp="1"/>
+          </p:cNvSpPr>
+          <p:nvPr>
+            <p:ph idx="1"/>
+          </p:nvPr>
+        </p:nvSpPr>
+        <p:spPr/>
+        <p:txBody>
+          <a:bodyPr/>
+          <a:lstStyle/>
+          <a:p>
+            <a:pPr marL="0" indent="0">
+              <a:buNone/>
+            </a:pPr>
+            <a:r>
+              <a:rPr lang="de-DE" sz="2000" b="1" dirty="0">
+                <a:latin typeface="Consolas" panose="020B0609020204030204" pitchFamily="49" charset="0"/>
+              </a:rPr>
+              <a:t>.</a:t>
+            </a:r>
+            <a:r>
+              <a:rPr lang="de-DE" sz="2000" b="1" dirty="0" err="1">
+                <a:latin typeface="Consolas" panose="020B0609020204030204" pitchFamily="49" charset="0"/>
+              </a:rPr>
+              <a:t>gitlab-ci.yml</a:t>
+            </a:r>
+            <a:r>
+              <a:rPr lang="de-DE" sz="2000" b="1" dirty="0">
+                <a:latin typeface="Consolas" panose="020B0609020204030204" pitchFamily="49" charset="0"/>
+              </a:rPr>
+              <a:t> (4/4)</a:t>
+            </a:r>
+          </a:p>
+          <a:p>
+            <a:pPr marL="0" indent="0">
+              <a:buNone/>
+            </a:pPr>
+            <a:r>
+              <a:rPr lang="de-DE" sz="1400" dirty="0">
+                <a:latin typeface="Consolas" panose="020B0609020204030204" pitchFamily="49" charset="0"/>
+              </a:rPr>
+              <a:t>release-image:</a:t>
+            </a:r>
+          </a:p>
+          <a:p>
+            <a:pPr marL="0" indent="0">
+              <a:buNone/>
+            </a:pPr>
+            <a:r>
+              <a:rPr lang="de-DE" sz="1400" dirty="0">
+                <a:latin typeface="Consolas" panose="020B0609020204030204" pitchFamily="49" charset="0"/>
+              </a:rPr>
+              <a:t>  </a:t>
+            </a:r>
+            <a:r>
+              <a:rPr lang="de-DE" sz="1400" dirty="0" err="1">
+                <a:latin typeface="Consolas" panose="020B0609020204030204" pitchFamily="49" charset="0"/>
+              </a:rPr>
+              <a:t>stage</a:t>
+            </a:r>
+            <a:r>
+              <a:rPr lang="de-DE" sz="1400" dirty="0">
+                <a:latin typeface="Consolas" panose="020B0609020204030204" pitchFamily="49" charset="0"/>
+              </a:rPr>
+              <a:t>: release</a:t>
+            </a:r>
+          </a:p>
+          <a:p>
+            <a:pPr marL="0" indent="0">
+              <a:buNone/>
+            </a:pPr>
+            <a:r>
+              <a:rPr lang="de-DE" sz="1400" dirty="0">
+                <a:latin typeface="Consolas" panose="020B0609020204030204" pitchFamily="49" charset="0"/>
+              </a:rPr>
+              <a:t>  </a:t>
+            </a:r>
+            <a:r>
+              <a:rPr lang="de-DE" sz="1400" dirty="0" err="1">
+                <a:latin typeface="Consolas" panose="020B0609020204030204" pitchFamily="49" charset="0"/>
+              </a:rPr>
+              <a:t>script</a:t>
+            </a:r>
+            <a:r>
+              <a:rPr lang="de-DE" sz="1400" dirty="0">
+                <a:latin typeface="Consolas" panose="020B0609020204030204" pitchFamily="49" charset="0"/>
+              </a:rPr>
+              <a:t>:</a:t>
+            </a:r>
+          </a:p>
+          <a:p>
+            <a:pPr marL="0" indent="0">
+              <a:buNone/>
+            </a:pPr>
+            <a:r>
+              <a:rPr lang="de-DE" sz="1400" dirty="0">
+                <a:latin typeface="Consolas" panose="020B0609020204030204" pitchFamily="49" charset="0"/>
+              </a:rPr>
+              <a:t>    - </a:t>
+            </a:r>
+            <a:r>
+              <a:rPr lang="de-DE" sz="1400" dirty="0" err="1">
+                <a:latin typeface="Consolas" panose="020B0609020204030204" pitchFamily="49" charset="0"/>
+              </a:rPr>
+              <a:t>docker</a:t>
+            </a:r>
+            <a:r>
+              <a:rPr lang="de-DE" sz="1400" dirty="0">
+                <a:latin typeface="Consolas" panose="020B0609020204030204" pitchFamily="49" charset="0"/>
+              </a:rPr>
+              <a:t> pull $CONTAINER_TEST_IMAGE </a:t>
+            </a:r>
+            <a:r>
+              <a:rPr lang="de-DE" sz="1400" dirty="0">
+                <a:solidFill>
+                  <a:srgbClr val="008C5A"/>
+                </a:solidFill>
+                <a:latin typeface="Consolas" panose="020B0609020204030204" pitchFamily="49" charset="0"/>
+              </a:rPr>
+              <a:t># 2. Von den nachfolgenden Stages (bei Bedarf) </a:t>
+            </a:r>
+            <a:r>
+              <a:rPr lang="de-DE" sz="1400" dirty="0" err="1">
+                <a:solidFill>
+                  <a:srgbClr val="008C5A"/>
+                </a:solidFill>
+                <a:latin typeface="Consolas" panose="020B0609020204030204" pitchFamily="49" charset="0"/>
+              </a:rPr>
+              <a:t>gepulled</a:t>
+            </a:r>
+            <a:endParaRPr lang="de-DE" sz="1400" dirty="0">
+              <a:solidFill>
+                <a:srgbClr val="008C5A"/>
+              </a:solidFill>
+              <a:latin typeface="Consolas" panose="020B0609020204030204" pitchFamily="49" charset="0"/>
+            </a:endParaRPr>
+          </a:p>
+          <a:p>
+            <a:pPr marL="0" indent="0">
+              <a:buNone/>
+            </a:pPr>
+            <a:r>
+              <a:rPr lang="de-DE" sz="1400" dirty="0">
+                <a:latin typeface="Consolas" panose="020B0609020204030204" pitchFamily="49" charset="0"/>
+              </a:rPr>
+              <a:t>    - </a:t>
+            </a:r>
+            <a:r>
+              <a:rPr lang="de-DE" sz="1400" dirty="0" err="1">
+                <a:latin typeface="Consolas" panose="020B0609020204030204" pitchFamily="49" charset="0"/>
+              </a:rPr>
+              <a:t>docker</a:t>
+            </a:r>
+            <a:r>
+              <a:rPr lang="de-DE" sz="1400" dirty="0">
+                <a:latin typeface="Consolas" panose="020B0609020204030204" pitchFamily="49" charset="0"/>
+              </a:rPr>
+              <a:t> tag $CONTAINER_TEST_IMAGE $CONTAINER_RELEASE_IMAGE </a:t>
+            </a:r>
+            <a:r>
+              <a:rPr lang="de-DE" sz="1400" dirty="0">
+                <a:solidFill>
+                  <a:srgbClr val="008C5A"/>
+                </a:solidFill>
+                <a:latin typeface="Consolas" panose="020B0609020204030204" pitchFamily="49" charset="0"/>
+              </a:rPr>
+              <a:t># 4. Änderungen am </a:t>
+            </a:r>
+            <a:r>
+              <a:rPr lang="de-DE" sz="1400" dirty="0" err="1">
+                <a:solidFill>
+                  <a:srgbClr val="008C5A"/>
+                </a:solidFill>
+                <a:latin typeface="Consolas" panose="020B0609020204030204" pitchFamily="49" charset="0"/>
+              </a:rPr>
+              <a:t>main</a:t>
+            </a:r>
+            <a:r>
+              <a:rPr lang="de-DE" sz="1400" dirty="0">
+                <a:solidFill>
+                  <a:srgbClr val="008C5A"/>
+                </a:solidFill>
+                <a:latin typeface="Consolas" panose="020B0609020204030204" pitchFamily="49" charset="0"/>
+              </a:rPr>
+              <a:t> werden als </a:t>
+            </a:r>
+            <a:r>
+              <a:rPr lang="de-DE" sz="1400" dirty="0" err="1">
+                <a:solidFill>
+                  <a:srgbClr val="008C5A"/>
+                </a:solidFill>
+                <a:latin typeface="Consolas" panose="020B0609020204030204" pitchFamily="49" charset="0"/>
+              </a:rPr>
+              <a:t>latest</a:t>
+            </a:r>
+            <a:r>
+              <a:rPr lang="de-DE" sz="1400" dirty="0">
+                <a:solidFill>
+                  <a:srgbClr val="008C5A"/>
+                </a:solidFill>
+                <a:latin typeface="Consolas" panose="020B0609020204030204" pitchFamily="49" charset="0"/>
+              </a:rPr>
+              <a:t> </a:t>
+            </a:r>
+            <a:r>
+              <a:rPr lang="de-DE" sz="1400" dirty="0" err="1">
+                <a:solidFill>
+                  <a:srgbClr val="008C5A"/>
+                </a:solidFill>
+                <a:latin typeface="Consolas" panose="020B0609020204030204" pitchFamily="49" charset="0"/>
+              </a:rPr>
+              <a:t>getagged</a:t>
+            </a:r>
+            <a:endParaRPr lang="de-DE" sz="1400" dirty="0">
+              <a:solidFill>
+                <a:srgbClr val="008C5A"/>
+              </a:solidFill>
+              <a:latin typeface="Consolas" panose="020B0609020204030204" pitchFamily="49" charset="0"/>
+            </a:endParaRPr>
+          </a:p>
+          <a:p>
+            <a:pPr marL="0" indent="0">
+              <a:buNone/>
+            </a:pPr>
+            <a:r>
+              <a:rPr lang="de-DE" sz="1400" dirty="0">
+                <a:latin typeface="Consolas" panose="020B0609020204030204" pitchFamily="49" charset="0"/>
+              </a:rPr>
+              <a:t>    - </a:t>
+            </a:r>
+            <a:r>
+              <a:rPr lang="de-DE" sz="1400" dirty="0" err="1">
+                <a:latin typeface="Consolas" panose="020B0609020204030204" pitchFamily="49" charset="0"/>
+              </a:rPr>
+              <a:t>docker</a:t>
+            </a:r>
+            <a:r>
+              <a:rPr lang="de-DE" sz="1400" dirty="0">
+                <a:latin typeface="Consolas" panose="020B0609020204030204" pitchFamily="49" charset="0"/>
+              </a:rPr>
+              <a:t> push $CONTAINER_RELEASE_IMAGE</a:t>
+            </a:r>
+          </a:p>
+          <a:p>
+            <a:pPr marL="0" indent="0">
+              <a:buNone/>
+            </a:pPr>
+            <a:r>
+              <a:rPr lang="de-DE" sz="1400" dirty="0">
+                <a:latin typeface="Consolas" panose="020B0609020204030204" pitchFamily="49" charset="0"/>
+              </a:rPr>
+              <a:t>  </a:t>
+            </a:r>
+            <a:r>
+              <a:rPr lang="de-DE" sz="1400" dirty="0" err="1">
+                <a:latin typeface="Consolas" panose="020B0609020204030204" pitchFamily="49" charset="0"/>
+              </a:rPr>
+              <a:t>only</a:t>
+            </a:r>
+            <a:r>
+              <a:rPr lang="de-DE" sz="1400" dirty="0">
+                <a:latin typeface="Consolas" panose="020B0609020204030204" pitchFamily="49" charset="0"/>
+              </a:rPr>
+              <a:t>:</a:t>
+            </a:r>
+          </a:p>
+          <a:p>
+            <a:pPr marL="0" indent="0">
+              <a:buNone/>
+            </a:pPr>
+            <a:r>
+              <a:rPr lang="de-DE" sz="1400" dirty="0">
+                <a:latin typeface="Consolas" panose="020B0609020204030204" pitchFamily="49" charset="0"/>
+              </a:rPr>
+              <a:t>    - </a:t>
+            </a:r>
+            <a:r>
+              <a:rPr lang="de-DE" sz="1400" dirty="0" err="1">
+                <a:latin typeface="Consolas" panose="020B0609020204030204" pitchFamily="49" charset="0"/>
+              </a:rPr>
+              <a:t>main</a:t>
+            </a:r>
+            <a:endParaRPr lang="de-DE" sz="1400" dirty="0">
+              <a:latin typeface="Consolas" panose="020B0609020204030204" pitchFamily="49" charset="0"/>
+            </a:endParaRPr>
+          </a:p>
+          <a:p>
+            <a:pPr marL="0" indent="0">
+              <a:buNone/>
+            </a:pPr>
+            <a:endParaRPr lang="de-DE" sz="1400" dirty="0">
+              <a:latin typeface="Consolas" panose="020B0609020204030204" pitchFamily="49" charset="0"/>
+            </a:endParaRPr>
+          </a:p>
+          <a:p>
+            <a:pPr marL="0" indent="0">
+              <a:buNone/>
+            </a:pPr>
+            <a:r>
+              <a:rPr lang="de-DE" sz="1400" dirty="0">
+                <a:solidFill>
+                  <a:srgbClr val="008C5A"/>
+                </a:solidFill>
+                <a:latin typeface="Consolas" panose="020B0609020204030204" pitchFamily="49" charset="0"/>
+              </a:rPr>
+              <a:t># 5. </a:t>
+            </a:r>
+            <a:r>
+              <a:rPr lang="de-DE" sz="1400" dirty="0" err="1">
+                <a:solidFill>
+                  <a:srgbClr val="008C5A"/>
+                </a:solidFill>
+                <a:latin typeface="Consolas" panose="020B0609020204030204" pitchFamily="49" charset="0"/>
+              </a:rPr>
+              <a:t>Deployment</a:t>
+            </a:r>
+            <a:r>
+              <a:rPr lang="de-DE" sz="1400" dirty="0">
+                <a:solidFill>
+                  <a:srgbClr val="008C5A"/>
+                </a:solidFill>
+                <a:latin typeface="Consolas" panose="020B0609020204030204" pitchFamily="49" charset="0"/>
+              </a:rPr>
+              <a:t> über anwendungs-spezifisches Deploy-Skript</a:t>
+            </a:r>
+          </a:p>
+          <a:p>
+            <a:pPr marL="0" indent="0">
+              <a:buNone/>
+            </a:pPr>
+            <a:r>
+              <a:rPr lang="de-DE" sz="1400" dirty="0">
+                <a:latin typeface="Consolas" panose="020B0609020204030204" pitchFamily="49" charset="0"/>
+              </a:rPr>
+              <a:t>deploy:</a:t>
+            </a:r>
+          </a:p>
+          <a:p>
+            <a:pPr marL="0" indent="0">
+              <a:buNone/>
+            </a:pPr>
+            <a:r>
+              <a:rPr lang="de-DE" sz="1400" dirty="0">
+                <a:latin typeface="Consolas" panose="020B0609020204030204" pitchFamily="49" charset="0"/>
+              </a:rPr>
+              <a:t>  </a:t>
+            </a:r>
+            <a:r>
+              <a:rPr lang="de-DE" sz="1400" dirty="0" err="1">
+                <a:latin typeface="Consolas" panose="020B0609020204030204" pitchFamily="49" charset="0"/>
+              </a:rPr>
+              <a:t>stage</a:t>
+            </a:r>
+            <a:r>
+              <a:rPr lang="de-DE" sz="1400" dirty="0">
+                <a:latin typeface="Consolas" panose="020B0609020204030204" pitchFamily="49" charset="0"/>
+              </a:rPr>
+              <a:t>: deploy</a:t>
+            </a:r>
+          </a:p>
+          <a:p>
+            <a:pPr marL="0" indent="0">
+              <a:buNone/>
+            </a:pPr>
+            <a:r>
+              <a:rPr lang="de-DE" sz="1400" dirty="0">
+                <a:latin typeface="Consolas" panose="020B0609020204030204" pitchFamily="49" charset="0"/>
+              </a:rPr>
+              <a:t>  </a:t>
+            </a:r>
+            <a:r>
+              <a:rPr lang="de-DE" sz="1400" dirty="0" err="1">
+                <a:latin typeface="Consolas" panose="020B0609020204030204" pitchFamily="49" charset="0"/>
+              </a:rPr>
+              <a:t>script</a:t>
+            </a:r>
+            <a:r>
+              <a:rPr lang="de-DE" sz="1400" dirty="0">
+                <a:latin typeface="Consolas" panose="020B0609020204030204" pitchFamily="49" charset="0"/>
+              </a:rPr>
+              <a:t>:</a:t>
+            </a:r>
+          </a:p>
+          <a:p>
+            <a:pPr marL="0" indent="0">
+              <a:buNone/>
+            </a:pPr>
+            <a:r>
+              <a:rPr lang="de-DE" sz="1400" dirty="0">
+                <a:latin typeface="Consolas" panose="020B0609020204030204" pitchFamily="49" charset="0"/>
+              </a:rPr>
+              <a:t>    - ./deploy.sh</a:t>
+            </a:r>
+          </a:p>
+          <a:p>
+            <a:pPr marL="0" indent="0">
+              <a:buNone/>
+            </a:pPr>
+            <a:r>
+              <a:rPr lang="de-DE" sz="1400" dirty="0">
+                <a:latin typeface="Consolas" panose="020B0609020204030204" pitchFamily="49" charset="0"/>
+              </a:rPr>
+              <a:t>  </a:t>
+            </a:r>
+            <a:r>
+              <a:rPr lang="de-DE" sz="1400" dirty="0" err="1">
+                <a:latin typeface="Consolas" panose="020B0609020204030204" pitchFamily="49" charset="0"/>
+              </a:rPr>
+              <a:t>only</a:t>
+            </a:r>
+            <a:r>
+              <a:rPr lang="de-DE" sz="1400" dirty="0">
+                <a:latin typeface="Consolas" panose="020B0609020204030204" pitchFamily="49" charset="0"/>
+              </a:rPr>
+              <a:t>:</a:t>
+            </a:r>
+          </a:p>
+          <a:p>
+            <a:pPr marL="0" indent="0">
+              <a:buNone/>
+            </a:pPr>
+            <a:r>
+              <a:rPr lang="de-DE" sz="1400" dirty="0">
+                <a:latin typeface="Consolas" panose="020B0609020204030204" pitchFamily="49" charset="0"/>
+              </a:rPr>
+              <a:t>    - </a:t>
+            </a:r>
+            <a:r>
+              <a:rPr lang="de-DE" sz="1400" dirty="0" err="1">
+                <a:latin typeface="Consolas" panose="020B0609020204030204" pitchFamily="49" charset="0"/>
+              </a:rPr>
+              <a:t>main</a:t>
+            </a:r>
+            <a:endParaRPr lang="de-DE" sz="1400" dirty="0">
+              <a:latin typeface="Consolas" panose="020B0609020204030204" pitchFamily="49" charset="0"/>
+            </a:endParaRPr>
+          </a:p>
+          <a:p>
+            <a:pPr marL="0" indent="0">
+              <a:buNone/>
+            </a:pPr>
+            <a:r>
+              <a:rPr lang="de-DE" sz="1400" dirty="0">
+                <a:latin typeface="Consolas" panose="020B0609020204030204" pitchFamily="49" charset="0"/>
+              </a:rPr>
+              <a:t>  </a:t>
+            </a:r>
+            <a:r>
+              <a:rPr lang="de-DE" sz="1400" dirty="0" err="1">
+                <a:latin typeface="Consolas" panose="020B0609020204030204" pitchFamily="49" charset="0"/>
+              </a:rPr>
+              <a:t>environment</a:t>
+            </a:r>
+            <a:r>
+              <a:rPr lang="de-DE" sz="1400" dirty="0">
+                <a:latin typeface="Consolas" panose="020B0609020204030204" pitchFamily="49" charset="0"/>
+              </a:rPr>
+              <a:t>: </a:t>
+            </a:r>
+            <a:r>
+              <a:rPr lang="de-DE" sz="1400" dirty="0" err="1">
+                <a:latin typeface="Consolas" panose="020B0609020204030204" pitchFamily="49" charset="0"/>
+              </a:rPr>
+              <a:t>production</a:t>
+            </a:r>
+            <a:endParaRPr lang="de-DE" sz="1400" dirty="0">
+              <a:latin typeface="Consolas" panose="020B0609020204030204" pitchFamily="49" charset="0"/>
+            </a:endParaRPr>
+          </a:p>
+          <a:p>
+            <a:pPr marL="0" indent="0">
+              <a:buNone/>
+            </a:pPr>
+            <a:endParaRPr lang="de-DE" sz="1600" dirty="0">
+              <a:latin typeface="Consolas" panose="020B0609020204030204" pitchFamily="49" charset="0"/>
+            </a:endParaRPr>
+          </a:p>
+          <a:p>
+            <a:pPr marL="0" indent="0">
+              <a:buNone/>
+            </a:pPr>
+            <a:endParaRPr lang="de-DE" sz="1600" dirty="0">
+              <a:latin typeface="Consolas" panose="020B0609020204030204" pitchFamily="49" charset="0"/>
+            </a:endParaRPr>
+          </a:p>
+          <a:p>
+            <a:pPr marL="0" indent="0">
+              <a:buNone/>
+            </a:pPr>
+            <a:endParaRPr lang="de-DE" sz="1600" dirty="0">
+              <a:latin typeface="Consolas" panose="020B0609020204030204" pitchFamily="49" charset="0"/>
+            </a:endParaRPr>
+          </a:p>
+        </p:txBody>
+      </p:sp>
+    </p:spTree>
+    <p:extLst>
+      <p:ext uri="{BB962C8B-B14F-4D97-AF65-F5344CB8AC3E}">
+        <p14:creationId xmlns:p14="http://schemas.microsoft.com/office/powerpoint/2010/main" val="2664526633"/>
+      </p:ext>
+    </p:extLst>
+  </p:cSld>
+  <p:clrMapOvr>
+    <a:masterClrMapping/>
+  </p:clrMapOvr>
+</p:sld>
+</file>
+
 <file path=ppt/slides/slide2.xml><?xml version="1.0" encoding="utf-8"?>
 <p:sld xmlns:a="http://schemas.openxmlformats.org/drawingml/2006/main" xmlns:r="http://schemas.openxmlformats.org/officeDocument/2006/relationships" xmlns:p="http://schemas.openxmlformats.org/presentationml/2006/main">
   <p:cSld>
@@ -3987,16 +4650,6 @@
             <a:r>
               <a:rPr lang="de-DE" altLang="de-DE" sz="1400" dirty="0"/>
               <a:t> &amp; Verwaltung von Konfiguration</a:t>
-            </a:r>
-          </a:p>
-          <a:p>
-            <a:pPr lvl="1">
-              <a:buFont typeface="Arial" panose="020B0604020202020204" pitchFamily="34" charset="0"/>
-              <a:buChar char="•"/>
-            </a:pPr>
-            <a:r>
-              <a:rPr lang="de-DE" altLang="de-DE" sz="1400" dirty="0"/>
-              <a:t>Abschlussübung und Diskussion</a:t>
             </a:r>
           </a:p>
           <a:p>
@@ -4394,16 +5047,6 @@
               <a:buFont typeface="Arial" panose="020B0604020202020204" pitchFamily="34" charset="0"/>
               <a:buChar char="•"/>
             </a:pPr>
-            <a:r>
-              <a:rPr lang="de-DE" altLang="de-DE" sz="1400" u="sng" dirty="0"/>
-              <a:t>Abschlussübung und Diskussion</a:t>
-            </a:r>
-          </a:p>
-          <a:p>
-            <a:pPr lvl="1">
-              <a:buFont typeface="Arial" panose="020B0604020202020204" pitchFamily="34" charset="0"/>
-              <a:buChar char="•"/>
-            </a:pPr>
             <a:endParaRPr lang="de-DE" altLang="de-DE" sz="1400" dirty="0"/>
           </a:p>
         </p:txBody>
@@ -4444,7 +5087,7 @@
     </p:spTree>
     <p:extLst>
       <p:ext uri="{BB962C8B-B14F-4D97-AF65-F5344CB8AC3E}">
-        <p14:creationId xmlns:p14="http://schemas.microsoft.com/office/powerpoint/2010/main" val="3320683065"/>
+        <p14:creationId xmlns:p14="http://schemas.microsoft.com/office/powerpoint/2010/main" val="3071277897"/>
       </p:ext>
     </p:extLst>
   </p:cSld>
@@ -4508,7 +5151,10 @@
           <a:bodyPr/>
           <a:lstStyle/>
           <a:p>
-            <a:endParaRPr lang="de-DE" dirty="0"/>
+            <a:r>
+              <a:rPr lang="de-DE" dirty="0"/>
+              <a:t>Grundlagen von</a:t>
+            </a:r>
           </a:p>
         </p:txBody>
       </p:sp>
@@ -4516,6 +5162,1851 @@
     <p:extLst>
       <p:ext uri="{BB962C8B-B14F-4D97-AF65-F5344CB8AC3E}">
         <p14:creationId xmlns:p14="http://schemas.microsoft.com/office/powerpoint/2010/main" val="2809021556"/>
+      </p:ext>
+    </p:extLst>
+  </p:cSld>
+  <p:clrMapOvr>
+    <a:masterClrMapping/>
+  </p:clrMapOvr>
+</p:sld>
+</file>
+
+<file path=ppt/slides/slide5.xml><?xml version="1.0" encoding="utf-8"?>
+<p:sld xmlns:a="http://schemas.openxmlformats.org/drawingml/2006/main" xmlns:r="http://schemas.openxmlformats.org/officeDocument/2006/relationships" xmlns:p="http://schemas.openxmlformats.org/presentationml/2006/main">
+  <p:cSld>
+    <p:spTree>
+      <p:nvGrpSpPr>
+        <p:cNvPr id="1" name=""/>
+        <p:cNvGrpSpPr/>
+        <p:nvPr/>
+      </p:nvGrpSpPr>
+      <p:grpSpPr>
+        <a:xfrm>
+          <a:off x="0" y="0"/>
+          <a:ext cx="0" cy="0"/>
+          <a:chOff x="0" y="0"/>
+          <a:chExt cx="0" cy="0"/>
+        </a:xfrm>
+      </p:grpSpPr>
+      <p:sp>
+        <p:nvSpPr>
+          <p:cNvPr id="2" name="Titel 1">
+            <a:extLst>
+              <a:ext uri="{FF2B5EF4-FFF2-40B4-BE49-F238E27FC236}">
+                <a16:creationId xmlns:a16="http://schemas.microsoft.com/office/drawing/2014/main" id="{0A6ADA43-34C1-347C-FD8E-BF87A5A77FC5}"/>
+              </a:ext>
+            </a:extLst>
+          </p:cNvPr>
+          <p:cNvSpPr>
+            <a:spLocks noGrp="1"/>
+          </p:cNvSpPr>
+          <p:nvPr>
+            <p:ph type="title"/>
+          </p:nvPr>
+        </p:nvSpPr>
+        <p:spPr/>
+        <p:txBody>
+          <a:bodyPr/>
+          <a:lstStyle/>
+          <a:p>
+            <a:r>
+              <a:rPr lang="de-DE" cap="none" dirty="0"/>
+              <a:t>Release- und </a:t>
+            </a:r>
+            <a:r>
+              <a:rPr lang="de-DE" cap="none" dirty="0" err="1"/>
+              <a:t>Tagged</a:t>
+            </a:r>
+            <a:r>
+              <a:rPr lang="de-DE" cap="none" dirty="0"/>
+              <a:t>-Images</a:t>
+            </a:r>
+            <a:endParaRPr lang="de-DE" dirty="0"/>
+          </a:p>
+        </p:txBody>
+      </p:sp>
+      <p:sp>
+        <p:nvSpPr>
+          <p:cNvPr id="3" name="Inhaltsplatzhalter 2">
+            <a:extLst>
+              <a:ext uri="{FF2B5EF4-FFF2-40B4-BE49-F238E27FC236}">
+                <a16:creationId xmlns:a16="http://schemas.microsoft.com/office/drawing/2014/main" id="{4D911ADB-7C0F-98E1-85DA-1C884339CE08}"/>
+              </a:ext>
+            </a:extLst>
+          </p:cNvPr>
+          <p:cNvSpPr>
+            <a:spLocks noGrp="1"/>
+          </p:cNvSpPr>
+          <p:nvPr>
+            <p:ph idx="1"/>
+          </p:nvPr>
+        </p:nvSpPr>
+        <p:spPr/>
+        <p:txBody>
+          <a:bodyPr/>
+          <a:lstStyle/>
+          <a:p>
+            <a:pPr marL="0" indent="0">
+              <a:buNone/>
+            </a:pPr>
+            <a:r>
+              <a:rPr lang="de-DE" b="1" dirty="0"/>
+              <a:t>Aufgabe: Pipeline mit vier Stages</a:t>
+            </a:r>
+          </a:p>
+          <a:p>
+            <a:pPr marL="457200" indent="-457200">
+              <a:buFont typeface="+mj-lt"/>
+              <a:buAutoNum type="arabicPeriod"/>
+            </a:pPr>
+            <a:r>
+              <a:rPr lang="de-DE" b="1" dirty="0"/>
+              <a:t>Ziel: </a:t>
+            </a:r>
+            <a:r>
+              <a:rPr lang="de-DE" dirty="0"/>
+              <a:t>Tiefgehendes CI/CD Verständnis</a:t>
+            </a:r>
+          </a:p>
+          <a:p>
+            <a:pPr marL="457200" indent="-457200">
+              <a:buFont typeface="+mj-lt"/>
+              <a:buAutoNum type="arabicPeriod"/>
+            </a:pPr>
+            <a:r>
+              <a:rPr lang="de-DE" b="1" dirty="0"/>
+              <a:t>Schritte:</a:t>
+            </a:r>
+          </a:p>
+          <a:p>
+            <a:pPr marL="857250" lvl="1" indent="-457200">
+              <a:buFont typeface="Arial" panose="020B0604020202020204" pitchFamily="34" charset="0"/>
+              <a:buChar char="•"/>
+            </a:pPr>
+            <a:r>
+              <a:rPr lang="de-DE" dirty="0" err="1"/>
+              <a:t>Build</a:t>
+            </a:r>
+            <a:r>
+              <a:rPr lang="de-DE" dirty="0"/>
+              <a:t> wird in die Container Registry </a:t>
+            </a:r>
+            <a:r>
+              <a:rPr lang="de-DE" dirty="0" err="1"/>
+              <a:t>gepushed</a:t>
+            </a:r>
+            <a:endParaRPr lang="de-DE" dirty="0"/>
+          </a:p>
+          <a:p>
+            <a:pPr marL="857250" lvl="1" indent="-457200">
+              <a:buFont typeface="Arial" panose="020B0604020202020204" pitchFamily="34" charset="0"/>
+              <a:buChar char="•"/>
+            </a:pPr>
+            <a:r>
+              <a:rPr lang="de-DE" dirty="0"/>
+              <a:t>Von den nachfolgenden Stages (bei Bedarf) </a:t>
+            </a:r>
+            <a:r>
+              <a:rPr lang="de-DE" dirty="0" err="1"/>
+              <a:t>gepulled</a:t>
+            </a:r>
+            <a:endParaRPr lang="de-DE" dirty="0"/>
+          </a:p>
+          <a:p>
+            <a:pPr marL="857250" lvl="1" indent="-457200">
+              <a:buFont typeface="Arial" panose="020B0604020202020204" pitchFamily="34" charset="0"/>
+              <a:buChar char="•"/>
+            </a:pPr>
+            <a:r>
+              <a:rPr lang="de-DE" dirty="0"/>
+              <a:t>Zwei </a:t>
+            </a:r>
+            <a:r>
+              <a:rPr lang="de-DE" dirty="0" err="1"/>
+              <a:t>paralell</a:t>
+            </a:r>
+            <a:r>
+              <a:rPr lang="de-DE" dirty="0"/>
+              <a:t> laufende Tests</a:t>
+            </a:r>
+          </a:p>
+          <a:p>
+            <a:pPr marL="857250" lvl="1" indent="-457200">
+              <a:buFont typeface="Arial" panose="020B0604020202020204" pitchFamily="34" charset="0"/>
+              <a:buChar char="•"/>
+            </a:pPr>
+            <a:r>
+              <a:rPr lang="de-DE" dirty="0"/>
+              <a:t>Änderungen am </a:t>
+            </a:r>
+            <a:r>
+              <a:rPr lang="de-DE" dirty="0" err="1"/>
+              <a:t>main</a:t>
+            </a:r>
+            <a:r>
+              <a:rPr lang="de-DE" dirty="0"/>
+              <a:t> werden als </a:t>
+            </a:r>
+            <a:r>
+              <a:rPr lang="de-DE" dirty="0" err="1"/>
+              <a:t>latest</a:t>
+            </a:r>
+            <a:r>
+              <a:rPr lang="de-DE" dirty="0"/>
+              <a:t> </a:t>
+            </a:r>
+            <a:r>
+              <a:rPr lang="de-DE" dirty="0" err="1"/>
+              <a:t>getagged</a:t>
+            </a:r>
+            <a:endParaRPr lang="de-DE" dirty="0"/>
+          </a:p>
+          <a:p>
+            <a:pPr marL="857250" lvl="1" indent="-457200">
+              <a:buFont typeface="Arial" panose="020B0604020202020204" pitchFamily="34" charset="0"/>
+              <a:buChar char="•"/>
+            </a:pPr>
+            <a:r>
+              <a:rPr lang="de-DE" dirty="0" err="1"/>
+              <a:t>Deployment</a:t>
+            </a:r>
+            <a:r>
+              <a:rPr lang="de-DE" dirty="0"/>
+              <a:t> über anwendungs-spezifisches Deploy-Skript</a:t>
+            </a:r>
+          </a:p>
+          <a:p>
+            <a:pPr marL="857250" lvl="1" indent="-457200">
+              <a:buFont typeface="Arial" panose="020B0604020202020204" pitchFamily="34" charset="0"/>
+              <a:buChar char="•"/>
+            </a:pPr>
+            <a:endParaRPr lang="de-DE" dirty="0"/>
+          </a:p>
+          <a:p>
+            <a:pPr marL="857250" lvl="1" indent="-457200">
+              <a:buFont typeface="Arial" panose="020B0604020202020204" pitchFamily="34" charset="0"/>
+              <a:buChar char="•"/>
+            </a:pPr>
+            <a:endParaRPr lang="de-DE" dirty="0"/>
+          </a:p>
+          <a:p>
+            <a:pPr marL="857250" lvl="1" indent="-457200">
+              <a:buFont typeface="Arial" panose="020B0604020202020204" pitchFamily="34" charset="0"/>
+              <a:buChar char="•"/>
+            </a:pPr>
+            <a:endParaRPr lang="de-DE" dirty="0"/>
+          </a:p>
+        </p:txBody>
+      </p:sp>
+    </p:spTree>
+    <p:extLst>
+      <p:ext uri="{BB962C8B-B14F-4D97-AF65-F5344CB8AC3E}">
+        <p14:creationId xmlns:p14="http://schemas.microsoft.com/office/powerpoint/2010/main" val="1582550262"/>
+      </p:ext>
+    </p:extLst>
+  </p:cSld>
+  <p:clrMapOvr>
+    <a:masterClrMapping/>
+  </p:clrMapOvr>
+</p:sld>
+</file>
+
+<file path=ppt/slides/slide6.xml><?xml version="1.0" encoding="utf-8"?>
+<p:sld xmlns:a="http://schemas.openxmlformats.org/drawingml/2006/main" xmlns:r="http://schemas.openxmlformats.org/officeDocument/2006/relationships" xmlns:p="http://schemas.openxmlformats.org/presentationml/2006/main">
+  <p:cSld>
+    <p:spTree>
+      <p:nvGrpSpPr>
+        <p:cNvPr id="1" name=""/>
+        <p:cNvGrpSpPr/>
+        <p:nvPr/>
+      </p:nvGrpSpPr>
+      <p:grpSpPr>
+        <a:xfrm>
+          <a:off x="0" y="0"/>
+          <a:ext cx="0" cy="0"/>
+          <a:chOff x="0" y="0"/>
+          <a:chExt cx="0" cy="0"/>
+        </a:xfrm>
+      </p:grpSpPr>
+      <p:sp>
+        <p:nvSpPr>
+          <p:cNvPr id="2" name="Titel 1">
+            <a:extLst>
+              <a:ext uri="{FF2B5EF4-FFF2-40B4-BE49-F238E27FC236}">
+                <a16:creationId xmlns:a16="http://schemas.microsoft.com/office/drawing/2014/main" id="{49A48EBC-55D9-6D64-715F-AF6DEBF117C3}"/>
+              </a:ext>
+            </a:extLst>
+          </p:cNvPr>
+          <p:cNvSpPr>
+            <a:spLocks noGrp="1"/>
+          </p:cNvSpPr>
+          <p:nvPr>
+            <p:ph type="title"/>
+          </p:nvPr>
+        </p:nvSpPr>
+        <p:spPr/>
+        <p:txBody>
+          <a:bodyPr/>
+          <a:lstStyle/>
+          <a:p>
+            <a:r>
+              <a:rPr lang="de-DE" cap="none" dirty="0"/>
+              <a:t>Release- und </a:t>
+            </a:r>
+            <a:r>
+              <a:rPr lang="de-DE" cap="none" dirty="0" err="1"/>
+              <a:t>Tagged</a:t>
+            </a:r>
+            <a:r>
+              <a:rPr lang="de-DE" cap="none" dirty="0"/>
+              <a:t>-Images</a:t>
+            </a:r>
+            <a:endParaRPr lang="de-DE" dirty="0"/>
+          </a:p>
+        </p:txBody>
+      </p:sp>
+      <p:sp>
+        <p:nvSpPr>
+          <p:cNvPr id="3" name="Inhaltsplatzhalter 2">
+            <a:extLst>
+              <a:ext uri="{FF2B5EF4-FFF2-40B4-BE49-F238E27FC236}">
+                <a16:creationId xmlns:a16="http://schemas.microsoft.com/office/drawing/2014/main" id="{7B404127-ED2B-6905-BDD1-3C60D11A2A7C}"/>
+              </a:ext>
+            </a:extLst>
+          </p:cNvPr>
+          <p:cNvSpPr>
+            <a:spLocks noGrp="1"/>
+          </p:cNvSpPr>
+          <p:nvPr>
+            <p:ph idx="1"/>
+          </p:nvPr>
+        </p:nvSpPr>
+        <p:spPr/>
+        <p:txBody>
+          <a:bodyPr/>
+          <a:lstStyle/>
+          <a:p>
+            <a:pPr marL="0" indent="0">
+              <a:buNone/>
+            </a:pPr>
+            <a:r>
+              <a:rPr lang="de-DE" b="1" dirty="0"/>
+              <a:t>Pipeline mit vier Stages (… auf vier Slides </a:t>
+            </a:r>
+            <a:r>
+              <a:rPr lang="de-DE" b="1" dirty="0">
+                <a:sym typeface="Wingdings" panose="05000000000000000000" pitchFamily="2" charset="2"/>
+              </a:rPr>
+              <a:t>)</a:t>
+            </a:r>
+            <a:endParaRPr lang="de-DE" b="1" dirty="0"/>
+          </a:p>
+          <a:p>
+            <a:pPr marL="457200" indent="-457200">
+              <a:buFont typeface="+mj-lt"/>
+              <a:buAutoNum type="arabicPeriod"/>
+            </a:pPr>
+            <a:r>
+              <a:rPr lang="de-DE" dirty="0" err="1"/>
+              <a:t>Build</a:t>
+            </a:r>
+            <a:r>
+              <a:rPr lang="de-DE" dirty="0"/>
+              <a:t> wird in die Container Registry </a:t>
+            </a:r>
+            <a:r>
+              <a:rPr lang="de-DE" dirty="0" err="1"/>
+              <a:t>gepushed</a:t>
+            </a:r>
+            <a:endParaRPr lang="de-DE" dirty="0"/>
+          </a:p>
+          <a:p>
+            <a:pPr marL="457200" indent="-457200">
+              <a:buFont typeface="+mj-lt"/>
+              <a:buAutoNum type="arabicPeriod"/>
+            </a:pPr>
+            <a:r>
+              <a:rPr lang="de-DE" dirty="0"/>
+              <a:t>Von den nachfolgenden Stages (bei Bedarf) </a:t>
+            </a:r>
+            <a:r>
+              <a:rPr lang="de-DE" dirty="0" err="1"/>
+              <a:t>gepulled</a:t>
+            </a:r>
+            <a:endParaRPr lang="de-DE" dirty="0"/>
+          </a:p>
+          <a:p>
+            <a:pPr marL="457200" indent="-457200">
+              <a:buFont typeface="+mj-lt"/>
+              <a:buAutoNum type="arabicPeriod"/>
+            </a:pPr>
+            <a:r>
+              <a:rPr lang="de-DE" dirty="0"/>
+              <a:t>Zwei </a:t>
+            </a:r>
+            <a:r>
+              <a:rPr lang="de-DE" dirty="0" err="1"/>
+              <a:t>paralell</a:t>
+            </a:r>
+            <a:r>
+              <a:rPr lang="de-DE" dirty="0"/>
+              <a:t> laufende Tests</a:t>
+            </a:r>
+          </a:p>
+          <a:p>
+            <a:pPr marL="457200" indent="-457200">
+              <a:buFont typeface="+mj-lt"/>
+              <a:buAutoNum type="arabicPeriod"/>
+            </a:pPr>
+            <a:r>
+              <a:rPr lang="de-DE" dirty="0"/>
+              <a:t>Änderungen am </a:t>
+            </a:r>
+            <a:r>
+              <a:rPr lang="de-DE" dirty="0" err="1">
+                <a:latin typeface="Consolas" panose="020B0609020204030204" pitchFamily="49" charset="0"/>
+              </a:rPr>
+              <a:t>main</a:t>
+            </a:r>
+            <a:r>
+              <a:rPr lang="de-DE" dirty="0"/>
+              <a:t> werden als </a:t>
+            </a:r>
+            <a:r>
+              <a:rPr lang="de-DE" dirty="0" err="1">
+                <a:latin typeface="Consolas" panose="020B0609020204030204" pitchFamily="49" charset="0"/>
+              </a:rPr>
+              <a:t>latest</a:t>
+            </a:r>
+            <a:r>
+              <a:rPr lang="de-DE" dirty="0"/>
+              <a:t> </a:t>
+            </a:r>
+            <a:r>
+              <a:rPr lang="de-DE" dirty="0" err="1"/>
+              <a:t>getagged</a:t>
+            </a:r>
+            <a:endParaRPr lang="de-DE" dirty="0"/>
+          </a:p>
+          <a:p>
+            <a:pPr marL="457200" indent="-457200">
+              <a:buFont typeface="+mj-lt"/>
+              <a:buAutoNum type="arabicPeriod"/>
+            </a:pPr>
+            <a:r>
+              <a:rPr lang="de-DE" dirty="0" err="1"/>
+              <a:t>Deployment</a:t>
+            </a:r>
+            <a:r>
+              <a:rPr lang="de-DE" dirty="0"/>
+              <a:t> über anwendungs-spezifisches Deploy-Skript</a:t>
+            </a:r>
+          </a:p>
+          <a:p>
+            <a:pPr>
+              <a:buFont typeface="Arial" panose="020B0604020202020204" pitchFamily="34" charset="0"/>
+              <a:buChar char="•"/>
+            </a:pPr>
+            <a:endParaRPr lang="de-DE" dirty="0"/>
+          </a:p>
+          <a:p>
+            <a:pPr>
+              <a:buFont typeface="Arial" panose="020B0604020202020204" pitchFamily="34" charset="0"/>
+              <a:buChar char="•"/>
+            </a:pPr>
+            <a:endParaRPr lang="de-DE" dirty="0"/>
+          </a:p>
+        </p:txBody>
+      </p:sp>
+    </p:spTree>
+    <p:extLst>
+      <p:ext uri="{BB962C8B-B14F-4D97-AF65-F5344CB8AC3E}">
+        <p14:creationId xmlns:p14="http://schemas.microsoft.com/office/powerpoint/2010/main" val="4283580811"/>
+      </p:ext>
+    </p:extLst>
+  </p:cSld>
+  <p:clrMapOvr>
+    <a:masterClrMapping/>
+  </p:clrMapOvr>
+</p:sld>
+</file>
+
+<file path=ppt/slides/slide7.xml><?xml version="1.0" encoding="utf-8"?>
+<p:sld xmlns:a="http://schemas.openxmlformats.org/drawingml/2006/main" xmlns:r="http://schemas.openxmlformats.org/officeDocument/2006/relationships" xmlns:p="http://schemas.openxmlformats.org/presentationml/2006/main">
+  <p:cSld>
+    <p:spTree>
+      <p:nvGrpSpPr>
+        <p:cNvPr id="1" name=""/>
+        <p:cNvGrpSpPr/>
+        <p:nvPr/>
+      </p:nvGrpSpPr>
+      <p:grpSpPr>
+        <a:xfrm>
+          <a:off x="0" y="0"/>
+          <a:ext cx="0" cy="0"/>
+          <a:chOff x="0" y="0"/>
+          <a:chExt cx="0" cy="0"/>
+        </a:xfrm>
+      </p:grpSpPr>
+      <p:sp>
+        <p:nvSpPr>
+          <p:cNvPr id="2" name="Titel 1">
+            <a:extLst>
+              <a:ext uri="{FF2B5EF4-FFF2-40B4-BE49-F238E27FC236}">
+                <a16:creationId xmlns:a16="http://schemas.microsoft.com/office/drawing/2014/main" id="{49A48EBC-55D9-6D64-715F-AF6DEBF117C3}"/>
+              </a:ext>
+            </a:extLst>
+          </p:cNvPr>
+          <p:cNvSpPr>
+            <a:spLocks noGrp="1"/>
+          </p:cNvSpPr>
+          <p:nvPr>
+            <p:ph type="title"/>
+          </p:nvPr>
+        </p:nvSpPr>
+        <p:spPr/>
+        <p:txBody>
+          <a:bodyPr/>
+          <a:lstStyle/>
+          <a:p>
+            <a:r>
+              <a:rPr lang="de-DE" cap="none" dirty="0"/>
+              <a:t>Release- und </a:t>
+            </a:r>
+            <a:r>
+              <a:rPr lang="de-DE" cap="none" dirty="0" err="1"/>
+              <a:t>Tagged</a:t>
+            </a:r>
+            <a:r>
+              <a:rPr lang="de-DE" cap="none" dirty="0"/>
+              <a:t>-Images</a:t>
+            </a:r>
+            <a:endParaRPr lang="de-DE" dirty="0"/>
+          </a:p>
+        </p:txBody>
+      </p:sp>
+      <p:sp>
+        <p:nvSpPr>
+          <p:cNvPr id="3" name="Inhaltsplatzhalter 2">
+            <a:extLst>
+              <a:ext uri="{FF2B5EF4-FFF2-40B4-BE49-F238E27FC236}">
+                <a16:creationId xmlns:a16="http://schemas.microsoft.com/office/drawing/2014/main" id="{7B404127-ED2B-6905-BDD1-3C60D11A2A7C}"/>
+              </a:ext>
+            </a:extLst>
+          </p:cNvPr>
+          <p:cNvSpPr>
+            <a:spLocks noGrp="1"/>
+          </p:cNvSpPr>
+          <p:nvPr>
+            <p:ph idx="1"/>
+          </p:nvPr>
+        </p:nvSpPr>
+        <p:spPr/>
+        <p:txBody>
+          <a:bodyPr/>
+          <a:lstStyle/>
+          <a:p>
+            <a:pPr marL="0" indent="0">
+              <a:buNone/>
+            </a:pPr>
+            <a:r>
+              <a:rPr lang="de-DE" sz="2000" b="1" dirty="0">
+                <a:latin typeface="Consolas" panose="020B0609020204030204" pitchFamily="49" charset="0"/>
+              </a:rPr>
+              <a:t>.</a:t>
+            </a:r>
+            <a:r>
+              <a:rPr lang="de-DE" sz="2000" b="1" dirty="0" err="1">
+                <a:latin typeface="Consolas" panose="020B0609020204030204" pitchFamily="49" charset="0"/>
+              </a:rPr>
+              <a:t>gitlab-ci.yml</a:t>
+            </a:r>
+            <a:r>
+              <a:rPr lang="de-DE" sz="2000" b="1" dirty="0">
+                <a:latin typeface="Consolas" panose="020B0609020204030204" pitchFamily="49" charset="0"/>
+              </a:rPr>
+              <a:t> (1/4)</a:t>
+            </a:r>
+          </a:p>
+          <a:p>
+            <a:pPr marL="0" indent="0">
+              <a:buNone/>
+            </a:pPr>
+            <a:r>
+              <a:rPr lang="de-DE" sz="1800" dirty="0" err="1">
+                <a:latin typeface="Consolas" panose="020B0609020204030204" pitchFamily="49" charset="0"/>
+              </a:rPr>
+              <a:t>default</a:t>
+            </a:r>
+            <a:r>
+              <a:rPr lang="de-DE" sz="1800" dirty="0">
+                <a:latin typeface="Consolas" panose="020B0609020204030204" pitchFamily="49" charset="0"/>
+              </a:rPr>
+              <a:t>:</a:t>
+            </a:r>
+          </a:p>
+          <a:p>
+            <a:pPr marL="0" indent="0">
+              <a:buNone/>
+            </a:pPr>
+            <a:r>
+              <a:rPr lang="de-DE" sz="1800" dirty="0">
+                <a:latin typeface="Consolas" panose="020B0609020204030204" pitchFamily="49" charset="0"/>
+              </a:rPr>
+              <a:t>  </a:t>
+            </a:r>
+            <a:r>
+              <a:rPr lang="de-DE" sz="1800" dirty="0" err="1">
+                <a:latin typeface="Consolas" panose="020B0609020204030204" pitchFamily="49" charset="0"/>
+              </a:rPr>
+              <a:t>image</a:t>
+            </a:r>
+            <a:r>
+              <a:rPr lang="de-DE" sz="1800" dirty="0">
+                <a:latin typeface="Consolas" panose="020B0609020204030204" pitchFamily="49" charset="0"/>
+              </a:rPr>
+              <a:t>: docker:20.10.16</a:t>
+            </a:r>
+          </a:p>
+          <a:p>
+            <a:pPr marL="0" indent="0">
+              <a:buNone/>
+            </a:pPr>
+            <a:r>
+              <a:rPr lang="de-DE" sz="1800" dirty="0">
+                <a:latin typeface="Consolas" panose="020B0609020204030204" pitchFamily="49" charset="0"/>
+              </a:rPr>
+              <a:t>  </a:t>
+            </a:r>
+            <a:r>
+              <a:rPr lang="de-DE" sz="1800" dirty="0" err="1">
+                <a:latin typeface="Consolas" panose="020B0609020204030204" pitchFamily="49" charset="0"/>
+              </a:rPr>
+              <a:t>services</a:t>
+            </a:r>
+            <a:r>
+              <a:rPr lang="de-DE" sz="1800" dirty="0">
+                <a:latin typeface="Consolas" panose="020B0609020204030204" pitchFamily="49" charset="0"/>
+              </a:rPr>
+              <a:t>:</a:t>
+            </a:r>
+          </a:p>
+          <a:p>
+            <a:pPr marL="0" indent="0">
+              <a:buNone/>
+            </a:pPr>
+            <a:r>
+              <a:rPr lang="de-DE" sz="1800" dirty="0">
+                <a:latin typeface="Consolas" panose="020B0609020204030204" pitchFamily="49" charset="0"/>
+              </a:rPr>
+              <a:t>    - docker:20.10.16-dind</a:t>
+            </a:r>
+          </a:p>
+          <a:p>
+            <a:pPr marL="0" indent="0">
+              <a:buNone/>
+            </a:pPr>
+            <a:r>
+              <a:rPr lang="de-DE" sz="1800" dirty="0">
+                <a:latin typeface="Consolas" panose="020B0609020204030204" pitchFamily="49" charset="0"/>
+              </a:rPr>
+              <a:t>  </a:t>
+            </a:r>
+            <a:r>
+              <a:rPr lang="de-DE" sz="1800" dirty="0" err="1">
+                <a:latin typeface="Consolas" panose="020B0609020204030204" pitchFamily="49" charset="0"/>
+              </a:rPr>
+              <a:t>before_script</a:t>
+            </a:r>
+            <a:r>
+              <a:rPr lang="de-DE" sz="1800" dirty="0">
+                <a:latin typeface="Consolas" panose="020B0609020204030204" pitchFamily="49" charset="0"/>
+              </a:rPr>
+              <a:t>:</a:t>
+            </a:r>
+          </a:p>
+          <a:p>
+            <a:pPr marL="0" indent="0">
+              <a:buNone/>
+            </a:pPr>
+            <a:r>
+              <a:rPr lang="de-DE" sz="1800" dirty="0">
+                <a:latin typeface="Consolas" panose="020B0609020204030204" pitchFamily="49" charset="0"/>
+              </a:rPr>
+              <a:t>    - </a:t>
+            </a:r>
+            <a:r>
+              <a:rPr lang="de-DE" sz="1800" dirty="0" err="1">
+                <a:latin typeface="Consolas" panose="020B0609020204030204" pitchFamily="49" charset="0"/>
+              </a:rPr>
+              <a:t>docker</a:t>
+            </a:r>
+            <a:r>
+              <a:rPr lang="de-DE" sz="1800" dirty="0">
+                <a:latin typeface="Consolas" panose="020B0609020204030204" pitchFamily="49" charset="0"/>
+              </a:rPr>
+              <a:t> </a:t>
+            </a:r>
+            <a:r>
+              <a:rPr lang="de-DE" sz="1800" dirty="0" err="1">
+                <a:latin typeface="Consolas" panose="020B0609020204030204" pitchFamily="49" charset="0"/>
+              </a:rPr>
+              <a:t>login</a:t>
+            </a:r>
+            <a:r>
+              <a:rPr lang="de-DE" sz="1800" dirty="0">
+                <a:latin typeface="Consolas" panose="020B0609020204030204" pitchFamily="49" charset="0"/>
+              </a:rPr>
+              <a:t> -u $CI_REGISTRY_USER -p $CI_REGISTRY_PASSWORD $CI_REGISTRY</a:t>
+            </a:r>
+          </a:p>
+          <a:p>
+            <a:pPr marL="0" indent="0">
+              <a:buNone/>
+            </a:pPr>
+            <a:endParaRPr lang="de-DE" sz="1800" dirty="0">
+              <a:latin typeface="Consolas" panose="020B0609020204030204" pitchFamily="49" charset="0"/>
+            </a:endParaRPr>
+          </a:p>
+          <a:p>
+            <a:pPr marL="0" indent="0">
+              <a:buNone/>
+            </a:pPr>
+            <a:r>
+              <a:rPr lang="de-DE" sz="1800" dirty="0" err="1">
+                <a:latin typeface="Consolas" panose="020B0609020204030204" pitchFamily="49" charset="0"/>
+              </a:rPr>
+              <a:t>stages</a:t>
+            </a:r>
+            <a:r>
+              <a:rPr lang="de-DE" sz="1800" dirty="0">
+                <a:latin typeface="Consolas" panose="020B0609020204030204" pitchFamily="49" charset="0"/>
+              </a:rPr>
+              <a:t>: </a:t>
+            </a:r>
+            <a:r>
+              <a:rPr lang="de-DE" sz="1600" dirty="0">
+                <a:solidFill>
+                  <a:srgbClr val="008C5A"/>
+                </a:solidFill>
+                <a:latin typeface="Consolas" panose="020B0609020204030204" pitchFamily="49" charset="0"/>
+              </a:rPr>
+              <a:t># Vier Stages</a:t>
+            </a:r>
+          </a:p>
+          <a:p>
+            <a:pPr marL="0" indent="0">
+              <a:buNone/>
+            </a:pPr>
+            <a:r>
+              <a:rPr lang="de-DE" sz="1800" dirty="0">
+                <a:latin typeface="Consolas" panose="020B0609020204030204" pitchFamily="49" charset="0"/>
+              </a:rPr>
+              <a:t>  - </a:t>
+            </a:r>
+            <a:r>
+              <a:rPr lang="de-DE" sz="1800" dirty="0" err="1">
+                <a:latin typeface="Consolas" panose="020B0609020204030204" pitchFamily="49" charset="0"/>
+              </a:rPr>
+              <a:t>build</a:t>
+            </a:r>
+            <a:endParaRPr lang="de-DE" sz="1800" dirty="0">
+              <a:latin typeface="Consolas" panose="020B0609020204030204" pitchFamily="49" charset="0"/>
+            </a:endParaRPr>
+          </a:p>
+          <a:p>
+            <a:pPr marL="0" indent="0">
+              <a:buNone/>
+            </a:pPr>
+            <a:r>
+              <a:rPr lang="de-DE" sz="1800" dirty="0">
+                <a:latin typeface="Consolas" panose="020B0609020204030204" pitchFamily="49" charset="0"/>
+              </a:rPr>
+              <a:t>  - </a:t>
+            </a:r>
+            <a:r>
+              <a:rPr lang="de-DE" sz="1800" dirty="0" err="1">
+                <a:latin typeface="Consolas" panose="020B0609020204030204" pitchFamily="49" charset="0"/>
+              </a:rPr>
+              <a:t>test</a:t>
+            </a:r>
+            <a:endParaRPr lang="de-DE" sz="1800" dirty="0">
+              <a:latin typeface="Consolas" panose="020B0609020204030204" pitchFamily="49" charset="0"/>
+            </a:endParaRPr>
+          </a:p>
+          <a:p>
+            <a:pPr marL="0" indent="0">
+              <a:buNone/>
+            </a:pPr>
+            <a:r>
+              <a:rPr lang="de-DE" sz="1800" dirty="0">
+                <a:latin typeface="Consolas" panose="020B0609020204030204" pitchFamily="49" charset="0"/>
+              </a:rPr>
+              <a:t>  - release</a:t>
+            </a:r>
+          </a:p>
+          <a:p>
+            <a:pPr marL="0" indent="0">
+              <a:buNone/>
+            </a:pPr>
+            <a:r>
+              <a:rPr lang="de-DE" sz="1800" dirty="0">
+                <a:latin typeface="Consolas" panose="020B0609020204030204" pitchFamily="49" charset="0"/>
+              </a:rPr>
+              <a:t>  - deploy</a:t>
+            </a:r>
+          </a:p>
+          <a:p>
+            <a:pPr marL="0" indent="0">
+              <a:buNone/>
+            </a:pPr>
+            <a:endParaRPr lang="de-DE" sz="1600" dirty="0">
+              <a:latin typeface="Consolas" panose="020B0609020204030204" pitchFamily="49" charset="0"/>
+            </a:endParaRPr>
+          </a:p>
+          <a:p>
+            <a:pPr marL="0" indent="0">
+              <a:buNone/>
+            </a:pPr>
+            <a:endParaRPr lang="de-DE" sz="1600" dirty="0">
+              <a:latin typeface="Consolas" panose="020B0609020204030204" pitchFamily="49" charset="0"/>
+            </a:endParaRPr>
+          </a:p>
+        </p:txBody>
+      </p:sp>
+    </p:spTree>
+    <p:extLst>
+      <p:ext uri="{BB962C8B-B14F-4D97-AF65-F5344CB8AC3E}">
+        <p14:creationId xmlns:p14="http://schemas.microsoft.com/office/powerpoint/2010/main" val="3047470218"/>
+      </p:ext>
+    </p:extLst>
+  </p:cSld>
+  <p:clrMapOvr>
+    <a:masterClrMapping/>
+  </p:clrMapOvr>
+</p:sld>
+</file>
+
+<file path=ppt/slides/slide8.xml><?xml version="1.0" encoding="utf-8"?>
+<p:sld xmlns:a="http://schemas.openxmlformats.org/drawingml/2006/main" xmlns:r="http://schemas.openxmlformats.org/officeDocument/2006/relationships" xmlns:p="http://schemas.openxmlformats.org/presentationml/2006/main">
+  <p:cSld>
+    <p:spTree>
+      <p:nvGrpSpPr>
+        <p:cNvPr id="1" name=""/>
+        <p:cNvGrpSpPr/>
+        <p:nvPr/>
+      </p:nvGrpSpPr>
+      <p:grpSpPr>
+        <a:xfrm>
+          <a:off x="0" y="0"/>
+          <a:ext cx="0" cy="0"/>
+          <a:chOff x="0" y="0"/>
+          <a:chExt cx="0" cy="0"/>
+        </a:xfrm>
+      </p:grpSpPr>
+      <p:sp>
+        <p:nvSpPr>
+          <p:cNvPr id="2" name="Titel 1">
+            <a:extLst>
+              <a:ext uri="{FF2B5EF4-FFF2-40B4-BE49-F238E27FC236}">
+                <a16:creationId xmlns:a16="http://schemas.microsoft.com/office/drawing/2014/main" id="{49A48EBC-55D9-6D64-715F-AF6DEBF117C3}"/>
+              </a:ext>
+            </a:extLst>
+          </p:cNvPr>
+          <p:cNvSpPr>
+            <a:spLocks noGrp="1"/>
+          </p:cNvSpPr>
+          <p:nvPr>
+            <p:ph type="title"/>
+          </p:nvPr>
+        </p:nvSpPr>
+        <p:spPr/>
+        <p:txBody>
+          <a:bodyPr/>
+          <a:lstStyle/>
+          <a:p>
+            <a:r>
+              <a:rPr lang="de-DE" cap="none" dirty="0"/>
+              <a:t>Release- und </a:t>
+            </a:r>
+            <a:r>
+              <a:rPr lang="de-DE" cap="none" dirty="0" err="1"/>
+              <a:t>Tagged</a:t>
+            </a:r>
+            <a:r>
+              <a:rPr lang="de-DE" cap="none" dirty="0"/>
+              <a:t>-Images</a:t>
+            </a:r>
+            <a:endParaRPr lang="de-DE" dirty="0"/>
+          </a:p>
+        </p:txBody>
+      </p:sp>
+      <p:sp>
+        <p:nvSpPr>
+          <p:cNvPr id="3" name="Inhaltsplatzhalter 2">
+            <a:extLst>
+              <a:ext uri="{FF2B5EF4-FFF2-40B4-BE49-F238E27FC236}">
+                <a16:creationId xmlns:a16="http://schemas.microsoft.com/office/drawing/2014/main" id="{7B404127-ED2B-6905-BDD1-3C60D11A2A7C}"/>
+              </a:ext>
+            </a:extLst>
+          </p:cNvPr>
+          <p:cNvSpPr>
+            <a:spLocks noGrp="1"/>
+          </p:cNvSpPr>
+          <p:nvPr>
+            <p:ph idx="1"/>
+          </p:nvPr>
+        </p:nvSpPr>
+        <p:spPr/>
+        <p:txBody>
+          <a:bodyPr/>
+          <a:lstStyle/>
+          <a:p>
+            <a:pPr marL="0" indent="0">
+              <a:buNone/>
+            </a:pPr>
+            <a:r>
+              <a:rPr lang="de-DE" sz="2000" b="1" dirty="0">
+                <a:latin typeface="Consolas" panose="020B0609020204030204" pitchFamily="49" charset="0"/>
+              </a:rPr>
+              <a:t>.</a:t>
+            </a:r>
+            <a:r>
+              <a:rPr lang="de-DE" sz="2000" b="1" dirty="0" err="1">
+                <a:latin typeface="Consolas" panose="020B0609020204030204" pitchFamily="49" charset="0"/>
+              </a:rPr>
+              <a:t>gitlab-ci.yml</a:t>
+            </a:r>
+            <a:r>
+              <a:rPr lang="de-DE" sz="2000" b="1" dirty="0">
+                <a:latin typeface="Consolas" panose="020B0609020204030204" pitchFamily="49" charset="0"/>
+              </a:rPr>
+              <a:t> (2/4)</a:t>
+            </a:r>
+          </a:p>
+          <a:p>
+            <a:pPr marL="0" indent="0">
+              <a:buNone/>
+            </a:pPr>
+            <a:r>
+              <a:rPr lang="de-DE" sz="1600" dirty="0">
+                <a:latin typeface="Consolas" panose="020B0609020204030204" pitchFamily="49" charset="0"/>
+              </a:rPr>
+              <a:t>variables:</a:t>
+            </a:r>
+          </a:p>
+          <a:p>
+            <a:pPr marL="0" indent="0">
+              <a:buNone/>
+            </a:pPr>
+            <a:r>
+              <a:rPr lang="de-DE" sz="1600" dirty="0">
+                <a:latin typeface="Consolas" panose="020B0609020204030204" pitchFamily="49" charset="0"/>
+              </a:rPr>
+              <a:t>  # Use TLS </a:t>
+            </a:r>
+            <a:r>
+              <a:rPr lang="de-DE" sz="1600" b="1" dirty="0">
+                <a:latin typeface="Consolas" panose="020B0609020204030204" pitchFamily="49" charset="0"/>
+              </a:rPr>
+              <a:t>(kein Muss!)</a:t>
+            </a:r>
+            <a:r>
+              <a:rPr lang="de-DE" sz="1600" dirty="0">
+                <a:latin typeface="Consolas" panose="020B0609020204030204" pitchFamily="49" charset="0"/>
+              </a:rPr>
+              <a:t> https://docs.gitlab.com/ee/ci/docker/using_docker_build.html#tls-enabled</a:t>
+            </a:r>
+          </a:p>
+          <a:p>
+            <a:pPr marL="0" indent="0">
+              <a:buNone/>
+            </a:pPr>
+            <a:r>
+              <a:rPr lang="de-DE" sz="1600" dirty="0">
+                <a:latin typeface="Consolas" panose="020B0609020204030204" pitchFamily="49" charset="0"/>
+              </a:rPr>
+              <a:t>  DOCKER_HOST: tcp://docker:2376</a:t>
+            </a:r>
+          </a:p>
+          <a:p>
+            <a:pPr marL="0" indent="0">
+              <a:buNone/>
+            </a:pPr>
+            <a:r>
+              <a:rPr lang="de-DE" sz="1600" dirty="0">
+                <a:latin typeface="Consolas" panose="020B0609020204030204" pitchFamily="49" charset="0"/>
+              </a:rPr>
+              <a:t>  DOCKER_TLS_CERTDIR: "/</a:t>
+            </a:r>
+            <a:r>
+              <a:rPr lang="de-DE" sz="1600" dirty="0" err="1">
+                <a:latin typeface="Consolas" panose="020B0609020204030204" pitchFamily="49" charset="0"/>
+              </a:rPr>
+              <a:t>certs</a:t>
+            </a:r>
+            <a:r>
+              <a:rPr lang="de-DE" sz="1600" dirty="0">
+                <a:latin typeface="Consolas" panose="020B0609020204030204" pitchFamily="49" charset="0"/>
+              </a:rPr>
+              <a:t>"</a:t>
+            </a:r>
+          </a:p>
+          <a:p>
+            <a:pPr marL="0" indent="0">
+              <a:buNone/>
+            </a:pPr>
+            <a:r>
+              <a:rPr lang="de-DE" sz="1600" dirty="0">
+                <a:latin typeface="Consolas" panose="020B0609020204030204" pitchFamily="49" charset="0"/>
+              </a:rPr>
+              <a:t>  CONTAINER_TEST_IMAGE: $CI_REGISTRY_IMAGE:$CI_COMMIT_REF_SLUG</a:t>
+            </a:r>
+          </a:p>
+          <a:p>
+            <a:pPr marL="0" indent="0">
+              <a:buNone/>
+            </a:pPr>
+            <a:r>
+              <a:rPr lang="de-DE" sz="1600" dirty="0">
+                <a:latin typeface="Consolas" panose="020B0609020204030204" pitchFamily="49" charset="0"/>
+              </a:rPr>
+              <a:t>  CONTAINER_RELEASE_IMAGE: $</a:t>
+            </a:r>
+            <a:r>
+              <a:rPr lang="de-DE" sz="1600" dirty="0" err="1">
+                <a:latin typeface="Consolas" panose="020B0609020204030204" pitchFamily="49" charset="0"/>
+              </a:rPr>
+              <a:t>CI_REGISTRY_IMAGE:latest</a:t>
+            </a:r>
+            <a:r>
+              <a:rPr lang="de-DE" sz="1600" dirty="0">
+                <a:latin typeface="Consolas" panose="020B0609020204030204" pitchFamily="49" charset="0"/>
+              </a:rPr>
+              <a:t> </a:t>
+            </a:r>
+            <a:r>
+              <a:rPr lang="de-DE" sz="1600" dirty="0">
+                <a:solidFill>
+                  <a:srgbClr val="008C5A"/>
+                </a:solidFill>
+                <a:latin typeface="Consolas" panose="020B0609020204030204" pitchFamily="49" charset="0"/>
+              </a:rPr>
+              <a:t># Variable für 4.</a:t>
+            </a:r>
+          </a:p>
+          <a:p>
+            <a:pPr marL="0" indent="0">
+              <a:buNone/>
+            </a:pPr>
+            <a:endParaRPr lang="de-DE" sz="1600" dirty="0">
+              <a:latin typeface="Consolas" panose="020B0609020204030204" pitchFamily="49" charset="0"/>
+            </a:endParaRPr>
+          </a:p>
+          <a:p>
+            <a:pPr marL="0" indent="0">
+              <a:buNone/>
+            </a:pPr>
+            <a:r>
+              <a:rPr lang="de-DE" sz="1600" dirty="0" err="1">
+                <a:latin typeface="Consolas" panose="020B0609020204030204" pitchFamily="49" charset="0"/>
+              </a:rPr>
+              <a:t>build</a:t>
+            </a:r>
+            <a:r>
+              <a:rPr lang="de-DE" sz="1600" dirty="0">
+                <a:latin typeface="Consolas" panose="020B0609020204030204" pitchFamily="49" charset="0"/>
+              </a:rPr>
+              <a:t>:</a:t>
+            </a:r>
+          </a:p>
+          <a:p>
+            <a:pPr marL="0" indent="0">
+              <a:buNone/>
+            </a:pPr>
+            <a:r>
+              <a:rPr lang="de-DE" sz="1600" dirty="0">
+                <a:latin typeface="Consolas" panose="020B0609020204030204" pitchFamily="49" charset="0"/>
+              </a:rPr>
+              <a:t>  </a:t>
+            </a:r>
+            <a:r>
+              <a:rPr lang="de-DE" sz="1600" dirty="0" err="1">
+                <a:latin typeface="Consolas" panose="020B0609020204030204" pitchFamily="49" charset="0"/>
+              </a:rPr>
+              <a:t>stage</a:t>
+            </a:r>
+            <a:r>
+              <a:rPr lang="de-DE" sz="1600" dirty="0">
+                <a:latin typeface="Consolas" panose="020B0609020204030204" pitchFamily="49" charset="0"/>
+              </a:rPr>
+              <a:t>: </a:t>
+            </a:r>
+            <a:r>
+              <a:rPr lang="de-DE" sz="1600" dirty="0" err="1">
+                <a:latin typeface="Consolas" panose="020B0609020204030204" pitchFamily="49" charset="0"/>
+              </a:rPr>
+              <a:t>build</a:t>
+            </a:r>
+            <a:endParaRPr lang="de-DE" sz="1600" dirty="0">
+              <a:latin typeface="Consolas" panose="020B0609020204030204" pitchFamily="49" charset="0"/>
+            </a:endParaRPr>
+          </a:p>
+          <a:p>
+            <a:pPr marL="0" indent="0">
+              <a:buNone/>
+            </a:pPr>
+            <a:r>
+              <a:rPr lang="de-DE" sz="1600" dirty="0">
+                <a:latin typeface="Consolas" panose="020B0609020204030204" pitchFamily="49" charset="0"/>
+              </a:rPr>
+              <a:t>  </a:t>
+            </a:r>
+            <a:r>
+              <a:rPr lang="de-DE" sz="1600" dirty="0" err="1">
+                <a:latin typeface="Consolas" panose="020B0609020204030204" pitchFamily="49" charset="0"/>
+              </a:rPr>
+              <a:t>script</a:t>
+            </a:r>
+            <a:r>
+              <a:rPr lang="de-DE" sz="1600" dirty="0">
+                <a:latin typeface="Consolas" panose="020B0609020204030204" pitchFamily="49" charset="0"/>
+              </a:rPr>
+              <a:t>:</a:t>
+            </a:r>
+          </a:p>
+          <a:p>
+            <a:pPr marL="0" indent="0">
+              <a:buNone/>
+            </a:pPr>
+            <a:r>
+              <a:rPr lang="de-DE" sz="1600" dirty="0">
+                <a:latin typeface="Consolas" panose="020B0609020204030204" pitchFamily="49" charset="0"/>
+              </a:rPr>
+              <a:t>    - </a:t>
+            </a:r>
+            <a:r>
+              <a:rPr lang="de-DE" sz="1600" dirty="0" err="1">
+                <a:latin typeface="Consolas" panose="020B0609020204030204" pitchFamily="49" charset="0"/>
+              </a:rPr>
+              <a:t>docker</a:t>
+            </a:r>
+            <a:r>
+              <a:rPr lang="de-DE" sz="1600" dirty="0">
+                <a:latin typeface="Consolas" panose="020B0609020204030204" pitchFamily="49" charset="0"/>
+              </a:rPr>
+              <a:t> </a:t>
+            </a:r>
+            <a:r>
+              <a:rPr lang="de-DE" sz="1600" dirty="0" err="1">
+                <a:latin typeface="Consolas" panose="020B0609020204030204" pitchFamily="49" charset="0"/>
+              </a:rPr>
+              <a:t>build</a:t>
+            </a:r>
+            <a:r>
+              <a:rPr lang="de-DE" sz="1600" dirty="0">
+                <a:latin typeface="Consolas" panose="020B0609020204030204" pitchFamily="49" charset="0"/>
+              </a:rPr>
+              <a:t> --pull -t $CONTAINER_TEST_IMAGE .</a:t>
+            </a:r>
+          </a:p>
+          <a:p>
+            <a:pPr marL="0" indent="0">
+              <a:buNone/>
+            </a:pPr>
+            <a:r>
+              <a:rPr lang="de-DE" sz="1600" dirty="0">
+                <a:latin typeface="Consolas" panose="020B0609020204030204" pitchFamily="49" charset="0"/>
+              </a:rPr>
+              <a:t>    - </a:t>
+            </a:r>
+            <a:r>
+              <a:rPr lang="de-DE" sz="1600" dirty="0" err="1">
+                <a:latin typeface="Consolas" panose="020B0609020204030204" pitchFamily="49" charset="0"/>
+              </a:rPr>
+              <a:t>docker</a:t>
+            </a:r>
+            <a:r>
+              <a:rPr lang="de-DE" sz="1600" dirty="0">
+                <a:latin typeface="Consolas" panose="020B0609020204030204" pitchFamily="49" charset="0"/>
+              </a:rPr>
+              <a:t> push $CONTAINER_TEST_IMAGE </a:t>
+            </a:r>
+            <a:r>
+              <a:rPr lang="de-DE" sz="1600" dirty="0">
+                <a:solidFill>
+                  <a:srgbClr val="008C5A"/>
+                </a:solidFill>
+                <a:latin typeface="Consolas" panose="020B0609020204030204" pitchFamily="49" charset="0"/>
+              </a:rPr>
+              <a:t># 1. </a:t>
+            </a:r>
+            <a:r>
+              <a:rPr lang="de-DE" sz="1600" dirty="0" err="1">
+                <a:solidFill>
+                  <a:srgbClr val="008C5A"/>
+                </a:solidFill>
+                <a:latin typeface="Consolas" panose="020B0609020204030204" pitchFamily="49" charset="0"/>
+              </a:rPr>
+              <a:t>Build</a:t>
+            </a:r>
+            <a:r>
+              <a:rPr lang="de-DE" sz="1600" dirty="0">
+                <a:solidFill>
+                  <a:srgbClr val="008C5A"/>
+                </a:solidFill>
+                <a:latin typeface="Consolas" panose="020B0609020204030204" pitchFamily="49" charset="0"/>
+              </a:rPr>
+              <a:t> wird in die Container Registry </a:t>
+            </a:r>
+            <a:r>
+              <a:rPr lang="de-DE" sz="1600" dirty="0" err="1">
+                <a:solidFill>
+                  <a:srgbClr val="008C5A"/>
+                </a:solidFill>
+                <a:latin typeface="Consolas" panose="020B0609020204030204" pitchFamily="49" charset="0"/>
+              </a:rPr>
+              <a:t>gepushed</a:t>
+            </a:r>
+            <a:endParaRPr lang="de-DE" sz="1600" dirty="0">
+              <a:solidFill>
+                <a:srgbClr val="008C5A"/>
+              </a:solidFill>
+              <a:latin typeface="Consolas" panose="020B0609020204030204" pitchFamily="49" charset="0"/>
+            </a:endParaRPr>
+          </a:p>
+          <a:p>
+            <a:pPr marL="0" indent="0">
+              <a:buNone/>
+            </a:pPr>
+            <a:endParaRPr lang="de-DE" sz="1600" dirty="0">
+              <a:latin typeface="Consolas" panose="020B0609020204030204" pitchFamily="49" charset="0"/>
+            </a:endParaRPr>
+          </a:p>
+          <a:p>
+            <a:pPr marL="0" indent="0">
+              <a:buNone/>
+            </a:pPr>
+            <a:endParaRPr lang="de-DE" sz="1600" dirty="0">
+              <a:latin typeface="Consolas" panose="020B0609020204030204" pitchFamily="49" charset="0"/>
+            </a:endParaRPr>
+          </a:p>
+          <a:p>
+            <a:pPr marL="0" indent="0">
+              <a:buNone/>
+            </a:pPr>
+            <a:endParaRPr lang="de-DE" sz="1600" dirty="0">
+              <a:latin typeface="Consolas" panose="020B0609020204030204" pitchFamily="49" charset="0"/>
+            </a:endParaRPr>
+          </a:p>
+        </p:txBody>
+      </p:sp>
+    </p:spTree>
+    <p:extLst>
+      <p:ext uri="{BB962C8B-B14F-4D97-AF65-F5344CB8AC3E}">
+        <p14:creationId xmlns:p14="http://schemas.microsoft.com/office/powerpoint/2010/main" val="812820427"/>
+      </p:ext>
+    </p:extLst>
+  </p:cSld>
+  <p:clrMapOvr>
+    <a:masterClrMapping/>
+  </p:clrMapOvr>
+</p:sld>
+</file>
+
+<file path=ppt/slides/slide9.xml><?xml version="1.0" encoding="utf-8"?>
+<p:sld xmlns:a="http://schemas.openxmlformats.org/drawingml/2006/main" xmlns:r="http://schemas.openxmlformats.org/officeDocument/2006/relationships" xmlns:p="http://schemas.openxmlformats.org/presentationml/2006/main">
+  <p:cSld>
+    <p:spTree>
+      <p:nvGrpSpPr>
+        <p:cNvPr id="1" name=""/>
+        <p:cNvGrpSpPr/>
+        <p:nvPr/>
+      </p:nvGrpSpPr>
+      <p:grpSpPr>
+        <a:xfrm>
+          <a:off x="0" y="0"/>
+          <a:ext cx="0" cy="0"/>
+          <a:chOff x="0" y="0"/>
+          <a:chExt cx="0" cy="0"/>
+        </a:xfrm>
+      </p:grpSpPr>
+      <p:sp>
+        <p:nvSpPr>
+          <p:cNvPr id="2" name="Titel 1">
+            <a:extLst>
+              <a:ext uri="{FF2B5EF4-FFF2-40B4-BE49-F238E27FC236}">
+                <a16:creationId xmlns:a16="http://schemas.microsoft.com/office/drawing/2014/main" id="{49A48EBC-55D9-6D64-715F-AF6DEBF117C3}"/>
+              </a:ext>
+            </a:extLst>
+          </p:cNvPr>
+          <p:cNvSpPr>
+            <a:spLocks noGrp="1"/>
+          </p:cNvSpPr>
+          <p:nvPr>
+            <p:ph type="title"/>
+          </p:nvPr>
+        </p:nvSpPr>
+        <p:spPr/>
+        <p:txBody>
+          <a:bodyPr/>
+          <a:lstStyle/>
+          <a:p>
+            <a:r>
+              <a:rPr lang="de-DE" cap="none" dirty="0"/>
+              <a:t>Release- und </a:t>
+            </a:r>
+            <a:r>
+              <a:rPr lang="de-DE" cap="none" dirty="0" err="1"/>
+              <a:t>Tagged</a:t>
+            </a:r>
+            <a:r>
+              <a:rPr lang="de-DE" cap="none" dirty="0"/>
+              <a:t>-Images</a:t>
+            </a:r>
+            <a:endParaRPr lang="de-DE" dirty="0"/>
+          </a:p>
+        </p:txBody>
+      </p:sp>
+      <p:sp>
+        <p:nvSpPr>
+          <p:cNvPr id="3" name="Inhaltsplatzhalter 2">
+            <a:extLst>
+              <a:ext uri="{FF2B5EF4-FFF2-40B4-BE49-F238E27FC236}">
+                <a16:creationId xmlns:a16="http://schemas.microsoft.com/office/drawing/2014/main" id="{7B404127-ED2B-6905-BDD1-3C60D11A2A7C}"/>
+              </a:ext>
+            </a:extLst>
+          </p:cNvPr>
+          <p:cNvSpPr>
+            <a:spLocks noGrp="1"/>
+          </p:cNvSpPr>
+          <p:nvPr>
+            <p:ph idx="1"/>
+          </p:nvPr>
+        </p:nvSpPr>
+        <p:spPr/>
+        <p:txBody>
+          <a:bodyPr/>
+          <a:lstStyle/>
+          <a:p>
+            <a:pPr marL="0" indent="0">
+              <a:buNone/>
+            </a:pPr>
+            <a:r>
+              <a:rPr lang="de-DE" sz="2000" b="1" dirty="0">
+                <a:latin typeface="Consolas" panose="020B0609020204030204" pitchFamily="49" charset="0"/>
+              </a:rPr>
+              <a:t>.</a:t>
+            </a:r>
+            <a:r>
+              <a:rPr lang="de-DE" sz="2000" b="1" dirty="0" err="1">
+                <a:latin typeface="Consolas" panose="020B0609020204030204" pitchFamily="49" charset="0"/>
+              </a:rPr>
+              <a:t>gitlab-ci.yml</a:t>
+            </a:r>
+            <a:r>
+              <a:rPr lang="de-DE" sz="2000" b="1" dirty="0">
+                <a:latin typeface="Consolas" panose="020B0609020204030204" pitchFamily="49" charset="0"/>
+              </a:rPr>
+              <a:t> (3/4)</a:t>
+            </a:r>
+          </a:p>
+          <a:p>
+            <a:pPr marL="0" indent="0">
+              <a:buNone/>
+            </a:pPr>
+            <a:r>
+              <a:rPr lang="de-DE" sz="1600" dirty="0">
+                <a:latin typeface="Consolas" panose="020B0609020204030204" pitchFamily="49" charset="0"/>
+              </a:rPr>
+              <a:t>test1:</a:t>
+            </a:r>
+          </a:p>
+          <a:p>
+            <a:pPr marL="0" indent="0">
+              <a:buNone/>
+            </a:pPr>
+            <a:r>
+              <a:rPr lang="de-DE" sz="1600" dirty="0">
+                <a:latin typeface="Consolas" panose="020B0609020204030204" pitchFamily="49" charset="0"/>
+              </a:rPr>
+              <a:t>  </a:t>
+            </a:r>
+            <a:r>
+              <a:rPr lang="de-DE" sz="1600" dirty="0" err="1">
+                <a:latin typeface="Consolas" panose="020B0609020204030204" pitchFamily="49" charset="0"/>
+              </a:rPr>
+              <a:t>stage</a:t>
+            </a:r>
+            <a:r>
+              <a:rPr lang="de-DE" sz="1600" dirty="0">
+                <a:latin typeface="Consolas" panose="020B0609020204030204" pitchFamily="49" charset="0"/>
+              </a:rPr>
+              <a:t>: </a:t>
+            </a:r>
+            <a:r>
+              <a:rPr lang="de-DE" sz="1600" dirty="0" err="1">
+                <a:latin typeface="Consolas" panose="020B0609020204030204" pitchFamily="49" charset="0"/>
+              </a:rPr>
+              <a:t>test</a:t>
+            </a:r>
+            <a:endParaRPr lang="de-DE" sz="1600" dirty="0">
+              <a:latin typeface="Consolas" panose="020B0609020204030204" pitchFamily="49" charset="0"/>
+            </a:endParaRPr>
+          </a:p>
+          <a:p>
+            <a:pPr marL="0" indent="0">
+              <a:buNone/>
+            </a:pPr>
+            <a:r>
+              <a:rPr lang="de-DE" sz="1600" dirty="0">
+                <a:latin typeface="Consolas" panose="020B0609020204030204" pitchFamily="49" charset="0"/>
+              </a:rPr>
+              <a:t>  </a:t>
+            </a:r>
+            <a:r>
+              <a:rPr lang="de-DE" sz="1600" dirty="0" err="1">
+                <a:latin typeface="Consolas" panose="020B0609020204030204" pitchFamily="49" charset="0"/>
+              </a:rPr>
+              <a:t>script</a:t>
+            </a:r>
+            <a:r>
+              <a:rPr lang="de-DE" sz="1600" dirty="0">
+                <a:latin typeface="Consolas" panose="020B0609020204030204" pitchFamily="49" charset="0"/>
+              </a:rPr>
+              <a:t>:</a:t>
+            </a:r>
+          </a:p>
+          <a:p>
+            <a:pPr marL="0" indent="0">
+              <a:buNone/>
+            </a:pPr>
+            <a:r>
+              <a:rPr lang="de-DE" sz="1600" dirty="0">
+                <a:latin typeface="Consolas" panose="020B0609020204030204" pitchFamily="49" charset="0"/>
+              </a:rPr>
+              <a:t>    - </a:t>
+            </a:r>
+            <a:r>
+              <a:rPr lang="de-DE" sz="1600" dirty="0" err="1">
+                <a:latin typeface="Consolas" panose="020B0609020204030204" pitchFamily="49" charset="0"/>
+              </a:rPr>
+              <a:t>docker</a:t>
+            </a:r>
+            <a:r>
+              <a:rPr lang="de-DE" sz="1600" dirty="0">
+                <a:latin typeface="Consolas" panose="020B0609020204030204" pitchFamily="49" charset="0"/>
+              </a:rPr>
+              <a:t> pull $CONTAINER_TEST_IMAGE </a:t>
+            </a:r>
+            <a:r>
+              <a:rPr lang="de-DE" sz="1600" dirty="0">
+                <a:solidFill>
+                  <a:srgbClr val="008C5A"/>
+                </a:solidFill>
+                <a:latin typeface="Consolas" panose="020B0609020204030204" pitchFamily="49" charset="0"/>
+              </a:rPr>
+              <a:t># 2. Von den nachfolgenden Stages (bei Bedarf) </a:t>
+            </a:r>
+            <a:r>
+              <a:rPr lang="de-DE" sz="1600" dirty="0" err="1">
+                <a:solidFill>
+                  <a:srgbClr val="008C5A"/>
+                </a:solidFill>
+                <a:latin typeface="Consolas" panose="020B0609020204030204" pitchFamily="49" charset="0"/>
+              </a:rPr>
+              <a:t>gepulled</a:t>
+            </a:r>
+            <a:endParaRPr lang="de-DE" sz="1600" dirty="0">
+              <a:solidFill>
+                <a:srgbClr val="008C5A"/>
+              </a:solidFill>
+              <a:latin typeface="Consolas" panose="020B0609020204030204" pitchFamily="49" charset="0"/>
+            </a:endParaRPr>
+          </a:p>
+          <a:p>
+            <a:pPr marL="0" indent="0">
+              <a:buNone/>
+            </a:pPr>
+            <a:r>
+              <a:rPr lang="de-DE" sz="1600" dirty="0">
+                <a:latin typeface="Consolas" panose="020B0609020204030204" pitchFamily="49" charset="0"/>
+              </a:rPr>
+              <a:t>    - </a:t>
+            </a:r>
+            <a:r>
+              <a:rPr lang="de-DE" sz="1600" dirty="0" err="1">
+                <a:latin typeface="Consolas" panose="020B0609020204030204" pitchFamily="49" charset="0"/>
+              </a:rPr>
+              <a:t>docker</a:t>
+            </a:r>
+            <a:r>
+              <a:rPr lang="de-DE" sz="1600" dirty="0">
+                <a:latin typeface="Consolas" panose="020B0609020204030204" pitchFamily="49" charset="0"/>
+              </a:rPr>
+              <a:t> </a:t>
+            </a:r>
+            <a:r>
+              <a:rPr lang="de-DE" sz="1600" dirty="0" err="1">
+                <a:latin typeface="Consolas" panose="020B0609020204030204" pitchFamily="49" charset="0"/>
+              </a:rPr>
+              <a:t>run</a:t>
+            </a:r>
+            <a:r>
+              <a:rPr lang="de-DE" sz="1600" dirty="0">
+                <a:latin typeface="Consolas" panose="020B0609020204030204" pitchFamily="49" charset="0"/>
+              </a:rPr>
+              <a:t> $CONTAINER_TEST_IMAGE /</a:t>
+            </a:r>
+            <a:r>
+              <a:rPr lang="de-DE" sz="1600" dirty="0" err="1">
+                <a:latin typeface="Consolas" panose="020B0609020204030204" pitchFamily="49" charset="0"/>
+              </a:rPr>
+              <a:t>script</a:t>
+            </a:r>
+            <a:r>
+              <a:rPr lang="de-DE" sz="1600" dirty="0">
+                <a:latin typeface="Consolas" panose="020B0609020204030204" pitchFamily="49" charset="0"/>
+              </a:rPr>
+              <a:t>/</a:t>
+            </a:r>
+            <a:r>
+              <a:rPr lang="de-DE" sz="1600" dirty="0" err="1">
+                <a:latin typeface="Consolas" panose="020B0609020204030204" pitchFamily="49" charset="0"/>
+              </a:rPr>
+              <a:t>to</a:t>
+            </a:r>
+            <a:r>
+              <a:rPr lang="de-DE" sz="1600" dirty="0">
+                <a:latin typeface="Consolas" panose="020B0609020204030204" pitchFamily="49" charset="0"/>
+              </a:rPr>
+              <a:t>/</a:t>
+            </a:r>
+            <a:r>
+              <a:rPr lang="de-DE" sz="1600" dirty="0" err="1">
+                <a:latin typeface="Consolas" panose="020B0609020204030204" pitchFamily="49" charset="0"/>
+              </a:rPr>
+              <a:t>run</a:t>
+            </a:r>
+            <a:r>
+              <a:rPr lang="de-DE" sz="1600" dirty="0">
+                <a:latin typeface="Consolas" panose="020B0609020204030204" pitchFamily="49" charset="0"/>
+              </a:rPr>
+              <a:t>/</a:t>
+            </a:r>
+            <a:r>
+              <a:rPr lang="de-DE" sz="1600" dirty="0" err="1">
+                <a:latin typeface="Consolas" panose="020B0609020204030204" pitchFamily="49" charset="0"/>
+              </a:rPr>
+              <a:t>tests</a:t>
+            </a:r>
+            <a:r>
+              <a:rPr lang="de-DE" sz="1600" dirty="0">
+                <a:latin typeface="Consolas" panose="020B0609020204030204" pitchFamily="49" charset="0"/>
+              </a:rPr>
+              <a:t> </a:t>
+            </a:r>
+            <a:r>
+              <a:rPr lang="de-DE" sz="1600" dirty="0">
+                <a:solidFill>
+                  <a:srgbClr val="008C5A"/>
+                </a:solidFill>
+                <a:latin typeface="Consolas" panose="020B0609020204030204" pitchFamily="49" charset="0"/>
+              </a:rPr>
+              <a:t># 3. Zwei </a:t>
+            </a:r>
+            <a:r>
+              <a:rPr lang="de-DE" sz="1600" dirty="0" err="1">
+                <a:solidFill>
+                  <a:srgbClr val="008C5A"/>
+                </a:solidFill>
+                <a:latin typeface="Consolas" panose="020B0609020204030204" pitchFamily="49" charset="0"/>
+              </a:rPr>
+              <a:t>paralell</a:t>
+            </a:r>
+            <a:r>
+              <a:rPr lang="de-DE" sz="1600" dirty="0">
+                <a:solidFill>
+                  <a:srgbClr val="008C5A"/>
+                </a:solidFill>
+                <a:latin typeface="Consolas" panose="020B0609020204030204" pitchFamily="49" charset="0"/>
+              </a:rPr>
+              <a:t> laufende Tests</a:t>
+            </a:r>
+          </a:p>
+          <a:p>
+            <a:pPr marL="0" indent="0">
+              <a:buNone/>
+            </a:pPr>
+            <a:endParaRPr lang="de-DE" sz="1600" dirty="0">
+              <a:latin typeface="Consolas" panose="020B0609020204030204" pitchFamily="49" charset="0"/>
+            </a:endParaRPr>
+          </a:p>
+          <a:p>
+            <a:pPr marL="0" indent="0">
+              <a:buNone/>
+            </a:pPr>
+            <a:r>
+              <a:rPr lang="de-DE" sz="1600" dirty="0">
+                <a:latin typeface="Consolas" panose="020B0609020204030204" pitchFamily="49" charset="0"/>
+              </a:rPr>
+              <a:t>test2:</a:t>
+            </a:r>
+          </a:p>
+          <a:p>
+            <a:pPr marL="0" indent="0">
+              <a:buNone/>
+            </a:pPr>
+            <a:r>
+              <a:rPr lang="de-DE" sz="1600" dirty="0">
+                <a:latin typeface="Consolas" panose="020B0609020204030204" pitchFamily="49" charset="0"/>
+              </a:rPr>
+              <a:t>  </a:t>
+            </a:r>
+            <a:r>
+              <a:rPr lang="de-DE" sz="1600" dirty="0" err="1">
+                <a:latin typeface="Consolas" panose="020B0609020204030204" pitchFamily="49" charset="0"/>
+              </a:rPr>
+              <a:t>stage</a:t>
+            </a:r>
+            <a:r>
+              <a:rPr lang="de-DE" sz="1600" dirty="0">
+                <a:latin typeface="Consolas" panose="020B0609020204030204" pitchFamily="49" charset="0"/>
+              </a:rPr>
+              <a:t>: </a:t>
+            </a:r>
+            <a:r>
+              <a:rPr lang="de-DE" sz="1600" dirty="0" err="1">
+                <a:latin typeface="Consolas" panose="020B0609020204030204" pitchFamily="49" charset="0"/>
+              </a:rPr>
+              <a:t>test</a:t>
+            </a:r>
+            <a:endParaRPr lang="de-DE" sz="1600" dirty="0">
+              <a:latin typeface="Consolas" panose="020B0609020204030204" pitchFamily="49" charset="0"/>
+            </a:endParaRPr>
+          </a:p>
+          <a:p>
+            <a:pPr marL="0" indent="0">
+              <a:buNone/>
+            </a:pPr>
+            <a:r>
+              <a:rPr lang="de-DE" sz="1600" dirty="0">
+                <a:latin typeface="Consolas" panose="020B0609020204030204" pitchFamily="49" charset="0"/>
+              </a:rPr>
+              <a:t>  </a:t>
+            </a:r>
+            <a:r>
+              <a:rPr lang="de-DE" sz="1600" dirty="0" err="1">
+                <a:latin typeface="Consolas" panose="020B0609020204030204" pitchFamily="49" charset="0"/>
+              </a:rPr>
+              <a:t>script</a:t>
+            </a:r>
+            <a:r>
+              <a:rPr lang="de-DE" sz="1600" dirty="0">
+                <a:latin typeface="Consolas" panose="020B0609020204030204" pitchFamily="49" charset="0"/>
+              </a:rPr>
+              <a:t>:</a:t>
+            </a:r>
+          </a:p>
+          <a:p>
+            <a:pPr marL="0" indent="0">
+              <a:buNone/>
+            </a:pPr>
+            <a:r>
+              <a:rPr lang="de-DE" sz="1600" dirty="0">
+                <a:latin typeface="Consolas" panose="020B0609020204030204" pitchFamily="49" charset="0"/>
+              </a:rPr>
+              <a:t>    - </a:t>
+            </a:r>
+            <a:r>
+              <a:rPr lang="de-DE" sz="1600" dirty="0" err="1">
+                <a:latin typeface="Consolas" panose="020B0609020204030204" pitchFamily="49" charset="0"/>
+              </a:rPr>
+              <a:t>docker</a:t>
+            </a:r>
+            <a:r>
+              <a:rPr lang="de-DE" sz="1600" dirty="0">
+                <a:latin typeface="Consolas" panose="020B0609020204030204" pitchFamily="49" charset="0"/>
+              </a:rPr>
+              <a:t> pull $CONTAINER_TEST_IMAGE </a:t>
+            </a:r>
+            <a:r>
+              <a:rPr lang="de-DE" sz="1600" dirty="0">
+                <a:solidFill>
+                  <a:srgbClr val="008C5A"/>
+                </a:solidFill>
+                <a:latin typeface="Consolas" panose="020B0609020204030204" pitchFamily="49" charset="0"/>
+              </a:rPr>
+              <a:t># 2. Von den nachfolgenden Stages (bei Bedarf) </a:t>
+            </a:r>
+            <a:r>
+              <a:rPr lang="de-DE" sz="1600" dirty="0" err="1">
+                <a:solidFill>
+                  <a:srgbClr val="008C5A"/>
+                </a:solidFill>
+                <a:latin typeface="Consolas" panose="020B0609020204030204" pitchFamily="49" charset="0"/>
+              </a:rPr>
+              <a:t>gepulled</a:t>
+            </a:r>
+            <a:endParaRPr lang="de-DE" sz="1600" dirty="0">
+              <a:solidFill>
+                <a:srgbClr val="008C5A"/>
+              </a:solidFill>
+              <a:latin typeface="Consolas" panose="020B0609020204030204" pitchFamily="49" charset="0"/>
+            </a:endParaRPr>
+          </a:p>
+          <a:p>
+            <a:pPr marL="0" indent="0">
+              <a:buNone/>
+            </a:pPr>
+            <a:r>
+              <a:rPr lang="de-DE" sz="1600" dirty="0">
+                <a:latin typeface="Consolas" panose="020B0609020204030204" pitchFamily="49" charset="0"/>
+              </a:rPr>
+              <a:t>    - </a:t>
+            </a:r>
+            <a:r>
+              <a:rPr lang="de-DE" sz="1600" dirty="0" err="1">
+                <a:latin typeface="Consolas" panose="020B0609020204030204" pitchFamily="49" charset="0"/>
+              </a:rPr>
+              <a:t>docker</a:t>
+            </a:r>
+            <a:r>
+              <a:rPr lang="de-DE" sz="1600" dirty="0">
+                <a:latin typeface="Consolas" panose="020B0609020204030204" pitchFamily="49" charset="0"/>
+              </a:rPr>
+              <a:t> </a:t>
+            </a:r>
+            <a:r>
+              <a:rPr lang="de-DE" sz="1600" dirty="0" err="1">
+                <a:latin typeface="Consolas" panose="020B0609020204030204" pitchFamily="49" charset="0"/>
+              </a:rPr>
+              <a:t>run</a:t>
+            </a:r>
+            <a:r>
+              <a:rPr lang="de-DE" sz="1600" dirty="0">
+                <a:latin typeface="Consolas" panose="020B0609020204030204" pitchFamily="49" charset="0"/>
+              </a:rPr>
+              <a:t> $CONTAINER_TEST_IMAGE /</a:t>
+            </a:r>
+            <a:r>
+              <a:rPr lang="de-DE" sz="1600" dirty="0" err="1">
+                <a:latin typeface="Consolas" panose="020B0609020204030204" pitchFamily="49" charset="0"/>
+              </a:rPr>
+              <a:t>script</a:t>
+            </a:r>
+            <a:r>
+              <a:rPr lang="de-DE" sz="1600" dirty="0">
+                <a:latin typeface="Consolas" panose="020B0609020204030204" pitchFamily="49" charset="0"/>
+              </a:rPr>
+              <a:t>/</a:t>
+            </a:r>
+            <a:r>
+              <a:rPr lang="de-DE" sz="1600" dirty="0" err="1">
+                <a:latin typeface="Consolas" panose="020B0609020204030204" pitchFamily="49" charset="0"/>
+              </a:rPr>
+              <a:t>to</a:t>
+            </a:r>
+            <a:r>
+              <a:rPr lang="de-DE" sz="1600" dirty="0">
+                <a:latin typeface="Consolas" panose="020B0609020204030204" pitchFamily="49" charset="0"/>
+              </a:rPr>
+              <a:t>/</a:t>
+            </a:r>
+            <a:r>
+              <a:rPr lang="de-DE" sz="1600" dirty="0" err="1">
+                <a:latin typeface="Consolas" panose="020B0609020204030204" pitchFamily="49" charset="0"/>
+              </a:rPr>
+              <a:t>run</a:t>
+            </a:r>
+            <a:r>
+              <a:rPr lang="de-DE" sz="1600" dirty="0">
+                <a:latin typeface="Consolas" panose="020B0609020204030204" pitchFamily="49" charset="0"/>
+              </a:rPr>
+              <a:t>/</a:t>
+            </a:r>
+            <a:r>
+              <a:rPr lang="de-DE" sz="1600" dirty="0" err="1">
+                <a:latin typeface="Consolas" panose="020B0609020204030204" pitchFamily="49" charset="0"/>
+              </a:rPr>
+              <a:t>another</a:t>
+            </a:r>
+            <a:r>
+              <a:rPr lang="de-DE" sz="1600" dirty="0">
+                <a:latin typeface="Consolas" panose="020B0609020204030204" pitchFamily="49" charset="0"/>
+              </a:rPr>
+              <a:t>/</a:t>
+            </a:r>
+            <a:r>
+              <a:rPr lang="de-DE" sz="1600" dirty="0" err="1">
+                <a:latin typeface="Consolas" panose="020B0609020204030204" pitchFamily="49" charset="0"/>
+              </a:rPr>
+              <a:t>test</a:t>
+            </a:r>
+            <a:r>
+              <a:rPr lang="de-DE" sz="1600" dirty="0">
+                <a:latin typeface="Consolas" panose="020B0609020204030204" pitchFamily="49" charset="0"/>
+              </a:rPr>
+              <a:t> </a:t>
+            </a:r>
+            <a:r>
+              <a:rPr lang="de-DE" sz="1600" dirty="0">
+                <a:solidFill>
+                  <a:srgbClr val="008C5A"/>
+                </a:solidFill>
+                <a:latin typeface="Consolas" panose="020B0609020204030204" pitchFamily="49" charset="0"/>
+              </a:rPr>
+              <a:t># 3. Zwei </a:t>
+            </a:r>
+            <a:r>
+              <a:rPr lang="de-DE" sz="1600" dirty="0" err="1">
+                <a:solidFill>
+                  <a:srgbClr val="008C5A"/>
+                </a:solidFill>
+                <a:latin typeface="Consolas" panose="020B0609020204030204" pitchFamily="49" charset="0"/>
+              </a:rPr>
+              <a:t>paralell</a:t>
+            </a:r>
+            <a:r>
+              <a:rPr lang="de-DE" sz="1600" dirty="0">
+                <a:solidFill>
+                  <a:srgbClr val="008C5A"/>
+                </a:solidFill>
+                <a:latin typeface="Consolas" panose="020B0609020204030204" pitchFamily="49" charset="0"/>
+              </a:rPr>
+              <a:t> laufende Tests</a:t>
+            </a:r>
+          </a:p>
+          <a:p>
+            <a:pPr marL="0" indent="0">
+              <a:buNone/>
+            </a:pPr>
+            <a:endParaRPr lang="de-DE" sz="1600" dirty="0">
+              <a:latin typeface="Consolas" panose="020B0609020204030204" pitchFamily="49" charset="0"/>
+            </a:endParaRPr>
+          </a:p>
+          <a:p>
+            <a:pPr marL="0" indent="0">
+              <a:buNone/>
+            </a:pPr>
+            <a:endParaRPr lang="de-DE" sz="1600" dirty="0">
+              <a:latin typeface="Consolas" panose="020B0609020204030204" pitchFamily="49" charset="0"/>
+            </a:endParaRPr>
+          </a:p>
+          <a:p>
+            <a:pPr marL="0" indent="0">
+              <a:buNone/>
+            </a:pPr>
+            <a:endParaRPr lang="de-DE" sz="1600" dirty="0">
+              <a:latin typeface="Consolas" panose="020B0609020204030204" pitchFamily="49" charset="0"/>
+            </a:endParaRPr>
+          </a:p>
+        </p:txBody>
+      </p:sp>
+    </p:spTree>
+    <p:extLst>
+      <p:ext uri="{BB962C8B-B14F-4D97-AF65-F5344CB8AC3E}">
+        <p14:creationId xmlns:p14="http://schemas.microsoft.com/office/powerpoint/2010/main" val="3546609096"/>
       </p:ext>
     </p:extLst>
   </p:cSld>

--- a/slides/Tag-3_5-Abschluss.pptx
+++ b/slides/Tag-3_5-Abschluss.pptx
@@ -6,10 +6,10 @@
     <p:sldMasterId id="2147483649" r:id="rId2"/>
   </p:sldMasterIdLst>
   <p:notesMasterIdLst>
-    <p:notesMasterId r:id="rId13"/>
+    <p:notesMasterId r:id="rId14"/>
   </p:notesMasterIdLst>
   <p:handoutMasterIdLst>
-    <p:handoutMasterId r:id="rId14"/>
+    <p:handoutMasterId r:id="rId15"/>
   </p:handoutMasterIdLst>
   <p:sldIdLst>
     <p:sldId id="288" r:id="rId3"/>
@@ -22,6 +22,7 @@
     <p:sldId id="629" r:id="rId10"/>
     <p:sldId id="630" r:id="rId11"/>
     <p:sldId id="631" r:id="rId12"/>
+    <p:sldId id="636" r:id="rId13"/>
   </p:sldIdLst>
   <p:sldSz cx="9144000" cy="6858000" type="screen4x3"/>
   <p:notesSz cx="6784975" cy="9921875"/>
@@ -1058,7 +1059,7 @@
           <a:bodyPr/>
           <a:lstStyle/>
           <a:p>
-            <a:endParaRPr lang="de-DE"/>
+            <a:endParaRPr lang="de-DE" dirty="0"/>
           </a:p>
         </p:txBody>
       </p:sp>
@@ -3865,15 +3866,7 @@
           <a:p>
             <a:r>
               <a:rPr lang="de-DE" cap="none" dirty="0"/>
-              <a:t>Release- und </a:t>
-            </a:r>
-            <a:r>
-              <a:rPr lang="de-DE" cap="none" dirty="0" err="1"/>
-              <a:t>Tagged</a:t>
-            </a:r>
-            <a:r>
-              <a:rPr lang="de-DE" cap="none" dirty="0"/>
-              <a:t>-Images</a:t>
+              <a:t>Abschlussübung &amp; Diskussion</a:t>
             </a:r>
             <a:endParaRPr lang="de-DE" dirty="0"/>
           </a:p>
@@ -4388,6 +4381,123 @@
     <p:extLst>
       <p:ext uri="{BB962C8B-B14F-4D97-AF65-F5344CB8AC3E}">
         <p14:creationId xmlns:p14="http://schemas.microsoft.com/office/powerpoint/2010/main" val="2664526633"/>
+      </p:ext>
+    </p:extLst>
+  </p:cSld>
+  <p:clrMapOvr>
+    <a:masterClrMapping/>
+  </p:clrMapOvr>
+</p:sld>
+</file>
+
+<file path=ppt/slides/slide11.xml><?xml version="1.0" encoding="utf-8"?>
+<p:sld xmlns:a="http://schemas.openxmlformats.org/drawingml/2006/main" xmlns:r="http://schemas.openxmlformats.org/officeDocument/2006/relationships" xmlns:p="http://schemas.openxmlformats.org/presentationml/2006/main">
+  <p:cSld>
+    <p:spTree>
+      <p:nvGrpSpPr>
+        <p:cNvPr id="1" name=""/>
+        <p:cNvGrpSpPr/>
+        <p:nvPr/>
+      </p:nvGrpSpPr>
+      <p:grpSpPr>
+        <a:xfrm>
+          <a:off x="0" y="0"/>
+          <a:ext cx="0" cy="0"/>
+          <a:chOff x="0" y="0"/>
+          <a:chExt cx="0" cy="0"/>
+        </a:xfrm>
+      </p:grpSpPr>
+      <p:sp>
+        <p:nvSpPr>
+          <p:cNvPr id="2" name="Titel 1">
+            <a:extLst>
+              <a:ext uri="{FF2B5EF4-FFF2-40B4-BE49-F238E27FC236}">
+                <a16:creationId xmlns:a16="http://schemas.microsoft.com/office/drawing/2014/main" id="{C68C1737-D484-715E-7DED-B4DAE0681091}"/>
+              </a:ext>
+            </a:extLst>
+          </p:cNvPr>
+          <p:cNvSpPr>
+            <a:spLocks noGrp="1"/>
+          </p:cNvSpPr>
+          <p:nvPr>
+            <p:ph type="title"/>
+          </p:nvPr>
+        </p:nvSpPr>
+        <p:spPr/>
+        <p:txBody>
+          <a:bodyPr/>
+          <a:lstStyle/>
+          <a:p>
+            <a:r>
+              <a:rPr lang="de-DE" cap="none"/>
+              <a:t>Abschlussübung &amp; Diskussion</a:t>
+            </a:r>
+            <a:endParaRPr lang="de-DE" dirty="0"/>
+          </a:p>
+        </p:txBody>
+      </p:sp>
+      <p:sp>
+        <p:nvSpPr>
+          <p:cNvPr id="3" name="Inhaltsplatzhalter 2">
+            <a:extLst>
+              <a:ext uri="{FF2B5EF4-FFF2-40B4-BE49-F238E27FC236}">
+                <a16:creationId xmlns:a16="http://schemas.microsoft.com/office/drawing/2014/main" id="{587B5FFC-7C29-4CF8-B4D6-9549918B4725}"/>
+              </a:ext>
+            </a:extLst>
+          </p:cNvPr>
+          <p:cNvSpPr>
+            <a:spLocks noGrp="1"/>
+          </p:cNvSpPr>
+          <p:nvPr>
+            <p:ph idx="1"/>
+          </p:nvPr>
+        </p:nvSpPr>
+        <p:spPr/>
+        <p:txBody>
+          <a:bodyPr/>
+          <a:lstStyle/>
+          <a:p>
+            <a:pPr marL="0" indent="0">
+              <a:buNone/>
+            </a:pPr>
+            <a:r>
+              <a:rPr lang="de-DE" dirty="0"/>
+              <a:t>Inhalt von hier übernehmen:</a:t>
+            </a:r>
+          </a:p>
+          <a:p>
+            <a:pPr marL="0" indent="0">
+              <a:buNone/>
+            </a:pPr>
+            <a:r>
+              <a:rPr lang="de-DE" dirty="0">
+                <a:hlinkClick r:id="rId2"/>
+              </a:rPr>
+              <a:t>https://docs.gitlab.com/ee/ci/quick_start/tutorial.html</a:t>
+            </a:r>
+            <a:endParaRPr lang="de-DE" dirty="0"/>
+          </a:p>
+          <a:p>
+            <a:pPr marL="0" indent="0">
+              <a:buNone/>
+            </a:pPr>
+            <a:endParaRPr lang="de-DE" dirty="0"/>
+          </a:p>
+          <a:p>
+            <a:pPr marL="0" indent="0">
+              <a:buNone/>
+            </a:pPr>
+            <a:r>
+              <a:rPr lang="de-DE" dirty="0"/>
+              <a:t>Das wird nochmal eine „komplexere“ Pipeline.</a:t>
+            </a:r>
+          </a:p>
+        </p:txBody>
+      </p:sp>
+    </p:spTree>
+    <p:extLst>
+      <p:ext uri="{BB962C8B-B14F-4D97-AF65-F5344CB8AC3E}">
+        <p14:creationId xmlns:p14="http://schemas.microsoft.com/office/powerpoint/2010/main" val="3612983727"/>
       </p:ext>
     </p:extLst>
   </p:cSld>
@@ -5296,15 +5406,7 @@
           <a:p>
             <a:r>
               <a:rPr lang="de-DE" cap="none" dirty="0"/>
-              <a:t>Release- und </a:t>
-            </a:r>
-            <a:r>
-              <a:rPr lang="de-DE" cap="none" dirty="0" err="1"/>
-              <a:t>Tagged</a:t>
-            </a:r>
-            <a:r>
-              <a:rPr lang="de-DE" cap="none" dirty="0"/>
-              <a:t>-Images</a:t>
+              <a:t>Abschlussübung &amp; Diskussion</a:t>
             </a:r>
             <a:endParaRPr lang="de-DE" dirty="0"/>
           </a:p>
@@ -5536,15 +5638,7 @@
           <a:p>
             <a:r>
               <a:rPr lang="de-DE" cap="none" dirty="0"/>
-              <a:t>Release- und </a:t>
-            </a:r>
-            <a:r>
-              <a:rPr lang="de-DE" cap="none" dirty="0" err="1"/>
-              <a:t>Tagged</a:t>
-            </a:r>
-            <a:r>
-              <a:rPr lang="de-DE" cap="none" dirty="0"/>
-              <a:t>-Images</a:t>
+              <a:t>Abschlussübung &amp; Diskussion</a:t>
             </a:r>
             <a:endParaRPr lang="de-DE" dirty="0"/>
           </a:p>
@@ -5756,15 +5850,7 @@
           <a:p>
             <a:r>
               <a:rPr lang="de-DE" cap="none" dirty="0"/>
-              <a:t>Release- und </a:t>
-            </a:r>
-            <a:r>
-              <a:rPr lang="de-DE" cap="none" dirty="0" err="1"/>
-              <a:t>Tagged</a:t>
-            </a:r>
-            <a:r>
-              <a:rPr lang="de-DE" cap="none" dirty="0"/>
-              <a:t>-Images</a:t>
+              <a:t>Abschlussübung &amp; Diskussion</a:t>
             </a:r>
             <a:endParaRPr lang="de-DE" dirty="0"/>
           </a:p>
@@ -6112,15 +6198,7 @@
           <a:p>
             <a:r>
               <a:rPr lang="de-DE" cap="none" dirty="0"/>
-              <a:t>Release- und </a:t>
-            </a:r>
-            <a:r>
-              <a:rPr lang="de-DE" cap="none" dirty="0" err="1"/>
-              <a:t>Tagged</a:t>
-            </a:r>
-            <a:r>
-              <a:rPr lang="de-DE" cap="none" dirty="0"/>
-              <a:t>-Images</a:t>
+              <a:t>Abschlussübung &amp; Diskussion</a:t>
             </a:r>
             <a:endParaRPr lang="de-DE" dirty="0"/>
           </a:p>
@@ -6539,15 +6617,7 @@
           <a:p>
             <a:r>
               <a:rPr lang="de-DE" cap="none" dirty="0"/>
-              <a:t>Release- und </a:t>
-            </a:r>
-            <a:r>
-              <a:rPr lang="de-DE" cap="none" dirty="0" err="1"/>
-              <a:t>Tagged</a:t>
-            </a:r>
-            <a:r>
-              <a:rPr lang="de-DE" cap="none" dirty="0"/>
-              <a:t>-Images</a:t>
+              <a:t>Abschlussübung &amp; Diskussion</a:t>
             </a:r>
             <a:endParaRPr lang="de-DE" dirty="0"/>
           </a:p>

--- a/slides/Tag-3_5-Abschluss.pptx
+++ b/slides/Tag-3_5-Abschluss.pptx
@@ -6,23 +6,25 @@
     <p:sldMasterId id="2147483649" r:id="rId2"/>
   </p:sldMasterIdLst>
   <p:notesMasterIdLst>
-    <p:notesMasterId r:id="rId14"/>
+    <p:notesMasterId r:id="rId16"/>
   </p:notesMasterIdLst>
   <p:handoutMasterIdLst>
-    <p:handoutMasterId r:id="rId15"/>
+    <p:handoutMasterId r:id="rId17"/>
   </p:handoutMasterIdLst>
   <p:sldIdLst>
     <p:sldId id="288" r:id="rId3"/>
     <p:sldId id="289" r:id="rId4"/>
     <p:sldId id="291" r:id="rId5"/>
     <p:sldId id="597" r:id="rId6"/>
-    <p:sldId id="635" r:id="rId7"/>
-    <p:sldId id="627" r:id="rId8"/>
-    <p:sldId id="628" r:id="rId9"/>
-    <p:sldId id="629" r:id="rId10"/>
-    <p:sldId id="630" r:id="rId11"/>
-    <p:sldId id="631" r:id="rId12"/>
-    <p:sldId id="636" r:id="rId13"/>
+    <p:sldId id="638" r:id="rId7"/>
+    <p:sldId id="635" r:id="rId8"/>
+    <p:sldId id="627" r:id="rId9"/>
+    <p:sldId id="628" r:id="rId10"/>
+    <p:sldId id="629" r:id="rId11"/>
+    <p:sldId id="630" r:id="rId12"/>
+    <p:sldId id="631" r:id="rId13"/>
+    <p:sldId id="636" r:id="rId14"/>
+    <p:sldId id="637" r:id="rId15"/>
   </p:sldIdLst>
   <p:sldSz cx="9144000" cy="6858000" type="screen4x3"/>
   <p:notesSz cx="6784975" cy="9921875"/>
@@ -1090,7 +1092,193 @@
     </p:spTree>
     <p:extLst>
       <p:ext uri="{BB962C8B-B14F-4D97-AF65-F5344CB8AC3E}">
+        <p14:creationId xmlns:p14="http://schemas.microsoft.com/office/powerpoint/2010/main" val="3022224150"/>
+      </p:ext>
+    </p:extLst>
+  </p:cSld>
+  <p:clrMapOvr>
+    <a:masterClrMapping/>
+  </p:clrMapOvr>
+</p:notes>
+</file>
+
+<file path=ppt/notesSlides/notesSlide3.xml><?xml version="1.0" encoding="utf-8"?>
+<p:notes xmlns:a="http://schemas.openxmlformats.org/drawingml/2006/main" xmlns:r="http://schemas.openxmlformats.org/officeDocument/2006/relationships" xmlns:p="http://schemas.openxmlformats.org/presentationml/2006/main">
+  <p:cSld>
+    <p:spTree>
+      <p:nvGrpSpPr>
+        <p:cNvPr id="1" name=""/>
+        <p:cNvGrpSpPr/>
+        <p:nvPr/>
+      </p:nvGrpSpPr>
+      <p:grpSpPr>
+        <a:xfrm>
+          <a:off x="0" y="0"/>
+          <a:ext cx="0" cy="0"/>
+          <a:chOff x="0" y="0"/>
+          <a:chExt cx="0" cy="0"/>
+        </a:xfrm>
+      </p:grpSpPr>
+      <p:sp>
+        <p:nvSpPr>
+          <p:cNvPr id="2" name="Folienbildplatzhalter 1"/>
+          <p:cNvSpPr>
+            <a:spLocks noGrp="1" noRot="1" noChangeAspect="1"/>
+          </p:cNvSpPr>
+          <p:nvPr>
+            <p:ph type="sldImg"/>
+          </p:nvPr>
+        </p:nvSpPr>
+        <p:spPr/>
+      </p:sp>
+      <p:sp>
+        <p:nvSpPr>
+          <p:cNvPr id="3" name="Notizenplatzhalter 2"/>
+          <p:cNvSpPr>
+            <a:spLocks noGrp="1"/>
+          </p:cNvSpPr>
+          <p:nvPr>
+            <p:ph type="body" idx="1"/>
+          </p:nvPr>
+        </p:nvSpPr>
+        <p:spPr/>
+        <p:txBody>
+          <a:bodyPr/>
+          <a:lstStyle/>
+          <a:p>
+            <a:endParaRPr lang="de-DE" dirty="0"/>
+          </a:p>
+        </p:txBody>
+      </p:sp>
+      <p:sp>
+        <p:nvSpPr>
+          <p:cNvPr id="4" name="Foliennummernplatzhalter 3"/>
+          <p:cNvSpPr>
+            <a:spLocks noGrp="1"/>
+          </p:cNvSpPr>
+          <p:nvPr>
+            <p:ph type="sldNum" sz="quarter" idx="5"/>
+          </p:nvPr>
+        </p:nvSpPr>
+        <p:spPr/>
+        <p:txBody>
+          <a:bodyPr/>
+          <a:lstStyle/>
+          <a:p>
+            <a:fld id="{18182567-388C-4D33-8B7B-A651F195F118}" type="slidenum">
+              <a:rPr lang="de-DE" altLang="de-DE" smtClean="0"/>
+              <a:pPr/>
+              <a:t>6</a:t>
+            </a:fld>
+            <a:endParaRPr lang="de-DE" altLang="de-DE"/>
+          </a:p>
+        </p:txBody>
+      </p:sp>
+    </p:spTree>
+    <p:extLst>
+      <p:ext uri="{BB962C8B-B14F-4D97-AF65-F5344CB8AC3E}">
         <p14:creationId xmlns:p14="http://schemas.microsoft.com/office/powerpoint/2010/main" val="596050751"/>
+      </p:ext>
+    </p:extLst>
+  </p:cSld>
+  <p:clrMapOvr>
+    <a:masterClrMapping/>
+  </p:clrMapOvr>
+</p:notes>
+</file>
+
+<file path=ppt/notesSlides/notesSlide4.xml><?xml version="1.0" encoding="utf-8"?>
+<p:notes xmlns:a="http://schemas.openxmlformats.org/drawingml/2006/main" xmlns:r="http://schemas.openxmlformats.org/officeDocument/2006/relationships" xmlns:p="http://schemas.openxmlformats.org/presentationml/2006/main">
+  <p:cSld>
+    <p:spTree>
+      <p:nvGrpSpPr>
+        <p:cNvPr id="1" name=""/>
+        <p:cNvGrpSpPr/>
+        <p:nvPr/>
+      </p:nvGrpSpPr>
+      <p:grpSpPr>
+        <a:xfrm>
+          <a:off x="0" y="0"/>
+          <a:ext cx="0" cy="0"/>
+          <a:chOff x="0" y="0"/>
+          <a:chExt cx="0" cy="0"/>
+        </a:xfrm>
+      </p:grpSpPr>
+      <p:sp>
+        <p:nvSpPr>
+          <p:cNvPr id="2" name="Folienbildplatzhalter 1"/>
+          <p:cNvSpPr>
+            <a:spLocks noGrp="1" noRot="1" noChangeAspect="1"/>
+          </p:cNvSpPr>
+          <p:nvPr>
+            <p:ph type="sldImg"/>
+          </p:nvPr>
+        </p:nvSpPr>
+        <p:spPr/>
+      </p:sp>
+      <p:sp>
+        <p:nvSpPr>
+          <p:cNvPr id="3" name="Notizenplatzhalter 2"/>
+          <p:cNvSpPr>
+            <a:spLocks noGrp="1"/>
+          </p:cNvSpPr>
+          <p:nvPr>
+            <p:ph type="body" idx="1"/>
+          </p:nvPr>
+        </p:nvSpPr>
+        <p:spPr/>
+        <p:txBody>
+          <a:bodyPr/>
+          <a:lstStyle/>
+          <a:p>
+            <a:r>
+              <a:rPr lang="de-DE" dirty="0"/>
+              <a:t>Von hier: https://docs.gitlab.com/ee/ci/quick_start/tutorial.html</a:t>
+            </a:r>
+          </a:p>
+          <a:p>
+            <a:endParaRPr lang="de-DE" dirty="0"/>
+          </a:p>
+          <a:p>
+            <a:r>
+              <a:rPr lang="de-DE" dirty="0" err="1"/>
+              <a:t>Docusaurus</a:t>
+            </a:r>
+            <a:r>
+              <a:rPr lang="de-DE" dirty="0"/>
+              <a:t>: https://docusaurus.io/</a:t>
+            </a:r>
+          </a:p>
+        </p:txBody>
+      </p:sp>
+      <p:sp>
+        <p:nvSpPr>
+          <p:cNvPr id="4" name="Foliennummernplatzhalter 3"/>
+          <p:cNvSpPr>
+            <a:spLocks noGrp="1"/>
+          </p:cNvSpPr>
+          <p:nvPr>
+            <p:ph type="sldNum" sz="quarter" idx="5"/>
+          </p:nvPr>
+        </p:nvSpPr>
+        <p:spPr/>
+        <p:txBody>
+          <a:bodyPr/>
+          <a:lstStyle/>
+          <a:p>
+            <a:fld id="{18182567-388C-4D33-8B7B-A651F195F118}" type="slidenum">
+              <a:rPr lang="de-DE" altLang="de-DE" smtClean="0"/>
+              <a:pPr/>
+              <a:t>13</a:t>
+            </a:fld>
+            <a:endParaRPr lang="de-DE" altLang="de-DE"/>
+          </a:p>
+        </p:txBody>
+      </p:sp>
+    </p:spTree>
+    <p:extLst>
+      <p:ext uri="{BB962C8B-B14F-4D97-AF65-F5344CB8AC3E}">
+        <p14:creationId xmlns:p14="http://schemas.microsoft.com/office/powerpoint/2010/main" val="2600068038"/>
       </p:ext>
     </p:extLst>
   </p:cSld>
@@ -1575,7 +1763,7 @@
               <a:pPr algn="ctr">
                 <a:defRPr/>
               </a:pPr>
-              <a:t>05.06.2024</a:t>
+              <a:t>06.06.2024</a:t>
             </a:fld>
             <a:endParaRPr lang="de-DE" sz="1000">
               <a:solidFill>
@@ -3912,6 +4100,600 @@
               <a:rPr lang="de-DE" sz="2000" b="1" dirty="0">
                 <a:latin typeface="Consolas" panose="020B0609020204030204" pitchFamily="49" charset="0"/>
               </a:rPr>
+              <a:t> (3/4)</a:t>
+            </a:r>
+          </a:p>
+          <a:p>
+            <a:pPr marL="0" indent="0">
+              <a:buNone/>
+            </a:pPr>
+            <a:r>
+              <a:rPr lang="de-DE" sz="1600" dirty="0">
+                <a:latin typeface="Consolas" panose="020B0609020204030204" pitchFamily="49" charset="0"/>
+              </a:rPr>
+              <a:t>test1:</a:t>
+            </a:r>
+          </a:p>
+          <a:p>
+            <a:pPr marL="0" indent="0">
+              <a:buNone/>
+            </a:pPr>
+            <a:r>
+              <a:rPr lang="de-DE" sz="1600" dirty="0">
+                <a:latin typeface="Consolas" panose="020B0609020204030204" pitchFamily="49" charset="0"/>
+              </a:rPr>
+              <a:t>  </a:t>
+            </a:r>
+            <a:r>
+              <a:rPr lang="de-DE" sz="1600" dirty="0" err="1">
+                <a:latin typeface="Consolas" panose="020B0609020204030204" pitchFamily="49" charset="0"/>
+              </a:rPr>
+              <a:t>stage</a:t>
+            </a:r>
+            <a:r>
+              <a:rPr lang="de-DE" sz="1600" dirty="0">
+                <a:latin typeface="Consolas" panose="020B0609020204030204" pitchFamily="49" charset="0"/>
+              </a:rPr>
+              <a:t>: </a:t>
+            </a:r>
+            <a:r>
+              <a:rPr lang="de-DE" sz="1600" dirty="0" err="1">
+                <a:latin typeface="Consolas" panose="020B0609020204030204" pitchFamily="49" charset="0"/>
+              </a:rPr>
+              <a:t>test</a:t>
+            </a:r>
+            <a:endParaRPr lang="de-DE" sz="1600" dirty="0">
+              <a:latin typeface="Consolas" panose="020B0609020204030204" pitchFamily="49" charset="0"/>
+            </a:endParaRPr>
+          </a:p>
+          <a:p>
+            <a:pPr marL="0" indent="0">
+              <a:buNone/>
+            </a:pPr>
+            <a:r>
+              <a:rPr lang="de-DE" sz="1600" dirty="0">
+                <a:latin typeface="Consolas" panose="020B0609020204030204" pitchFamily="49" charset="0"/>
+              </a:rPr>
+              <a:t>  </a:t>
+            </a:r>
+            <a:r>
+              <a:rPr lang="de-DE" sz="1600" dirty="0" err="1">
+                <a:latin typeface="Consolas" panose="020B0609020204030204" pitchFamily="49" charset="0"/>
+              </a:rPr>
+              <a:t>script</a:t>
+            </a:r>
+            <a:r>
+              <a:rPr lang="de-DE" sz="1600" dirty="0">
+                <a:latin typeface="Consolas" panose="020B0609020204030204" pitchFamily="49" charset="0"/>
+              </a:rPr>
+              <a:t>:</a:t>
+            </a:r>
+          </a:p>
+          <a:p>
+            <a:pPr marL="0" indent="0">
+              <a:buNone/>
+            </a:pPr>
+            <a:r>
+              <a:rPr lang="de-DE" sz="1600" dirty="0">
+                <a:latin typeface="Consolas" panose="020B0609020204030204" pitchFamily="49" charset="0"/>
+              </a:rPr>
+              <a:t>    - </a:t>
+            </a:r>
+            <a:r>
+              <a:rPr lang="de-DE" sz="1600" dirty="0" err="1">
+                <a:latin typeface="Consolas" panose="020B0609020204030204" pitchFamily="49" charset="0"/>
+              </a:rPr>
+              <a:t>docker</a:t>
+            </a:r>
+            <a:r>
+              <a:rPr lang="de-DE" sz="1600" dirty="0">
+                <a:latin typeface="Consolas" panose="020B0609020204030204" pitchFamily="49" charset="0"/>
+              </a:rPr>
+              <a:t> pull $CONTAINER_TEST_IMAGE </a:t>
+            </a:r>
+            <a:r>
+              <a:rPr lang="de-DE" sz="1600" dirty="0">
+                <a:solidFill>
+                  <a:srgbClr val="008C5A"/>
+                </a:solidFill>
+                <a:latin typeface="Consolas" panose="020B0609020204030204" pitchFamily="49" charset="0"/>
+              </a:rPr>
+              <a:t># 2. Von den nachfolgenden Stages (bei Bedarf) </a:t>
+            </a:r>
+            <a:r>
+              <a:rPr lang="de-DE" sz="1600" dirty="0" err="1">
+                <a:solidFill>
+                  <a:srgbClr val="008C5A"/>
+                </a:solidFill>
+                <a:latin typeface="Consolas" panose="020B0609020204030204" pitchFamily="49" charset="0"/>
+              </a:rPr>
+              <a:t>gepulled</a:t>
+            </a:r>
+            <a:endParaRPr lang="de-DE" sz="1600" dirty="0">
+              <a:solidFill>
+                <a:srgbClr val="008C5A"/>
+              </a:solidFill>
+              <a:latin typeface="Consolas" panose="020B0609020204030204" pitchFamily="49" charset="0"/>
+            </a:endParaRPr>
+          </a:p>
+          <a:p>
+            <a:pPr marL="0" indent="0">
+              <a:buNone/>
+            </a:pPr>
+            <a:r>
+              <a:rPr lang="de-DE" sz="1600" dirty="0">
+                <a:latin typeface="Consolas" panose="020B0609020204030204" pitchFamily="49" charset="0"/>
+              </a:rPr>
+              <a:t>    - </a:t>
+            </a:r>
+            <a:r>
+              <a:rPr lang="de-DE" sz="1600" dirty="0" err="1">
+                <a:latin typeface="Consolas" panose="020B0609020204030204" pitchFamily="49" charset="0"/>
+              </a:rPr>
+              <a:t>docker</a:t>
+            </a:r>
+            <a:r>
+              <a:rPr lang="de-DE" sz="1600" dirty="0">
+                <a:latin typeface="Consolas" panose="020B0609020204030204" pitchFamily="49" charset="0"/>
+              </a:rPr>
+              <a:t> </a:t>
+            </a:r>
+            <a:r>
+              <a:rPr lang="de-DE" sz="1600" dirty="0" err="1">
+                <a:latin typeface="Consolas" panose="020B0609020204030204" pitchFamily="49" charset="0"/>
+              </a:rPr>
+              <a:t>run</a:t>
+            </a:r>
+            <a:r>
+              <a:rPr lang="de-DE" sz="1600" dirty="0">
+                <a:latin typeface="Consolas" panose="020B0609020204030204" pitchFamily="49" charset="0"/>
+              </a:rPr>
+              <a:t> $CONTAINER_TEST_IMAGE /</a:t>
+            </a:r>
+            <a:r>
+              <a:rPr lang="de-DE" sz="1600" dirty="0" err="1">
+                <a:latin typeface="Consolas" panose="020B0609020204030204" pitchFamily="49" charset="0"/>
+              </a:rPr>
+              <a:t>script</a:t>
+            </a:r>
+            <a:r>
+              <a:rPr lang="de-DE" sz="1600" dirty="0">
+                <a:latin typeface="Consolas" panose="020B0609020204030204" pitchFamily="49" charset="0"/>
+              </a:rPr>
+              <a:t>/</a:t>
+            </a:r>
+            <a:r>
+              <a:rPr lang="de-DE" sz="1600" dirty="0" err="1">
+                <a:latin typeface="Consolas" panose="020B0609020204030204" pitchFamily="49" charset="0"/>
+              </a:rPr>
+              <a:t>to</a:t>
+            </a:r>
+            <a:r>
+              <a:rPr lang="de-DE" sz="1600" dirty="0">
+                <a:latin typeface="Consolas" panose="020B0609020204030204" pitchFamily="49" charset="0"/>
+              </a:rPr>
+              <a:t>/</a:t>
+            </a:r>
+            <a:r>
+              <a:rPr lang="de-DE" sz="1600" dirty="0" err="1">
+                <a:latin typeface="Consolas" panose="020B0609020204030204" pitchFamily="49" charset="0"/>
+              </a:rPr>
+              <a:t>run</a:t>
+            </a:r>
+            <a:r>
+              <a:rPr lang="de-DE" sz="1600" dirty="0">
+                <a:latin typeface="Consolas" panose="020B0609020204030204" pitchFamily="49" charset="0"/>
+              </a:rPr>
+              <a:t>/</a:t>
+            </a:r>
+            <a:r>
+              <a:rPr lang="de-DE" sz="1600" dirty="0" err="1">
+                <a:latin typeface="Consolas" panose="020B0609020204030204" pitchFamily="49" charset="0"/>
+              </a:rPr>
+              <a:t>tests</a:t>
+            </a:r>
+            <a:r>
+              <a:rPr lang="de-DE" sz="1600" dirty="0">
+                <a:latin typeface="Consolas" panose="020B0609020204030204" pitchFamily="49" charset="0"/>
+              </a:rPr>
+              <a:t> </a:t>
+            </a:r>
+            <a:r>
+              <a:rPr lang="de-DE" sz="1600" dirty="0">
+                <a:solidFill>
+                  <a:srgbClr val="008C5A"/>
+                </a:solidFill>
+                <a:latin typeface="Consolas" panose="020B0609020204030204" pitchFamily="49" charset="0"/>
+              </a:rPr>
+              <a:t># 3. Zwei </a:t>
+            </a:r>
+            <a:r>
+              <a:rPr lang="de-DE" sz="1600" dirty="0" err="1">
+                <a:solidFill>
+                  <a:srgbClr val="008C5A"/>
+                </a:solidFill>
+                <a:latin typeface="Consolas" panose="020B0609020204030204" pitchFamily="49" charset="0"/>
+              </a:rPr>
+              <a:t>paralell</a:t>
+            </a:r>
+            <a:r>
+              <a:rPr lang="de-DE" sz="1600" dirty="0">
+                <a:solidFill>
+                  <a:srgbClr val="008C5A"/>
+                </a:solidFill>
+                <a:latin typeface="Consolas" panose="020B0609020204030204" pitchFamily="49" charset="0"/>
+              </a:rPr>
+              <a:t> laufende Tests</a:t>
+            </a:r>
+          </a:p>
+          <a:p>
+            <a:pPr marL="0" indent="0">
+              <a:buNone/>
+            </a:pPr>
+            <a:endParaRPr lang="de-DE" sz="1600" dirty="0">
+              <a:latin typeface="Consolas" panose="020B0609020204030204" pitchFamily="49" charset="0"/>
+            </a:endParaRPr>
+          </a:p>
+          <a:p>
+            <a:pPr marL="0" indent="0">
+              <a:buNone/>
+            </a:pPr>
+            <a:r>
+              <a:rPr lang="de-DE" sz="1600" dirty="0">
+                <a:latin typeface="Consolas" panose="020B0609020204030204" pitchFamily="49" charset="0"/>
+              </a:rPr>
+              <a:t>test2:</a:t>
+            </a:r>
+          </a:p>
+          <a:p>
+            <a:pPr marL="0" indent="0">
+              <a:buNone/>
+            </a:pPr>
+            <a:r>
+              <a:rPr lang="de-DE" sz="1600" dirty="0">
+                <a:latin typeface="Consolas" panose="020B0609020204030204" pitchFamily="49" charset="0"/>
+              </a:rPr>
+              <a:t>  </a:t>
+            </a:r>
+            <a:r>
+              <a:rPr lang="de-DE" sz="1600" dirty="0" err="1">
+                <a:latin typeface="Consolas" panose="020B0609020204030204" pitchFamily="49" charset="0"/>
+              </a:rPr>
+              <a:t>stage</a:t>
+            </a:r>
+            <a:r>
+              <a:rPr lang="de-DE" sz="1600" dirty="0">
+                <a:latin typeface="Consolas" panose="020B0609020204030204" pitchFamily="49" charset="0"/>
+              </a:rPr>
+              <a:t>: </a:t>
+            </a:r>
+            <a:r>
+              <a:rPr lang="de-DE" sz="1600" dirty="0" err="1">
+                <a:latin typeface="Consolas" panose="020B0609020204030204" pitchFamily="49" charset="0"/>
+              </a:rPr>
+              <a:t>test</a:t>
+            </a:r>
+            <a:endParaRPr lang="de-DE" sz="1600" dirty="0">
+              <a:latin typeface="Consolas" panose="020B0609020204030204" pitchFamily="49" charset="0"/>
+            </a:endParaRPr>
+          </a:p>
+          <a:p>
+            <a:pPr marL="0" indent="0">
+              <a:buNone/>
+            </a:pPr>
+            <a:r>
+              <a:rPr lang="de-DE" sz="1600" dirty="0">
+                <a:latin typeface="Consolas" panose="020B0609020204030204" pitchFamily="49" charset="0"/>
+              </a:rPr>
+              <a:t>  </a:t>
+            </a:r>
+            <a:r>
+              <a:rPr lang="de-DE" sz="1600" dirty="0" err="1">
+                <a:latin typeface="Consolas" panose="020B0609020204030204" pitchFamily="49" charset="0"/>
+              </a:rPr>
+              <a:t>script</a:t>
+            </a:r>
+            <a:r>
+              <a:rPr lang="de-DE" sz="1600" dirty="0">
+                <a:latin typeface="Consolas" panose="020B0609020204030204" pitchFamily="49" charset="0"/>
+              </a:rPr>
+              <a:t>:</a:t>
+            </a:r>
+          </a:p>
+          <a:p>
+            <a:pPr marL="0" indent="0">
+              <a:buNone/>
+            </a:pPr>
+            <a:r>
+              <a:rPr lang="de-DE" sz="1600" dirty="0">
+                <a:latin typeface="Consolas" panose="020B0609020204030204" pitchFamily="49" charset="0"/>
+              </a:rPr>
+              <a:t>    - </a:t>
+            </a:r>
+            <a:r>
+              <a:rPr lang="de-DE" sz="1600" dirty="0" err="1">
+                <a:latin typeface="Consolas" panose="020B0609020204030204" pitchFamily="49" charset="0"/>
+              </a:rPr>
+              <a:t>docker</a:t>
+            </a:r>
+            <a:r>
+              <a:rPr lang="de-DE" sz="1600" dirty="0">
+                <a:latin typeface="Consolas" panose="020B0609020204030204" pitchFamily="49" charset="0"/>
+              </a:rPr>
+              <a:t> pull $CONTAINER_TEST_IMAGE </a:t>
+            </a:r>
+            <a:r>
+              <a:rPr lang="de-DE" sz="1600" dirty="0">
+                <a:solidFill>
+                  <a:srgbClr val="008C5A"/>
+                </a:solidFill>
+                <a:latin typeface="Consolas" panose="020B0609020204030204" pitchFamily="49" charset="0"/>
+              </a:rPr>
+              <a:t># 2. Von den nachfolgenden Stages (bei Bedarf) </a:t>
+            </a:r>
+            <a:r>
+              <a:rPr lang="de-DE" sz="1600" dirty="0" err="1">
+                <a:solidFill>
+                  <a:srgbClr val="008C5A"/>
+                </a:solidFill>
+                <a:latin typeface="Consolas" panose="020B0609020204030204" pitchFamily="49" charset="0"/>
+              </a:rPr>
+              <a:t>gepulled</a:t>
+            </a:r>
+            <a:endParaRPr lang="de-DE" sz="1600" dirty="0">
+              <a:solidFill>
+                <a:srgbClr val="008C5A"/>
+              </a:solidFill>
+              <a:latin typeface="Consolas" panose="020B0609020204030204" pitchFamily="49" charset="0"/>
+            </a:endParaRPr>
+          </a:p>
+          <a:p>
+            <a:pPr marL="0" indent="0">
+              <a:buNone/>
+            </a:pPr>
+            <a:r>
+              <a:rPr lang="de-DE" sz="1600" dirty="0">
+                <a:latin typeface="Consolas" panose="020B0609020204030204" pitchFamily="49" charset="0"/>
+              </a:rPr>
+              <a:t>    - </a:t>
+            </a:r>
+            <a:r>
+              <a:rPr lang="de-DE" sz="1600" dirty="0" err="1">
+                <a:latin typeface="Consolas" panose="020B0609020204030204" pitchFamily="49" charset="0"/>
+              </a:rPr>
+              <a:t>docker</a:t>
+            </a:r>
+            <a:r>
+              <a:rPr lang="de-DE" sz="1600" dirty="0">
+                <a:latin typeface="Consolas" panose="020B0609020204030204" pitchFamily="49" charset="0"/>
+              </a:rPr>
+              <a:t> </a:t>
+            </a:r>
+            <a:r>
+              <a:rPr lang="de-DE" sz="1600" dirty="0" err="1">
+                <a:latin typeface="Consolas" panose="020B0609020204030204" pitchFamily="49" charset="0"/>
+              </a:rPr>
+              <a:t>run</a:t>
+            </a:r>
+            <a:r>
+              <a:rPr lang="de-DE" sz="1600" dirty="0">
+                <a:latin typeface="Consolas" panose="020B0609020204030204" pitchFamily="49" charset="0"/>
+              </a:rPr>
+              <a:t> $CONTAINER_TEST_IMAGE /</a:t>
+            </a:r>
+            <a:r>
+              <a:rPr lang="de-DE" sz="1600" dirty="0" err="1">
+                <a:latin typeface="Consolas" panose="020B0609020204030204" pitchFamily="49" charset="0"/>
+              </a:rPr>
+              <a:t>script</a:t>
+            </a:r>
+            <a:r>
+              <a:rPr lang="de-DE" sz="1600" dirty="0">
+                <a:latin typeface="Consolas" panose="020B0609020204030204" pitchFamily="49" charset="0"/>
+              </a:rPr>
+              <a:t>/</a:t>
+            </a:r>
+            <a:r>
+              <a:rPr lang="de-DE" sz="1600" dirty="0" err="1">
+                <a:latin typeface="Consolas" panose="020B0609020204030204" pitchFamily="49" charset="0"/>
+              </a:rPr>
+              <a:t>to</a:t>
+            </a:r>
+            <a:r>
+              <a:rPr lang="de-DE" sz="1600" dirty="0">
+                <a:latin typeface="Consolas" panose="020B0609020204030204" pitchFamily="49" charset="0"/>
+              </a:rPr>
+              <a:t>/</a:t>
+            </a:r>
+            <a:r>
+              <a:rPr lang="de-DE" sz="1600" dirty="0" err="1">
+                <a:latin typeface="Consolas" panose="020B0609020204030204" pitchFamily="49" charset="0"/>
+              </a:rPr>
+              <a:t>run</a:t>
+            </a:r>
+            <a:r>
+              <a:rPr lang="de-DE" sz="1600" dirty="0">
+                <a:latin typeface="Consolas" panose="020B0609020204030204" pitchFamily="49" charset="0"/>
+              </a:rPr>
+              <a:t>/</a:t>
+            </a:r>
+            <a:r>
+              <a:rPr lang="de-DE" sz="1600" dirty="0" err="1">
+                <a:latin typeface="Consolas" panose="020B0609020204030204" pitchFamily="49" charset="0"/>
+              </a:rPr>
+              <a:t>another</a:t>
+            </a:r>
+            <a:r>
+              <a:rPr lang="de-DE" sz="1600" dirty="0">
+                <a:latin typeface="Consolas" panose="020B0609020204030204" pitchFamily="49" charset="0"/>
+              </a:rPr>
+              <a:t>/</a:t>
+            </a:r>
+            <a:r>
+              <a:rPr lang="de-DE" sz="1600" dirty="0" err="1">
+                <a:latin typeface="Consolas" panose="020B0609020204030204" pitchFamily="49" charset="0"/>
+              </a:rPr>
+              <a:t>test</a:t>
+            </a:r>
+            <a:r>
+              <a:rPr lang="de-DE" sz="1600" dirty="0">
+                <a:latin typeface="Consolas" panose="020B0609020204030204" pitchFamily="49" charset="0"/>
+              </a:rPr>
+              <a:t> </a:t>
+            </a:r>
+            <a:r>
+              <a:rPr lang="de-DE" sz="1600" dirty="0">
+                <a:solidFill>
+                  <a:srgbClr val="008C5A"/>
+                </a:solidFill>
+                <a:latin typeface="Consolas" panose="020B0609020204030204" pitchFamily="49" charset="0"/>
+              </a:rPr>
+              <a:t># 3. Zwei </a:t>
+            </a:r>
+            <a:r>
+              <a:rPr lang="de-DE" sz="1600" dirty="0" err="1">
+                <a:solidFill>
+                  <a:srgbClr val="008C5A"/>
+                </a:solidFill>
+                <a:latin typeface="Consolas" panose="020B0609020204030204" pitchFamily="49" charset="0"/>
+              </a:rPr>
+              <a:t>paralell</a:t>
+            </a:r>
+            <a:r>
+              <a:rPr lang="de-DE" sz="1600" dirty="0">
+                <a:solidFill>
+                  <a:srgbClr val="008C5A"/>
+                </a:solidFill>
+                <a:latin typeface="Consolas" panose="020B0609020204030204" pitchFamily="49" charset="0"/>
+              </a:rPr>
+              <a:t> laufende Tests</a:t>
+            </a:r>
+          </a:p>
+          <a:p>
+            <a:pPr marL="0" indent="0">
+              <a:buNone/>
+            </a:pPr>
+            <a:endParaRPr lang="de-DE" sz="1600" dirty="0">
+              <a:latin typeface="Consolas" panose="020B0609020204030204" pitchFamily="49" charset="0"/>
+            </a:endParaRPr>
+          </a:p>
+          <a:p>
+            <a:pPr marL="0" indent="0">
+              <a:buNone/>
+            </a:pPr>
+            <a:endParaRPr lang="de-DE" sz="1600" dirty="0">
+              <a:latin typeface="Consolas" panose="020B0609020204030204" pitchFamily="49" charset="0"/>
+            </a:endParaRPr>
+          </a:p>
+          <a:p>
+            <a:pPr marL="0" indent="0">
+              <a:buNone/>
+            </a:pPr>
+            <a:endParaRPr lang="de-DE" sz="1600" dirty="0">
+              <a:latin typeface="Consolas" panose="020B0609020204030204" pitchFamily="49" charset="0"/>
+            </a:endParaRPr>
+          </a:p>
+        </p:txBody>
+      </p:sp>
+    </p:spTree>
+    <p:extLst>
+      <p:ext uri="{BB962C8B-B14F-4D97-AF65-F5344CB8AC3E}">
+        <p14:creationId xmlns:p14="http://schemas.microsoft.com/office/powerpoint/2010/main" val="3546609096"/>
+      </p:ext>
+    </p:extLst>
+  </p:cSld>
+  <p:clrMapOvr>
+    <a:masterClrMapping/>
+  </p:clrMapOvr>
+</p:sld>
+</file>
+
+<file path=ppt/slides/slide11.xml><?xml version="1.0" encoding="utf-8"?>
+<p:sld xmlns:a="http://schemas.openxmlformats.org/drawingml/2006/main" xmlns:r="http://schemas.openxmlformats.org/officeDocument/2006/relationships" xmlns:p="http://schemas.openxmlformats.org/presentationml/2006/main">
+  <p:cSld>
+    <p:spTree>
+      <p:nvGrpSpPr>
+        <p:cNvPr id="1" name=""/>
+        <p:cNvGrpSpPr/>
+        <p:nvPr/>
+      </p:nvGrpSpPr>
+      <p:grpSpPr>
+        <a:xfrm>
+          <a:off x="0" y="0"/>
+          <a:ext cx="0" cy="0"/>
+          <a:chOff x="0" y="0"/>
+          <a:chExt cx="0" cy="0"/>
+        </a:xfrm>
+      </p:grpSpPr>
+      <p:sp>
+        <p:nvSpPr>
+          <p:cNvPr id="2" name="Titel 1">
+            <a:extLst>
+              <a:ext uri="{FF2B5EF4-FFF2-40B4-BE49-F238E27FC236}">
+                <a16:creationId xmlns:a16="http://schemas.microsoft.com/office/drawing/2014/main" id="{49A48EBC-55D9-6D64-715F-AF6DEBF117C3}"/>
+              </a:ext>
+            </a:extLst>
+          </p:cNvPr>
+          <p:cNvSpPr>
+            <a:spLocks noGrp="1"/>
+          </p:cNvSpPr>
+          <p:nvPr>
+            <p:ph type="title"/>
+          </p:nvPr>
+        </p:nvSpPr>
+        <p:spPr/>
+        <p:txBody>
+          <a:bodyPr/>
+          <a:lstStyle/>
+          <a:p>
+            <a:r>
+              <a:rPr lang="de-DE" cap="none" dirty="0"/>
+              <a:t>Abschlussübung &amp; Diskussion</a:t>
+            </a:r>
+            <a:endParaRPr lang="de-DE" dirty="0"/>
+          </a:p>
+        </p:txBody>
+      </p:sp>
+      <p:sp>
+        <p:nvSpPr>
+          <p:cNvPr id="3" name="Inhaltsplatzhalter 2">
+            <a:extLst>
+              <a:ext uri="{FF2B5EF4-FFF2-40B4-BE49-F238E27FC236}">
+                <a16:creationId xmlns:a16="http://schemas.microsoft.com/office/drawing/2014/main" id="{7B404127-ED2B-6905-BDD1-3C60D11A2A7C}"/>
+              </a:ext>
+            </a:extLst>
+          </p:cNvPr>
+          <p:cNvSpPr>
+            <a:spLocks noGrp="1"/>
+          </p:cNvSpPr>
+          <p:nvPr>
+            <p:ph idx="1"/>
+          </p:nvPr>
+        </p:nvSpPr>
+        <p:spPr/>
+        <p:txBody>
+          <a:bodyPr/>
+          <a:lstStyle/>
+          <a:p>
+            <a:pPr marL="0" indent="0">
+              <a:buNone/>
+            </a:pPr>
+            <a:r>
+              <a:rPr lang="de-DE" sz="2000" b="1" dirty="0">
+                <a:latin typeface="Consolas" panose="020B0609020204030204" pitchFamily="49" charset="0"/>
+              </a:rPr>
+              <a:t>.</a:t>
+            </a:r>
+            <a:r>
+              <a:rPr lang="de-DE" sz="2000" b="1" dirty="0" err="1">
+                <a:latin typeface="Consolas" panose="020B0609020204030204" pitchFamily="49" charset="0"/>
+              </a:rPr>
+              <a:t>gitlab-ci.yml</a:t>
+            </a:r>
+            <a:r>
+              <a:rPr lang="de-DE" sz="2000" b="1" dirty="0">
+                <a:latin typeface="Consolas" panose="020B0609020204030204" pitchFamily="49" charset="0"/>
+              </a:rPr>
               <a:t> (4/4)</a:t>
             </a:r>
           </a:p>
@@ -4390,7 +5172,7 @@
 </p:sld>
 </file>
 
-<file path=ppt/slides/slide11.xml><?xml version="1.0" encoding="utf-8"?>
+<file path=ppt/slides/slide12.xml><?xml version="1.0" encoding="utf-8"?>
 <p:sld xmlns:a="http://schemas.openxmlformats.org/drawingml/2006/main" xmlns:r="http://schemas.openxmlformats.org/officeDocument/2006/relationships" xmlns:p="http://schemas.openxmlformats.org/presentationml/2006/main">
   <p:cSld>
     <p:spTree>
@@ -4498,6 +5280,109 @@
     <p:extLst>
       <p:ext uri="{BB962C8B-B14F-4D97-AF65-F5344CB8AC3E}">
         <p14:creationId xmlns:p14="http://schemas.microsoft.com/office/powerpoint/2010/main" val="3612983727"/>
+      </p:ext>
+    </p:extLst>
+  </p:cSld>
+  <p:clrMapOvr>
+    <a:masterClrMapping/>
+  </p:clrMapOvr>
+</p:sld>
+</file>
+
+<file path=ppt/slides/slide13.xml><?xml version="1.0" encoding="utf-8"?>
+<p:sld xmlns:a="http://schemas.openxmlformats.org/drawingml/2006/main" xmlns:r="http://schemas.openxmlformats.org/officeDocument/2006/relationships" xmlns:p="http://schemas.openxmlformats.org/presentationml/2006/main">
+  <p:cSld>
+    <p:spTree>
+      <p:nvGrpSpPr>
+        <p:cNvPr id="1" name=""/>
+        <p:cNvGrpSpPr/>
+        <p:nvPr/>
+      </p:nvGrpSpPr>
+      <p:grpSpPr>
+        <a:xfrm>
+          <a:off x="0" y="0"/>
+          <a:ext cx="0" cy="0"/>
+          <a:chOff x="0" y="0"/>
+          <a:chExt cx="0" cy="0"/>
+        </a:xfrm>
+      </p:grpSpPr>
+      <p:sp>
+        <p:nvSpPr>
+          <p:cNvPr id="2" name="Titel 1">
+            <a:extLst>
+              <a:ext uri="{FF2B5EF4-FFF2-40B4-BE49-F238E27FC236}">
+                <a16:creationId xmlns:a16="http://schemas.microsoft.com/office/drawing/2014/main" id="{C68C1737-D484-715E-7DED-B4DAE0681091}"/>
+              </a:ext>
+            </a:extLst>
+          </p:cNvPr>
+          <p:cNvSpPr>
+            <a:spLocks noGrp="1"/>
+          </p:cNvSpPr>
+          <p:nvPr>
+            <p:ph type="title"/>
+          </p:nvPr>
+        </p:nvSpPr>
+        <p:spPr/>
+        <p:txBody>
+          <a:bodyPr/>
+          <a:lstStyle/>
+          <a:p>
+            <a:r>
+              <a:rPr lang="de-DE" cap="none"/>
+              <a:t>Abschlussübung &amp; Diskussion</a:t>
+            </a:r>
+            <a:endParaRPr lang="de-DE" dirty="0"/>
+          </a:p>
+        </p:txBody>
+      </p:sp>
+      <p:sp>
+        <p:nvSpPr>
+          <p:cNvPr id="3" name="Inhaltsplatzhalter 2">
+            <a:extLst>
+              <a:ext uri="{FF2B5EF4-FFF2-40B4-BE49-F238E27FC236}">
+                <a16:creationId xmlns:a16="http://schemas.microsoft.com/office/drawing/2014/main" id="{587B5FFC-7C29-4CF8-B4D6-9549918B4725}"/>
+              </a:ext>
+            </a:extLst>
+          </p:cNvPr>
+          <p:cNvSpPr>
+            <a:spLocks noGrp="1"/>
+          </p:cNvSpPr>
+          <p:nvPr>
+            <p:ph idx="1"/>
+          </p:nvPr>
+        </p:nvSpPr>
+        <p:spPr/>
+        <p:txBody>
+          <a:bodyPr/>
+          <a:lstStyle/>
+          <a:p>
+            <a:pPr marL="0" indent="0">
+              <a:buNone/>
+            </a:pPr>
+            <a:r>
+              <a:rPr lang="de-DE" dirty="0"/>
+              <a:t>Komplexe Pipeline mit </a:t>
+            </a:r>
+            <a:r>
+              <a:rPr lang="de-DE" dirty="0" err="1"/>
+              <a:t>Docusaurus</a:t>
+            </a:r>
+            <a:r>
+              <a:rPr lang="de-DE" dirty="0"/>
+              <a:t> und </a:t>
+            </a:r>
+            <a:r>
+              <a:rPr lang="de-DE" dirty="0" err="1"/>
+              <a:t>npm</a:t>
+            </a:r>
+            <a:endParaRPr lang="de-DE" dirty="0"/>
+          </a:p>
+        </p:txBody>
+      </p:sp>
+    </p:spTree>
+    <p:extLst>
+      <p:ext uri="{BB962C8B-B14F-4D97-AF65-F5344CB8AC3E}">
+        <p14:creationId xmlns:p14="http://schemas.microsoft.com/office/powerpoint/2010/main" val="308782299"/>
       </p:ext>
     </p:extLst>
   </p:cSld>
@@ -5388,7 +6273,7 @@
           <p:cNvPr id="2" name="Titel 1">
             <a:extLst>
               <a:ext uri="{FF2B5EF4-FFF2-40B4-BE49-F238E27FC236}">
-                <a16:creationId xmlns:a16="http://schemas.microsoft.com/office/drawing/2014/main" id="{0A6ADA43-34C1-347C-FD8E-BF87A5A77FC5}"/>
+                <a16:creationId xmlns:a16="http://schemas.microsoft.com/office/drawing/2014/main" id="{C1685EFD-0B12-A118-74A4-A33EE3E5069D}"/>
               </a:ext>
             </a:extLst>
           </p:cNvPr>
@@ -5405,10 +6290,9 @@
           <a:lstStyle/>
           <a:p>
             <a:r>
-              <a:rPr lang="de-DE" cap="none" dirty="0"/>
-              <a:t>Abschlussübung &amp; Diskussion</a:t>
-            </a:r>
-            <a:endParaRPr lang="de-DE" dirty="0"/>
+              <a:rPr lang="de-DE" dirty="0"/>
+              <a:t>Key Takeaways</a:t>
+            </a:r>
           </a:p>
         </p:txBody>
       </p:sp>
@@ -5417,7 +6301,7 @@
           <p:cNvPr id="3" name="Inhaltsplatzhalter 2">
             <a:extLst>
               <a:ext uri="{FF2B5EF4-FFF2-40B4-BE49-F238E27FC236}">
-                <a16:creationId xmlns:a16="http://schemas.microsoft.com/office/drawing/2014/main" id="{4D911ADB-7C0F-98E1-85DA-1C884339CE08}"/>
+                <a16:creationId xmlns:a16="http://schemas.microsoft.com/office/drawing/2014/main" id="{B1AC08BC-C841-A94C-A976-502217A7D7C7}"/>
               </a:ext>
             </a:extLst>
           </p:cNvPr>
@@ -5433,162 +6317,325 @@
           <a:bodyPr/>
           <a:lstStyle/>
           <a:p>
-            <a:pPr marL="0" indent="0">
-              <a:buNone/>
-            </a:pPr>
-            <a:r>
-              <a:rPr lang="de-DE" b="1" dirty="0"/>
-              <a:t>Aufgabe: Pipeline mit vier Stages</a:t>
-            </a:r>
-          </a:p>
-          <a:p>
-            <a:pPr marL="457200" indent="-457200">
-              <a:buFont typeface="+mj-lt"/>
-              <a:buAutoNum type="arabicPeriod"/>
-            </a:pPr>
-            <a:r>
-              <a:rPr lang="de-DE" b="1" dirty="0"/>
-              <a:t>Ziel: </a:t>
-            </a:r>
-            <a:r>
-              <a:rPr lang="de-DE" dirty="0"/>
-              <a:t>Tiefgehendes CI/CD Verständnis</a:t>
-            </a:r>
-          </a:p>
-          <a:p>
-            <a:pPr marL="457200" indent="-457200">
-              <a:buFont typeface="+mj-lt"/>
-              <a:buAutoNum type="arabicPeriod"/>
-            </a:pPr>
-            <a:r>
-              <a:rPr lang="de-DE" b="1" dirty="0"/>
-              <a:t>Schritte:</a:t>
-            </a:r>
-          </a:p>
-          <a:p>
-            <a:pPr marL="857250" lvl="1" indent="-457200">
+            <a:pPr>
               <a:buFont typeface="Arial" panose="020B0604020202020204" pitchFamily="34" charset="0"/>
               <a:buChar char="•"/>
             </a:pPr>
             <a:r>
-              <a:rPr lang="de-DE" dirty="0" err="1"/>
-              <a:t>Build</a:t>
-            </a:r>
-            <a:r>
-              <a:rPr lang="de-DE" dirty="0"/>
-              <a:t> wird in die Container Registry </a:t>
-            </a:r>
-            <a:r>
-              <a:rPr lang="de-DE" dirty="0" err="1"/>
-              <a:t>gepushed</a:t>
-            </a:r>
-            <a:endParaRPr lang="de-DE" dirty="0"/>
-          </a:p>
-          <a:p>
-            <a:pPr marL="857250" lvl="1" indent="-457200">
+              <a:rPr lang="de-DE" sz="2000" dirty="0" err="1"/>
+              <a:t>Continuous</a:t>
+            </a:r>
+            <a:r>
+              <a:rPr lang="de-DE" sz="2000" dirty="0"/>
+              <a:t> Integration (CI)</a:t>
+            </a:r>
+          </a:p>
+          <a:p>
+            <a:pPr>
               <a:buFont typeface="Arial" panose="020B0604020202020204" pitchFamily="34" charset="0"/>
               <a:buChar char="•"/>
             </a:pPr>
             <a:r>
-              <a:rPr lang="de-DE" dirty="0"/>
-              <a:t>Von den nachfolgenden Stages (bei Bedarf) </a:t>
-            </a:r>
-            <a:r>
-              <a:rPr lang="de-DE" dirty="0" err="1"/>
-              <a:t>gepulled</a:t>
-            </a:r>
-            <a:endParaRPr lang="de-DE" dirty="0"/>
-          </a:p>
-          <a:p>
-            <a:pPr marL="857250" lvl="1" indent="-457200">
+              <a:rPr lang="de-DE" sz="2000" dirty="0" err="1"/>
+              <a:t>Continuous</a:t>
+            </a:r>
+            <a:r>
+              <a:rPr lang="de-DE" sz="2000" dirty="0"/>
+              <a:t> </a:t>
+            </a:r>
+            <a:r>
+              <a:rPr lang="de-DE" sz="2000" dirty="0" err="1"/>
+              <a:t>Delivery</a:t>
+            </a:r>
+            <a:r>
+              <a:rPr lang="de-DE" sz="2000" dirty="0"/>
+              <a:t> (CD)</a:t>
+            </a:r>
+          </a:p>
+          <a:p>
+            <a:pPr>
               <a:buFont typeface="Arial" panose="020B0604020202020204" pitchFamily="34" charset="0"/>
               <a:buChar char="•"/>
             </a:pPr>
             <a:r>
-              <a:rPr lang="de-DE" dirty="0"/>
-              <a:t>Zwei </a:t>
-            </a:r>
-            <a:r>
-              <a:rPr lang="de-DE" dirty="0" err="1"/>
-              <a:t>paralell</a:t>
-            </a:r>
-            <a:r>
-              <a:rPr lang="de-DE" dirty="0"/>
-              <a:t> laufende Tests</a:t>
-            </a:r>
-          </a:p>
-          <a:p>
-            <a:pPr marL="857250" lvl="1" indent="-457200">
+              <a:rPr lang="de-DE" sz="2000" dirty="0"/>
+              <a:t>Unterschiede CI und CD</a:t>
+            </a:r>
+          </a:p>
+          <a:p>
+            <a:pPr>
               <a:buFont typeface="Arial" panose="020B0604020202020204" pitchFamily="34" charset="0"/>
               <a:buChar char="•"/>
             </a:pPr>
             <a:r>
-              <a:rPr lang="de-DE" dirty="0"/>
-              <a:t>Änderungen am </a:t>
-            </a:r>
-            <a:r>
-              <a:rPr lang="de-DE" dirty="0" err="1"/>
-              <a:t>main</a:t>
-            </a:r>
-            <a:r>
-              <a:rPr lang="de-DE" dirty="0"/>
-              <a:t> werden als </a:t>
-            </a:r>
-            <a:r>
-              <a:rPr lang="de-DE" dirty="0" err="1"/>
-              <a:t>latest</a:t>
-            </a:r>
-            <a:r>
-              <a:rPr lang="de-DE" dirty="0"/>
-              <a:t> </a:t>
-            </a:r>
-            <a:r>
-              <a:rPr lang="de-DE" dirty="0" err="1"/>
-              <a:t>getagged</a:t>
-            </a:r>
-            <a:endParaRPr lang="de-DE" dirty="0"/>
-          </a:p>
-          <a:p>
-            <a:pPr marL="857250" lvl="1" indent="-457200">
+              <a:rPr lang="de-DE" sz="2000" dirty="0"/>
+              <a:t>Das Grundgerüst</a:t>
+            </a:r>
+          </a:p>
+          <a:p>
+            <a:pPr lvl="1">
               <a:buFont typeface="Arial" panose="020B0604020202020204" pitchFamily="34" charset="0"/>
               <a:buChar char="•"/>
             </a:pPr>
             <a:r>
-              <a:rPr lang="de-DE" dirty="0" err="1"/>
-              <a:t>Deployment</a:t>
-            </a:r>
-            <a:r>
-              <a:rPr lang="de-DE" dirty="0"/>
-              <a:t> über anwendungs-spezifisches Deploy-Skript</a:t>
-            </a:r>
-          </a:p>
-          <a:p>
-            <a:pPr marL="857250" lvl="1" indent="-457200">
+              <a:rPr lang="de-DE" sz="1800" dirty="0"/>
+              <a:t>VCS, </a:t>
+            </a:r>
+            <a:r>
+              <a:rPr lang="de-DE" sz="1800" dirty="0" err="1"/>
+              <a:t>Build</a:t>
+            </a:r>
+            <a:r>
+              <a:rPr lang="de-DE" sz="1800" dirty="0"/>
+              <a:t> System, </a:t>
+            </a:r>
+            <a:r>
+              <a:rPr lang="de-DE" sz="1800" dirty="0" err="1"/>
+              <a:t>Versionierungsstrategie</a:t>
+            </a:r>
+            <a:r>
+              <a:rPr lang="de-DE" sz="1800" dirty="0"/>
+              <a:t>, Workflow, </a:t>
+            </a:r>
+          </a:p>
+          <a:p>
+            <a:pPr>
               <a:buFont typeface="Arial" panose="020B0604020202020204" pitchFamily="34" charset="0"/>
               <a:buChar char="•"/>
             </a:pPr>
-            <a:endParaRPr lang="de-DE" dirty="0"/>
-          </a:p>
-          <a:p>
-            <a:pPr marL="857250" lvl="1" indent="-457200">
+            <a:r>
+              <a:rPr lang="de-DE" sz="2000" dirty="0"/>
+              <a:t>Komponenten der CI/CD Pipeline</a:t>
+            </a:r>
+          </a:p>
+          <a:p>
+            <a:pPr lvl="1">
               <a:buFont typeface="Arial" panose="020B0604020202020204" pitchFamily="34" charset="0"/>
               <a:buChar char="•"/>
             </a:pPr>
-            <a:endParaRPr lang="de-DE" dirty="0"/>
-          </a:p>
-          <a:p>
-            <a:pPr marL="857250" lvl="1" indent="-457200">
+            <a:r>
+              <a:rPr lang="de-DE" sz="1800" dirty="0"/>
+              <a:t>Repository, </a:t>
+            </a:r>
+            <a:r>
+              <a:rPr lang="de-DE" sz="1800" dirty="0" err="1"/>
+              <a:t>Build</a:t>
+            </a:r>
+            <a:r>
+              <a:rPr lang="de-DE" sz="1800" dirty="0"/>
+              <a:t> Automation, </a:t>
+            </a:r>
+            <a:r>
+              <a:rPr lang="de-DE" sz="1800" dirty="0" err="1"/>
+              <a:t>Automated</a:t>
+            </a:r>
+            <a:r>
+              <a:rPr lang="de-DE" sz="1800" dirty="0"/>
+              <a:t> </a:t>
+            </a:r>
+            <a:r>
+              <a:rPr lang="de-DE" sz="1800" dirty="0" err="1"/>
+              <a:t>Testing</a:t>
+            </a:r>
+            <a:r>
+              <a:rPr lang="de-DE" sz="1800" dirty="0"/>
+              <a:t>, </a:t>
+            </a:r>
+            <a:r>
+              <a:rPr lang="de-DE" sz="1800" dirty="0" err="1"/>
+              <a:t>Artifact</a:t>
+            </a:r>
+            <a:r>
+              <a:rPr lang="de-DE" sz="1800" dirty="0"/>
+              <a:t> Repository, </a:t>
+            </a:r>
+            <a:r>
+              <a:rPr lang="de-DE" sz="1800" dirty="0" err="1"/>
+              <a:t>Deployment</a:t>
+            </a:r>
+            <a:r>
+              <a:rPr lang="de-DE" sz="1800" dirty="0"/>
+              <a:t> Strategie, </a:t>
+            </a:r>
+          </a:p>
+          <a:p>
+            <a:pPr lvl="1">
               <a:buFont typeface="Arial" panose="020B0604020202020204" pitchFamily="34" charset="0"/>
               <a:buChar char="•"/>
             </a:pPr>
-            <a:endParaRPr lang="de-DE" dirty="0"/>
+            <a:r>
+              <a:rPr lang="de-DE" sz="1800" dirty="0"/>
+              <a:t>Zukunft: Monitoring und Feedback, Security und Compliance Checks, Compliance </a:t>
+            </a:r>
+            <a:r>
+              <a:rPr lang="de-DE" sz="1800" dirty="0" err="1"/>
+              <a:t>as</a:t>
+            </a:r>
+            <a:r>
+              <a:rPr lang="de-DE" sz="1800" dirty="0"/>
+              <a:t> Code</a:t>
+            </a:r>
+          </a:p>
+          <a:p>
+            <a:pPr>
+              <a:buFont typeface="Arial" panose="020B0604020202020204" pitchFamily="34" charset="0"/>
+              <a:buChar char="•"/>
+            </a:pPr>
+            <a:r>
+              <a:rPr lang="de-DE" sz="2000" dirty="0"/>
+              <a:t>Umsetzung der CI/CD Pipeline</a:t>
+            </a:r>
+          </a:p>
+          <a:p>
+            <a:pPr lvl="1">
+              <a:buFont typeface="Arial" panose="020B0604020202020204" pitchFamily="34" charset="0"/>
+              <a:buChar char="•"/>
+            </a:pPr>
+            <a:r>
+              <a:rPr lang="de-DE" sz="1800" dirty="0" err="1"/>
+              <a:t>Git</a:t>
+            </a:r>
+            <a:r>
+              <a:rPr lang="de-DE" sz="1800" dirty="0"/>
+              <a:t>, </a:t>
+            </a:r>
+            <a:r>
+              <a:rPr lang="de-DE" sz="1800" dirty="0" err="1"/>
+              <a:t>branching</a:t>
+            </a:r>
+            <a:r>
+              <a:rPr lang="de-DE" sz="1800" dirty="0"/>
+              <a:t> </a:t>
+            </a:r>
+            <a:r>
+              <a:rPr lang="de-DE" sz="1800" dirty="0" err="1"/>
+              <a:t>strategie</a:t>
+            </a:r>
+            <a:r>
+              <a:rPr lang="de-DE" sz="1800" dirty="0"/>
+              <a:t> (</a:t>
+            </a:r>
+            <a:r>
+              <a:rPr lang="de-DE" sz="1800" dirty="0" err="1"/>
+              <a:t>gitflow</a:t>
+            </a:r>
+            <a:r>
+              <a:rPr lang="de-DE" sz="1800" dirty="0"/>
+              <a:t>), häufige </a:t>
+            </a:r>
+            <a:r>
+              <a:rPr lang="de-DE" sz="1800" dirty="0" err="1"/>
+              <a:t>commits</a:t>
+            </a:r>
+            <a:r>
+              <a:rPr lang="de-DE" sz="1800" dirty="0"/>
+              <a:t>, CI Server, </a:t>
+            </a:r>
+            <a:r>
+              <a:rPr lang="de-DE" sz="1800" dirty="0" err="1"/>
+              <a:t>Build</a:t>
+            </a:r>
+            <a:r>
+              <a:rPr lang="de-DE" sz="1800" dirty="0"/>
+              <a:t> und Tests automatisieren, Artefakte, </a:t>
+            </a:r>
+            <a:r>
+              <a:rPr lang="de-DE" sz="1800" dirty="0" err="1"/>
+              <a:t>Deployment</a:t>
+            </a:r>
+            <a:endParaRPr lang="de-DE" sz="1800" dirty="0"/>
+          </a:p>
+          <a:p>
+            <a:pPr>
+              <a:buFont typeface="Arial" panose="020B0604020202020204" pitchFamily="34" charset="0"/>
+              <a:buChar char="•"/>
+            </a:pPr>
+            <a:r>
+              <a:rPr lang="de-DE" sz="2000" dirty="0"/>
+              <a:t>Zukunft:</a:t>
+            </a:r>
+          </a:p>
+          <a:p>
+            <a:pPr lvl="1">
+              <a:buFont typeface="Arial" panose="020B0604020202020204" pitchFamily="34" charset="0"/>
+              <a:buChar char="•"/>
+            </a:pPr>
+            <a:r>
+              <a:rPr lang="de-DE" sz="1600" dirty="0"/>
+              <a:t>Infrastructure </a:t>
+            </a:r>
+            <a:r>
+              <a:rPr lang="de-DE" sz="1600" dirty="0" err="1"/>
+              <a:t>as</a:t>
+            </a:r>
+            <a:r>
+              <a:rPr lang="de-DE" sz="1600" dirty="0"/>
+              <a:t> Code (</a:t>
+            </a:r>
+            <a:r>
+              <a:rPr lang="de-DE" sz="1600" dirty="0" err="1"/>
+              <a:t>IaC</a:t>
+            </a:r>
+            <a:r>
+              <a:rPr lang="de-DE" sz="1600" dirty="0"/>
+              <a:t>): Terraform, Auto-</a:t>
+            </a:r>
+            <a:r>
+              <a:rPr lang="de-DE" sz="1600" dirty="0" err="1"/>
+              <a:t>Scaling</a:t>
+            </a:r>
+            <a:r>
+              <a:rPr lang="de-DE" sz="1600" dirty="0"/>
+              <a:t> (</a:t>
+            </a:r>
+            <a:r>
+              <a:rPr lang="de-DE" sz="1600" dirty="0" err="1"/>
+              <a:t>Kubernetes</a:t>
+            </a:r>
+            <a:r>
+              <a:rPr lang="de-DE" sz="1600" dirty="0"/>
+              <a:t> Horizontal Pod </a:t>
+            </a:r>
+            <a:r>
+              <a:rPr lang="de-DE" sz="1600" dirty="0" err="1"/>
+              <a:t>Autoscaling</a:t>
+            </a:r>
+            <a:r>
+              <a:rPr lang="de-DE" sz="1600" dirty="0"/>
+              <a:t>) und Self-Healing Mechanismen (</a:t>
+            </a:r>
+            <a:r>
+              <a:rPr lang="de-DE" sz="1600" dirty="0" err="1"/>
+              <a:t>Readiness</a:t>
+            </a:r>
+            <a:r>
+              <a:rPr lang="de-DE" sz="1600" dirty="0"/>
+              <a:t> und </a:t>
+            </a:r>
+            <a:r>
+              <a:rPr lang="de-DE" sz="1600" dirty="0" err="1"/>
+              <a:t>Liveness</a:t>
+            </a:r>
+            <a:r>
+              <a:rPr lang="de-DE" sz="1600" dirty="0"/>
+              <a:t> </a:t>
+            </a:r>
+            <a:r>
+              <a:rPr lang="de-DE" sz="1600" dirty="0" err="1"/>
+              <a:t>Probes</a:t>
+            </a:r>
+            <a:r>
+              <a:rPr lang="de-DE" sz="1600"/>
+              <a:t>…)</a:t>
+            </a:r>
+            <a:endParaRPr lang="de-DE" sz="1600" dirty="0"/>
           </a:p>
         </p:txBody>
       </p:sp>
     </p:spTree>
     <p:extLst>
       <p:ext uri="{BB962C8B-B14F-4D97-AF65-F5344CB8AC3E}">
-        <p14:creationId xmlns:p14="http://schemas.microsoft.com/office/powerpoint/2010/main" val="1582550262"/>
+        <p14:creationId xmlns:p14="http://schemas.microsoft.com/office/powerpoint/2010/main" val="4281425325"/>
       </p:ext>
     </p:extLst>
   </p:cSld>
@@ -5620,7 +6667,7 @@
           <p:cNvPr id="2" name="Titel 1">
             <a:extLst>
               <a:ext uri="{FF2B5EF4-FFF2-40B4-BE49-F238E27FC236}">
-                <a16:creationId xmlns:a16="http://schemas.microsoft.com/office/drawing/2014/main" id="{49A48EBC-55D9-6D64-715F-AF6DEBF117C3}"/>
+                <a16:creationId xmlns:a16="http://schemas.microsoft.com/office/drawing/2014/main" id="{0A6ADA43-34C1-347C-FD8E-BF87A5A77FC5}"/>
               </a:ext>
             </a:extLst>
           </p:cNvPr>
@@ -5649,7 +6696,7 @@
           <p:cNvPr id="3" name="Inhaltsplatzhalter 2">
             <a:extLst>
               <a:ext uri="{FF2B5EF4-FFF2-40B4-BE49-F238E27FC236}">
-                <a16:creationId xmlns:a16="http://schemas.microsoft.com/office/drawing/2014/main" id="{7B404127-ED2B-6905-BDD1-3C60D11A2A7C}"/>
+                <a16:creationId xmlns:a16="http://schemas.microsoft.com/office/drawing/2014/main" id="{4D911ADB-7C0F-98E1-85DA-1C884339CE08}"/>
               </a:ext>
             </a:extLst>
           </p:cNvPr>
@@ -5670,15 +6717,8 @@
             </a:pPr>
             <a:r>
               <a:rPr lang="de-DE" b="1" dirty="0"/>
-              <a:t>Pipeline mit vier Stages (… auf vier Slides </a:t>
-            </a:r>
-            <a:r>
-              <a:rPr lang="de-DE" b="1" dirty="0">
-                <a:sym typeface="Wingdings" panose="05000000000000000000" pitchFamily="2" charset="2"/>
-              </a:rPr>
-              <a:t>)</a:t>
-            </a:r>
-            <a:endParaRPr lang="de-DE" b="1" dirty="0"/>
+              <a:t>Aufgabe: Pipeline mit vier Stages</a:t>
+            </a:r>
           </a:p>
           <a:p>
             <a:pPr marL="457200" indent="-457200">
@@ -5686,18 +6726,13 @@
               <a:buAutoNum type="arabicPeriod"/>
             </a:pPr>
             <a:r>
-              <a:rPr lang="de-DE" dirty="0" err="1"/>
-              <a:t>Build</a:t>
+              <a:rPr lang="de-DE" b="1" dirty="0"/>
+              <a:t>Ziel: </a:t>
             </a:r>
             <a:r>
               <a:rPr lang="de-DE" dirty="0"/>
-              <a:t> wird in die Container Registry </a:t>
-            </a:r>
-            <a:r>
-              <a:rPr lang="de-DE" dirty="0" err="1"/>
-              <a:t>gepushed</a:t>
-            </a:r>
-            <a:endParaRPr lang="de-DE" dirty="0"/>
+              <a:t>Tiefgehendes CI/CD Verständnis</a:t>
+            </a:r>
           </a:p>
           <a:p>
             <a:pPr marL="457200" indent="-457200">
@@ -5705,6 +6740,35 @@
               <a:buAutoNum type="arabicPeriod"/>
             </a:pPr>
             <a:r>
+              <a:rPr lang="de-DE" b="1" dirty="0"/>
+              <a:t>Schritte:</a:t>
+            </a:r>
+          </a:p>
+          <a:p>
+            <a:pPr marL="857250" lvl="1" indent="-457200">
+              <a:buFont typeface="Arial" panose="020B0604020202020204" pitchFamily="34" charset="0"/>
+              <a:buChar char="•"/>
+            </a:pPr>
+            <a:r>
+              <a:rPr lang="de-DE" dirty="0" err="1"/>
+              <a:t>Build</a:t>
+            </a:r>
+            <a:r>
+              <a:rPr lang="de-DE" dirty="0"/>
+              <a:t> wird in die Container Registry </a:t>
+            </a:r>
+            <a:r>
+              <a:rPr lang="de-DE" dirty="0" err="1"/>
+              <a:t>gepushed</a:t>
+            </a:r>
+            <a:endParaRPr lang="de-DE" dirty="0"/>
+          </a:p>
+          <a:p>
+            <a:pPr marL="857250" lvl="1" indent="-457200">
+              <a:buFont typeface="Arial" panose="020B0604020202020204" pitchFamily="34" charset="0"/>
+              <a:buChar char="•"/>
+            </a:pPr>
+            <a:r>
               <a:rPr lang="de-DE" dirty="0"/>
               <a:t>Von den nachfolgenden Stages (bei Bedarf) </a:t>
             </a:r>
@@ -5715,9 +6779,9 @@
             <a:endParaRPr lang="de-DE" dirty="0"/>
           </a:p>
           <a:p>
-            <a:pPr marL="457200" indent="-457200">
-              <a:buFont typeface="+mj-lt"/>
-              <a:buAutoNum type="arabicPeriod"/>
+            <a:pPr marL="857250" lvl="1" indent="-457200">
+              <a:buFont typeface="Arial" panose="020B0604020202020204" pitchFamily="34" charset="0"/>
+              <a:buChar char="•"/>
             </a:pPr>
             <a:r>
               <a:rPr lang="de-DE" dirty="0"/>
@@ -5733,18 +6797,16 @@
             </a:r>
           </a:p>
           <a:p>
-            <a:pPr marL="457200" indent="-457200">
-              <a:buFont typeface="+mj-lt"/>
-              <a:buAutoNum type="arabicPeriod"/>
+            <a:pPr marL="857250" lvl="1" indent="-457200">
+              <a:buFont typeface="Arial" panose="020B0604020202020204" pitchFamily="34" charset="0"/>
+              <a:buChar char="•"/>
             </a:pPr>
             <a:r>
               <a:rPr lang="de-DE" dirty="0"/>
               <a:t>Änderungen am </a:t>
             </a:r>
             <a:r>
-              <a:rPr lang="de-DE" dirty="0" err="1">
-                <a:latin typeface="Consolas" panose="020B0609020204030204" pitchFamily="49" charset="0"/>
-              </a:rPr>
+              <a:rPr lang="de-DE" dirty="0" err="1"/>
               <a:t>main</a:t>
             </a:r>
             <a:r>
@@ -5768,9 +6830,9 @@
             <a:endParaRPr lang="de-DE" dirty="0"/>
           </a:p>
           <a:p>
-            <a:pPr marL="457200" indent="-457200">
-              <a:buFont typeface="+mj-lt"/>
-              <a:buAutoNum type="arabicPeriod"/>
+            <a:pPr marL="857250" lvl="1" indent="-457200">
+              <a:buFont typeface="Arial" panose="020B0604020202020204" pitchFamily="34" charset="0"/>
+              <a:buChar char="•"/>
             </a:pPr>
             <a:r>
               <a:rPr lang="de-DE" dirty="0" err="1"/>
@@ -5782,14 +6844,21 @@
             </a:r>
           </a:p>
           <a:p>
-            <a:pPr>
+            <a:pPr marL="857250" lvl="1" indent="-457200">
               <a:buFont typeface="Arial" panose="020B0604020202020204" pitchFamily="34" charset="0"/>
               <a:buChar char="•"/>
             </a:pPr>
             <a:endParaRPr lang="de-DE" dirty="0"/>
           </a:p>
           <a:p>
-            <a:pPr>
+            <a:pPr marL="857250" lvl="1" indent="-457200">
+              <a:buFont typeface="Arial" panose="020B0604020202020204" pitchFamily="34" charset="0"/>
+              <a:buChar char="•"/>
+            </a:pPr>
+            <a:endParaRPr lang="de-DE" dirty="0"/>
+          </a:p>
+          <a:p>
+            <a:pPr marL="857250" lvl="1" indent="-457200">
               <a:buFont typeface="Arial" panose="020B0604020202020204" pitchFamily="34" charset="0"/>
               <a:buChar char="•"/>
             </a:pPr>
@@ -5800,7 +6869,7 @@
     </p:spTree>
     <p:extLst>
       <p:ext uri="{BB962C8B-B14F-4D97-AF65-F5344CB8AC3E}">
-        <p14:creationId xmlns:p14="http://schemas.microsoft.com/office/powerpoint/2010/main" val="4283580811"/>
+        <p14:creationId xmlns:p14="http://schemas.microsoft.com/office/powerpoint/2010/main" val="1582550262"/>
       </p:ext>
     </p:extLst>
   </p:cSld>
@@ -5881,274 +6950,138 @@
               <a:buNone/>
             </a:pPr>
             <a:r>
-              <a:rPr lang="de-DE" sz="2000" b="1" dirty="0">
-                <a:latin typeface="Consolas" panose="020B0609020204030204" pitchFamily="49" charset="0"/>
-              </a:rPr>
-              <a:t>.</a:t>
-            </a:r>
-            <a:r>
-              <a:rPr lang="de-DE" sz="2000" b="1" dirty="0" err="1">
-                <a:latin typeface="Consolas" panose="020B0609020204030204" pitchFamily="49" charset="0"/>
-              </a:rPr>
-              <a:t>gitlab-ci.yml</a:t>
-            </a:r>
-            <a:r>
-              <a:rPr lang="de-DE" sz="2000" b="1" dirty="0">
-                <a:latin typeface="Consolas" panose="020B0609020204030204" pitchFamily="49" charset="0"/>
-              </a:rPr>
-              <a:t> (1/4)</a:t>
-            </a:r>
-          </a:p>
-          <a:p>
-            <a:pPr marL="0" indent="0">
-              <a:buNone/>
-            </a:pPr>
-            <a:r>
-              <a:rPr lang="de-DE" sz="1800" dirty="0" err="1">
-                <a:latin typeface="Consolas" panose="020B0609020204030204" pitchFamily="49" charset="0"/>
-              </a:rPr>
-              <a:t>default</a:t>
-            </a:r>
-            <a:r>
-              <a:rPr lang="de-DE" sz="1800" dirty="0">
-                <a:latin typeface="Consolas" panose="020B0609020204030204" pitchFamily="49" charset="0"/>
-              </a:rPr>
-              <a:t>:</a:t>
-            </a:r>
-          </a:p>
-          <a:p>
-            <a:pPr marL="0" indent="0">
-              <a:buNone/>
-            </a:pPr>
-            <a:r>
-              <a:rPr lang="de-DE" sz="1800" dirty="0">
-                <a:latin typeface="Consolas" panose="020B0609020204030204" pitchFamily="49" charset="0"/>
-              </a:rPr>
-              <a:t>  </a:t>
-            </a:r>
-            <a:r>
-              <a:rPr lang="de-DE" sz="1800" dirty="0" err="1">
-                <a:latin typeface="Consolas" panose="020B0609020204030204" pitchFamily="49" charset="0"/>
-              </a:rPr>
-              <a:t>image</a:t>
-            </a:r>
-            <a:r>
-              <a:rPr lang="de-DE" sz="1800" dirty="0">
-                <a:latin typeface="Consolas" panose="020B0609020204030204" pitchFamily="49" charset="0"/>
-              </a:rPr>
-              <a:t>: docker:20.10.16</a:t>
-            </a:r>
-          </a:p>
-          <a:p>
-            <a:pPr marL="0" indent="0">
-              <a:buNone/>
-            </a:pPr>
-            <a:r>
-              <a:rPr lang="de-DE" sz="1800" dirty="0">
-                <a:latin typeface="Consolas" panose="020B0609020204030204" pitchFamily="49" charset="0"/>
-              </a:rPr>
-              <a:t>  </a:t>
-            </a:r>
-            <a:r>
-              <a:rPr lang="de-DE" sz="1800" dirty="0" err="1">
-                <a:latin typeface="Consolas" panose="020B0609020204030204" pitchFamily="49" charset="0"/>
-              </a:rPr>
-              <a:t>services</a:t>
-            </a:r>
-            <a:r>
-              <a:rPr lang="de-DE" sz="1800" dirty="0">
-                <a:latin typeface="Consolas" panose="020B0609020204030204" pitchFamily="49" charset="0"/>
-              </a:rPr>
-              <a:t>:</a:t>
-            </a:r>
-          </a:p>
-          <a:p>
-            <a:pPr marL="0" indent="0">
-              <a:buNone/>
-            </a:pPr>
-            <a:r>
-              <a:rPr lang="de-DE" sz="1800" dirty="0">
-                <a:latin typeface="Consolas" panose="020B0609020204030204" pitchFamily="49" charset="0"/>
-              </a:rPr>
-              <a:t>    - docker:20.10.16-dind</a:t>
-            </a:r>
-          </a:p>
-          <a:p>
-            <a:pPr marL="0" indent="0">
-              <a:buNone/>
-            </a:pPr>
-            <a:r>
-              <a:rPr lang="de-DE" sz="1800" dirty="0">
-                <a:latin typeface="Consolas" panose="020B0609020204030204" pitchFamily="49" charset="0"/>
-              </a:rPr>
-              <a:t>  </a:t>
-            </a:r>
-            <a:r>
-              <a:rPr lang="de-DE" sz="1800" dirty="0" err="1">
-                <a:latin typeface="Consolas" panose="020B0609020204030204" pitchFamily="49" charset="0"/>
-              </a:rPr>
-              <a:t>before_script</a:t>
-            </a:r>
-            <a:r>
-              <a:rPr lang="de-DE" sz="1800" dirty="0">
-                <a:latin typeface="Consolas" panose="020B0609020204030204" pitchFamily="49" charset="0"/>
-              </a:rPr>
-              <a:t>:</a:t>
-            </a:r>
-          </a:p>
-          <a:p>
-            <a:pPr marL="0" indent="0">
-              <a:buNone/>
-            </a:pPr>
-            <a:r>
-              <a:rPr lang="de-DE" sz="1800" dirty="0">
-                <a:latin typeface="Consolas" panose="020B0609020204030204" pitchFamily="49" charset="0"/>
-              </a:rPr>
-              <a:t>    - </a:t>
-            </a:r>
-            <a:r>
-              <a:rPr lang="de-DE" sz="1800" dirty="0" err="1">
-                <a:latin typeface="Consolas" panose="020B0609020204030204" pitchFamily="49" charset="0"/>
-              </a:rPr>
-              <a:t>docker</a:t>
-            </a:r>
-            <a:r>
-              <a:rPr lang="de-DE" sz="1800" dirty="0">
-                <a:latin typeface="Consolas" panose="020B0609020204030204" pitchFamily="49" charset="0"/>
-              </a:rPr>
+              <a:rPr lang="de-DE" b="1" dirty="0"/>
+              <a:t>Pipeline mit vier Stages (… auf vier Slides </a:t>
+            </a:r>
+            <a:r>
+              <a:rPr lang="de-DE" b="1" dirty="0">
+                <a:sym typeface="Wingdings" panose="05000000000000000000" pitchFamily="2" charset="2"/>
+              </a:rPr>
+              <a:t>)</a:t>
+            </a:r>
+            <a:endParaRPr lang="de-DE" b="1" dirty="0"/>
+          </a:p>
+          <a:p>
+            <a:pPr marL="457200" indent="-457200">
+              <a:buFont typeface="+mj-lt"/>
+              <a:buAutoNum type="arabicPeriod"/>
+            </a:pPr>
+            <a:r>
+              <a:rPr lang="de-DE" dirty="0" err="1"/>
+              <a:t>Build</a:t>
+            </a:r>
+            <a:r>
+              <a:rPr lang="de-DE" dirty="0"/>
+              <a:t> wird in die Container Registry </a:t>
+            </a:r>
+            <a:r>
+              <a:rPr lang="de-DE" dirty="0" err="1"/>
+              <a:t>gepushed</a:t>
+            </a:r>
+            <a:endParaRPr lang="de-DE" dirty="0"/>
+          </a:p>
+          <a:p>
+            <a:pPr marL="457200" indent="-457200">
+              <a:buFont typeface="+mj-lt"/>
+              <a:buAutoNum type="arabicPeriod"/>
+            </a:pPr>
+            <a:r>
+              <a:rPr lang="de-DE" dirty="0"/>
+              <a:t>Von den nachfolgenden Stages (bei Bedarf) </a:t>
+            </a:r>
+            <a:r>
+              <a:rPr lang="de-DE" dirty="0" err="1"/>
+              <a:t>gepulled</a:t>
+            </a:r>
+            <a:endParaRPr lang="de-DE" dirty="0"/>
+          </a:p>
+          <a:p>
+            <a:pPr marL="457200" indent="-457200">
+              <a:buFont typeface="+mj-lt"/>
+              <a:buAutoNum type="arabicPeriod"/>
+            </a:pPr>
+            <a:r>
+              <a:rPr lang="de-DE" dirty="0"/>
+              <a:t>Zwei </a:t>
+            </a:r>
+            <a:r>
+              <a:rPr lang="de-DE" dirty="0" err="1"/>
+              <a:t>paralell</a:t>
+            </a:r>
+            <a:r>
+              <a:rPr lang="de-DE" dirty="0"/>
+              <a:t> laufende Tests</a:t>
+            </a:r>
+          </a:p>
+          <a:p>
+            <a:pPr marL="457200" indent="-457200">
+              <a:buFont typeface="+mj-lt"/>
+              <a:buAutoNum type="arabicPeriod"/>
+            </a:pPr>
+            <a:r>
+              <a:rPr lang="de-DE" dirty="0"/>
+              <a:t>Änderungen am </a:t>
+            </a:r>
+            <a:r>
+              <a:rPr lang="de-DE" dirty="0" err="1">
+                <a:latin typeface="Consolas" panose="020B0609020204030204" pitchFamily="49" charset="0"/>
+              </a:rPr>
+              <a:t>main</a:t>
+            </a:r>
+            <a:r>
+              <a:rPr lang="de-DE" dirty="0"/>
+              <a:t> werden als </a:t>
+            </a:r>
+            <a:r>
+              <a:rPr lang="de-DE" dirty="0" err="1">
+                <a:latin typeface="Consolas" panose="020B0609020204030204" pitchFamily="49" charset="0"/>
+              </a:rPr>
+              <a:t>latest</a:t>
+            </a:r>
+            <a:r>
+              <a:rPr lang="de-DE" dirty="0"/>
               <a:t> </a:t>
             </a:r>
             <a:r>
-              <a:rPr lang="de-DE" sz="1800" dirty="0" err="1">
-                <a:latin typeface="Consolas" panose="020B0609020204030204" pitchFamily="49" charset="0"/>
-              </a:rPr>
-              <a:t>login</a:t>
-            </a:r>
-            <a:r>
-              <a:rPr lang="de-DE" sz="1800" dirty="0">
-                <a:latin typeface="Consolas" panose="020B0609020204030204" pitchFamily="49" charset="0"/>
-              </a:rPr>
-              <a:t> -u $CI_REGISTRY_USER -p $CI_REGISTRY_PASSWORD $CI_REGISTRY</a:t>
-            </a:r>
-          </a:p>
-          <a:p>
-            <a:pPr marL="0" indent="0">
-              <a:buNone/>
-            </a:pPr>
-            <a:endParaRPr lang="de-DE" sz="1800" dirty="0">
-              <a:latin typeface="Consolas" panose="020B0609020204030204" pitchFamily="49" charset="0"/>
-            </a:endParaRPr>
-          </a:p>
-          <a:p>
-            <a:pPr marL="0" indent="0">
-              <a:buNone/>
-            </a:pPr>
-            <a:r>
-              <a:rPr lang="de-DE" sz="1800" dirty="0" err="1">
-                <a:latin typeface="Consolas" panose="020B0609020204030204" pitchFamily="49" charset="0"/>
-              </a:rPr>
-              <a:t>stages</a:t>
-            </a:r>
-            <a:r>
-              <a:rPr lang="de-DE" sz="1800" dirty="0">
-                <a:latin typeface="Consolas" panose="020B0609020204030204" pitchFamily="49" charset="0"/>
-              </a:rPr>
-              <a:t>: </a:t>
-            </a:r>
-            <a:r>
-              <a:rPr lang="de-DE" sz="1600" dirty="0">
-                <a:solidFill>
-                  <a:srgbClr val="008C5A"/>
-                </a:solidFill>
-                <a:latin typeface="Consolas" panose="020B0609020204030204" pitchFamily="49" charset="0"/>
-              </a:rPr>
-              <a:t># Vier Stages</a:t>
-            </a:r>
-          </a:p>
-          <a:p>
-            <a:pPr marL="0" indent="0">
-              <a:buNone/>
-            </a:pPr>
-            <a:r>
-              <a:rPr lang="de-DE" sz="1800" dirty="0">
-                <a:latin typeface="Consolas" panose="020B0609020204030204" pitchFamily="49" charset="0"/>
-              </a:rPr>
-              <a:t>  - </a:t>
-            </a:r>
-            <a:r>
-              <a:rPr lang="de-DE" sz="1800" dirty="0" err="1">
-                <a:latin typeface="Consolas" panose="020B0609020204030204" pitchFamily="49" charset="0"/>
-              </a:rPr>
-              <a:t>build</a:t>
-            </a:r>
-            <a:endParaRPr lang="de-DE" sz="1800" dirty="0">
-              <a:latin typeface="Consolas" panose="020B0609020204030204" pitchFamily="49" charset="0"/>
-            </a:endParaRPr>
-          </a:p>
-          <a:p>
-            <a:pPr marL="0" indent="0">
-              <a:buNone/>
-            </a:pPr>
-            <a:r>
-              <a:rPr lang="de-DE" sz="1800" dirty="0">
-                <a:latin typeface="Consolas" panose="020B0609020204030204" pitchFamily="49" charset="0"/>
-              </a:rPr>
-              <a:t>  - </a:t>
-            </a:r>
-            <a:r>
-              <a:rPr lang="de-DE" sz="1800" dirty="0" err="1">
-                <a:latin typeface="Consolas" panose="020B0609020204030204" pitchFamily="49" charset="0"/>
-              </a:rPr>
-              <a:t>test</a:t>
-            </a:r>
-            <a:endParaRPr lang="de-DE" sz="1800" dirty="0">
-              <a:latin typeface="Consolas" panose="020B0609020204030204" pitchFamily="49" charset="0"/>
-            </a:endParaRPr>
-          </a:p>
-          <a:p>
-            <a:pPr marL="0" indent="0">
-              <a:buNone/>
-            </a:pPr>
-            <a:r>
-              <a:rPr lang="de-DE" sz="1800" dirty="0">
-                <a:latin typeface="Consolas" panose="020B0609020204030204" pitchFamily="49" charset="0"/>
-              </a:rPr>
-              <a:t>  - release</a:t>
-            </a:r>
-          </a:p>
-          <a:p>
-            <a:pPr marL="0" indent="0">
-              <a:buNone/>
-            </a:pPr>
-            <a:r>
-              <a:rPr lang="de-DE" sz="1800" dirty="0">
-                <a:latin typeface="Consolas" panose="020B0609020204030204" pitchFamily="49" charset="0"/>
-              </a:rPr>
-              <a:t>  - deploy</a:t>
-            </a:r>
-          </a:p>
-          <a:p>
-            <a:pPr marL="0" indent="0">
-              <a:buNone/>
-            </a:pPr>
-            <a:endParaRPr lang="de-DE" sz="1600" dirty="0">
-              <a:latin typeface="Consolas" panose="020B0609020204030204" pitchFamily="49" charset="0"/>
-            </a:endParaRPr>
-          </a:p>
-          <a:p>
-            <a:pPr marL="0" indent="0">
-              <a:buNone/>
-            </a:pPr>
-            <a:endParaRPr lang="de-DE" sz="1600" dirty="0">
-              <a:latin typeface="Consolas" panose="020B0609020204030204" pitchFamily="49" charset="0"/>
-            </a:endParaRPr>
+              <a:rPr lang="de-DE" dirty="0" err="1"/>
+              <a:t>getagged</a:t>
+            </a:r>
+            <a:endParaRPr lang="de-DE" dirty="0"/>
+          </a:p>
+          <a:p>
+            <a:pPr marL="457200" indent="-457200">
+              <a:buFont typeface="+mj-lt"/>
+              <a:buAutoNum type="arabicPeriod"/>
+            </a:pPr>
+            <a:r>
+              <a:rPr lang="de-DE" dirty="0" err="1"/>
+              <a:t>Deployment</a:t>
+            </a:r>
+            <a:r>
+              <a:rPr lang="de-DE" dirty="0"/>
+              <a:t> über anwendungs-spezifisches Deploy-Skript</a:t>
+            </a:r>
+          </a:p>
+          <a:p>
+            <a:pPr>
+              <a:buFont typeface="Arial" panose="020B0604020202020204" pitchFamily="34" charset="0"/>
+              <a:buChar char="•"/>
+            </a:pPr>
+            <a:endParaRPr lang="de-DE" dirty="0"/>
+          </a:p>
+          <a:p>
+            <a:pPr>
+              <a:buFont typeface="Arial" panose="020B0604020202020204" pitchFamily="34" charset="0"/>
+              <a:buChar char="•"/>
+            </a:pPr>
+            <a:endParaRPr lang="de-DE" dirty="0"/>
           </a:p>
         </p:txBody>
       </p:sp>
     </p:spTree>
     <p:extLst>
       <p:ext uri="{BB962C8B-B14F-4D97-AF65-F5344CB8AC3E}">
-        <p14:creationId xmlns:p14="http://schemas.microsoft.com/office/powerpoint/2010/main" val="3047470218"/>
+        <p14:creationId xmlns:p14="http://schemas.microsoft.com/office/powerpoint/2010/main" val="4283580811"/>
       </p:ext>
     </p:extLst>
   </p:cSld>
@@ -6244,7 +7177,7 @@
               <a:rPr lang="de-DE" sz="2000" b="1" dirty="0">
                 <a:latin typeface="Consolas" panose="020B0609020204030204" pitchFamily="49" charset="0"/>
               </a:rPr>
-              <a:t> (2/4)</a:t>
+              <a:t> (1/4)</a:t>
             </a:r>
           </a:p>
           <a:p>
@@ -6252,10 +7185,16 @@
               <a:buNone/>
             </a:pPr>
             <a:r>
-              <a:rPr lang="de-DE" sz="1600" dirty="0">
-                <a:latin typeface="Consolas" panose="020B0609020204030204" pitchFamily="49" charset="0"/>
-              </a:rPr>
-              <a:t>variables:</a:t>
+              <a:rPr lang="de-DE" sz="1800" dirty="0" err="1">
+                <a:latin typeface="Consolas" panose="020B0609020204030204" pitchFamily="49" charset="0"/>
+              </a:rPr>
+              <a:t>default</a:t>
+            </a:r>
+            <a:r>
+              <a:rPr lang="de-DE" sz="1800" dirty="0">
+                <a:latin typeface="Consolas" panose="020B0609020204030204" pitchFamily="49" charset="0"/>
+              </a:rPr>
+              <a:t>:</a:t>
             </a:r>
           </a:p>
           <a:p>
@@ -6263,22 +7202,22 @@
               <a:buNone/>
             </a:pPr>
             <a:r>
-              <a:rPr lang="de-DE" sz="1600" dirty="0">
-                <a:latin typeface="Consolas" panose="020B0609020204030204" pitchFamily="49" charset="0"/>
-              </a:rPr>
-              <a:t>  # Use TLS </a:t>
-            </a:r>
-            <a:r>
-              <a:rPr lang="de-DE" sz="1600" b="1" dirty="0">
-                <a:latin typeface="Consolas" panose="020B0609020204030204" pitchFamily="49" charset="0"/>
-              </a:rPr>
-              <a:t>(kein Muss!)</a:t>
-            </a:r>
-            <a:r>
-              <a:rPr lang="de-DE" sz="1600" dirty="0">
-                <a:latin typeface="Consolas" panose="020B0609020204030204" pitchFamily="49" charset="0"/>
-              </a:rPr>
-              <a:t> https://docs.gitlab.com/ee/ci/docker/using_docker_build.html#tls-enabled</a:t>
+              <a:rPr lang="de-DE" sz="1800" dirty="0">
+                <a:latin typeface="Consolas" panose="020B0609020204030204" pitchFamily="49" charset="0"/>
+              </a:rPr>
+              <a:t>  </a:t>
+            </a:r>
+            <a:r>
+              <a:rPr lang="de-DE" sz="1800" dirty="0" err="1">
+                <a:latin typeface="Consolas" panose="020B0609020204030204" pitchFamily="49" charset="0"/>
+              </a:rPr>
+              <a:t>image</a:t>
+            </a:r>
+            <a:r>
+              <a:rPr lang="de-DE" sz="1800" dirty="0">
+                <a:latin typeface="Consolas" panose="020B0609020204030204" pitchFamily="49" charset="0"/>
+              </a:rPr>
+              <a:t>: docker:20.10.16</a:t>
             </a:r>
           </a:p>
           <a:p>
@@ -6286,10 +7225,22 @@
               <a:buNone/>
             </a:pPr>
             <a:r>
-              <a:rPr lang="de-DE" sz="1600" dirty="0">
-                <a:latin typeface="Consolas" panose="020B0609020204030204" pitchFamily="49" charset="0"/>
-              </a:rPr>
-              <a:t>  DOCKER_HOST: tcp://docker:2376</a:t>
+              <a:rPr lang="de-DE" sz="1800" dirty="0">
+                <a:latin typeface="Consolas" panose="020B0609020204030204" pitchFamily="49" charset="0"/>
+              </a:rPr>
+              <a:t>  </a:t>
+            </a:r>
+            <a:r>
+              <a:rPr lang="de-DE" sz="1800" dirty="0" err="1">
+                <a:latin typeface="Consolas" panose="020B0609020204030204" pitchFamily="49" charset="0"/>
+              </a:rPr>
+              <a:t>services</a:t>
+            </a:r>
+            <a:r>
+              <a:rPr lang="de-DE" sz="1800" dirty="0">
+                <a:latin typeface="Consolas" panose="020B0609020204030204" pitchFamily="49" charset="0"/>
+              </a:rPr>
+              <a:t>:</a:t>
             </a:r>
           </a:p>
           <a:p>
@@ -6297,22 +7248,10 @@
               <a:buNone/>
             </a:pPr>
             <a:r>
-              <a:rPr lang="de-DE" sz="1600" dirty="0">
-                <a:latin typeface="Consolas" panose="020B0609020204030204" pitchFamily="49" charset="0"/>
-              </a:rPr>
-              <a:t>  DOCKER_TLS_CERTDIR: "/</a:t>
-            </a:r>
-            <a:r>
-              <a:rPr lang="de-DE" sz="1600" dirty="0" err="1">
-                <a:latin typeface="Consolas" panose="020B0609020204030204" pitchFamily="49" charset="0"/>
-              </a:rPr>
-              <a:t>certs</a:t>
-            </a:r>
-            <a:r>
-              <a:rPr lang="de-DE" sz="1600" dirty="0">
-                <a:latin typeface="Consolas" panose="020B0609020204030204" pitchFamily="49" charset="0"/>
-              </a:rPr>
-              <a:t>"</a:t>
+              <a:rPr lang="de-DE" sz="1800" dirty="0">
+                <a:latin typeface="Consolas" panose="020B0609020204030204" pitchFamily="49" charset="0"/>
+              </a:rPr>
+              <a:t>    - docker:20.10.16-dind</a:t>
             </a:r>
           </a:p>
           <a:p>
@@ -6320,10 +7259,22 @@
               <a:buNone/>
             </a:pPr>
             <a:r>
-              <a:rPr lang="de-DE" sz="1600" dirty="0">
-                <a:latin typeface="Consolas" panose="020B0609020204030204" pitchFamily="49" charset="0"/>
-              </a:rPr>
-              <a:t>  CONTAINER_TEST_IMAGE: $CI_REGISTRY_IMAGE:$CI_COMMIT_REF_SLUG</a:t>
+              <a:rPr lang="de-DE" sz="1800" dirty="0">
+                <a:latin typeface="Consolas" panose="020B0609020204030204" pitchFamily="49" charset="0"/>
+              </a:rPr>
+              <a:t>  </a:t>
+            </a:r>
+            <a:r>
+              <a:rPr lang="de-DE" sz="1800" dirty="0" err="1">
+                <a:latin typeface="Consolas" panose="020B0609020204030204" pitchFamily="49" charset="0"/>
+              </a:rPr>
+              <a:t>before_script</a:t>
+            </a:r>
+            <a:r>
+              <a:rPr lang="de-DE" sz="1800" dirty="0">
+                <a:latin typeface="Consolas" panose="020B0609020204030204" pitchFamily="49" charset="0"/>
+              </a:rPr>
+              <a:t>:</a:t>
             </a:r>
           </a:p>
           <a:p>
@@ -6331,22 +7282,59 @@
               <a:buNone/>
             </a:pPr>
             <a:r>
-              <a:rPr lang="de-DE" sz="1600" dirty="0">
-                <a:latin typeface="Consolas" panose="020B0609020204030204" pitchFamily="49" charset="0"/>
-              </a:rPr>
-              <a:t>  CONTAINER_RELEASE_IMAGE: $</a:t>
-            </a:r>
-            <a:r>
-              <a:rPr lang="de-DE" sz="1600" dirty="0" err="1">
-                <a:latin typeface="Consolas" panose="020B0609020204030204" pitchFamily="49" charset="0"/>
-              </a:rPr>
-              <a:t>CI_REGISTRY_IMAGE:latest</a:t>
-            </a:r>
-            <a:r>
-              <a:rPr lang="de-DE" sz="1600" dirty="0">
+              <a:rPr lang="de-DE" sz="1800" dirty="0">
+                <a:latin typeface="Consolas" panose="020B0609020204030204" pitchFamily="49" charset="0"/>
+              </a:rPr>
+              <a:t>    - </a:t>
+            </a:r>
+            <a:r>
+              <a:rPr lang="de-DE" sz="1800" dirty="0" err="1">
+                <a:latin typeface="Consolas" panose="020B0609020204030204" pitchFamily="49" charset="0"/>
+              </a:rPr>
+              <a:t>docker</a:t>
+            </a:r>
+            <a:r>
+              <a:rPr lang="de-DE" sz="1800" dirty="0">
                 <a:latin typeface="Consolas" panose="020B0609020204030204" pitchFamily="49" charset="0"/>
               </a:rPr>
               <a:t> </a:t>
+            </a:r>
+            <a:r>
+              <a:rPr lang="de-DE" sz="1800" dirty="0" err="1">
+                <a:latin typeface="Consolas" panose="020B0609020204030204" pitchFamily="49" charset="0"/>
+              </a:rPr>
+              <a:t>login</a:t>
+            </a:r>
+            <a:r>
+              <a:rPr lang="de-DE" sz="1800" dirty="0">
+                <a:latin typeface="Consolas" panose="020B0609020204030204" pitchFamily="49" charset="0"/>
+              </a:rPr>
+              <a:t> -u $CI_REGISTRY_USER -p $CI_REGISTRY_PASSWORD $CI_REGISTRY</a:t>
+            </a:r>
+          </a:p>
+          <a:p>
+            <a:pPr marL="0" indent="0">
+              <a:buNone/>
+            </a:pPr>
+            <a:endParaRPr lang="de-DE" sz="1800" dirty="0">
+              <a:latin typeface="Consolas" panose="020B0609020204030204" pitchFamily="49" charset="0"/>
+            </a:endParaRPr>
+          </a:p>
+          <a:p>
+            <a:pPr marL="0" indent="0">
+              <a:buNone/>
+            </a:pPr>
+            <a:r>
+              <a:rPr lang="de-DE" sz="1800" dirty="0" err="1">
+                <a:latin typeface="Consolas" panose="020B0609020204030204" pitchFamily="49" charset="0"/>
+              </a:rPr>
+              <a:t>stages</a:t>
+            </a:r>
+            <a:r>
+              <a:rPr lang="de-DE" sz="1800" dirty="0">
+                <a:latin typeface="Consolas" panose="020B0609020204030204" pitchFamily="49" charset="0"/>
+              </a:rPr>
+              <a:t>: </a:t>
             </a:r>
             <a:r>
               <a:rPr lang="de-DE" sz="1600" dirty="0">
@@ -6355,14 +7343,26 @@
                 </a:solidFill>
                 <a:latin typeface="Consolas" panose="020B0609020204030204" pitchFamily="49" charset="0"/>
               </a:rPr>
-              <a:t># Variable für 4.</a:t>
+              <a:t># Vier Stages</a:t>
             </a:r>
           </a:p>
           <a:p>
             <a:pPr marL="0" indent="0">
               <a:buNone/>
             </a:pPr>
-            <a:endParaRPr lang="de-DE" sz="1600" dirty="0">
+            <a:r>
+              <a:rPr lang="de-DE" sz="1800" dirty="0">
+                <a:latin typeface="Consolas" panose="020B0609020204030204" pitchFamily="49" charset="0"/>
+              </a:rPr>
+              <a:t>  - </a:t>
+            </a:r>
+            <a:r>
+              <a:rPr lang="de-DE" sz="1800" dirty="0" err="1">
+                <a:latin typeface="Consolas" panose="020B0609020204030204" pitchFamily="49" charset="0"/>
+              </a:rPr>
+              <a:t>build</a:t>
+            </a:r>
+            <a:endParaRPr lang="de-DE" sz="1800" dirty="0">
               <a:latin typeface="Consolas" panose="020B0609020204030204" pitchFamily="49" charset="0"/>
             </a:endParaRPr>
           </a:p>
@@ -6371,180 +7371,42 @@
               <a:buNone/>
             </a:pPr>
             <a:r>
-              <a:rPr lang="de-DE" sz="1600" dirty="0" err="1">
-                <a:latin typeface="Consolas" panose="020B0609020204030204" pitchFamily="49" charset="0"/>
-              </a:rPr>
-              <a:t>build</a:t>
-            </a:r>
-            <a:r>
-              <a:rPr lang="de-DE" sz="1600" dirty="0">
-                <a:latin typeface="Consolas" panose="020B0609020204030204" pitchFamily="49" charset="0"/>
-              </a:rPr>
-              <a:t>:</a:t>
-            </a:r>
+              <a:rPr lang="de-DE" sz="1800" dirty="0">
+                <a:latin typeface="Consolas" panose="020B0609020204030204" pitchFamily="49" charset="0"/>
+              </a:rPr>
+              <a:t>  - </a:t>
+            </a:r>
+            <a:r>
+              <a:rPr lang="de-DE" sz="1800" dirty="0" err="1">
+                <a:latin typeface="Consolas" panose="020B0609020204030204" pitchFamily="49" charset="0"/>
+              </a:rPr>
+              <a:t>test</a:t>
+            </a:r>
+            <a:endParaRPr lang="de-DE" sz="1800" dirty="0">
+              <a:latin typeface="Consolas" panose="020B0609020204030204" pitchFamily="49" charset="0"/>
+            </a:endParaRPr>
           </a:p>
           <a:p>
             <a:pPr marL="0" indent="0">
               <a:buNone/>
             </a:pPr>
             <a:r>
-              <a:rPr lang="de-DE" sz="1600" dirty="0">
-                <a:latin typeface="Consolas" panose="020B0609020204030204" pitchFamily="49" charset="0"/>
-              </a:rPr>
-              <a:t>  </a:t>
-            </a:r>
-            <a:r>
-              <a:rPr lang="de-DE" sz="1600" dirty="0" err="1">
-                <a:latin typeface="Consolas" panose="020B0609020204030204" pitchFamily="49" charset="0"/>
-              </a:rPr>
-              <a:t>stage</a:t>
-            </a:r>
-            <a:r>
-              <a:rPr lang="de-DE" sz="1600" dirty="0">
-                <a:latin typeface="Consolas" panose="020B0609020204030204" pitchFamily="49" charset="0"/>
-              </a:rPr>
-              <a:t>: </a:t>
-            </a:r>
-            <a:r>
-              <a:rPr lang="de-DE" sz="1600" dirty="0" err="1">
-                <a:latin typeface="Consolas" panose="020B0609020204030204" pitchFamily="49" charset="0"/>
-              </a:rPr>
-              <a:t>build</a:t>
-            </a:r>
-            <a:endParaRPr lang="de-DE" sz="1600" dirty="0">
-              <a:latin typeface="Consolas" panose="020B0609020204030204" pitchFamily="49" charset="0"/>
-            </a:endParaRPr>
+              <a:rPr lang="de-DE" sz="1800" dirty="0">
+                <a:latin typeface="Consolas" panose="020B0609020204030204" pitchFamily="49" charset="0"/>
+              </a:rPr>
+              <a:t>  - release</a:t>
+            </a:r>
           </a:p>
           <a:p>
             <a:pPr marL="0" indent="0">
               <a:buNone/>
             </a:pPr>
             <a:r>
-              <a:rPr lang="de-DE" sz="1600" dirty="0">
-                <a:latin typeface="Consolas" panose="020B0609020204030204" pitchFamily="49" charset="0"/>
-              </a:rPr>
-              <a:t>  </a:t>
-            </a:r>
-            <a:r>
-              <a:rPr lang="de-DE" sz="1600" dirty="0" err="1">
-                <a:latin typeface="Consolas" panose="020B0609020204030204" pitchFamily="49" charset="0"/>
-              </a:rPr>
-              <a:t>script</a:t>
-            </a:r>
-            <a:r>
-              <a:rPr lang="de-DE" sz="1600" dirty="0">
-                <a:latin typeface="Consolas" panose="020B0609020204030204" pitchFamily="49" charset="0"/>
-              </a:rPr>
-              <a:t>:</a:t>
-            </a:r>
-          </a:p>
-          <a:p>
-            <a:pPr marL="0" indent="0">
-              <a:buNone/>
-            </a:pPr>
-            <a:r>
-              <a:rPr lang="de-DE" sz="1600" dirty="0">
-                <a:latin typeface="Consolas" panose="020B0609020204030204" pitchFamily="49" charset="0"/>
-              </a:rPr>
-              <a:t>    - </a:t>
-            </a:r>
-            <a:r>
-              <a:rPr lang="de-DE" sz="1600" dirty="0" err="1">
-                <a:latin typeface="Consolas" panose="020B0609020204030204" pitchFamily="49" charset="0"/>
-              </a:rPr>
-              <a:t>docker</a:t>
-            </a:r>
-            <a:r>
-              <a:rPr lang="de-DE" sz="1600" dirty="0">
-                <a:latin typeface="Consolas" panose="020B0609020204030204" pitchFamily="49" charset="0"/>
-              </a:rPr>
-              <a:t> </a:t>
-            </a:r>
-            <a:r>
-              <a:rPr lang="de-DE" sz="1600" dirty="0" err="1">
-                <a:latin typeface="Consolas" panose="020B0609020204030204" pitchFamily="49" charset="0"/>
-              </a:rPr>
-              <a:t>build</a:t>
-            </a:r>
-            <a:r>
-              <a:rPr lang="de-DE" sz="1600" dirty="0">
-                <a:latin typeface="Consolas" panose="020B0609020204030204" pitchFamily="49" charset="0"/>
-              </a:rPr>
-              <a:t> --pull -t $CONTAINER_TEST_IMAGE .</a:t>
-            </a:r>
-          </a:p>
-          <a:p>
-            <a:pPr marL="0" indent="0">
-              <a:buNone/>
-            </a:pPr>
-            <a:r>
-              <a:rPr lang="de-DE" sz="1600" dirty="0">
-                <a:latin typeface="Consolas" panose="020B0609020204030204" pitchFamily="49" charset="0"/>
-              </a:rPr>
-              <a:t>    - </a:t>
-            </a:r>
-            <a:r>
-              <a:rPr lang="de-DE" sz="1600" dirty="0" err="1">
-                <a:latin typeface="Consolas" panose="020B0609020204030204" pitchFamily="49" charset="0"/>
-              </a:rPr>
-              <a:t>docker</a:t>
-            </a:r>
-            <a:r>
-              <a:rPr lang="de-DE" sz="1600" dirty="0">
-                <a:latin typeface="Consolas" panose="020B0609020204030204" pitchFamily="49" charset="0"/>
-              </a:rPr>
-              <a:t> push $CONTAINER_TEST_IMAGE </a:t>
-            </a:r>
-            <a:r>
-              <a:rPr lang="de-DE" sz="1600" dirty="0">
-                <a:solidFill>
-                  <a:srgbClr val="008C5A"/>
-                </a:solidFill>
-                <a:latin typeface="Consolas" panose="020B0609020204030204" pitchFamily="49" charset="0"/>
-              </a:rPr>
-              <a:t># 1. </a:t>
-            </a:r>
-            <a:r>
-              <a:rPr lang="de-DE" sz="1600" dirty="0" err="1">
-                <a:solidFill>
-                  <a:srgbClr val="008C5A"/>
-                </a:solidFill>
-                <a:latin typeface="Consolas" panose="020B0609020204030204" pitchFamily="49" charset="0"/>
-              </a:rPr>
-              <a:t>Build</a:t>
-            </a:r>
-            <a:r>
-              <a:rPr lang="de-DE" sz="1600" dirty="0">
-                <a:solidFill>
-                  <a:srgbClr val="008C5A"/>
-                </a:solidFill>
-                <a:latin typeface="Consolas" panose="020B0609020204030204" pitchFamily="49" charset="0"/>
-              </a:rPr>
-              <a:t> wird in die Container Registry </a:t>
-            </a:r>
-            <a:r>
-              <a:rPr lang="de-DE" sz="1600" dirty="0" err="1">
-                <a:solidFill>
-                  <a:srgbClr val="008C5A"/>
-                </a:solidFill>
-                <a:latin typeface="Consolas" panose="020B0609020204030204" pitchFamily="49" charset="0"/>
-              </a:rPr>
-              <a:t>gepushed</a:t>
-            </a:r>
-            <a:endParaRPr lang="de-DE" sz="1600" dirty="0">
-              <a:solidFill>
-                <a:srgbClr val="008C5A"/>
-              </a:solidFill>
-              <a:latin typeface="Consolas" panose="020B0609020204030204" pitchFamily="49" charset="0"/>
-            </a:endParaRPr>
-          </a:p>
-          <a:p>
-            <a:pPr marL="0" indent="0">
-              <a:buNone/>
-            </a:pPr>
-            <a:endParaRPr lang="de-DE" sz="1600" dirty="0">
-              <a:latin typeface="Consolas" panose="020B0609020204030204" pitchFamily="49" charset="0"/>
-            </a:endParaRPr>
+              <a:rPr lang="de-DE" sz="1800" dirty="0">
+                <a:latin typeface="Consolas" panose="020B0609020204030204" pitchFamily="49" charset="0"/>
+              </a:rPr>
+              <a:t>  - deploy</a:t>
+            </a:r>
           </a:p>
           <a:p>
             <a:pPr marL="0" indent="0">
@@ -6567,7 +7429,7 @@
     </p:spTree>
     <p:extLst>
       <p:ext uri="{BB962C8B-B14F-4D97-AF65-F5344CB8AC3E}">
-        <p14:creationId xmlns:p14="http://schemas.microsoft.com/office/powerpoint/2010/main" val="812820427"/>
+        <p14:creationId xmlns:p14="http://schemas.microsoft.com/office/powerpoint/2010/main" val="3047470218"/>
       </p:ext>
     </p:extLst>
   </p:cSld>
@@ -6663,7 +7525,7 @@
               <a:rPr lang="de-DE" sz="2000" b="1" dirty="0">
                 <a:latin typeface="Consolas" panose="020B0609020204030204" pitchFamily="49" charset="0"/>
               </a:rPr>
-              <a:t> (3/4)</a:t>
+              <a:t> (2/4)</a:t>
             </a:r>
           </a:p>
           <a:p>
@@ -6674,7 +7536,7 @@
               <a:rPr lang="de-DE" sz="1600" dirty="0">
                 <a:latin typeface="Consolas" panose="020B0609020204030204" pitchFamily="49" charset="0"/>
               </a:rPr>
-              <a:t>test1:</a:t>
+              <a:t>variables:</a:t>
             </a:r>
           </a:p>
           <a:p>
@@ -6685,29 +7547,20 @@
               <a:rPr lang="de-DE" sz="1600" dirty="0">
                 <a:latin typeface="Consolas" panose="020B0609020204030204" pitchFamily="49" charset="0"/>
               </a:rPr>
-              <a:t>  </a:t>
-            </a:r>
-            <a:r>
-              <a:rPr lang="de-DE" sz="1600" dirty="0" err="1">
-                <a:latin typeface="Consolas" panose="020B0609020204030204" pitchFamily="49" charset="0"/>
-              </a:rPr>
-              <a:t>stage</a:t>
+              <a:t>  # Use TLS </a:t>
+            </a:r>
+            <a:r>
+              <a:rPr lang="de-DE" sz="1600" b="1" dirty="0">
+                <a:latin typeface="Consolas" panose="020B0609020204030204" pitchFamily="49" charset="0"/>
+              </a:rPr>
+              <a:t>(kein Muss!)</a:t>
             </a:r>
             <a:r>
               <a:rPr lang="de-DE" sz="1600" dirty="0">
                 <a:latin typeface="Consolas" panose="020B0609020204030204" pitchFamily="49" charset="0"/>
               </a:rPr>
-              <a:t>: </a:t>
-            </a:r>
-            <a:r>
-              <a:rPr lang="de-DE" sz="1600" dirty="0" err="1">
-                <a:latin typeface="Consolas" panose="020B0609020204030204" pitchFamily="49" charset="0"/>
-              </a:rPr>
-              <a:t>test</a:t>
-            </a:r>
-            <a:endParaRPr lang="de-DE" sz="1600" dirty="0">
-              <a:latin typeface="Consolas" panose="020B0609020204030204" pitchFamily="49" charset="0"/>
-            </a:endParaRPr>
+              <a:t> https://docs.gitlab.com/ee/ci/docker/using_docker_build.html#tls-enabled</a:t>
+            </a:r>
           </a:p>
           <a:p>
             <a:pPr marL="0" indent="0">
@@ -6717,19 +7570,7 @@
               <a:rPr lang="de-DE" sz="1600" dirty="0">
                 <a:latin typeface="Consolas" panose="020B0609020204030204" pitchFamily="49" charset="0"/>
               </a:rPr>
-              <a:t>  </a:t>
-            </a:r>
-            <a:r>
-              <a:rPr lang="de-DE" sz="1600" dirty="0" err="1">
-                <a:latin typeface="Consolas" panose="020B0609020204030204" pitchFamily="49" charset="0"/>
-              </a:rPr>
-              <a:t>script</a:t>
-            </a:r>
-            <a:r>
-              <a:rPr lang="de-DE" sz="1600" dirty="0">
-                <a:latin typeface="Consolas" panose="020B0609020204030204" pitchFamily="49" charset="0"/>
-              </a:rPr>
-              <a:t>:</a:t>
+              <a:t>  DOCKER_HOST: tcp://docker:2376</a:t>
             </a:r>
           </a:p>
           <a:p>
@@ -6740,19 +7581,53 @@
               <a:rPr lang="de-DE" sz="1600" dirty="0">
                 <a:latin typeface="Consolas" panose="020B0609020204030204" pitchFamily="49" charset="0"/>
               </a:rPr>
-              <a:t>    - </a:t>
+              <a:t>  DOCKER_TLS_CERTDIR: "/</a:t>
             </a:r>
             <a:r>
               <a:rPr lang="de-DE" sz="1600" dirty="0" err="1">
                 <a:latin typeface="Consolas" panose="020B0609020204030204" pitchFamily="49" charset="0"/>
               </a:rPr>
-              <a:t>docker</a:t>
+              <a:t>certs</a:t>
             </a:r>
             <a:r>
               <a:rPr lang="de-DE" sz="1600" dirty="0">
                 <a:latin typeface="Consolas" panose="020B0609020204030204" pitchFamily="49" charset="0"/>
               </a:rPr>
-              <a:t> pull $CONTAINER_TEST_IMAGE </a:t>
+              <a:t>"</a:t>
+            </a:r>
+          </a:p>
+          <a:p>
+            <a:pPr marL="0" indent="0">
+              <a:buNone/>
+            </a:pPr>
+            <a:r>
+              <a:rPr lang="de-DE" sz="1600" dirty="0">
+                <a:latin typeface="Consolas" panose="020B0609020204030204" pitchFamily="49" charset="0"/>
+              </a:rPr>
+              <a:t>  CONTAINER_TEST_IMAGE: $CI_REGISTRY_IMAGE:$CI_COMMIT_REF_SLUG</a:t>
+            </a:r>
+          </a:p>
+          <a:p>
+            <a:pPr marL="0" indent="0">
+              <a:buNone/>
+            </a:pPr>
+            <a:r>
+              <a:rPr lang="de-DE" sz="1600" dirty="0">
+                <a:latin typeface="Consolas" panose="020B0609020204030204" pitchFamily="49" charset="0"/>
+              </a:rPr>
+              <a:t>  CONTAINER_RELEASE_IMAGE: $</a:t>
+            </a:r>
+            <a:r>
+              <a:rPr lang="de-DE" sz="1600" dirty="0" err="1">
+                <a:latin typeface="Consolas" panose="020B0609020204030204" pitchFamily="49" charset="0"/>
+              </a:rPr>
+              <a:t>CI_REGISTRY_IMAGE:latest</a:t>
+            </a:r>
+            <a:r>
+              <a:rPr lang="de-DE" sz="1600" dirty="0">
+                <a:latin typeface="Consolas" panose="020B0609020204030204" pitchFamily="49" charset="0"/>
+              </a:rPr>
+              <a:t> </a:t>
             </a:r>
             <a:r>
               <a:rPr lang="de-DE" sz="1600" dirty="0">
@@ -6761,7 +7636,154 @@
                 </a:solidFill>
                 <a:latin typeface="Consolas" panose="020B0609020204030204" pitchFamily="49" charset="0"/>
               </a:rPr>
-              <a:t># 2. Von den nachfolgenden Stages (bei Bedarf) </a:t>
+              <a:t># Variable für 4.</a:t>
+            </a:r>
+          </a:p>
+          <a:p>
+            <a:pPr marL="0" indent="0">
+              <a:buNone/>
+            </a:pPr>
+            <a:endParaRPr lang="de-DE" sz="1600" dirty="0">
+              <a:latin typeface="Consolas" panose="020B0609020204030204" pitchFamily="49" charset="0"/>
+            </a:endParaRPr>
+          </a:p>
+          <a:p>
+            <a:pPr marL="0" indent="0">
+              <a:buNone/>
+            </a:pPr>
+            <a:r>
+              <a:rPr lang="de-DE" sz="1600" dirty="0" err="1">
+                <a:latin typeface="Consolas" panose="020B0609020204030204" pitchFamily="49" charset="0"/>
+              </a:rPr>
+              <a:t>build</a:t>
+            </a:r>
+            <a:r>
+              <a:rPr lang="de-DE" sz="1600" dirty="0">
+                <a:latin typeface="Consolas" panose="020B0609020204030204" pitchFamily="49" charset="0"/>
+              </a:rPr>
+              <a:t>:</a:t>
+            </a:r>
+          </a:p>
+          <a:p>
+            <a:pPr marL="0" indent="0">
+              <a:buNone/>
+            </a:pPr>
+            <a:r>
+              <a:rPr lang="de-DE" sz="1600" dirty="0">
+                <a:latin typeface="Consolas" panose="020B0609020204030204" pitchFamily="49" charset="0"/>
+              </a:rPr>
+              <a:t>  </a:t>
+            </a:r>
+            <a:r>
+              <a:rPr lang="de-DE" sz="1600" dirty="0" err="1">
+                <a:latin typeface="Consolas" panose="020B0609020204030204" pitchFamily="49" charset="0"/>
+              </a:rPr>
+              <a:t>stage</a:t>
+            </a:r>
+            <a:r>
+              <a:rPr lang="de-DE" sz="1600" dirty="0">
+                <a:latin typeface="Consolas" panose="020B0609020204030204" pitchFamily="49" charset="0"/>
+              </a:rPr>
+              <a:t>: </a:t>
+            </a:r>
+            <a:r>
+              <a:rPr lang="de-DE" sz="1600" dirty="0" err="1">
+                <a:latin typeface="Consolas" panose="020B0609020204030204" pitchFamily="49" charset="0"/>
+              </a:rPr>
+              <a:t>build</a:t>
+            </a:r>
+            <a:endParaRPr lang="de-DE" sz="1600" dirty="0">
+              <a:latin typeface="Consolas" panose="020B0609020204030204" pitchFamily="49" charset="0"/>
+            </a:endParaRPr>
+          </a:p>
+          <a:p>
+            <a:pPr marL="0" indent="0">
+              <a:buNone/>
+            </a:pPr>
+            <a:r>
+              <a:rPr lang="de-DE" sz="1600" dirty="0">
+                <a:latin typeface="Consolas" panose="020B0609020204030204" pitchFamily="49" charset="0"/>
+              </a:rPr>
+              <a:t>  </a:t>
+            </a:r>
+            <a:r>
+              <a:rPr lang="de-DE" sz="1600" dirty="0" err="1">
+                <a:latin typeface="Consolas" panose="020B0609020204030204" pitchFamily="49" charset="0"/>
+              </a:rPr>
+              <a:t>script</a:t>
+            </a:r>
+            <a:r>
+              <a:rPr lang="de-DE" sz="1600" dirty="0">
+                <a:latin typeface="Consolas" panose="020B0609020204030204" pitchFamily="49" charset="0"/>
+              </a:rPr>
+              <a:t>:</a:t>
+            </a:r>
+          </a:p>
+          <a:p>
+            <a:pPr marL="0" indent="0">
+              <a:buNone/>
+            </a:pPr>
+            <a:r>
+              <a:rPr lang="de-DE" sz="1600" dirty="0">
+                <a:latin typeface="Consolas" panose="020B0609020204030204" pitchFamily="49" charset="0"/>
+              </a:rPr>
+              <a:t>    - </a:t>
+            </a:r>
+            <a:r>
+              <a:rPr lang="de-DE" sz="1600" dirty="0" err="1">
+                <a:latin typeface="Consolas" panose="020B0609020204030204" pitchFamily="49" charset="0"/>
+              </a:rPr>
+              <a:t>docker</a:t>
+            </a:r>
+            <a:r>
+              <a:rPr lang="de-DE" sz="1600" dirty="0">
+                <a:latin typeface="Consolas" panose="020B0609020204030204" pitchFamily="49" charset="0"/>
+              </a:rPr>
+              <a:t> </a:t>
+            </a:r>
+            <a:r>
+              <a:rPr lang="de-DE" sz="1600" dirty="0" err="1">
+                <a:latin typeface="Consolas" panose="020B0609020204030204" pitchFamily="49" charset="0"/>
+              </a:rPr>
+              <a:t>build</a:t>
+            </a:r>
+            <a:r>
+              <a:rPr lang="de-DE" sz="1600" dirty="0">
+                <a:latin typeface="Consolas" panose="020B0609020204030204" pitchFamily="49" charset="0"/>
+              </a:rPr>
+              <a:t> --pull -t $CONTAINER_TEST_IMAGE .</a:t>
+            </a:r>
+          </a:p>
+          <a:p>
+            <a:pPr marL="0" indent="0">
+              <a:buNone/>
+            </a:pPr>
+            <a:r>
+              <a:rPr lang="de-DE" sz="1600" dirty="0">
+                <a:latin typeface="Consolas" panose="020B0609020204030204" pitchFamily="49" charset="0"/>
+              </a:rPr>
+              <a:t>    - </a:t>
+            </a:r>
+            <a:r>
+              <a:rPr lang="de-DE" sz="1600" dirty="0" err="1">
+                <a:latin typeface="Consolas" panose="020B0609020204030204" pitchFamily="49" charset="0"/>
+              </a:rPr>
+              <a:t>docker</a:t>
+            </a:r>
+            <a:r>
+              <a:rPr lang="de-DE" sz="1600" dirty="0">
+                <a:latin typeface="Consolas" panose="020B0609020204030204" pitchFamily="49" charset="0"/>
+              </a:rPr>
+              <a:t> push $CONTAINER_TEST_IMAGE </a:t>
+            </a:r>
+            <a:r>
+              <a:rPr lang="de-DE" sz="1600" dirty="0">
+                <a:solidFill>
+                  <a:srgbClr val="008C5A"/>
+                </a:solidFill>
+                <a:latin typeface="Consolas" panose="020B0609020204030204" pitchFamily="49" charset="0"/>
+              </a:rPr>
+              <a:t># 1. </a:t>
             </a:r>
             <a:r>
               <a:rPr lang="de-DE" sz="1600" dirty="0" err="1">
@@ -6770,7 +7792,25 @@
                 </a:solidFill>
                 <a:latin typeface="Consolas" panose="020B0609020204030204" pitchFamily="49" charset="0"/>
               </a:rPr>
-              <a:t>gepulled</a:t>
+              <a:t>Build</a:t>
+            </a:r>
+            <a:r>
+              <a:rPr lang="de-DE" sz="1600" dirty="0">
+                <a:solidFill>
+                  <a:srgbClr val="008C5A"/>
+                </a:solidFill>
+                <a:latin typeface="Consolas" panose="020B0609020204030204" pitchFamily="49" charset="0"/>
+              </a:rPr>
+              <a:t> wird in die Container Registry </a:t>
+            </a:r>
+            <a:r>
+              <a:rPr lang="de-DE" sz="1600" dirty="0" err="1">
+                <a:solidFill>
+                  <a:srgbClr val="008C5A"/>
+                </a:solidFill>
+                <a:latin typeface="Consolas" panose="020B0609020204030204" pitchFamily="49" charset="0"/>
+              </a:rPr>
+              <a:t>gepushed</a:t>
             </a:r>
             <a:endParaRPr lang="de-DE" sz="1600" dirty="0">
               <a:solidFill>
@@ -6783,359 +7823,6 @@
             <a:pPr marL="0" indent="0">
               <a:buNone/>
             </a:pPr>
-            <a:r>
-              <a:rPr lang="de-DE" sz="1600" dirty="0">
-                <a:latin typeface="Consolas" panose="020B0609020204030204" pitchFamily="49" charset="0"/>
-              </a:rPr>
-              <a:t>    - </a:t>
-            </a:r>
-            <a:r>
-              <a:rPr lang="de-DE" sz="1600" dirty="0" err="1">
-                <a:latin typeface="Consolas" panose="020B0609020204030204" pitchFamily="49" charset="0"/>
-              </a:rPr>
-              <a:t>docker</a:t>
-            </a:r>
-            <a:r>
-              <a:rPr lang="de-DE" sz="1600" dirty="0">
-                <a:latin typeface="Consolas" panose="020B0609020204030204" pitchFamily="49" charset="0"/>
-              </a:rPr>
-              <a:t> </a:t>
-            </a:r>
-            <a:r>
-              <a:rPr lang="de-DE" sz="1600" dirty="0" err="1">
-                <a:latin typeface="Consolas" panose="020B0609020204030204" pitchFamily="49" charset="0"/>
-              </a:rPr>
-              <a:t>run</a:t>
-            </a:r>
-            <a:r>
-              <a:rPr lang="de-DE" sz="1600" dirty="0">
-                <a:latin typeface="Consolas" panose="020B0609020204030204" pitchFamily="49" charset="0"/>
-              </a:rPr>
-              <a:t> $CONTAINER_TEST_IMAGE /</a:t>
-            </a:r>
-            <a:r>
-              <a:rPr lang="de-DE" sz="1600" dirty="0" err="1">
-                <a:latin typeface="Consolas" panose="020B0609020204030204" pitchFamily="49" charset="0"/>
-              </a:rPr>
-              <a:t>script</a:t>
-            </a:r>
-            <a:r>
-              <a:rPr lang="de-DE" sz="1600" dirty="0">
-                <a:latin typeface="Consolas" panose="020B0609020204030204" pitchFamily="49" charset="0"/>
-              </a:rPr>
-              <a:t>/</a:t>
-            </a:r>
-            <a:r>
-              <a:rPr lang="de-DE" sz="1600" dirty="0" err="1">
-                <a:latin typeface="Consolas" panose="020B0609020204030204" pitchFamily="49" charset="0"/>
-              </a:rPr>
-              <a:t>to</a:t>
-            </a:r>
-            <a:r>
-              <a:rPr lang="de-DE" sz="1600" dirty="0">
-                <a:latin typeface="Consolas" panose="020B0609020204030204" pitchFamily="49" charset="0"/>
-              </a:rPr>
-              <a:t>/</a:t>
-            </a:r>
-            <a:r>
-              <a:rPr lang="de-DE" sz="1600" dirty="0" err="1">
-                <a:latin typeface="Consolas" panose="020B0609020204030204" pitchFamily="49" charset="0"/>
-              </a:rPr>
-              <a:t>run</a:t>
-            </a:r>
-            <a:r>
-              <a:rPr lang="de-DE" sz="1600" dirty="0">
-                <a:latin typeface="Consolas" panose="020B0609020204030204" pitchFamily="49" charset="0"/>
-              </a:rPr>
-              <a:t>/</a:t>
-            </a:r>
-            <a:r>
-              <a:rPr lang="de-DE" sz="1600" dirty="0" err="1">
-                <a:latin typeface="Consolas" panose="020B0609020204030204" pitchFamily="49" charset="0"/>
-              </a:rPr>
-              <a:t>tests</a:t>
-            </a:r>
-            <a:r>
-              <a:rPr lang="de-DE" sz="1600" dirty="0">
-                <a:latin typeface="Consolas" panose="020B0609020204030204" pitchFamily="49" charset="0"/>
-              </a:rPr>
-              <a:t> </a:t>
-            </a:r>
-            <a:r>
-              <a:rPr lang="de-DE" sz="1600" dirty="0">
-                <a:solidFill>
-                  <a:srgbClr val="008C5A"/>
-                </a:solidFill>
-                <a:latin typeface="Consolas" panose="020B0609020204030204" pitchFamily="49" charset="0"/>
-              </a:rPr>
-              <a:t># 3. Zwei </a:t>
-            </a:r>
-            <a:r>
-              <a:rPr lang="de-DE" sz="1600" dirty="0" err="1">
-                <a:solidFill>
-                  <a:srgbClr val="008C5A"/>
-                </a:solidFill>
-                <a:latin typeface="Consolas" panose="020B0609020204030204" pitchFamily="49" charset="0"/>
-              </a:rPr>
-              <a:t>paralell</a:t>
-            </a:r>
-            <a:r>
-              <a:rPr lang="de-DE" sz="1600" dirty="0">
-                <a:solidFill>
-                  <a:srgbClr val="008C5A"/>
-                </a:solidFill>
-                <a:latin typeface="Consolas" panose="020B0609020204030204" pitchFamily="49" charset="0"/>
-              </a:rPr>
-              <a:t> laufende Tests</a:t>
-            </a:r>
-          </a:p>
-          <a:p>
-            <a:pPr marL="0" indent="0">
-              <a:buNone/>
-            </a:pPr>
-            <a:endParaRPr lang="de-DE" sz="1600" dirty="0">
-              <a:latin typeface="Consolas" panose="020B0609020204030204" pitchFamily="49" charset="0"/>
-            </a:endParaRPr>
-          </a:p>
-          <a:p>
-            <a:pPr marL="0" indent="0">
-              <a:buNone/>
-            </a:pPr>
-            <a:r>
-              <a:rPr lang="de-DE" sz="1600" dirty="0">
-                <a:latin typeface="Consolas" panose="020B0609020204030204" pitchFamily="49" charset="0"/>
-              </a:rPr>
-              <a:t>test2:</a:t>
-            </a:r>
-          </a:p>
-          <a:p>
-            <a:pPr marL="0" indent="0">
-              <a:buNone/>
-            </a:pPr>
-            <a:r>
-              <a:rPr lang="de-DE" sz="1600" dirty="0">
-                <a:latin typeface="Consolas" panose="020B0609020204030204" pitchFamily="49" charset="0"/>
-              </a:rPr>
-              <a:t>  </a:t>
-            </a:r>
-            <a:r>
-              <a:rPr lang="de-DE" sz="1600" dirty="0" err="1">
-                <a:latin typeface="Consolas" panose="020B0609020204030204" pitchFamily="49" charset="0"/>
-              </a:rPr>
-              <a:t>stage</a:t>
-            </a:r>
-            <a:r>
-              <a:rPr lang="de-DE" sz="1600" dirty="0">
-                <a:latin typeface="Consolas" panose="020B0609020204030204" pitchFamily="49" charset="0"/>
-              </a:rPr>
-              <a:t>: </a:t>
-            </a:r>
-            <a:r>
-              <a:rPr lang="de-DE" sz="1600" dirty="0" err="1">
-                <a:latin typeface="Consolas" panose="020B0609020204030204" pitchFamily="49" charset="0"/>
-              </a:rPr>
-              <a:t>test</a:t>
-            </a:r>
-            <a:endParaRPr lang="de-DE" sz="1600" dirty="0">
-              <a:latin typeface="Consolas" panose="020B0609020204030204" pitchFamily="49" charset="0"/>
-            </a:endParaRPr>
-          </a:p>
-          <a:p>
-            <a:pPr marL="0" indent="0">
-              <a:buNone/>
-            </a:pPr>
-            <a:r>
-              <a:rPr lang="de-DE" sz="1600" dirty="0">
-                <a:latin typeface="Consolas" panose="020B0609020204030204" pitchFamily="49" charset="0"/>
-              </a:rPr>
-              <a:t>  </a:t>
-            </a:r>
-            <a:r>
-              <a:rPr lang="de-DE" sz="1600" dirty="0" err="1">
-                <a:latin typeface="Consolas" panose="020B0609020204030204" pitchFamily="49" charset="0"/>
-              </a:rPr>
-              <a:t>script</a:t>
-            </a:r>
-            <a:r>
-              <a:rPr lang="de-DE" sz="1600" dirty="0">
-                <a:latin typeface="Consolas" panose="020B0609020204030204" pitchFamily="49" charset="0"/>
-              </a:rPr>
-              <a:t>:</a:t>
-            </a:r>
-          </a:p>
-          <a:p>
-            <a:pPr marL="0" indent="0">
-              <a:buNone/>
-            </a:pPr>
-            <a:r>
-              <a:rPr lang="de-DE" sz="1600" dirty="0">
-                <a:latin typeface="Consolas" panose="020B0609020204030204" pitchFamily="49" charset="0"/>
-              </a:rPr>
-              <a:t>    - </a:t>
-            </a:r>
-            <a:r>
-              <a:rPr lang="de-DE" sz="1600" dirty="0" err="1">
-                <a:latin typeface="Consolas" panose="020B0609020204030204" pitchFamily="49" charset="0"/>
-              </a:rPr>
-              <a:t>docker</a:t>
-            </a:r>
-            <a:r>
-              <a:rPr lang="de-DE" sz="1600" dirty="0">
-                <a:latin typeface="Consolas" panose="020B0609020204030204" pitchFamily="49" charset="0"/>
-              </a:rPr>
-              <a:t> pull $CONTAINER_TEST_IMAGE </a:t>
-            </a:r>
-            <a:r>
-              <a:rPr lang="de-DE" sz="1600" dirty="0">
-                <a:solidFill>
-                  <a:srgbClr val="008C5A"/>
-                </a:solidFill>
-                <a:latin typeface="Consolas" panose="020B0609020204030204" pitchFamily="49" charset="0"/>
-              </a:rPr>
-              <a:t># 2. Von den nachfolgenden Stages (bei Bedarf) </a:t>
-            </a:r>
-            <a:r>
-              <a:rPr lang="de-DE" sz="1600" dirty="0" err="1">
-                <a:solidFill>
-                  <a:srgbClr val="008C5A"/>
-                </a:solidFill>
-                <a:latin typeface="Consolas" panose="020B0609020204030204" pitchFamily="49" charset="0"/>
-              </a:rPr>
-              <a:t>gepulled</a:t>
-            </a:r>
-            <a:endParaRPr lang="de-DE" sz="1600" dirty="0">
-              <a:solidFill>
-                <a:srgbClr val="008C5A"/>
-              </a:solidFill>
-              <a:latin typeface="Consolas" panose="020B0609020204030204" pitchFamily="49" charset="0"/>
-            </a:endParaRPr>
-          </a:p>
-          <a:p>
-            <a:pPr marL="0" indent="0">
-              <a:buNone/>
-            </a:pPr>
-            <a:r>
-              <a:rPr lang="de-DE" sz="1600" dirty="0">
-                <a:latin typeface="Consolas" panose="020B0609020204030204" pitchFamily="49" charset="0"/>
-              </a:rPr>
-              <a:t>    - </a:t>
-            </a:r>
-            <a:r>
-              <a:rPr lang="de-DE" sz="1600" dirty="0" err="1">
-                <a:latin typeface="Consolas" panose="020B0609020204030204" pitchFamily="49" charset="0"/>
-              </a:rPr>
-              <a:t>docker</a:t>
-            </a:r>
-            <a:r>
-              <a:rPr lang="de-DE" sz="1600" dirty="0">
-                <a:latin typeface="Consolas" panose="020B0609020204030204" pitchFamily="49" charset="0"/>
-              </a:rPr>
-              <a:t> </a:t>
-            </a:r>
-            <a:r>
-              <a:rPr lang="de-DE" sz="1600" dirty="0" err="1">
-                <a:latin typeface="Consolas" panose="020B0609020204030204" pitchFamily="49" charset="0"/>
-              </a:rPr>
-              <a:t>run</a:t>
-            </a:r>
-            <a:r>
-              <a:rPr lang="de-DE" sz="1600" dirty="0">
-                <a:latin typeface="Consolas" panose="020B0609020204030204" pitchFamily="49" charset="0"/>
-              </a:rPr>
-              <a:t> $CONTAINER_TEST_IMAGE /</a:t>
-            </a:r>
-            <a:r>
-              <a:rPr lang="de-DE" sz="1600" dirty="0" err="1">
-                <a:latin typeface="Consolas" panose="020B0609020204030204" pitchFamily="49" charset="0"/>
-              </a:rPr>
-              <a:t>script</a:t>
-            </a:r>
-            <a:r>
-              <a:rPr lang="de-DE" sz="1600" dirty="0">
-                <a:latin typeface="Consolas" panose="020B0609020204030204" pitchFamily="49" charset="0"/>
-              </a:rPr>
-              <a:t>/</a:t>
-            </a:r>
-            <a:r>
-              <a:rPr lang="de-DE" sz="1600" dirty="0" err="1">
-                <a:latin typeface="Consolas" panose="020B0609020204030204" pitchFamily="49" charset="0"/>
-              </a:rPr>
-              <a:t>to</a:t>
-            </a:r>
-            <a:r>
-              <a:rPr lang="de-DE" sz="1600" dirty="0">
-                <a:latin typeface="Consolas" panose="020B0609020204030204" pitchFamily="49" charset="0"/>
-              </a:rPr>
-              <a:t>/</a:t>
-            </a:r>
-            <a:r>
-              <a:rPr lang="de-DE" sz="1600" dirty="0" err="1">
-                <a:latin typeface="Consolas" panose="020B0609020204030204" pitchFamily="49" charset="0"/>
-              </a:rPr>
-              <a:t>run</a:t>
-            </a:r>
-            <a:r>
-              <a:rPr lang="de-DE" sz="1600" dirty="0">
-                <a:latin typeface="Consolas" panose="020B0609020204030204" pitchFamily="49" charset="0"/>
-              </a:rPr>
-              <a:t>/</a:t>
-            </a:r>
-            <a:r>
-              <a:rPr lang="de-DE" sz="1600" dirty="0" err="1">
-                <a:latin typeface="Consolas" panose="020B0609020204030204" pitchFamily="49" charset="0"/>
-              </a:rPr>
-              <a:t>another</a:t>
-            </a:r>
-            <a:r>
-              <a:rPr lang="de-DE" sz="1600" dirty="0">
-                <a:latin typeface="Consolas" panose="020B0609020204030204" pitchFamily="49" charset="0"/>
-              </a:rPr>
-              <a:t>/</a:t>
-            </a:r>
-            <a:r>
-              <a:rPr lang="de-DE" sz="1600" dirty="0" err="1">
-                <a:latin typeface="Consolas" panose="020B0609020204030204" pitchFamily="49" charset="0"/>
-              </a:rPr>
-              <a:t>test</a:t>
-            </a:r>
-            <a:r>
-              <a:rPr lang="de-DE" sz="1600" dirty="0">
-                <a:latin typeface="Consolas" panose="020B0609020204030204" pitchFamily="49" charset="0"/>
-              </a:rPr>
-              <a:t> </a:t>
-            </a:r>
-            <a:r>
-              <a:rPr lang="de-DE" sz="1600" dirty="0">
-                <a:solidFill>
-                  <a:srgbClr val="008C5A"/>
-                </a:solidFill>
-                <a:latin typeface="Consolas" panose="020B0609020204030204" pitchFamily="49" charset="0"/>
-              </a:rPr>
-              <a:t># 3. Zwei </a:t>
-            </a:r>
-            <a:r>
-              <a:rPr lang="de-DE" sz="1600" dirty="0" err="1">
-                <a:solidFill>
-                  <a:srgbClr val="008C5A"/>
-                </a:solidFill>
-                <a:latin typeface="Consolas" panose="020B0609020204030204" pitchFamily="49" charset="0"/>
-              </a:rPr>
-              <a:t>paralell</a:t>
-            </a:r>
-            <a:r>
-              <a:rPr lang="de-DE" sz="1600" dirty="0">
-                <a:solidFill>
-                  <a:srgbClr val="008C5A"/>
-                </a:solidFill>
-                <a:latin typeface="Consolas" panose="020B0609020204030204" pitchFamily="49" charset="0"/>
-              </a:rPr>
-              <a:t> laufende Tests</a:t>
-            </a:r>
-          </a:p>
-          <a:p>
-            <a:pPr marL="0" indent="0">
-              <a:buNone/>
-            </a:pPr>
             <a:endParaRPr lang="de-DE" sz="1600" dirty="0">
               <a:latin typeface="Consolas" panose="020B0609020204030204" pitchFamily="49" charset="0"/>
             </a:endParaRPr>
@@ -7161,7 +7848,7 @@
     </p:spTree>
     <p:extLst>
       <p:ext uri="{BB962C8B-B14F-4D97-AF65-F5344CB8AC3E}">
-        <p14:creationId xmlns:p14="http://schemas.microsoft.com/office/powerpoint/2010/main" val="3546609096"/>
+        <p14:creationId xmlns:p14="http://schemas.microsoft.com/office/powerpoint/2010/main" val="812820427"/>
       </p:ext>
     </p:extLst>
   </p:cSld>

--- a/slides/Tag-3_5-Abschluss.pptx
+++ b/slides/Tag-3_5-Abschluss.pptx
@@ -6,25 +6,33 @@
     <p:sldMasterId id="2147483649" r:id="rId2"/>
   </p:sldMasterIdLst>
   <p:notesMasterIdLst>
-    <p:notesMasterId r:id="rId16"/>
+    <p:notesMasterId r:id="rId24"/>
   </p:notesMasterIdLst>
   <p:handoutMasterIdLst>
-    <p:handoutMasterId r:id="rId17"/>
+    <p:handoutMasterId r:id="rId25"/>
   </p:handoutMasterIdLst>
   <p:sldIdLst>
     <p:sldId id="288" r:id="rId3"/>
     <p:sldId id="289" r:id="rId4"/>
     <p:sldId id="291" r:id="rId5"/>
     <p:sldId id="597" r:id="rId6"/>
-    <p:sldId id="638" r:id="rId7"/>
-    <p:sldId id="635" r:id="rId8"/>
-    <p:sldId id="627" r:id="rId9"/>
-    <p:sldId id="628" r:id="rId10"/>
-    <p:sldId id="629" r:id="rId11"/>
-    <p:sldId id="630" r:id="rId12"/>
-    <p:sldId id="631" r:id="rId13"/>
-    <p:sldId id="636" r:id="rId14"/>
-    <p:sldId id="637" r:id="rId15"/>
+    <p:sldId id="645" r:id="rId7"/>
+    <p:sldId id="648" r:id="rId8"/>
+    <p:sldId id="646" r:id="rId9"/>
+    <p:sldId id="639" r:id="rId10"/>
+    <p:sldId id="640" r:id="rId11"/>
+    <p:sldId id="641" r:id="rId12"/>
+    <p:sldId id="642" r:id="rId13"/>
+    <p:sldId id="643" r:id="rId14"/>
+    <p:sldId id="644" r:id="rId15"/>
+    <p:sldId id="635" r:id="rId16"/>
+    <p:sldId id="627" r:id="rId17"/>
+    <p:sldId id="628" r:id="rId18"/>
+    <p:sldId id="629" r:id="rId19"/>
+    <p:sldId id="630" r:id="rId20"/>
+    <p:sldId id="631" r:id="rId21"/>
+    <p:sldId id="636" r:id="rId22"/>
+    <p:sldId id="637" r:id="rId23"/>
   </p:sldIdLst>
   <p:sldSz cx="9144000" cy="6858000" type="screen4x3"/>
   <p:notesSz cx="6784975" cy="9921875"/>
@@ -1017,6 +1025,192 @@
 </p:notes>
 </file>
 
+<file path=ppt/notesSlides/notesSlide10.xml><?xml version="1.0" encoding="utf-8"?>
+<p:notes xmlns:a="http://schemas.openxmlformats.org/drawingml/2006/main" xmlns:r="http://schemas.openxmlformats.org/officeDocument/2006/relationships" xmlns:p="http://schemas.openxmlformats.org/presentationml/2006/main">
+  <p:cSld>
+    <p:spTree>
+      <p:nvGrpSpPr>
+        <p:cNvPr id="1" name=""/>
+        <p:cNvGrpSpPr/>
+        <p:nvPr/>
+      </p:nvGrpSpPr>
+      <p:grpSpPr>
+        <a:xfrm>
+          <a:off x="0" y="0"/>
+          <a:ext cx="0" cy="0"/>
+          <a:chOff x="0" y="0"/>
+          <a:chExt cx="0" cy="0"/>
+        </a:xfrm>
+      </p:grpSpPr>
+      <p:sp>
+        <p:nvSpPr>
+          <p:cNvPr id="2" name="Folienbildplatzhalter 1"/>
+          <p:cNvSpPr>
+            <a:spLocks noGrp="1" noRot="1" noChangeAspect="1"/>
+          </p:cNvSpPr>
+          <p:nvPr>
+            <p:ph type="sldImg"/>
+          </p:nvPr>
+        </p:nvSpPr>
+        <p:spPr/>
+      </p:sp>
+      <p:sp>
+        <p:nvSpPr>
+          <p:cNvPr id="3" name="Notizenplatzhalter 2"/>
+          <p:cNvSpPr>
+            <a:spLocks noGrp="1"/>
+          </p:cNvSpPr>
+          <p:nvPr>
+            <p:ph type="body" idx="1"/>
+          </p:nvPr>
+        </p:nvSpPr>
+        <p:spPr/>
+        <p:txBody>
+          <a:bodyPr/>
+          <a:lstStyle/>
+          <a:p>
+            <a:endParaRPr lang="de-DE" dirty="0"/>
+          </a:p>
+        </p:txBody>
+      </p:sp>
+      <p:sp>
+        <p:nvSpPr>
+          <p:cNvPr id="4" name="Foliennummernplatzhalter 3"/>
+          <p:cNvSpPr>
+            <a:spLocks noGrp="1"/>
+          </p:cNvSpPr>
+          <p:nvPr>
+            <p:ph type="sldNum" sz="quarter" idx="5"/>
+          </p:nvPr>
+        </p:nvSpPr>
+        <p:spPr/>
+        <p:txBody>
+          <a:bodyPr/>
+          <a:lstStyle/>
+          <a:p>
+            <a:fld id="{18182567-388C-4D33-8B7B-A651F195F118}" type="slidenum">
+              <a:rPr lang="de-DE" altLang="de-DE" smtClean="0"/>
+              <a:pPr/>
+              <a:t>14</a:t>
+            </a:fld>
+            <a:endParaRPr lang="de-DE" altLang="de-DE"/>
+          </a:p>
+        </p:txBody>
+      </p:sp>
+    </p:spTree>
+    <p:extLst>
+      <p:ext uri="{BB962C8B-B14F-4D97-AF65-F5344CB8AC3E}">
+        <p14:creationId xmlns:p14="http://schemas.microsoft.com/office/powerpoint/2010/main" val="596050751"/>
+      </p:ext>
+    </p:extLst>
+  </p:cSld>
+  <p:clrMapOvr>
+    <a:masterClrMapping/>
+  </p:clrMapOvr>
+</p:notes>
+</file>
+
+<file path=ppt/notesSlides/notesSlide11.xml><?xml version="1.0" encoding="utf-8"?>
+<p:notes xmlns:a="http://schemas.openxmlformats.org/drawingml/2006/main" xmlns:r="http://schemas.openxmlformats.org/officeDocument/2006/relationships" xmlns:p="http://schemas.openxmlformats.org/presentationml/2006/main">
+  <p:cSld>
+    <p:spTree>
+      <p:nvGrpSpPr>
+        <p:cNvPr id="1" name=""/>
+        <p:cNvGrpSpPr/>
+        <p:nvPr/>
+      </p:nvGrpSpPr>
+      <p:grpSpPr>
+        <a:xfrm>
+          <a:off x="0" y="0"/>
+          <a:ext cx="0" cy="0"/>
+          <a:chOff x="0" y="0"/>
+          <a:chExt cx="0" cy="0"/>
+        </a:xfrm>
+      </p:grpSpPr>
+      <p:sp>
+        <p:nvSpPr>
+          <p:cNvPr id="2" name="Folienbildplatzhalter 1"/>
+          <p:cNvSpPr>
+            <a:spLocks noGrp="1" noRot="1" noChangeAspect="1"/>
+          </p:cNvSpPr>
+          <p:nvPr>
+            <p:ph type="sldImg"/>
+          </p:nvPr>
+        </p:nvSpPr>
+        <p:spPr/>
+      </p:sp>
+      <p:sp>
+        <p:nvSpPr>
+          <p:cNvPr id="3" name="Notizenplatzhalter 2"/>
+          <p:cNvSpPr>
+            <a:spLocks noGrp="1"/>
+          </p:cNvSpPr>
+          <p:nvPr>
+            <p:ph type="body" idx="1"/>
+          </p:nvPr>
+        </p:nvSpPr>
+        <p:spPr/>
+        <p:txBody>
+          <a:bodyPr/>
+          <a:lstStyle/>
+          <a:p>
+            <a:r>
+              <a:rPr lang="de-DE" dirty="0"/>
+              <a:t>Von hier: https://docs.gitlab.com/ee/ci/quick_start/tutorial.html</a:t>
+            </a:r>
+          </a:p>
+          <a:p>
+            <a:endParaRPr lang="de-DE" dirty="0"/>
+          </a:p>
+          <a:p>
+            <a:r>
+              <a:rPr lang="de-DE" dirty="0" err="1"/>
+              <a:t>Docusaurus</a:t>
+            </a:r>
+            <a:r>
+              <a:rPr lang="de-DE" dirty="0"/>
+              <a:t>: https://docusaurus.io/</a:t>
+            </a:r>
+          </a:p>
+        </p:txBody>
+      </p:sp>
+      <p:sp>
+        <p:nvSpPr>
+          <p:cNvPr id="4" name="Foliennummernplatzhalter 3"/>
+          <p:cNvSpPr>
+            <a:spLocks noGrp="1"/>
+          </p:cNvSpPr>
+          <p:nvPr>
+            <p:ph type="sldNum" sz="quarter" idx="5"/>
+          </p:nvPr>
+        </p:nvSpPr>
+        <p:spPr/>
+        <p:txBody>
+          <a:bodyPr/>
+          <a:lstStyle/>
+          <a:p>
+            <a:fld id="{18182567-388C-4D33-8B7B-A651F195F118}" type="slidenum">
+              <a:rPr lang="de-DE" altLang="de-DE" smtClean="0"/>
+              <a:pPr/>
+              <a:t>21</a:t>
+            </a:fld>
+            <a:endParaRPr lang="de-DE" altLang="de-DE"/>
+          </a:p>
+        </p:txBody>
+      </p:sp>
+    </p:spTree>
+    <p:extLst>
+      <p:ext uri="{BB962C8B-B14F-4D97-AF65-F5344CB8AC3E}">
+        <p14:creationId xmlns:p14="http://schemas.microsoft.com/office/powerpoint/2010/main" val="2600068038"/>
+      </p:ext>
+    </p:extLst>
+  </p:cSld>
+  <p:clrMapOvr>
+    <a:masterClrMapping/>
+  </p:clrMapOvr>
+</p:notes>
+</file>
+
 <file path=ppt/notesSlides/notesSlide2.xml><?xml version="1.0" encoding="utf-8"?>
 <p:notes xmlns:a="http://schemas.openxmlformats.org/drawingml/2006/main" xmlns:r="http://schemas.openxmlformats.org/officeDocument/2006/relationships" xmlns:p="http://schemas.openxmlformats.org/presentationml/2006/main">
   <p:cSld>
@@ -1092,7 +1286,7 @@
     </p:spTree>
     <p:extLst>
       <p:ext uri="{BB962C8B-B14F-4D97-AF65-F5344CB8AC3E}">
-        <p14:creationId xmlns:p14="http://schemas.microsoft.com/office/powerpoint/2010/main" val="3022224150"/>
+        <p14:creationId xmlns:p14="http://schemas.microsoft.com/office/powerpoint/2010/main" val="1764499025"/>
       </p:ext>
     </p:extLst>
   </p:cSld>
@@ -1177,7 +1371,7 @@
     </p:spTree>
     <p:extLst>
       <p:ext uri="{BB962C8B-B14F-4D97-AF65-F5344CB8AC3E}">
-        <p14:creationId xmlns:p14="http://schemas.microsoft.com/office/powerpoint/2010/main" val="596050751"/>
+        <p14:creationId xmlns:p14="http://schemas.microsoft.com/office/powerpoint/2010/main" val="3678265878"/>
       </p:ext>
     </p:extLst>
   </p:cSld>
@@ -1231,23 +1425,7 @@
           <a:bodyPr/>
           <a:lstStyle/>
           <a:p>
-            <a:r>
-              <a:rPr lang="de-DE" dirty="0"/>
-              <a:t>Von hier: https://docs.gitlab.com/ee/ci/quick_start/tutorial.html</a:t>
-            </a:r>
-          </a:p>
-          <a:p>
             <a:endParaRPr lang="de-DE" dirty="0"/>
-          </a:p>
-          <a:p>
-            <a:r>
-              <a:rPr lang="de-DE" dirty="0" err="1"/>
-              <a:t>Docusaurus</a:t>
-            </a:r>
-            <a:r>
-              <a:rPr lang="de-DE" dirty="0"/>
-              <a:t>: https://docusaurus.io/</a:t>
-            </a:r>
           </a:p>
         </p:txBody>
       </p:sp>
@@ -1269,7 +1447,7 @@
             <a:fld id="{18182567-388C-4D33-8B7B-A651F195F118}" type="slidenum">
               <a:rPr lang="de-DE" altLang="de-DE" smtClean="0"/>
               <a:pPr/>
-              <a:t>13</a:t>
+              <a:t>7</a:t>
             </a:fld>
             <a:endParaRPr lang="de-DE" altLang="de-DE"/>
           </a:p>
@@ -1278,7 +1456,432 @@
     </p:spTree>
     <p:extLst>
       <p:ext uri="{BB962C8B-B14F-4D97-AF65-F5344CB8AC3E}">
-        <p14:creationId xmlns:p14="http://schemas.microsoft.com/office/powerpoint/2010/main" val="2600068038"/>
+        <p14:creationId xmlns:p14="http://schemas.microsoft.com/office/powerpoint/2010/main" val="2159897595"/>
+      </p:ext>
+    </p:extLst>
+  </p:cSld>
+  <p:clrMapOvr>
+    <a:masterClrMapping/>
+  </p:clrMapOvr>
+</p:notes>
+</file>
+
+<file path=ppt/notesSlides/notesSlide5.xml><?xml version="1.0" encoding="utf-8"?>
+<p:notes xmlns:a="http://schemas.openxmlformats.org/drawingml/2006/main" xmlns:r="http://schemas.openxmlformats.org/officeDocument/2006/relationships" xmlns:p="http://schemas.openxmlformats.org/presentationml/2006/main">
+  <p:cSld>
+    <p:spTree>
+      <p:nvGrpSpPr>
+        <p:cNvPr id="1" name=""/>
+        <p:cNvGrpSpPr/>
+        <p:nvPr/>
+      </p:nvGrpSpPr>
+      <p:grpSpPr>
+        <a:xfrm>
+          <a:off x="0" y="0"/>
+          <a:ext cx="0" cy="0"/>
+          <a:chOff x="0" y="0"/>
+          <a:chExt cx="0" cy="0"/>
+        </a:xfrm>
+      </p:grpSpPr>
+      <p:sp>
+        <p:nvSpPr>
+          <p:cNvPr id="2" name="Folienbildplatzhalter 1"/>
+          <p:cNvSpPr>
+            <a:spLocks noGrp="1" noRot="1" noChangeAspect="1"/>
+          </p:cNvSpPr>
+          <p:nvPr>
+            <p:ph type="sldImg"/>
+          </p:nvPr>
+        </p:nvSpPr>
+        <p:spPr/>
+      </p:sp>
+      <p:sp>
+        <p:nvSpPr>
+          <p:cNvPr id="3" name="Notizenplatzhalter 2"/>
+          <p:cNvSpPr>
+            <a:spLocks noGrp="1"/>
+          </p:cNvSpPr>
+          <p:nvPr>
+            <p:ph type="body" idx="1"/>
+          </p:nvPr>
+        </p:nvSpPr>
+        <p:spPr/>
+        <p:txBody>
+          <a:bodyPr/>
+          <a:lstStyle/>
+          <a:p>
+            <a:endParaRPr lang="de-DE" dirty="0"/>
+          </a:p>
+        </p:txBody>
+      </p:sp>
+      <p:sp>
+        <p:nvSpPr>
+          <p:cNvPr id="4" name="Foliennummernplatzhalter 3"/>
+          <p:cNvSpPr>
+            <a:spLocks noGrp="1"/>
+          </p:cNvSpPr>
+          <p:nvPr>
+            <p:ph type="sldNum" sz="quarter" idx="5"/>
+          </p:nvPr>
+        </p:nvSpPr>
+        <p:spPr/>
+        <p:txBody>
+          <a:bodyPr/>
+          <a:lstStyle/>
+          <a:p>
+            <a:fld id="{18182567-388C-4D33-8B7B-A651F195F118}" type="slidenum">
+              <a:rPr lang="de-DE" altLang="de-DE" smtClean="0"/>
+              <a:pPr/>
+              <a:t>8</a:t>
+            </a:fld>
+            <a:endParaRPr lang="de-DE" altLang="de-DE"/>
+          </a:p>
+        </p:txBody>
+      </p:sp>
+    </p:spTree>
+    <p:extLst>
+      <p:ext uri="{BB962C8B-B14F-4D97-AF65-F5344CB8AC3E}">
+        <p14:creationId xmlns:p14="http://schemas.microsoft.com/office/powerpoint/2010/main" val="2146272784"/>
+      </p:ext>
+    </p:extLst>
+  </p:cSld>
+  <p:clrMapOvr>
+    <a:masterClrMapping/>
+  </p:clrMapOvr>
+</p:notes>
+</file>
+
+<file path=ppt/notesSlides/notesSlide6.xml><?xml version="1.0" encoding="utf-8"?>
+<p:notes xmlns:a="http://schemas.openxmlformats.org/drawingml/2006/main" xmlns:r="http://schemas.openxmlformats.org/officeDocument/2006/relationships" xmlns:p="http://schemas.openxmlformats.org/presentationml/2006/main">
+  <p:cSld>
+    <p:spTree>
+      <p:nvGrpSpPr>
+        <p:cNvPr id="1" name=""/>
+        <p:cNvGrpSpPr/>
+        <p:nvPr/>
+      </p:nvGrpSpPr>
+      <p:grpSpPr>
+        <a:xfrm>
+          <a:off x="0" y="0"/>
+          <a:ext cx="0" cy="0"/>
+          <a:chOff x="0" y="0"/>
+          <a:chExt cx="0" cy="0"/>
+        </a:xfrm>
+      </p:grpSpPr>
+      <p:sp>
+        <p:nvSpPr>
+          <p:cNvPr id="2" name="Folienbildplatzhalter 1"/>
+          <p:cNvSpPr>
+            <a:spLocks noGrp="1" noRot="1" noChangeAspect="1"/>
+          </p:cNvSpPr>
+          <p:nvPr>
+            <p:ph type="sldImg"/>
+          </p:nvPr>
+        </p:nvSpPr>
+        <p:spPr/>
+      </p:sp>
+      <p:sp>
+        <p:nvSpPr>
+          <p:cNvPr id="3" name="Notizenplatzhalter 2"/>
+          <p:cNvSpPr>
+            <a:spLocks noGrp="1"/>
+          </p:cNvSpPr>
+          <p:nvPr>
+            <p:ph type="body" idx="1"/>
+          </p:nvPr>
+        </p:nvSpPr>
+        <p:spPr/>
+        <p:txBody>
+          <a:bodyPr/>
+          <a:lstStyle/>
+          <a:p>
+            <a:endParaRPr lang="de-DE" dirty="0"/>
+          </a:p>
+        </p:txBody>
+      </p:sp>
+      <p:sp>
+        <p:nvSpPr>
+          <p:cNvPr id="4" name="Foliennummernplatzhalter 3"/>
+          <p:cNvSpPr>
+            <a:spLocks noGrp="1"/>
+          </p:cNvSpPr>
+          <p:nvPr>
+            <p:ph type="sldNum" sz="quarter" idx="5"/>
+          </p:nvPr>
+        </p:nvSpPr>
+        <p:spPr/>
+        <p:txBody>
+          <a:bodyPr/>
+          <a:lstStyle/>
+          <a:p>
+            <a:fld id="{18182567-388C-4D33-8B7B-A651F195F118}" type="slidenum">
+              <a:rPr lang="de-DE" altLang="de-DE" smtClean="0"/>
+              <a:pPr/>
+              <a:t>9</a:t>
+            </a:fld>
+            <a:endParaRPr lang="de-DE" altLang="de-DE"/>
+          </a:p>
+        </p:txBody>
+      </p:sp>
+    </p:spTree>
+    <p:extLst>
+      <p:ext uri="{BB962C8B-B14F-4D97-AF65-F5344CB8AC3E}">
+        <p14:creationId xmlns:p14="http://schemas.microsoft.com/office/powerpoint/2010/main" val="3456775281"/>
+      </p:ext>
+    </p:extLst>
+  </p:cSld>
+  <p:clrMapOvr>
+    <a:masterClrMapping/>
+  </p:clrMapOvr>
+</p:notes>
+</file>
+
+<file path=ppt/notesSlides/notesSlide7.xml><?xml version="1.0" encoding="utf-8"?>
+<p:notes xmlns:a="http://schemas.openxmlformats.org/drawingml/2006/main" xmlns:r="http://schemas.openxmlformats.org/officeDocument/2006/relationships" xmlns:p="http://schemas.openxmlformats.org/presentationml/2006/main">
+  <p:cSld>
+    <p:spTree>
+      <p:nvGrpSpPr>
+        <p:cNvPr id="1" name=""/>
+        <p:cNvGrpSpPr/>
+        <p:nvPr/>
+      </p:nvGrpSpPr>
+      <p:grpSpPr>
+        <a:xfrm>
+          <a:off x="0" y="0"/>
+          <a:ext cx="0" cy="0"/>
+          <a:chOff x="0" y="0"/>
+          <a:chExt cx="0" cy="0"/>
+        </a:xfrm>
+      </p:grpSpPr>
+      <p:sp>
+        <p:nvSpPr>
+          <p:cNvPr id="2" name="Folienbildplatzhalter 1"/>
+          <p:cNvSpPr>
+            <a:spLocks noGrp="1" noRot="1" noChangeAspect="1"/>
+          </p:cNvSpPr>
+          <p:nvPr>
+            <p:ph type="sldImg"/>
+          </p:nvPr>
+        </p:nvSpPr>
+        <p:spPr/>
+      </p:sp>
+      <p:sp>
+        <p:nvSpPr>
+          <p:cNvPr id="3" name="Notizenplatzhalter 2"/>
+          <p:cNvSpPr>
+            <a:spLocks noGrp="1"/>
+          </p:cNvSpPr>
+          <p:nvPr>
+            <p:ph type="body" idx="1"/>
+          </p:nvPr>
+        </p:nvSpPr>
+        <p:spPr/>
+        <p:txBody>
+          <a:bodyPr/>
+          <a:lstStyle/>
+          <a:p>
+            <a:endParaRPr lang="de-DE" dirty="0"/>
+          </a:p>
+        </p:txBody>
+      </p:sp>
+      <p:sp>
+        <p:nvSpPr>
+          <p:cNvPr id="4" name="Foliennummernplatzhalter 3"/>
+          <p:cNvSpPr>
+            <a:spLocks noGrp="1"/>
+          </p:cNvSpPr>
+          <p:nvPr>
+            <p:ph type="sldNum" sz="quarter" idx="5"/>
+          </p:nvPr>
+        </p:nvSpPr>
+        <p:spPr/>
+        <p:txBody>
+          <a:bodyPr/>
+          <a:lstStyle/>
+          <a:p>
+            <a:fld id="{18182567-388C-4D33-8B7B-A651F195F118}" type="slidenum">
+              <a:rPr lang="de-DE" altLang="de-DE" smtClean="0"/>
+              <a:pPr/>
+              <a:t>10</a:t>
+            </a:fld>
+            <a:endParaRPr lang="de-DE" altLang="de-DE"/>
+          </a:p>
+        </p:txBody>
+      </p:sp>
+    </p:spTree>
+    <p:extLst>
+      <p:ext uri="{BB962C8B-B14F-4D97-AF65-F5344CB8AC3E}">
+        <p14:creationId xmlns:p14="http://schemas.microsoft.com/office/powerpoint/2010/main" val="1960827478"/>
+      </p:ext>
+    </p:extLst>
+  </p:cSld>
+  <p:clrMapOvr>
+    <a:masterClrMapping/>
+  </p:clrMapOvr>
+</p:notes>
+</file>
+
+<file path=ppt/notesSlides/notesSlide8.xml><?xml version="1.0" encoding="utf-8"?>
+<p:notes xmlns:a="http://schemas.openxmlformats.org/drawingml/2006/main" xmlns:r="http://schemas.openxmlformats.org/officeDocument/2006/relationships" xmlns:p="http://schemas.openxmlformats.org/presentationml/2006/main">
+  <p:cSld>
+    <p:spTree>
+      <p:nvGrpSpPr>
+        <p:cNvPr id="1" name=""/>
+        <p:cNvGrpSpPr/>
+        <p:nvPr/>
+      </p:nvGrpSpPr>
+      <p:grpSpPr>
+        <a:xfrm>
+          <a:off x="0" y="0"/>
+          <a:ext cx="0" cy="0"/>
+          <a:chOff x="0" y="0"/>
+          <a:chExt cx="0" cy="0"/>
+        </a:xfrm>
+      </p:grpSpPr>
+      <p:sp>
+        <p:nvSpPr>
+          <p:cNvPr id="2" name="Folienbildplatzhalter 1"/>
+          <p:cNvSpPr>
+            <a:spLocks noGrp="1" noRot="1" noChangeAspect="1"/>
+          </p:cNvSpPr>
+          <p:nvPr>
+            <p:ph type="sldImg"/>
+          </p:nvPr>
+        </p:nvSpPr>
+        <p:spPr/>
+      </p:sp>
+      <p:sp>
+        <p:nvSpPr>
+          <p:cNvPr id="3" name="Notizenplatzhalter 2"/>
+          <p:cNvSpPr>
+            <a:spLocks noGrp="1"/>
+          </p:cNvSpPr>
+          <p:nvPr>
+            <p:ph type="body" idx="1"/>
+          </p:nvPr>
+        </p:nvSpPr>
+        <p:spPr/>
+        <p:txBody>
+          <a:bodyPr/>
+          <a:lstStyle/>
+          <a:p>
+            <a:endParaRPr lang="de-DE" dirty="0"/>
+          </a:p>
+        </p:txBody>
+      </p:sp>
+      <p:sp>
+        <p:nvSpPr>
+          <p:cNvPr id="4" name="Foliennummernplatzhalter 3"/>
+          <p:cNvSpPr>
+            <a:spLocks noGrp="1"/>
+          </p:cNvSpPr>
+          <p:nvPr>
+            <p:ph type="sldNum" sz="quarter" idx="5"/>
+          </p:nvPr>
+        </p:nvSpPr>
+        <p:spPr/>
+        <p:txBody>
+          <a:bodyPr/>
+          <a:lstStyle/>
+          <a:p>
+            <a:fld id="{18182567-388C-4D33-8B7B-A651F195F118}" type="slidenum">
+              <a:rPr lang="de-DE" altLang="de-DE" smtClean="0"/>
+              <a:pPr/>
+              <a:t>11</a:t>
+            </a:fld>
+            <a:endParaRPr lang="de-DE" altLang="de-DE"/>
+          </a:p>
+        </p:txBody>
+      </p:sp>
+    </p:spTree>
+    <p:extLst>
+      <p:ext uri="{BB962C8B-B14F-4D97-AF65-F5344CB8AC3E}">
+        <p14:creationId xmlns:p14="http://schemas.microsoft.com/office/powerpoint/2010/main" val="2577452170"/>
+      </p:ext>
+    </p:extLst>
+  </p:cSld>
+  <p:clrMapOvr>
+    <a:masterClrMapping/>
+  </p:clrMapOvr>
+</p:notes>
+</file>
+
+<file path=ppt/notesSlides/notesSlide9.xml><?xml version="1.0" encoding="utf-8"?>
+<p:notes xmlns:a="http://schemas.openxmlformats.org/drawingml/2006/main" xmlns:r="http://schemas.openxmlformats.org/officeDocument/2006/relationships" xmlns:p="http://schemas.openxmlformats.org/presentationml/2006/main">
+  <p:cSld>
+    <p:spTree>
+      <p:nvGrpSpPr>
+        <p:cNvPr id="1" name=""/>
+        <p:cNvGrpSpPr/>
+        <p:nvPr/>
+      </p:nvGrpSpPr>
+      <p:grpSpPr>
+        <a:xfrm>
+          <a:off x="0" y="0"/>
+          <a:ext cx="0" cy="0"/>
+          <a:chOff x="0" y="0"/>
+          <a:chExt cx="0" cy="0"/>
+        </a:xfrm>
+      </p:grpSpPr>
+      <p:sp>
+        <p:nvSpPr>
+          <p:cNvPr id="2" name="Folienbildplatzhalter 1"/>
+          <p:cNvSpPr>
+            <a:spLocks noGrp="1" noRot="1" noChangeAspect="1"/>
+          </p:cNvSpPr>
+          <p:nvPr>
+            <p:ph type="sldImg"/>
+          </p:nvPr>
+        </p:nvSpPr>
+        <p:spPr/>
+      </p:sp>
+      <p:sp>
+        <p:nvSpPr>
+          <p:cNvPr id="3" name="Notizenplatzhalter 2"/>
+          <p:cNvSpPr>
+            <a:spLocks noGrp="1"/>
+          </p:cNvSpPr>
+          <p:nvPr>
+            <p:ph type="body" idx="1"/>
+          </p:nvPr>
+        </p:nvSpPr>
+        <p:spPr/>
+        <p:txBody>
+          <a:bodyPr/>
+          <a:lstStyle/>
+          <a:p>
+            <a:endParaRPr lang="de-DE" dirty="0"/>
+          </a:p>
+        </p:txBody>
+      </p:sp>
+      <p:sp>
+        <p:nvSpPr>
+          <p:cNvPr id="4" name="Foliennummernplatzhalter 3"/>
+          <p:cNvSpPr>
+            <a:spLocks noGrp="1"/>
+          </p:cNvSpPr>
+          <p:nvPr>
+            <p:ph type="sldNum" sz="quarter" idx="5"/>
+          </p:nvPr>
+        </p:nvSpPr>
+        <p:spPr/>
+        <p:txBody>
+          <a:bodyPr/>
+          <a:lstStyle/>
+          <a:p>
+            <a:fld id="{18182567-388C-4D33-8B7B-A651F195F118}" type="slidenum">
+              <a:rPr lang="de-DE" altLang="de-DE" smtClean="0"/>
+              <a:pPr/>
+              <a:t>12</a:t>
+            </a:fld>
+            <a:endParaRPr lang="de-DE" altLang="de-DE"/>
+          </a:p>
+        </p:txBody>
+      </p:sp>
+    </p:spTree>
+    <p:extLst>
+      <p:ext uri="{BB962C8B-B14F-4D97-AF65-F5344CB8AC3E}">
+        <p14:creationId xmlns:p14="http://schemas.microsoft.com/office/powerpoint/2010/main" val="1014105544"/>
       </p:ext>
     </p:extLst>
   </p:cSld>
@@ -4036,7 +4639,7 @@
           <p:cNvPr id="2" name="Titel 1">
             <a:extLst>
               <a:ext uri="{FF2B5EF4-FFF2-40B4-BE49-F238E27FC236}">
-                <a16:creationId xmlns:a16="http://schemas.microsoft.com/office/drawing/2014/main" id="{49A48EBC-55D9-6D64-715F-AF6DEBF117C3}"/>
+                <a16:creationId xmlns:a16="http://schemas.microsoft.com/office/drawing/2014/main" id="{C1685EFD-0B12-A118-74A4-A33EE3E5069D}"/>
               </a:ext>
             </a:extLst>
           </p:cNvPr>
@@ -4053,10 +4656,9 @@
           <a:lstStyle/>
           <a:p>
             <a:r>
-              <a:rPr lang="de-DE" cap="none" dirty="0"/>
-              <a:t>Abschlussübung &amp; Diskussion</a:t>
-            </a:r>
-            <a:endParaRPr lang="de-DE" dirty="0"/>
+              <a:rPr lang="de-DE" dirty="0"/>
+              <a:t>Key Takeaways</a:t>
+            </a:r>
           </a:p>
         </p:txBody>
       </p:sp>
@@ -4065,7 +4667,7 @@
           <p:cNvPr id="3" name="Inhaltsplatzhalter 2">
             <a:extLst>
               <a:ext uri="{FF2B5EF4-FFF2-40B4-BE49-F238E27FC236}">
-                <a16:creationId xmlns:a16="http://schemas.microsoft.com/office/drawing/2014/main" id="{7B404127-ED2B-6905-BDD1-3C60D11A2A7C}"/>
+                <a16:creationId xmlns:a16="http://schemas.microsoft.com/office/drawing/2014/main" id="{B1AC08BC-C841-A94C-A976-502217A7D7C7}"/>
               </a:ext>
             </a:extLst>
           </p:cNvPr>
@@ -4085,520 +4687,93 @@
               <a:buNone/>
             </a:pPr>
             <a:r>
-              <a:rPr lang="de-DE" sz="2000" b="1" dirty="0">
-                <a:latin typeface="Consolas" panose="020B0609020204030204" pitchFamily="49" charset="0"/>
-              </a:rPr>
-              <a:t>.</a:t>
-            </a:r>
-            <a:r>
-              <a:rPr lang="de-DE" sz="2000" b="1" dirty="0" err="1">
-                <a:latin typeface="Consolas" panose="020B0609020204030204" pitchFamily="49" charset="0"/>
-              </a:rPr>
-              <a:t>gitlab-ci.yml</a:t>
-            </a:r>
-            <a:r>
-              <a:rPr lang="de-DE" sz="2000" b="1" dirty="0">
-                <a:latin typeface="Consolas" panose="020B0609020204030204" pitchFamily="49" charset="0"/>
-              </a:rPr>
-              <a:t> (3/4)</a:t>
+              <a:rPr lang="de-DE" sz="2000" b="1" dirty="0" err="1"/>
+              <a:t>Continuous</a:t>
+            </a:r>
+            <a:r>
+              <a:rPr lang="de-DE" sz="2000" b="1" dirty="0"/>
+              <a:t> </a:t>
+            </a:r>
+            <a:r>
+              <a:rPr lang="de-DE" sz="2000" b="1" dirty="0" err="1"/>
+              <a:t>Delivery</a:t>
+            </a:r>
+            <a:r>
+              <a:rPr lang="de-DE" sz="2000" b="1" dirty="0"/>
+              <a:t> (CD)</a:t>
+            </a:r>
+          </a:p>
+          <a:p>
+            <a:pPr>
+              <a:buFont typeface="Arial" panose="020B0604020202020204" pitchFamily="34" charset="0"/>
+              <a:buChar char="•"/>
+            </a:pPr>
+            <a:r>
+              <a:rPr lang="de-DE" sz="2000" dirty="0"/>
+              <a:t>CD erweitert die Prinzipien von CI zur Automatisierung der Anwendungsbereitstellung in verschiedene Umgebungen, einschließlich Produktion.</a:t>
+            </a:r>
+          </a:p>
+          <a:p>
+            <a:pPr>
+              <a:buFont typeface="Arial" panose="020B0604020202020204" pitchFamily="34" charset="0"/>
+              <a:buChar char="•"/>
+            </a:pPr>
+            <a:r>
+              <a:rPr lang="de-DE" sz="2000" dirty="0"/>
+              <a:t>CD stellt sicher, dass Software immer in einem einsatzbereiten Zustand ist und jederzeit in Produktion gehen kann.</a:t>
             </a:r>
           </a:p>
           <a:p>
             <a:pPr marL="0" indent="0">
               <a:buNone/>
             </a:pPr>
-            <a:r>
-              <a:rPr lang="de-DE" sz="1600" dirty="0">
-                <a:latin typeface="Consolas" panose="020B0609020204030204" pitchFamily="49" charset="0"/>
-              </a:rPr>
-              <a:t>test1:</a:t>
-            </a:r>
+            <a:endParaRPr lang="de-DE" sz="2000" b="1" dirty="0"/>
           </a:p>
           <a:p>
             <a:pPr marL="0" indent="0">
               <a:buNone/>
             </a:pPr>
             <a:r>
-              <a:rPr lang="de-DE" sz="1600" dirty="0">
-                <a:latin typeface="Consolas" panose="020B0609020204030204" pitchFamily="49" charset="0"/>
-              </a:rPr>
-              <a:t>  </a:t>
-            </a:r>
-            <a:r>
-              <a:rPr lang="de-DE" sz="1600" dirty="0" err="1">
-                <a:latin typeface="Consolas" panose="020B0609020204030204" pitchFamily="49" charset="0"/>
-              </a:rPr>
-              <a:t>stage</a:t>
-            </a:r>
-            <a:r>
-              <a:rPr lang="de-DE" sz="1600" dirty="0">
-                <a:latin typeface="Consolas" panose="020B0609020204030204" pitchFamily="49" charset="0"/>
-              </a:rPr>
-              <a:t>: </a:t>
-            </a:r>
-            <a:r>
-              <a:rPr lang="de-DE" sz="1600" dirty="0" err="1">
-                <a:latin typeface="Consolas" panose="020B0609020204030204" pitchFamily="49" charset="0"/>
-              </a:rPr>
-              <a:t>test</a:t>
-            </a:r>
-            <a:endParaRPr lang="de-DE" sz="1600" dirty="0">
-              <a:latin typeface="Consolas" panose="020B0609020204030204" pitchFamily="49" charset="0"/>
-            </a:endParaRPr>
-          </a:p>
-          <a:p>
-            <a:pPr marL="0" indent="0">
-              <a:buNone/>
-            </a:pPr>
-            <a:r>
-              <a:rPr lang="de-DE" sz="1600" dirty="0">
-                <a:latin typeface="Consolas" panose="020B0609020204030204" pitchFamily="49" charset="0"/>
-              </a:rPr>
-              <a:t>  </a:t>
-            </a:r>
-            <a:r>
-              <a:rPr lang="de-DE" sz="1600" dirty="0" err="1">
-                <a:latin typeface="Consolas" panose="020B0609020204030204" pitchFamily="49" charset="0"/>
-              </a:rPr>
-              <a:t>script</a:t>
-            </a:r>
-            <a:r>
-              <a:rPr lang="de-DE" sz="1600" dirty="0">
-                <a:latin typeface="Consolas" panose="020B0609020204030204" pitchFamily="49" charset="0"/>
-              </a:rPr>
-              <a:t>:</a:t>
-            </a:r>
-          </a:p>
-          <a:p>
-            <a:pPr marL="0" indent="0">
-              <a:buNone/>
-            </a:pPr>
-            <a:r>
-              <a:rPr lang="de-DE" sz="1600" dirty="0">
-                <a:latin typeface="Consolas" panose="020B0609020204030204" pitchFamily="49" charset="0"/>
-              </a:rPr>
-              <a:t>    - </a:t>
-            </a:r>
-            <a:r>
-              <a:rPr lang="de-DE" sz="1600" dirty="0" err="1">
-                <a:latin typeface="Consolas" panose="020B0609020204030204" pitchFamily="49" charset="0"/>
-              </a:rPr>
-              <a:t>docker</a:t>
-            </a:r>
-            <a:r>
-              <a:rPr lang="de-DE" sz="1600" dirty="0">
-                <a:latin typeface="Consolas" panose="020B0609020204030204" pitchFamily="49" charset="0"/>
-              </a:rPr>
-              <a:t> pull $CONTAINER_TEST_IMAGE </a:t>
-            </a:r>
-            <a:r>
-              <a:rPr lang="de-DE" sz="1600" dirty="0">
-                <a:solidFill>
-                  <a:srgbClr val="008C5A"/>
-                </a:solidFill>
-                <a:latin typeface="Consolas" panose="020B0609020204030204" pitchFamily="49" charset="0"/>
-              </a:rPr>
-              <a:t># 2. Von den nachfolgenden Stages (bei Bedarf) </a:t>
-            </a:r>
-            <a:r>
-              <a:rPr lang="de-DE" sz="1600" dirty="0" err="1">
-                <a:solidFill>
-                  <a:srgbClr val="008C5A"/>
-                </a:solidFill>
-                <a:latin typeface="Consolas" panose="020B0609020204030204" pitchFamily="49" charset="0"/>
-              </a:rPr>
-              <a:t>gepulled</a:t>
-            </a:r>
-            <a:endParaRPr lang="de-DE" sz="1600" dirty="0">
-              <a:solidFill>
-                <a:srgbClr val="008C5A"/>
-              </a:solidFill>
-              <a:latin typeface="Consolas" panose="020B0609020204030204" pitchFamily="49" charset="0"/>
-            </a:endParaRPr>
-          </a:p>
-          <a:p>
-            <a:pPr marL="0" indent="0">
-              <a:buNone/>
-            </a:pPr>
-            <a:r>
-              <a:rPr lang="de-DE" sz="1600" dirty="0">
-                <a:latin typeface="Consolas" panose="020B0609020204030204" pitchFamily="49" charset="0"/>
-              </a:rPr>
-              <a:t>    - </a:t>
-            </a:r>
-            <a:r>
-              <a:rPr lang="de-DE" sz="1600" dirty="0" err="1">
-                <a:latin typeface="Consolas" panose="020B0609020204030204" pitchFamily="49" charset="0"/>
-              </a:rPr>
-              <a:t>docker</a:t>
-            </a:r>
-            <a:r>
-              <a:rPr lang="de-DE" sz="1600" dirty="0">
-                <a:latin typeface="Consolas" panose="020B0609020204030204" pitchFamily="49" charset="0"/>
-              </a:rPr>
-              <a:t> </a:t>
-            </a:r>
-            <a:r>
-              <a:rPr lang="de-DE" sz="1600" dirty="0" err="1">
-                <a:latin typeface="Consolas" panose="020B0609020204030204" pitchFamily="49" charset="0"/>
-              </a:rPr>
-              <a:t>run</a:t>
-            </a:r>
-            <a:r>
-              <a:rPr lang="de-DE" sz="1600" dirty="0">
-                <a:latin typeface="Consolas" panose="020B0609020204030204" pitchFamily="49" charset="0"/>
-              </a:rPr>
-              <a:t> $CONTAINER_TEST_IMAGE /</a:t>
-            </a:r>
-            <a:r>
-              <a:rPr lang="de-DE" sz="1600" dirty="0" err="1">
-                <a:latin typeface="Consolas" panose="020B0609020204030204" pitchFamily="49" charset="0"/>
-              </a:rPr>
-              <a:t>script</a:t>
-            </a:r>
-            <a:r>
-              <a:rPr lang="de-DE" sz="1600" dirty="0">
-                <a:latin typeface="Consolas" panose="020B0609020204030204" pitchFamily="49" charset="0"/>
-              </a:rPr>
-              <a:t>/</a:t>
-            </a:r>
-            <a:r>
-              <a:rPr lang="de-DE" sz="1600" dirty="0" err="1">
-                <a:latin typeface="Consolas" panose="020B0609020204030204" pitchFamily="49" charset="0"/>
-              </a:rPr>
-              <a:t>to</a:t>
-            </a:r>
-            <a:r>
-              <a:rPr lang="de-DE" sz="1600" dirty="0">
-                <a:latin typeface="Consolas" panose="020B0609020204030204" pitchFamily="49" charset="0"/>
-              </a:rPr>
-              <a:t>/</a:t>
-            </a:r>
-            <a:r>
-              <a:rPr lang="de-DE" sz="1600" dirty="0" err="1">
-                <a:latin typeface="Consolas" panose="020B0609020204030204" pitchFamily="49" charset="0"/>
-              </a:rPr>
-              <a:t>run</a:t>
-            </a:r>
-            <a:r>
-              <a:rPr lang="de-DE" sz="1600" dirty="0">
-                <a:latin typeface="Consolas" panose="020B0609020204030204" pitchFamily="49" charset="0"/>
-              </a:rPr>
-              <a:t>/</a:t>
-            </a:r>
-            <a:r>
-              <a:rPr lang="de-DE" sz="1600" dirty="0" err="1">
-                <a:latin typeface="Consolas" panose="020B0609020204030204" pitchFamily="49" charset="0"/>
-              </a:rPr>
-              <a:t>tests</a:t>
-            </a:r>
-            <a:r>
-              <a:rPr lang="de-DE" sz="1600" dirty="0">
-                <a:latin typeface="Consolas" panose="020B0609020204030204" pitchFamily="49" charset="0"/>
-              </a:rPr>
-              <a:t> </a:t>
-            </a:r>
-            <a:r>
-              <a:rPr lang="de-DE" sz="1600" dirty="0">
-                <a:solidFill>
-                  <a:srgbClr val="008C5A"/>
-                </a:solidFill>
-                <a:latin typeface="Consolas" panose="020B0609020204030204" pitchFamily="49" charset="0"/>
-              </a:rPr>
-              <a:t># 3. Zwei </a:t>
-            </a:r>
-            <a:r>
-              <a:rPr lang="de-DE" sz="1600" dirty="0" err="1">
-                <a:solidFill>
-                  <a:srgbClr val="008C5A"/>
-                </a:solidFill>
-                <a:latin typeface="Consolas" panose="020B0609020204030204" pitchFamily="49" charset="0"/>
-              </a:rPr>
-              <a:t>paralell</a:t>
-            </a:r>
-            <a:r>
-              <a:rPr lang="de-DE" sz="1600" dirty="0">
-                <a:solidFill>
-                  <a:srgbClr val="008C5A"/>
-                </a:solidFill>
-                <a:latin typeface="Consolas" panose="020B0609020204030204" pitchFamily="49" charset="0"/>
-              </a:rPr>
-              <a:t> laufende Tests</a:t>
-            </a:r>
-          </a:p>
-          <a:p>
-            <a:pPr marL="0" indent="0">
-              <a:buNone/>
-            </a:pPr>
-            <a:endParaRPr lang="de-DE" sz="1600" dirty="0">
-              <a:latin typeface="Consolas" panose="020B0609020204030204" pitchFamily="49" charset="0"/>
-            </a:endParaRPr>
-          </a:p>
-          <a:p>
-            <a:pPr marL="0" indent="0">
-              <a:buNone/>
-            </a:pPr>
-            <a:r>
-              <a:rPr lang="de-DE" sz="1600" dirty="0">
-                <a:latin typeface="Consolas" panose="020B0609020204030204" pitchFamily="49" charset="0"/>
-              </a:rPr>
-              <a:t>test2:</a:t>
-            </a:r>
-          </a:p>
-          <a:p>
-            <a:pPr marL="0" indent="0">
-              <a:buNone/>
-            </a:pPr>
-            <a:r>
-              <a:rPr lang="de-DE" sz="1600" dirty="0">
-                <a:latin typeface="Consolas" panose="020B0609020204030204" pitchFamily="49" charset="0"/>
-              </a:rPr>
-              <a:t>  </a:t>
-            </a:r>
-            <a:r>
-              <a:rPr lang="de-DE" sz="1600" dirty="0" err="1">
-                <a:latin typeface="Consolas" panose="020B0609020204030204" pitchFamily="49" charset="0"/>
-              </a:rPr>
-              <a:t>stage</a:t>
-            </a:r>
-            <a:r>
-              <a:rPr lang="de-DE" sz="1600" dirty="0">
-                <a:latin typeface="Consolas" panose="020B0609020204030204" pitchFamily="49" charset="0"/>
-              </a:rPr>
-              <a:t>: </a:t>
-            </a:r>
-            <a:r>
-              <a:rPr lang="de-DE" sz="1600" dirty="0" err="1">
-                <a:latin typeface="Consolas" panose="020B0609020204030204" pitchFamily="49" charset="0"/>
-              </a:rPr>
-              <a:t>test</a:t>
-            </a:r>
-            <a:endParaRPr lang="de-DE" sz="1600" dirty="0">
-              <a:latin typeface="Consolas" panose="020B0609020204030204" pitchFamily="49" charset="0"/>
-            </a:endParaRPr>
-          </a:p>
-          <a:p>
-            <a:pPr marL="0" indent="0">
-              <a:buNone/>
-            </a:pPr>
-            <a:r>
-              <a:rPr lang="de-DE" sz="1600" dirty="0">
-                <a:latin typeface="Consolas" panose="020B0609020204030204" pitchFamily="49" charset="0"/>
-              </a:rPr>
-              <a:t>  </a:t>
-            </a:r>
-            <a:r>
-              <a:rPr lang="de-DE" sz="1600" dirty="0" err="1">
-                <a:latin typeface="Consolas" panose="020B0609020204030204" pitchFamily="49" charset="0"/>
-              </a:rPr>
-              <a:t>script</a:t>
-            </a:r>
-            <a:r>
-              <a:rPr lang="de-DE" sz="1600" dirty="0">
-                <a:latin typeface="Consolas" panose="020B0609020204030204" pitchFamily="49" charset="0"/>
-              </a:rPr>
-              <a:t>:</a:t>
-            </a:r>
-          </a:p>
-          <a:p>
-            <a:pPr marL="0" indent="0">
-              <a:buNone/>
-            </a:pPr>
-            <a:r>
-              <a:rPr lang="de-DE" sz="1600" dirty="0">
-                <a:latin typeface="Consolas" panose="020B0609020204030204" pitchFamily="49" charset="0"/>
-              </a:rPr>
-              <a:t>    - </a:t>
-            </a:r>
-            <a:r>
-              <a:rPr lang="de-DE" sz="1600" dirty="0" err="1">
-                <a:latin typeface="Consolas" panose="020B0609020204030204" pitchFamily="49" charset="0"/>
-              </a:rPr>
-              <a:t>docker</a:t>
-            </a:r>
-            <a:r>
-              <a:rPr lang="de-DE" sz="1600" dirty="0">
-                <a:latin typeface="Consolas" panose="020B0609020204030204" pitchFamily="49" charset="0"/>
-              </a:rPr>
-              <a:t> pull $CONTAINER_TEST_IMAGE </a:t>
-            </a:r>
-            <a:r>
-              <a:rPr lang="de-DE" sz="1600" dirty="0">
-                <a:solidFill>
-                  <a:srgbClr val="008C5A"/>
-                </a:solidFill>
-                <a:latin typeface="Consolas" panose="020B0609020204030204" pitchFamily="49" charset="0"/>
-              </a:rPr>
-              <a:t># 2. Von den nachfolgenden Stages (bei Bedarf) </a:t>
-            </a:r>
-            <a:r>
-              <a:rPr lang="de-DE" sz="1600" dirty="0" err="1">
-                <a:solidFill>
-                  <a:srgbClr val="008C5A"/>
-                </a:solidFill>
-                <a:latin typeface="Consolas" panose="020B0609020204030204" pitchFamily="49" charset="0"/>
-              </a:rPr>
-              <a:t>gepulled</a:t>
-            </a:r>
-            <a:endParaRPr lang="de-DE" sz="1600" dirty="0">
-              <a:solidFill>
-                <a:srgbClr val="008C5A"/>
-              </a:solidFill>
-              <a:latin typeface="Consolas" panose="020B0609020204030204" pitchFamily="49" charset="0"/>
-            </a:endParaRPr>
-          </a:p>
-          <a:p>
-            <a:pPr marL="0" indent="0">
-              <a:buNone/>
-            </a:pPr>
-            <a:r>
-              <a:rPr lang="de-DE" sz="1600" dirty="0">
-                <a:latin typeface="Consolas" panose="020B0609020204030204" pitchFamily="49" charset="0"/>
-              </a:rPr>
-              <a:t>    - </a:t>
-            </a:r>
-            <a:r>
-              <a:rPr lang="de-DE" sz="1600" dirty="0" err="1">
-                <a:latin typeface="Consolas" panose="020B0609020204030204" pitchFamily="49" charset="0"/>
-              </a:rPr>
-              <a:t>docker</a:t>
-            </a:r>
-            <a:r>
-              <a:rPr lang="de-DE" sz="1600" dirty="0">
-                <a:latin typeface="Consolas" panose="020B0609020204030204" pitchFamily="49" charset="0"/>
-              </a:rPr>
-              <a:t> </a:t>
-            </a:r>
-            <a:r>
-              <a:rPr lang="de-DE" sz="1600" dirty="0" err="1">
-                <a:latin typeface="Consolas" panose="020B0609020204030204" pitchFamily="49" charset="0"/>
-              </a:rPr>
-              <a:t>run</a:t>
-            </a:r>
-            <a:r>
-              <a:rPr lang="de-DE" sz="1600" dirty="0">
-                <a:latin typeface="Consolas" panose="020B0609020204030204" pitchFamily="49" charset="0"/>
-              </a:rPr>
-              <a:t> $CONTAINER_TEST_IMAGE /</a:t>
-            </a:r>
-            <a:r>
-              <a:rPr lang="de-DE" sz="1600" dirty="0" err="1">
-                <a:latin typeface="Consolas" panose="020B0609020204030204" pitchFamily="49" charset="0"/>
-              </a:rPr>
-              <a:t>script</a:t>
-            </a:r>
-            <a:r>
-              <a:rPr lang="de-DE" sz="1600" dirty="0">
-                <a:latin typeface="Consolas" panose="020B0609020204030204" pitchFamily="49" charset="0"/>
-              </a:rPr>
-              <a:t>/</a:t>
-            </a:r>
-            <a:r>
-              <a:rPr lang="de-DE" sz="1600" dirty="0" err="1">
-                <a:latin typeface="Consolas" panose="020B0609020204030204" pitchFamily="49" charset="0"/>
-              </a:rPr>
-              <a:t>to</a:t>
-            </a:r>
-            <a:r>
-              <a:rPr lang="de-DE" sz="1600" dirty="0">
-                <a:latin typeface="Consolas" panose="020B0609020204030204" pitchFamily="49" charset="0"/>
-              </a:rPr>
-              <a:t>/</a:t>
-            </a:r>
-            <a:r>
-              <a:rPr lang="de-DE" sz="1600" dirty="0" err="1">
-                <a:latin typeface="Consolas" panose="020B0609020204030204" pitchFamily="49" charset="0"/>
-              </a:rPr>
-              <a:t>run</a:t>
-            </a:r>
-            <a:r>
-              <a:rPr lang="de-DE" sz="1600" dirty="0">
-                <a:latin typeface="Consolas" panose="020B0609020204030204" pitchFamily="49" charset="0"/>
-              </a:rPr>
-              <a:t>/</a:t>
-            </a:r>
-            <a:r>
-              <a:rPr lang="de-DE" sz="1600" dirty="0" err="1">
-                <a:latin typeface="Consolas" panose="020B0609020204030204" pitchFamily="49" charset="0"/>
-              </a:rPr>
-              <a:t>another</a:t>
-            </a:r>
-            <a:r>
-              <a:rPr lang="de-DE" sz="1600" dirty="0">
-                <a:latin typeface="Consolas" panose="020B0609020204030204" pitchFamily="49" charset="0"/>
-              </a:rPr>
-              <a:t>/</a:t>
-            </a:r>
-            <a:r>
-              <a:rPr lang="de-DE" sz="1600" dirty="0" err="1">
-                <a:latin typeface="Consolas" panose="020B0609020204030204" pitchFamily="49" charset="0"/>
-              </a:rPr>
-              <a:t>test</a:t>
-            </a:r>
-            <a:r>
-              <a:rPr lang="de-DE" sz="1600" dirty="0">
-                <a:latin typeface="Consolas" panose="020B0609020204030204" pitchFamily="49" charset="0"/>
-              </a:rPr>
-              <a:t> </a:t>
-            </a:r>
-            <a:r>
-              <a:rPr lang="de-DE" sz="1600" dirty="0">
-                <a:solidFill>
-                  <a:srgbClr val="008C5A"/>
-                </a:solidFill>
-                <a:latin typeface="Consolas" panose="020B0609020204030204" pitchFamily="49" charset="0"/>
-              </a:rPr>
-              <a:t># 3. Zwei </a:t>
-            </a:r>
-            <a:r>
-              <a:rPr lang="de-DE" sz="1600" dirty="0" err="1">
-                <a:solidFill>
-                  <a:srgbClr val="008C5A"/>
-                </a:solidFill>
-                <a:latin typeface="Consolas" panose="020B0609020204030204" pitchFamily="49" charset="0"/>
-              </a:rPr>
-              <a:t>paralell</a:t>
-            </a:r>
-            <a:r>
-              <a:rPr lang="de-DE" sz="1600" dirty="0">
-                <a:solidFill>
-                  <a:srgbClr val="008C5A"/>
-                </a:solidFill>
-                <a:latin typeface="Consolas" panose="020B0609020204030204" pitchFamily="49" charset="0"/>
-              </a:rPr>
-              <a:t> laufende Tests</a:t>
-            </a:r>
-          </a:p>
-          <a:p>
-            <a:pPr marL="0" indent="0">
-              <a:buNone/>
-            </a:pPr>
-            <a:endParaRPr lang="de-DE" sz="1600" dirty="0">
-              <a:latin typeface="Consolas" panose="020B0609020204030204" pitchFamily="49" charset="0"/>
-            </a:endParaRPr>
-          </a:p>
-          <a:p>
-            <a:pPr marL="0" indent="0">
-              <a:buNone/>
-            </a:pPr>
-            <a:endParaRPr lang="de-DE" sz="1600" dirty="0">
-              <a:latin typeface="Consolas" panose="020B0609020204030204" pitchFamily="49" charset="0"/>
-            </a:endParaRPr>
-          </a:p>
-          <a:p>
-            <a:pPr marL="0" indent="0">
-              <a:buNone/>
-            </a:pPr>
-            <a:endParaRPr lang="de-DE" sz="1600" dirty="0">
-              <a:latin typeface="Consolas" panose="020B0609020204030204" pitchFamily="49" charset="0"/>
-            </a:endParaRPr>
+              <a:rPr lang="de-DE" sz="2000" b="1" dirty="0"/>
+              <a:t>Vorteile</a:t>
+            </a:r>
+          </a:p>
+          <a:p>
+            <a:pPr>
+              <a:buFont typeface="Arial" panose="020B0604020202020204" pitchFamily="34" charset="0"/>
+              <a:buChar char="•"/>
+            </a:pPr>
+            <a:r>
+              <a:rPr lang="de-DE" sz="2000" dirty="0"/>
+              <a:t>Automatisierung des Bereitstellungsprozesses, Reduzierung des Risikos menschlicher Fehler bei Releases.</a:t>
+            </a:r>
+          </a:p>
+          <a:p>
+            <a:pPr>
+              <a:buFont typeface="Arial" panose="020B0604020202020204" pitchFamily="34" charset="0"/>
+              <a:buChar char="•"/>
+            </a:pPr>
+            <a:r>
+              <a:rPr lang="de-DE" sz="2000" dirty="0"/>
+              <a:t>Häufigere Veröffentlichung neuer Funktionen und Fehlerbehebungen, schnellere Wertschöpfung für Benutzer.</a:t>
+            </a:r>
+          </a:p>
+          <a:p>
+            <a:pPr>
+              <a:buFont typeface="Arial" panose="020B0604020202020204" pitchFamily="34" charset="0"/>
+              <a:buChar char="•"/>
+            </a:pPr>
+            <a:r>
+              <a:rPr lang="de-DE" sz="2000" dirty="0"/>
+              <a:t>Konsistente Bereitstellungsprozesse in allen Umgebungen, schnelle Verbesserungen durch häufige Releases und Benutzerfeedback.</a:t>
+            </a:r>
           </a:p>
         </p:txBody>
       </p:sp>
     </p:spTree>
     <p:extLst>
       <p:ext uri="{BB962C8B-B14F-4D97-AF65-F5344CB8AC3E}">
-        <p14:creationId xmlns:p14="http://schemas.microsoft.com/office/powerpoint/2010/main" val="3546609096"/>
+        <p14:creationId xmlns:p14="http://schemas.microsoft.com/office/powerpoint/2010/main" val="3055129910"/>
       </p:ext>
     </p:extLst>
   </p:cSld>
@@ -4609,6 +4784,700 @@
 </file>
 
 <file path=ppt/slides/slide11.xml><?xml version="1.0" encoding="utf-8"?>
+<p:sld xmlns:a="http://schemas.openxmlformats.org/drawingml/2006/main" xmlns:r="http://schemas.openxmlformats.org/officeDocument/2006/relationships" xmlns:p="http://schemas.openxmlformats.org/presentationml/2006/main">
+  <p:cSld>
+    <p:spTree>
+      <p:nvGrpSpPr>
+        <p:cNvPr id="1" name=""/>
+        <p:cNvGrpSpPr/>
+        <p:nvPr/>
+      </p:nvGrpSpPr>
+      <p:grpSpPr>
+        <a:xfrm>
+          <a:off x="0" y="0"/>
+          <a:ext cx="0" cy="0"/>
+          <a:chOff x="0" y="0"/>
+          <a:chExt cx="0" cy="0"/>
+        </a:xfrm>
+      </p:grpSpPr>
+      <p:sp>
+        <p:nvSpPr>
+          <p:cNvPr id="2" name="Titel 1">
+            <a:extLst>
+              <a:ext uri="{FF2B5EF4-FFF2-40B4-BE49-F238E27FC236}">
+                <a16:creationId xmlns:a16="http://schemas.microsoft.com/office/drawing/2014/main" id="{C1685EFD-0B12-A118-74A4-A33EE3E5069D}"/>
+              </a:ext>
+            </a:extLst>
+          </p:cNvPr>
+          <p:cNvSpPr>
+            <a:spLocks noGrp="1"/>
+          </p:cNvSpPr>
+          <p:nvPr>
+            <p:ph type="title"/>
+          </p:nvPr>
+        </p:nvSpPr>
+        <p:spPr/>
+        <p:txBody>
+          <a:bodyPr/>
+          <a:lstStyle/>
+          <a:p>
+            <a:r>
+              <a:rPr lang="de-DE" dirty="0"/>
+              <a:t>Key Takeaways</a:t>
+            </a:r>
+          </a:p>
+        </p:txBody>
+      </p:sp>
+      <p:sp>
+        <p:nvSpPr>
+          <p:cNvPr id="3" name="Inhaltsplatzhalter 2">
+            <a:extLst>
+              <a:ext uri="{FF2B5EF4-FFF2-40B4-BE49-F238E27FC236}">
+                <a16:creationId xmlns:a16="http://schemas.microsoft.com/office/drawing/2014/main" id="{B1AC08BC-C841-A94C-A976-502217A7D7C7}"/>
+              </a:ext>
+            </a:extLst>
+          </p:cNvPr>
+          <p:cNvSpPr>
+            <a:spLocks noGrp="1"/>
+          </p:cNvSpPr>
+          <p:nvPr>
+            <p:ph idx="1"/>
+          </p:nvPr>
+        </p:nvSpPr>
+        <p:spPr/>
+        <p:txBody>
+          <a:bodyPr/>
+          <a:lstStyle/>
+          <a:p>
+            <a:pPr marL="0" indent="0">
+              <a:buNone/>
+            </a:pPr>
+            <a:r>
+              <a:rPr lang="de-DE" sz="2000" b="1" dirty="0"/>
+              <a:t>CD Best </a:t>
+            </a:r>
+            <a:r>
+              <a:rPr lang="de-DE" sz="2000" b="1" dirty="0" err="1"/>
+              <a:t>Practises</a:t>
+            </a:r>
+            <a:endParaRPr lang="de-DE" sz="2000" b="1" dirty="0"/>
+          </a:p>
+          <a:p>
+            <a:pPr>
+              <a:buFont typeface="Arial" panose="020B0604020202020204" pitchFamily="34" charset="0"/>
+              <a:buChar char="•"/>
+            </a:pPr>
+            <a:r>
+              <a:rPr lang="de-DE" sz="2000" dirty="0"/>
+              <a:t>Infrastruktur als Code (</a:t>
+            </a:r>
+            <a:r>
+              <a:rPr lang="de-DE" sz="2000" dirty="0" err="1"/>
+              <a:t>IaC</a:t>
+            </a:r>
+            <a:r>
+              <a:rPr lang="de-DE" sz="2000" dirty="0"/>
+              <a:t>): Definieren Sie Infrastruktur mit Code (z.B. Terraform oder AWS </a:t>
+            </a:r>
+            <a:r>
+              <a:rPr lang="de-DE" sz="2000" dirty="0" err="1"/>
+              <a:t>CloudFormation</a:t>
+            </a:r>
+            <a:r>
+              <a:rPr lang="de-DE" sz="2000" dirty="0"/>
+              <a:t>) für konsistente Umgebungen.</a:t>
+            </a:r>
+          </a:p>
+          <a:p>
+            <a:pPr>
+              <a:buFont typeface="Arial" panose="020B0604020202020204" pitchFamily="34" charset="0"/>
+              <a:buChar char="•"/>
+            </a:pPr>
+            <a:r>
+              <a:rPr lang="de-DE" sz="2000" dirty="0"/>
+              <a:t>Automatisierte Tests: Kontinuierliche Tests in </a:t>
+            </a:r>
+            <a:r>
+              <a:rPr lang="de-DE" sz="2000" dirty="0" err="1"/>
+              <a:t>Staging</a:t>
+            </a:r>
+            <a:r>
+              <a:rPr lang="de-DE" sz="2000" dirty="0"/>
+              <a:t>-Umgebungen, die die Produktion nachahmen.</a:t>
+            </a:r>
+          </a:p>
+          <a:p>
+            <a:pPr>
+              <a:buFont typeface="Arial" panose="020B0604020202020204" pitchFamily="34" charset="0"/>
+              <a:buChar char="•"/>
+            </a:pPr>
+            <a:r>
+              <a:rPr lang="de-DE" sz="2000" dirty="0"/>
+              <a:t>Bereitstellungspipelines: Erstellen Sie Bereitstellungspipelines mit mehreren Stufen, einschließlich </a:t>
+            </a:r>
+            <a:r>
+              <a:rPr lang="de-DE" sz="2000" dirty="0" err="1"/>
+              <a:t>Testing</a:t>
+            </a:r>
+            <a:r>
+              <a:rPr lang="de-DE" sz="2000" dirty="0"/>
+              <a:t>, </a:t>
+            </a:r>
+            <a:r>
+              <a:rPr lang="de-DE" sz="2000" dirty="0" err="1"/>
+              <a:t>Staging</a:t>
+            </a:r>
+            <a:r>
+              <a:rPr lang="de-DE" sz="2000" dirty="0"/>
+              <a:t> und Produktion.</a:t>
+            </a:r>
+          </a:p>
+          <a:p>
+            <a:pPr>
+              <a:buFont typeface="Arial" panose="020B0604020202020204" pitchFamily="34" charset="0"/>
+              <a:buChar char="•"/>
+            </a:pPr>
+            <a:r>
+              <a:rPr lang="de-DE" sz="2000" dirty="0"/>
+              <a:t>Blue-Green </a:t>
+            </a:r>
+            <a:r>
+              <a:rPr lang="de-DE" sz="2000" dirty="0" err="1"/>
+              <a:t>Deployments</a:t>
+            </a:r>
+            <a:r>
+              <a:rPr lang="de-DE" sz="2000" dirty="0"/>
+              <a:t>: Implementieren Sie Blue-Green </a:t>
+            </a:r>
+            <a:r>
+              <a:rPr lang="de-DE" sz="2000" dirty="0" err="1"/>
+              <a:t>Deployments</a:t>
+            </a:r>
+            <a:r>
+              <a:rPr lang="de-DE" sz="2000" dirty="0"/>
+              <a:t> zur Minimierung von Ausfallzeiten bei Releases.</a:t>
+            </a:r>
+          </a:p>
+          <a:p>
+            <a:pPr>
+              <a:buFont typeface="Arial" panose="020B0604020202020204" pitchFamily="34" charset="0"/>
+              <a:buChar char="•"/>
+            </a:pPr>
+            <a:r>
+              <a:rPr lang="de-DE" sz="2000" dirty="0"/>
+              <a:t>Rollbackstrategien: Definieren Sie Rollbackstrategien für den Fall, dass Probleme bei der Bereitstellung auftreten.</a:t>
+            </a:r>
+          </a:p>
+          <a:p>
+            <a:pPr>
+              <a:buFont typeface="Arial" panose="020B0604020202020204" pitchFamily="34" charset="0"/>
+              <a:buChar char="•"/>
+            </a:pPr>
+            <a:endParaRPr lang="de-DE" sz="2000" dirty="0"/>
+          </a:p>
+          <a:p>
+            <a:pPr marL="0" indent="0">
+              <a:buNone/>
+            </a:pPr>
+            <a:r>
+              <a:rPr lang="de-DE" sz="2000" b="1" dirty="0"/>
+              <a:t>Tools</a:t>
+            </a:r>
+          </a:p>
+          <a:p>
+            <a:pPr>
+              <a:buFont typeface="Arial" panose="020B0604020202020204" pitchFamily="34" charset="0"/>
+              <a:buChar char="•"/>
+            </a:pPr>
+            <a:r>
+              <a:rPr lang="de-DE" sz="2000" dirty="0"/>
+              <a:t>Docker, </a:t>
+            </a:r>
+            <a:r>
+              <a:rPr lang="de-DE" sz="2000" dirty="0" err="1"/>
+              <a:t>Kubernetes</a:t>
+            </a:r>
+            <a:r>
+              <a:rPr lang="de-DE" sz="2000" dirty="0"/>
+              <a:t>, Jenkins, Spinnaker, …</a:t>
+            </a:r>
+          </a:p>
+        </p:txBody>
+      </p:sp>
+    </p:spTree>
+    <p:extLst>
+      <p:ext uri="{BB962C8B-B14F-4D97-AF65-F5344CB8AC3E}">
+        <p14:creationId xmlns:p14="http://schemas.microsoft.com/office/powerpoint/2010/main" val="1565248319"/>
+      </p:ext>
+    </p:extLst>
+  </p:cSld>
+  <p:clrMapOvr>
+    <a:masterClrMapping/>
+  </p:clrMapOvr>
+</p:sld>
+</file>
+
+<file path=ppt/slides/slide12.xml><?xml version="1.0" encoding="utf-8"?>
+<p:sld xmlns:a="http://schemas.openxmlformats.org/drawingml/2006/main" xmlns:r="http://schemas.openxmlformats.org/officeDocument/2006/relationships" xmlns:p="http://schemas.openxmlformats.org/presentationml/2006/main">
+  <p:cSld>
+    <p:spTree>
+      <p:nvGrpSpPr>
+        <p:cNvPr id="1" name=""/>
+        <p:cNvGrpSpPr/>
+        <p:nvPr/>
+      </p:nvGrpSpPr>
+      <p:grpSpPr>
+        <a:xfrm>
+          <a:off x="0" y="0"/>
+          <a:ext cx="0" cy="0"/>
+          <a:chOff x="0" y="0"/>
+          <a:chExt cx="0" cy="0"/>
+        </a:xfrm>
+      </p:grpSpPr>
+      <p:sp>
+        <p:nvSpPr>
+          <p:cNvPr id="2" name="Titel 1">
+            <a:extLst>
+              <a:ext uri="{FF2B5EF4-FFF2-40B4-BE49-F238E27FC236}">
+                <a16:creationId xmlns:a16="http://schemas.microsoft.com/office/drawing/2014/main" id="{C1685EFD-0B12-A118-74A4-A33EE3E5069D}"/>
+              </a:ext>
+            </a:extLst>
+          </p:cNvPr>
+          <p:cNvSpPr>
+            <a:spLocks noGrp="1"/>
+          </p:cNvSpPr>
+          <p:nvPr>
+            <p:ph type="title"/>
+          </p:nvPr>
+        </p:nvSpPr>
+        <p:spPr/>
+        <p:txBody>
+          <a:bodyPr/>
+          <a:lstStyle/>
+          <a:p>
+            <a:r>
+              <a:rPr lang="de-DE" dirty="0"/>
+              <a:t>Key Takeaways</a:t>
+            </a:r>
+          </a:p>
+        </p:txBody>
+      </p:sp>
+      <p:sp>
+        <p:nvSpPr>
+          <p:cNvPr id="3" name="Inhaltsplatzhalter 2">
+            <a:extLst>
+              <a:ext uri="{FF2B5EF4-FFF2-40B4-BE49-F238E27FC236}">
+                <a16:creationId xmlns:a16="http://schemas.microsoft.com/office/drawing/2014/main" id="{B1AC08BC-C841-A94C-A976-502217A7D7C7}"/>
+              </a:ext>
+            </a:extLst>
+          </p:cNvPr>
+          <p:cNvSpPr>
+            <a:spLocks noGrp="1"/>
+          </p:cNvSpPr>
+          <p:nvPr>
+            <p:ph idx="1"/>
+          </p:nvPr>
+        </p:nvSpPr>
+        <p:spPr/>
+        <p:txBody>
+          <a:bodyPr/>
+          <a:lstStyle/>
+          <a:p>
+            <a:pPr marL="0" indent="0">
+              <a:buNone/>
+            </a:pPr>
+            <a:r>
+              <a:rPr lang="de-DE" sz="2000" b="1" dirty="0"/>
+              <a:t>Unterschiede CI und CD</a:t>
+            </a:r>
+          </a:p>
+          <a:p>
+            <a:pPr>
+              <a:buFont typeface="Arial" panose="020B0604020202020204" pitchFamily="34" charset="0"/>
+              <a:buChar char="•"/>
+            </a:pPr>
+            <a:r>
+              <a:rPr lang="de-DE" sz="2000" u="sng" dirty="0"/>
+              <a:t>CI konzentriert sich auf die Integration</a:t>
+            </a:r>
+            <a:r>
+              <a:rPr lang="de-DE" sz="2000" dirty="0"/>
+              <a:t>: </a:t>
+            </a:r>
+            <a:br>
+              <a:rPr lang="de-DE" sz="2000" dirty="0"/>
+            </a:br>
+            <a:r>
+              <a:rPr lang="de-DE" sz="2000" dirty="0"/>
+              <a:t>Hauptziel ist die Integration von Codeänderungen in ein gemeinsames Repository und die Sicherstellung, dass bestehende Funktionalitäten nicht beeinträchtigt werden.</a:t>
+            </a:r>
+          </a:p>
+          <a:p>
+            <a:pPr>
+              <a:buFont typeface="Arial" panose="020B0604020202020204" pitchFamily="34" charset="0"/>
+              <a:buChar char="•"/>
+            </a:pPr>
+            <a:endParaRPr lang="de-DE" sz="2000" dirty="0"/>
+          </a:p>
+          <a:p>
+            <a:pPr>
+              <a:buFont typeface="Arial" panose="020B0604020202020204" pitchFamily="34" charset="0"/>
+              <a:buChar char="•"/>
+            </a:pPr>
+            <a:r>
+              <a:rPr lang="de-DE" sz="2000" u="sng" dirty="0"/>
+              <a:t>CD konzentriert sich auf Lieferung und Bereitstellung</a:t>
+            </a:r>
+            <a:r>
+              <a:rPr lang="de-DE" sz="2000" dirty="0"/>
+              <a:t>: </a:t>
+            </a:r>
+            <a:br>
+              <a:rPr lang="de-DE" sz="2000" dirty="0"/>
+            </a:br>
+            <a:r>
+              <a:rPr lang="de-DE" sz="2000" dirty="0"/>
+              <a:t>Erweiterung von CI durch Automatisierung des </a:t>
+            </a:r>
+            <a:r>
+              <a:rPr lang="de-DE" sz="2000" dirty="0" err="1"/>
+              <a:t>Builds</a:t>
+            </a:r>
+            <a:r>
+              <a:rPr lang="de-DE" sz="2000" dirty="0"/>
+              <a:t>, Testens und Bereitstellens von Anwendungen in verschiedene Umgebungen, letztlich bis hin zur Produktion.</a:t>
+            </a:r>
+          </a:p>
+        </p:txBody>
+      </p:sp>
+    </p:spTree>
+    <p:extLst>
+      <p:ext uri="{BB962C8B-B14F-4D97-AF65-F5344CB8AC3E}">
+        <p14:creationId xmlns:p14="http://schemas.microsoft.com/office/powerpoint/2010/main" val="3909652257"/>
+      </p:ext>
+    </p:extLst>
+  </p:cSld>
+  <p:clrMapOvr>
+    <a:masterClrMapping/>
+  </p:clrMapOvr>
+</p:sld>
+</file>
+
+<file path=ppt/slides/slide13.xml><?xml version="1.0" encoding="utf-8"?>
+<p:sld xmlns:a="http://schemas.openxmlformats.org/drawingml/2006/main" xmlns:r="http://schemas.openxmlformats.org/officeDocument/2006/relationships" xmlns:p="http://schemas.openxmlformats.org/presentationml/2006/main">
+  <p:cSld>
+    <p:spTree>
+      <p:nvGrpSpPr>
+        <p:cNvPr id="1" name=""/>
+        <p:cNvGrpSpPr/>
+        <p:nvPr/>
+      </p:nvGrpSpPr>
+      <p:grpSpPr>
+        <a:xfrm>
+          <a:off x="0" y="0"/>
+          <a:ext cx="0" cy="0"/>
+          <a:chOff x="0" y="0"/>
+          <a:chExt cx="0" cy="0"/>
+        </a:xfrm>
+      </p:grpSpPr>
+      <p:sp>
+        <p:nvSpPr>
+          <p:cNvPr id="2" name="Titel 1">
+            <a:extLst>
+              <a:ext uri="{FF2B5EF4-FFF2-40B4-BE49-F238E27FC236}">
+                <a16:creationId xmlns:a16="http://schemas.microsoft.com/office/drawing/2014/main" id="{F8E33785-A583-1AB5-4924-1FA7C922DDA3}"/>
+              </a:ext>
+            </a:extLst>
+          </p:cNvPr>
+          <p:cNvSpPr>
+            <a:spLocks noGrp="1"/>
+          </p:cNvSpPr>
+          <p:nvPr>
+            <p:ph type="title"/>
+          </p:nvPr>
+        </p:nvSpPr>
+        <p:spPr/>
+        <p:txBody>
+          <a:bodyPr/>
+          <a:lstStyle/>
+          <a:p>
+            <a:endParaRPr lang="de-DE"/>
+          </a:p>
+        </p:txBody>
+      </p:sp>
+      <p:sp>
+        <p:nvSpPr>
+          <p:cNvPr id="3" name="Inhaltsplatzhalter 2">
+            <a:extLst>
+              <a:ext uri="{FF2B5EF4-FFF2-40B4-BE49-F238E27FC236}">
+                <a16:creationId xmlns:a16="http://schemas.microsoft.com/office/drawing/2014/main" id="{A8116C02-BC29-C8CF-F6B5-C57F8F0090F3}"/>
+              </a:ext>
+            </a:extLst>
+          </p:cNvPr>
+          <p:cNvSpPr>
+            <a:spLocks noGrp="1"/>
+          </p:cNvSpPr>
+          <p:nvPr>
+            <p:ph idx="1"/>
+          </p:nvPr>
+        </p:nvSpPr>
+        <p:spPr/>
+        <p:txBody>
+          <a:bodyPr/>
+          <a:lstStyle/>
+          <a:p>
+            <a:endParaRPr lang="de-DE"/>
+          </a:p>
+        </p:txBody>
+      </p:sp>
+    </p:spTree>
+    <p:extLst>
+      <p:ext uri="{BB962C8B-B14F-4D97-AF65-F5344CB8AC3E}">
+        <p14:creationId xmlns:p14="http://schemas.microsoft.com/office/powerpoint/2010/main" val="3159604936"/>
+      </p:ext>
+    </p:extLst>
+  </p:cSld>
+  <p:clrMapOvr>
+    <a:masterClrMapping/>
+  </p:clrMapOvr>
+</p:sld>
+</file>
+
+<file path=ppt/slides/slide14.xml><?xml version="1.0" encoding="utf-8"?>
+<p:sld xmlns:a="http://schemas.openxmlformats.org/drawingml/2006/main" xmlns:r="http://schemas.openxmlformats.org/officeDocument/2006/relationships" xmlns:p="http://schemas.openxmlformats.org/presentationml/2006/main">
+  <p:cSld>
+    <p:spTree>
+      <p:nvGrpSpPr>
+        <p:cNvPr id="1" name=""/>
+        <p:cNvGrpSpPr/>
+        <p:nvPr/>
+      </p:nvGrpSpPr>
+      <p:grpSpPr>
+        <a:xfrm>
+          <a:off x="0" y="0"/>
+          <a:ext cx="0" cy="0"/>
+          <a:chOff x="0" y="0"/>
+          <a:chExt cx="0" cy="0"/>
+        </a:xfrm>
+      </p:grpSpPr>
+      <p:sp>
+        <p:nvSpPr>
+          <p:cNvPr id="2" name="Titel 1">
+            <a:extLst>
+              <a:ext uri="{FF2B5EF4-FFF2-40B4-BE49-F238E27FC236}">
+                <a16:creationId xmlns:a16="http://schemas.microsoft.com/office/drawing/2014/main" id="{0A6ADA43-34C1-347C-FD8E-BF87A5A77FC5}"/>
+              </a:ext>
+            </a:extLst>
+          </p:cNvPr>
+          <p:cNvSpPr>
+            <a:spLocks noGrp="1"/>
+          </p:cNvSpPr>
+          <p:nvPr>
+            <p:ph type="title"/>
+          </p:nvPr>
+        </p:nvSpPr>
+        <p:spPr/>
+        <p:txBody>
+          <a:bodyPr/>
+          <a:lstStyle/>
+          <a:p>
+            <a:r>
+              <a:rPr lang="de-DE" cap="none" dirty="0"/>
+              <a:t>Abschlussübung &amp; Diskussion</a:t>
+            </a:r>
+            <a:endParaRPr lang="de-DE" dirty="0"/>
+          </a:p>
+        </p:txBody>
+      </p:sp>
+      <p:sp>
+        <p:nvSpPr>
+          <p:cNvPr id="3" name="Inhaltsplatzhalter 2">
+            <a:extLst>
+              <a:ext uri="{FF2B5EF4-FFF2-40B4-BE49-F238E27FC236}">
+                <a16:creationId xmlns:a16="http://schemas.microsoft.com/office/drawing/2014/main" id="{4D911ADB-7C0F-98E1-85DA-1C884339CE08}"/>
+              </a:ext>
+            </a:extLst>
+          </p:cNvPr>
+          <p:cNvSpPr>
+            <a:spLocks noGrp="1"/>
+          </p:cNvSpPr>
+          <p:nvPr>
+            <p:ph idx="1"/>
+          </p:nvPr>
+        </p:nvSpPr>
+        <p:spPr/>
+        <p:txBody>
+          <a:bodyPr/>
+          <a:lstStyle/>
+          <a:p>
+            <a:pPr marL="0" indent="0">
+              <a:buNone/>
+            </a:pPr>
+            <a:r>
+              <a:rPr lang="de-DE" b="1" dirty="0"/>
+              <a:t>Aufgabe: Pipeline mit vier Stages</a:t>
+            </a:r>
+          </a:p>
+          <a:p>
+            <a:pPr marL="457200" indent="-457200">
+              <a:buFont typeface="+mj-lt"/>
+              <a:buAutoNum type="arabicPeriod"/>
+            </a:pPr>
+            <a:r>
+              <a:rPr lang="de-DE" b="1" dirty="0"/>
+              <a:t>Ziel: </a:t>
+            </a:r>
+            <a:r>
+              <a:rPr lang="de-DE" dirty="0"/>
+              <a:t>Tiefgehendes CI/CD Verständnis</a:t>
+            </a:r>
+          </a:p>
+          <a:p>
+            <a:pPr marL="457200" indent="-457200">
+              <a:buFont typeface="+mj-lt"/>
+              <a:buAutoNum type="arabicPeriod"/>
+            </a:pPr>
+            <a:r>
+              <a:rPr lang="de-DE" b="1" dirty="0"/>
+              <a:t>Schritte:</a:t>
+            </a:r>
+          </a:p>
+          <a:p>
+            <a:pPr marL="857250" lvl="1" indent="-457200">
+              <a:buFont typeface="Arial" panose="020B0604020202020204" pitchFamily="34" charset="0"/>
+              <a:buChar char="•"/>
+            </a:pPr>
+            <a:r>
+              <a:rPr lang="de-DE" dirty="0" err="1"/>
+              <a:t>Build</a:t>
+            </a:r>
+            <a:r>
+              <a:rPr lang="de-DE" dirty="0"/>
+              <a:t> wird in die Container Registry </a:t>
+            </a:r>
+            <a:r>
+              <a:rPr lang="de-DE" dirty="0" err="1"/>
+              <a:t>gepushed</a:t>
+            </a:r>
+            <a:endParaRPr lang="de-DE" dirty="0"/>
+          </a:p>
+          <a:p>
+            <a:pPr marL="857250" lvl="1" indent="-457200">
+              <a:buFont typeface="Arial" panose="020B0604020202020204" pitchFamily="34" charset="0"/>
+              <a:buChar char="•"/>
+            </a:pPr>
+            <a:r>
+              <a:rPr lang="de-DE" dirty="0"/>
+              <a:t>Von den nachfolgenden Stages (bei Bedarf) </a:t>
+            </a:r>
+            <a:r>
+              <a:rPr lang="de-DE" dirty="0" err="1"/>
+              <a:t>gepulled</a:t>
+            </a:r>
+            <a:endParaRPr lang="de-DE" dirty="0"/>
+          </a:p>
+          <a:p>
+            <a:pPr marL="857250" lvl="1" indent="-457200">
+              <a:buFont typeface="Arial" panose="020B0604020202020204" pitchFamily="34" charset="0"/>
+              <a:buChar char="•"/>
+            </a:pPr>
+            <a:r>
+              <a:rPr lang="de-DE" dirty="0"/>
+              <a:t>Zwei </a:t>
+            </a:r>
+            <a:r>
+              <a:rPr lang="de-DE" dirty="0" err="1"/>
+              <a:t>paralell</a:t>
+            </a:r>
+            <a:r>
+              <a:rPr lang="de-DE" dirty="0"/>
+              <a:t> laufende Tests</a:t>
+            </a:r>
+          </a:p>
+          <a:p>
+            <a:pPr marL="857250" lvl="1" indent="-457200">
+              <a:buFont typeface="Arial" panose="020B0604020202020204" pitchFamily="34" charset="0"/>
+              <a:buChar char="•"/>
+            </a:pPr>
+            <a:r>
+              <a:rPr lang="de-DE" dirty="0"/>
+              <a:t>Änderungen am </a:t>
+            </a:r>
+            <a:r>
+              <a:rPr lang="de-DE" dirty="0" err="1"/>
+              <a:t>main</a:t>
+            </a:r>
+            <a:r>
+              <a:rPr lang="de-DE" dirty="0"/>
+              <a:t> werden als </a:t>
+            </a:r>
+            <a:r>
+              <a:rPr lang="de-DE" dirty="0" err="1">
+                <a:latin typeface="Consolas" panose="020B0609020204030204" pitchFamily="49" charset="0"/>
+              </a:rPr>
+              <a:t>latest</a:t>
+            </a:r>
+            <a:r>
+              <a:rPr lang="de-DE" dirty="0"/>
+              <a:t> </a:t>
+            </a:r>
+            <a:r>
+              <a:rPr lang="de-DE" dirty="0" err="1"/>
+              <a:t>getagged</a:t>
+            </a:r>
+            <a:endParaRPr lang="de-DE" dirty="0"/>
+          </a:p>
+          <a:p>
+            <a:pPr marL="857250" lvl="1" indent="-457200">
+              <a:buFont typeface="Arial" panose="020B0604020202020204" pitchFamily="34" charset="0"/>
+              <a:buChar char="•"/>
+            </a:pPr>
+            <a:r>
+              <a:rPr lang="de-DE" dirty="0" err="1"/>
+              <a:t>Deployment</a:t>
+            </a:r>
+            <a:r>
+              <a:rPr lang="de-DE" dirty="0"/>
+              <a:t> über anwendungs-spezifisches Deploy-Skript</a:t>
+            </a:r>
+          </a:p>
+          <a:p>
+            <a:pPr marL="857250" lvl="1" indent="-457200">
+              <a:buFont typeface="Arial" panose="020B0604020202020204" pitchFamily="34" charset="0"/>
+              <a:buChar char="•"/>
+            </a:pPr>
+            <a:endParaRPr lang="de-DE" dirty="0"/>
+          </a:p>
+          <a:p>
+            <a:pPr marL="857250" lvl="1" indent="-457200">
+              <a:buFont typeface="Arial" panose="020B0604020202020204" pitchFamily="34" charset="0"/>
+              <a:buChar char="•"/>
+            </a:pPr>
+            <a:endParaRPr lang="de-DE" dirty="0"/>
+          </a:p>
+          <a:p>
+            <a:pPr marL="857250" lvl="1" indent="-457200">
+              <a:buFont typeface="Arial" panose="020B0604020202020204" pitchFamily="34" charset="0"/>
+              <a:buChar char="•"/>
+            </a:pPr>
+            <a:endParaRPr lang="de-DE" dirty="0"/>
+          </a:p>
+        </p:txBody>
+      </p:sp>
+    </p:spTree>
+    <p:extLst>
+      <p:ext uri="{BB962C8B-B14F-4D97-AF65-F5344CB8AC3E}">
+        <p14:creationId xmlns:p14="http://schemas.microsoft.com/office/powerpoint/2010/main" val="1582550262"/>
+      </p:ext>
+    </p:extLst>
+  </p:cSld>
+  <p:clrMapOvr>
+    <a:masterClrMapping/>
+  </p:clrMapOvr>
+</p:sld>
+</file>
+
+<file path=ppt/slides/slide15.xml><?xml version="1.0" encoding="utf-8"?>
 <p:sld xmlns:a="http://schemas.openxmlformats.org/drawingml/2006/main" xmlns:r="http://schemas.openxmlformats.org/officeDocument/2006/relationships" xmlns:p="http://schemas.openxmlformats.org/presentationml/2006/main">
   <p:cSld>
     <p:spTree>
@@ -4679,490 +5548,138 @@
               <a:buNone/>
             </a:pPr>
             <a:r>
-              <a:rPr lang="de-DE" sz="2000" b="1" dirty="0">
-                <a:latin typeface="Consolas" panose="020B0609020204030204" pitchFamily="49" charset="0"/>
-              </a:rPr>
-              <a:t>.</a:t>
-            </a:r>
-            <a:r>
-              <a:rPr lang="de-DE" sz="2000" b="1" dirty="0" err="1">
-                <a:latin typeface="Consolas" panose="020B0609020204030204" pitchFamily="49" charset="0"/>
-              </a:rPr>
-              <a:t>gitlab-ci.yml</a:t>
-            </a:r>
-            <a:r>
-              <a:rPr lang="de-DE" sz="2000" b="1" dirty="0">
-                <a:latin typeface="Consolas" panose="020B0609020204030204" pitchFamily="49" charset="0"/>
-              </a:rPr>
-              <a:t> (4/4)</a:t>
-            </a:r>
-          </a:p>
-          <a:p>
-            <a:pPr marL="0" indent="0">
-              <a:buNone/>
-            </a:pPr>
-            <a:r>
-              <a:rPr lang="de-DE" sz="1400" dirty="0">
-                <a:latin typeface="Consolas" panose="020B0609020204030204" pitchFamily="49" charset="0"/>
-              </a:rPr>
-              <a:t>release-image:</a:t>
-            </a:r>
-          </a:p>
-          <a:p>
-            <a:pPr marL="0" indent="0">
-              <a:buNone/>
-            </a:pPr>
-            <a:r>
-              <a:rPr lang="de-DE" sz="1400" dirty="0">
-                <a:latin typeface="Consolas" panose="020B0609020204030204" pitchFamily="49" charset="0"/>
-              </a:rPr>
-              <a:t>  </a:t>
-            </a:r>
-            <a:r>
-              <a:rPr lang="de-DE" sz="1400" dirty="0" err="1">
-                <a:latin typeface="Consolas" panose="020B0609020204030204" pitchFamily="49" charset="0"/>
-              </a:rPr>
-              <a:t>stage</a:t>
-            </a:r>
-            <a:r>
-              <a:rPr lang="de-DE" sz="1400" dirty="0">
-                <a:latin typeface="Consolas" panose="020B0609020204030204" pitchFamily="49" charset="0"/>
-              </a:rPr>
-              <a:t>: release</a:t>
-            </a:r>
-          </a:p>
-          <a:p>
-            <a:pPr marL="0" indent="0">
-              <a:buNone/>
-            </a:pPr>
-            <a:r>
-              <a:rPr lang="de-DE" sz="1400" dirty="0">
-                <a:latin typeface="Consolas" panose="020B0609020204030204" pitchFamily="49" charset="0"/>
-              </a:rPr>
-              <a:t>  </a:t>
-            </a:r>
-            <a:r>
-              <a:rPr lang="de-DE" sz="1400" dirty="0" err="1">
-                <a:latin typeface="Consolas" panose="020B0609020204030204" pitchFamily="49" charset="0"/>
-              </a:rPr>
-              <a:t>script</a:t>
-            </a:r>
-            <a:r>
-              <a:rPr lang="de-DE" sz="1400" dirty="0">
-                <a:latin typeface="Consolas" panose="020B0609020204030204" pitchFamily="49" charset="0"/>
-              </a:rPr>
-              <a:t>:</a:t>
-            </a:r>
-          </a:p>
-          <a:p>
-            <a:pPr marL="0" indent="0">
-              <a:buNone/>
-            </a:pPr>
-            <a:r>
-              <a:rPr lang="de-DE" sz="1400" dirty="0">
-                <a:latin typeface="Consolas" panose="020B0609020204030204" pitchFamily="49" charset="0"/>
-              </a:rPr>
-              <a:t>    - </a:t>
-            </a:r>
-            <a:r>
-              <a:rPr lang="de-DE" sz="1400" dirty="0" err="1">
-                <a:latin typeface="Consolas" panose="020B0609020204030204" pitchFamily="49" charset="0"/>
-              </a:rPr>
-              <a:t>docker</a:t>
-            </a:r>
-            <a:r>
-              <a:rPr lang="de-DE" sz="1400" dirty="0">
-                <a:latin typeface="Consolas" panose="020B0609020204030204" pitchFamily="49" charset="0"/>
-              </a:rPr>
-              <a:t> pull $CONTAINER_TEST_IMAGE </a:t>
-            </a:r>
-            <a:r>
-              <a:rPr lang="de-DE" sz="1400" dirty="0">
-                <a:solidFill>
-                  <a:srgbClr val="008C5A"/>
-                </a:solidFill>
-                <a:latin typeface="Consolas" panose="020B0609020204030204" pitchFamily="49" charset="0"/>
-              </a:rPr>
-              <a:t># 2. Von den nachfolgenden Stages (bei Bedarf) </a:t>
-            </a:r>
-            <a:r>
-              <a:rPr lang="de-DE" sz="1400" dirty="0" err="1">
-                <a:solidFill>
-                  <a:srgbClr val="008C5A"/>
-                </a:solidFill>
-                <a:latin typeface="Consolas" panose="020B0609020204030204" pitchFamily="49" charset="0"/>
-              </a:rPr>
+              <a:rPr lang="de-DE" b="1" dirty="0"/>
+              <a:t>Pipeline mit vier Stages (… auf vier Slides </a:t>
+            </a:r>
+            <a:r>
+              <a:rPr lang="de-DE" b="1" dirty="0">
+                <a:sym typeface="Wingdings" panose="05000000000000000000" pitchFamily="2" charset="2"/>
+              </a:rPr>
+              <a:t>)</a:t>
+            </a:r>
+            <a:endParaRPr lang="de-DE" b="1" dirty="0"/>
+          </a:p>
+          <a:p>
+            <a:pPr marL="457200" indent="-457200">
+              <a:buFont typeface="+mj-lt"/>
+              <a:buAutoNum type="arabicPeriod"/>
+            </a:pPr>
+            <a:r>
+              <a:rPr lang="de-DE" dirty="0" err="1"/>
+              <a:t>Build</a:t>
+            </a:r>
+            <a:r>
+              <a:rPr lang="de-DE" dirty="0"/>
+              <a:t> wird in die Container Registry </a:t>
+            </a:r>
+            <a:r>
+              <a:rPr lang="de-DE" dirty="0" err="1"/>
+              <a:t>gepushed</a:t>
+            </a:r>
+            <a:endParaRPr lang="de-DE" dirty="0"/>
+          </a:p>
+          <a:p>
+            <a:pPr marL="457200" indent="-457200">
+              <a:buFont typeface="+mj-lt"/>
+              <a:buAutoNum type="arabicPeriod"/>
+            </a:pPr>
+            <a:r>
+              <a:rPr lang="de-DE" dirty="0"/>
+              <a:t>Von den nachfolgenden Stages (bei Bedarf) </a:t>
+            </a:r>
+            <a:r>
+              <a:rPr lang="de-DE" dirty="0" err="1"/>
               <a:t>gepulled</a:t>
             </a:r>
-            <a:endParaRPr lang="de-DE" sz="1400" dirty="0">
-              <a:solidFill>
-                <a:srgbClr val="008C5A"/>
-              </a:solidFill>
-              <a:latin typeface="Consolas" panose="020B0609020204030204" pitchFamily="49" charset="0"/>
-            </a:endParaRPr>
-          </a:p>
-          <a:p>
-            <a:pPr marL="0" indent="0">
-              <a:buNone/>
-            </a:pPr>
-            <a:r>
-              <a:rPr lang="de-DE" sz="1400" dirty="0">
-                <a:latin typeface="Consolas" panose="020B0609020204030204" pitchFamily="49" charset="0"/>
-              </a:rPr>
-              <a:t>    - </a:t>
-            </a:r>
-            <a:r>
-              <a:rPr lang="de-DE" sz="1400" dirty="0" err="1">
-                <a:latin typeface="Consolas" panose="020B0609020204030204" pitchFamily="49" charset="0"/>
-              </a:rPr>
-              <a:t>docker</a:t>
-            </a:r>
-            <a:r>
-              <a:rPr lang="de-DE" sz="1400" dirty="0">
-                <a:latin typeface="Consolas" panose="020B0609020204030204" pitchFamily="49" charset="0"/>
-              </a:rPr>
-              <a:t> tag $CONTAINER_TEST_IMAGE $CONTAINER_RELEASE_IMAGE </a:t>
-            </a:r>
-            <a:r>
-              <a:rPr lang="de-DE" sz="1400" dirty="0">
-                <a:solidFill>
-                  <a:srgbClr val="008C5A"/>
-                </a:solidFill>
-                <a:latin typeface="Consolas" panose="020B0609020204030204" pitchFamily="49" charset="0"/>
-              </a:rPr>
-              <a:t># 4. Änderungen am </a:t>
-            </a:r>
-            <a:r>
-              <a:rPr lang="de-DE" sz="1400" dirty="0" err="1">
-                <a:solidFill>
-                  <a:srgbClr val="008C5A"/>
-                </a:solidFill>
+            <a:endParaRPr lang="de-DE" dirty="0"/>
+          </a:p>
+          <a:p>
+            <a:pPr marL="457200" indent="-457200">
+              <a:buFont typeface="+mj-lt"/>
+              <a:buAutoNum type="arabicPeriod"/>
+            </a:pPr>
+            <a:r>
+              <a:rPr lang="de-DE" dirty="0"/>
+              <a:t>Zwei </a:t>
+            </a:r>
+            <a:r>
+              <a:rPr lang="de-DE" dirty="0" err="1"/>
+              <a:t>paralell</a:t>
+            </a:r>
+            <a:r>
+              <a:rPr lang="de-DE" dirty="0"/>
+              <a:t> laufende Tests</a:t>
+            </a:r>
+          </a:p>
+          <a:p>
+            <a:pPr marL="457200" indent="-457200">
+              <a:buFont typeface="+mj-lt"/>
+              <a:buAutoNum type="arabicPeriod"/>
+            </a:pPr>
+            <a:r>
+              <a:rPr lang="de-DE" dirty="0"/>
+              <a:t>Änderungen am </a:t>
+            </a:r>
+            <a:r>
+              <a:rPr lang="de-DE" dirty="0" err="1">
                 <a:latin typeface="Consolas" panose="020B0609020204030204" pitchFamily="49" charset="0"/>
               </a:rPr>
               <a:t>main</a:t>
             </a:r>
             <a:r>
-              <a:rPr lang="de-DE" sz="1400" dirty="0">
-                <a:solidFill>
-                  <a:srgbClr val="008C5A"/>
-                </a:solidFill>
-                <a:latin typeface="Consolas" panose="020B0609020204030204" pitchFamily="49" charset="0"/>
-              </a:rPr>
+              <a:rPr lang="de-DE" dirty="0"/>
               <a:t> werden als </a:t>
             </a:r>
             <a:r>
-              <a:rPr lang="de-DE" sz="1400" dirty="0" err="1">
-                <a:solidFill>
-                  <a:srgbClr val="008C5A"/>
-                </a:solidFill>
+              <a:rPr lang="de-DE" dirty="0" err="1">
                 <a:latin typeface="Consolas" panose="020B0609020204030204" pitchFamily="49" charset="0"/>
               </a:rPr>
               <a:t>latest</a:t>
             </a:r>
             <a:r>
-              <a:rPr lang="de-DE" sz="1400" dirty="0">
-                <a:solidFill>
-                  <a:srgbClr val="008C5A"/>
-                </a:solidFill>
-                <a:latin typeface="Consolas" panose="020B0609020204030204" pitchFamily="49" charset="0"/>
-              </a:rPr>
+              <a:rPr lang="de-DE" dirty="0"/>
               <a:t> </a:t>
             </a:r>
             <a:r>
-              <a:rPr lang="de-DE" sz="1400" dirty="0" err="1">
-                <a:solidFill>
-                  <a:srgbClr val="008C5A"/>
-                </a:solidFill>
-                <a:latin typeface="Consolas" panose="020B0609020204030204" pitchFamily="49" charset="0"/>
-              </a:rPr>
+              <a:rPr lang="de-DE" dirty="0" err="1"/>
               <a:t>getagged</a:t>
             </a:r>
-            <a:endParaRPr lang="de-DE" sz="1400" dirty="0">
-              <a:solidFill>
-                <a:srgbClr val="008C5A"/>
-              </a:solidFill>
-              <a:latin typeface="Consolas" panose="020B0609020204030204" pitchFamily="49" charset="0"/>
-            </a:endParaRPr>
-          </a:p>
-          <a:p>
-            <a:pPr marL="0" indent="0">
-              <a:buNone/>
-            </a:pPr>
-            <a:r>
-              <a:rPr lang="de-DE" sz="1400" dirty="0">
-                <a:latin typeface="Consolas" panose="020B0609020204030204" pitchFamily="49" charset="0"/>
-              </a:rPr>
-              <a:t>    - </a:t>
-            </a:r>
-            <a:r>
-              <a:rPr lang="de-DE" sz="1400" dirty="0" err="1">
-                <a:latin typeface="Consolas" panose="020B0609020204030204" pitchFamily="49" charset="0"/>
-              </a:rPr>
-              <a:t>docker</a:t>
-            </a:r>
-            <a:r>
-              <a:rPr lang="de-DE" sz="1400" dirty="0">
-                <a:latin typeface="Consolas" panose="020B0609020204030204" pitchFamily="49" charset="0"/>
-              </a:rPr>
-              <a:t> push $CONTAINER_RELEASE_IMAGE</a:t>
-            </a:r>
-          </a:p>
-          <a:p>
-            <a:pPr marL="0" indent="0">
-              <a:buNone/>
-            </a:pPr>
-            <a:r>
-              <a:rPr lang="de-DE" sz="1400" dirty="0">
-                <a:latin typeface="Consolas" panose="020B0609020204030204" pitchFamily="49" charset="0"/>
-              </a:rPr>
-              <a:t>  </a:t>
-            </a:r>
-            <a:r>
-              <a:rPr lang="de-DE" sz="1400" dirty="0" err="1">
-                <a:latin typeface="Consolas" panose="020B0609020204030204" pitchFamily="49" charset="0"/>
-              </a:rPr>
-              <a:t>only</a:t>
-            </a:r>
-            <a:r>
-              <a:rPr lang="de-DE" sz="1400" dirty="0">
-                <a:latin typeface="Consolas" panose="020B0609020204030204" pitchFamily="49" charset="0"/>
-              </a:rPr>
-              <a:t>:</a:t>
-            </a:r>
-          </a:p>
-          <a:p>
-            <a:pPr marL="0" indent="0">
-              <a:buNone/>
-            </a:pPr>
-            <a:r>
-              <a:rPr lang="de-DE" sz="1400" dirty="0">
-                <a:latin typeface="Consolas" panose="020B0609020204030204" pitchFamily="49" charset="0"/>
-              </a:rPr>
-              <a:t>    - </a:t>
-            </a:r>
-            <a:r>
-              <a:rPr lang="de-DE" sz="1400" dirty="0" err="1">
-                <a:latin typeface="Consolas" panose="020B0609020204030204" pitchFamily="49" charset="0"/>
-              </a:rPr>
-              <a:t>main</a:t>
-            </a:r>
-            <a:endParaRPr lang="de-DE" sz="1400" dirty="0">
-              <a:latin typeface="Consolas" panose="020B0609020204030204" pitchFamily="49" charset="0"/>
-            </a:endParaRPr>
-          </a:p>
-          <a:p>
-            <a:pPr marL="0" indent="0">
-              <a:buNone/>
-            </a:pPr>
-            <a:endParaRPr lang="de-DE" sz="1400" dirty="0">
-              <a:latin typeface="Consolas" panose="020B0609020204030204" pitchFamily="49" charset="0"/>
-            </a:endParaRPr>
-          </a:p>
-          <a:p>
-            <a:pPr marL="0" indent="0">
-              <a:buNone/>
-            </a:pPr>
-            <a:r>
-              <a:rPr lang="de-DE" sz="1400" dirty="0">
-                <a:solidFill>
-                  <a:srgbClr val="008C5A"/>
-                </a:solidFill>
-                <a:latin typeface="Consolas" panose="020B0609020204030204" pitchFamily="49" charset="0"/>
-              </a:rPr>
-              <a:t># 5. </a:t>
-            </a:r>
-            <a:r>
-              <a:rPr lang="de-DE" sz="1400" dirty="0" err="1">
-                <a:solidFill>
-                  <a:srgbClr val="008C5A"/>
-                </a:solidFill>
-                <a:latin typeface="Consolas" panose="020B0609020204030204" pitchFamily="49" charset="0"/>
-              </a:rPr>
+            <a:endParaRPr lang="de-DE" dirty="0"/>
+          </a:p>
+          <a:p>
+            <a:pPr marL="457200" indent="-457200">
+              <a:buFont typeface="+mj-lt"/>
+              <a:buAutoNum type="arabicPeriod"/>
+            </a:pPr>
+            <a:r>
+              <a:rPr lang="de-DE" dirty="0" err="1"/>
               <a:t>Deployment</a:t>
             </a:r>
             <a:r>
-              <a:rPr lang="de-DE" sz="1400" dirty="0">
-                <a:solidFill>
-                  <a:srgbClr val="008C5A"/>
-                </a:solidFill>
-                <a:latin typeface="Consolas" panose="020B0609020204030204" pitchFamily="49" charset="0"/>
-              </a:rPr>
+              <a:rPr lang="de-DE" dirty="0"/>
               <a:t> über anwendungs-spezifisches Deploy-Skript</a:t>
             </a:r>
           </a:p>
           <a:p>
-            <a:pPr marL="0" indent="0">
-              <a:buNone/>
-            </a:pPr>
-            <a:r>
-              <a:rPr lang="de-DE" sz="1400" dirty="0">
-                <a:latin typeface="Consolas" panose="020B0609020204030204" pitchFamily="49" charset="0"/>
-              </a:rPr>
-              <a:t>deploy:</a:t>
-            </a:r>
-          </a:p>
-          <a:p>
-            <a:pPr marL="0" indent="0">
-              <a:buNone/>
-            </a:pPr>
-            <a:r>
-              <a:rPr lang="de-DE" sz="1400" dirty="0">
-                <a:latin typeface="Consolas" panose="020B0609020204030204" pitchFamily="49" charset="0"/>
-              </a:rPr>
-              <a:t>  </a:t>
-            </a:r>
-            <a:r>
-              <a:rPr lang="de-DE" sz="1400" dirty="0" err="1">
-                <a:latin typeface="Consolas" panose="020B0609020204030204" pitchFamily="49" charset="0"/>
-              </a:rPr>
-              <a:t>stage</a:t>
-            </a:r>
-            <a:r>
-              <a:rPr lang="de-DE" sz="1400" dirty="0">
-                <a:latin typeface="Consolas" panose="020B0609020204030204" pitchFamily="49" charset="0"/>
-              </a:rPr>
-              <a:t>: deploy</a:t>
-            </a:r>
-          </a:p>
-          <a:p>
-            <a:pPr marL="0" indent="0">
-              <a:buNone/>
-            </a:pPr>
-            <a:r>
-              <a:rPr lang="de-DE" sz="1400" dirty="0">
-                <a:latin typeface="Consolas" panose="020B0609020204030204" pitchFamily="49" charset="0"/>
-              </a:rPr>
-              <a:t>  </a:t>
-            </a:r>
-            <a:r>
-              <a:rPr lang="de-DE" sz="1400" dirty="0" err="1">
-                <a:latin typeface="Consolas" panose="020B0609020204030204" pitchFamily="49" charset="0"/>
-              </a:rPr>
-              <a:t>script</a:t>
-            </a:r>
-            <a:r>
-              <a:rPr lang="de-DE" sz="1400" dirty="0">
-                <a:latin typeface="Consolas" panose="020B0609020204030204" pitchFamily="49" charset="0"/>
-              </a:rPr>
-              <a:t>:</a:t>
-            </a:r>
-          </a:p>
-          <a:p>
-            <a:pPr marL="0" indent="0">
-              <a:buNone/>
-            </a:pPr>
-            <a:r>
-              <a:rPr lang="de-DE" sz="1400" dirty="0">
-                <a:latin typeface="Consolas" panose="020B0609020204030204" pitchFamily="49" charset="0"/>
-              </a:rPr>
-              <a:t>    - ./deploy.sh</a:t>
-            </a:r>
-          </a:p>
-          <a:p>
-            <a:pPr marL="0" indent="0">
-              <a:buNone/>
-            </a:pPr>
-            <a:r>
-              <a:rPr lang="de-DE" sz="1400" dirty="0">
-                <a:latin typeface="Consolas" panose="020B0609020204030204" pitchFamily="49" charset="0"/>
-              </a:rPr>
-              <a:t>  </a:t>
-            </a:r>
-            <a:r>
-              <a:rPr lang="de-DE" sz="1400" dirty="0" err="1">
-                <a:latin typeface="Consolas" panose="020B0609020204030204" pitchFamily="49" charset="0"/>
-              </a:rPr>
-              <a:t>only</a:t>
-            </a:r>
-            <a:r>
-              <a:rPr lang="de-DE" sz="1400" dirty="0">
-                <a:latin typeface="Consolas" panose="020B0609020204030204" pitchFamily="49" charset="0"/>
-              </a:rPr>
-              <a:t>:</a:t>
-            </a:r>
-          </a:p>
-          <a:p>
-            <a:pPr marL="0" indent="0">
-              <a:buNone/>
-            </a:pPr>
-            <a:r>
-              <a:rPr lang="de-DE" sz="1400" dirty="0">
-                <a:latin typeface="Consolas" panose="020B0609020204030204" pitchFamily="49" charset="0"/>
-              </a:rPr>
-              <a:t>    - </a:t>
-            </a:r>
-            <a:r>
-              <a:rPr lang="de-DE" sz="1400" dirty="0" err="1">
-                <a:latin typeface="Consolas" panose="020B0609020204030204" pitchFamily="49" charset="0"/>
-              </a:rPr>
-              <a:t>main</a:t>
-            </a:r>
-            <a:endParaRPr lang="de-DE" sz="1400" dirty="0">
-              <a:latin typeface="Consolas" panose="020B0609020204030204" pitchFamily="49" charset="0"/>
-            </a:endParaRPr>
-          </a:p>
-          <a:p>
-            <a:pPr marL="0" indent="0">
-              <a:buNone/>
-            </a:pPr>
-            <a:r>
-              <a:rPr lang="de-DE" sz="1400" dirty="0">
-                <a:latin typeface="Consolas" panose="020B0609020204030204" pitchFamily="49" charset="0"/>
-              </a:rPr>
-              <a:t>  </a:t>
-            </a:r>
-            <a:r>
-              <a:rPr lang="de-DE" sz="1400" dirty="0" err="1">
-                <a:latin typeface="Consolas" panose="020B0609020204030204" pitchFamily="49" charset="0"/>
-              </a:rPr>
-              <a:t>environment</a:t>
-            </a:r>
-            <a:r>
-              <a:rPr lang="de-DE" sz="1400" dirty="0">
-                <a:latin typeface="Consolas" panose="020B0609020204030204" pitchFamily="49" charset="0"/>
-              </a:rPr>
-              <a:t>: </a:t>
-            </a:r>
-            <a:r>
-              <a:rPr lang="de-DE" sz="1400" dirty="0" err="1">
-                <a:latin typeface="Consolas" panose="020B0609020204030204" pitchFamily="49" charset="0"/>
-              </a:rPr>
-              <a:t>production</a:t>
-            </a:r>
-            <a:endParaRPr lang="de-DE" sz="1400" dirty="0">
-              <a:latin typeface="Consolas" panose="020B0609020204030204" pitchFamily="49" charset="0"/>
-            </a:endParaRPr>
-          </a:p>
-          <a:p>
-            <a:pPr marL="0" indent="0">
-              <a:buNone/>
-            </a:pPr>
-            <a:endParaRPr lang="de-DE" sz="1600" dirty="0">
-              <a:latin typeface="Consolas" panose="020B0609020204030204" pitchFamily="49" charset="0"/>
-            </a:endParaRPr>
-          </a:p>
-          <a:p>
-            <a:pPr marL="0" indent="0">
-              <a:buNone/>
-            </a:pPr>
-            <a:endParaRPr lang="de-DE" sz="1600" dirty="0">
-              <a:latin typeface="Consolas" panose="020B0609020204030204" pitchFamily="49" charset="0"/>
-            </a:endParaRPr>
-          </a:p>
-          <a:p>
-            <a:pPr marL="0" indent="0">
-              <a:buNone/>
-            </a:pPr>
-            <a:endParaRPr lang="de-DE" sz="1600" dirty="0">
-              <a:latin typeface="Consolas" panose="020B0609020204030204" pitchFamily="49" charset="0"/>
-            </a:endParaRPr>
+            <a:pPr>
+              <a:buFont typeface="Arial" panose="020B0604020202020204" pitchFamily="34" charset="0"/>
+              <a:buChar char="•"/>
+            </a:pPr>
+            <a:endParaRPr lang="de-DE" dirty="0"/>
+          </a:p>
+          <a:p>
+            <a:pPr>
+              <a:buFont typeface="Arial" panose="020B0604020202020204" pitchFamily="34" charset="0"/>
+              <a:buChar char="•"/>
+            </a:pPr>
+            <a:endParaRPr lang="de-DE" dirty="0"/>
           </a:p>
         </p:txBody>
       </p:sp>
     </p:spTree>
     <p:extLst>
       <p:ext uri="{BB962C8B-B14F-4D97-AF65-F5344CB8AC3E}">
-        <p14:creationId xmlns:p14="http://schemas.microsoft.com/office/powerpoint/2010/main" val="2664526633"/>
+        <p14:creationId xmlns:p14="http://schemas.microsoft.com/office/powerpoint/2010/main" val="4283580811"/>
       </p:ext>
     </p:extLst>
   </p:cSld>
@@ -5172,7 +5689,7 @@
 </p:sld>
 </file>
 
-<file path=ppt/slides/slide12.xml><?xml version="1.0" encoding="utf-8"?>
+<file path=ppt/slides/slide16.xml><?xml version="1.0" encoding="utf-8"?>
 <p:sld xmlns:a="http://schemas.openxmlformats.org/drawingml/2006/main" xmlns:r="http://schemas.openxmlformats.org/officeDocument/2006/relationships" xmlns:p="http://schemas.openxmlformats.org/presentationml/2006/main">
   <p:cSld>
     <p:spTree>
@@ -5194,7 +5711,7 @@
           <p:cNvPr id="2" name="Titel 1">
             <a:extLst>
               <a:ext uri="{FF2B5EF4-FFF2-40B4-BE49-F238E27FC236}">
-                <a16:creationId xmlns:a16="http://schemas.microsoft.com/office/drawing/2014/main" id="{C68C1737-D484-715E-7DED-B4DAE0681091}"/>
+                <a16:creationId xmlns:a16="http://schemas.microsoft.com/office/drawing/2014/main" id="{49A48EBC-55D9-6D64-715F-AF6DEBF117C3}"/>
               </a:ext>
             </a:extLst>
           </p:cNvPr>
@@ -5211,7 +5728,7 @@
           <a:lstStyle/>
           <a:p>
             <a:r>
-              <a:rPr lang="de-DE" cap="none"/>
+              <a:rPr lang="de-DE" cap="none" dirty="0"/>
               <a:t>Abschlussübung &amp; Diskussion</a:t>
             </a:r>
             <a:endParaRPr lang="de-DE" dirty="0"/>
@@ -5223,7 +5740,7 @@
           <p:cNvPr id="3" name="Inhaltsplatzhalter 2">
             <a:extLst>
               <a:ext uri="{FF2B5EF4-FFF2-40B4-BE49-F238E27FC236}">
-                <a16:creationId xmlns:a16="http://schemas.microsoft.com/office/drawing/2014/main" id="{587B5FFC-7C29-4CF8-B4D6-9549918B4725}"/>
+                <a16:creationId xmlns:a16="http://schemas.microsoft.com/office/drawing/2014/main" id="{7B404127-ED2B-6905-BDD1-3C60D11A2A7C}"/>
               </a:ext>
             </a:extLst>
           </p:cNvPr>
@@ -5243,8 +5760,22 @@
               <a:buNone/>
             </a:pPr>
             <a:r>
-              <a:rPr lang="de-DE" dirty="0"/>
-              <a:t>Inhalt von hier übernehmen:</a:t>
+              <a:rPr lang="de-DE" sz="2000" b="1" dirty="0">
+                <a:latin typeface="Consolas" panose="020B0609020204030204" pitchFamily="49" charset="0"/>
+              </a:rPr>
+              <a:t>.</a:t>
+            </a:r>
+            <a:r>
+              <a:rPr lang="de-DE" sz="2000" b="1" dirty="0" err="1">
+                <a:latin typeface="Consolas" panose="020B0609020204030204" pitchFamily="49" charset="0"/>
+              </a:rPr>
+              <a:t>gitlab-ci.yml</a:t>
+            </a:r>
+            <a:r>
+              <a:rPr lang="de-DE" sz="2000" b="1" dirty="0">
+                <a:latin typeface="Consolas" panose="020B0609020204030204" pitchFamily="49" charset="0"/>
+              </a:rPr>
+              <a:t> (1/4)</a:t>
             </a:r>
           </a:p>
           <a:p>
@@ -5252,34 +5783,251 @@
               <a:buNone/>
             </a:pPr>
             <a:r>
-              <a:rPr lang="de-DE" dirty="0">
-                <a:hlinkClick r:id="rId2"/>
-              </a:rPr>
-              <a:t>https://docs.gitlab.com/ee/ci/quick_start/tutorial.html</a:t>
-            </a:r>
-            <a:endParaRPr lang="de-DE" dirty="0"/>
+              <a:rPr lang="de-DE" sz="1800" dirty="0" err="1">
+                <a:latin typeface="Consolas" panose="020B0609020204030204" pitchFamily="49" charset="0"/>
+              </a:rPr>
+              <a:t>default</a:t>
+            </a:r>
+            <a:r>
+              <a:rPr lang="de-DE" sz="1800" dirty="0">
+                <a:latin typeface="Consolas" panose="020B0609020204030204" pitchFamily="49" charset="0"/>
+              </a:rPr>
+              <a:t>:</a:t>
+            </a:r>
           </a:p>
           <a:p>
             <a:pPr marL="0" indent="0">
               <a:buNone/>
             </a:pPr>
-            <a:endParaRPr lang="de-DE" dirty="0"/>
+            <a:r>
+              <a:rPr lang="de-DE" sz="1800" dirty="0">
+                <a:latin typeface="Consolas" panose="020B0609020204030204" pitchFamily="49" charset="0"/>
+              </a:rPr>
+              <a:t>  </a:t>
+            </a:r>
+            <a:r>
+              <a:rPr lang="de-DE" sz="1800" dirty="0" err="1">
+                <a:latin typeface="Consolas" panose="020B0609020204030204" pitchFamily="49" charset="0"/>
+              </a:rPr>
+              <a:t>image</a:t>
+            </a:r>
+            <a:r>
+              <a:rPr lang="de-DE" sz="1800" dirty="0">
+                <a:latin typeface="Consolas" panose="020B0609020204030204" pitchFamily="49" charset="0"/>
+              </a:rPr>
+              <a:t>: docker:20.10.16</a:t>
+            </a:r>
           </a:p>
           <a:p>
             <a:pPr marL="0" indent="0">
               <a:buNone/>
             </a:pPr>
             <a:r>
-              <a:rPr lang="de-DE" dirty="0"/>
-              <a:t>Das wird nochmal eine „komplexere“ Pipeline.</a:t>
-            </a:r>
+              <a:rPr lang="de-DE" sz="1800" dirty="0">
+                <a:latin typeface="Consolas" panose="020B0609020204030204" pitchFamily="49" charset="0"/>
+              </a:rPr>
+              <a:t>  </a:t>
+            </a:r>
+            <a:r>
+              <a:rPr lang="de-DE" sz="1800" dirty="0" err="1">
+                <a:latin typeface="Consolas" panose="020B0609020204030204" pitchFamily="49" charset="0"/>
+              </a:rPr>
+              <a:t>services</a:t>
+            </a:r>
+            <a:r>
+              <a:rPr lang="de-DE" sz="1800" dirty="0">
+                <a:latin typeface="Consolas" panose="020B0609020204030204" pitchFamily="49" charset="0"/>
+              </a:rPr>
+              <a:t>:</a:t>
+            </a:r>
+          </a:p>
+          <a:p>
+            <a:pPr marL="0" indent="0">
+              <a:buNone/>
+            </a:pPr>
+            <a:r>
+              <a:rPr lang="de-DE" sz="1800" dirty="0">
+                <a:latin typeface="Consolas" panose="020B0609020204030204" pitchFamily="49" charset="0"/>
+              </a:rPr>
+              <a:t>    - docker:20.10.16-dind</a:t>
+            </a:r>
+          </a:p>
+          <a:p>
+            <a:pPr marL="0" indent="0">
+              <a:buNone/>
+            </a:pPr>
+            <a:r>
+              <a:rPr lang="de-DE" sz="1800" dirty="0">
+                <a:latin typeface="Consolas" panose="020B0609020204030204" pitchFamily="49" charset="0"/>
+              </a:rPr>
+              <a:t>  </a:t>
+            </a:r>
+            <a:r>
+              <a:rPr lang="de-DE" sz="1800" dirty="0" err="1">
+                <a:latin typeface="Consolas" panose="020B0609020204030204" pitchFamily="49" charset="0"/>
+              </a:rPr>
+              <a:t>before_script</a:t>
+            </a:r>
+            <a:r>
+              <a:rPr lang="de-DE" sz="1800" dirty="0">
+                <a:latin typeface="Consolas" panose="020B0609020204030204" pitchFamily="49" charset="0"/>
+              </a:rPr>
+              <a:t>:</a:t>
+            </a:r>
+          </a:p>
+          <a:p>
+            <a:pPr marL="0" indent="0">
+              <a:buNone/>
+            </a:pPr>
+            <a:r>
+              <a:rPr lang="de-DE" sz="1800" dirty="0">
+                <a:latin typeface="Consolas" panose="020B0609020204030204" pitchFamily="49" charset="0"/>
+              </a:rPr>
+              <a:t>    - </a:t>
+            </a:r>
+            <a:r>
+              <a:rPr lang="de-DE" sz="1800" dirty="0" err="1">
+                <a:latin typeface="Consolas" panose="020B0609020204030204" pitchFamily="49" charset="0"/>
+              </a:rPr>
+              <a:t>docker</a:t>
+            </a:r>
+            <a:r>
+              <a:rPr lang="de-DE" sz="1800" dirty="0">
+                <a:latin typeface="Consolas" panose="020B0609020204030204" pitchFamily="49" charset="0"/>
+              </a:rPr>
+              <a:t> </a:t>
+            </a:r>
+            <a:r>
+              <a:rPr lang="de-DE" sz="1800" dirty="0" err="1">
+                <a:latin typeface="Consolas" panose="020B0609020204030204" pitchFamily="49" charset="0"/>
+              </a:rPr>
+              <a:t>login</a:t>
+            </a:r>
+            <a:r>
+              <a:rPr lang="de-DE" sz="1800" dirty="0">
+                <a:latin typeface="Consolas" panose="020B0609020204030204" pitchFamily="49" charset="0"/>
+              </a:rPr>
+              <a:t> -u $CI_REGISTRY_USER -p $CI_REGISTRY_PASSWORD $CI_REGISTRY</a:t>
+            </a:r>
+          </a:p>
+          <a:p>
+            <a:pPr marL="0" indent="0">
+              <a:buNone/>
+            </a:pPr>
+            <a:endParaRPr lang="de-DE" sz="1800" dirty="0">
+              <a:latin typeface="Consolas" panose="020B0609020204030204" pitchFamily="49" charset="0"/>
+            </a:endParaRPr>
+          </a:p>
+          <a:p>
+            <a:pPr marL="0" indent="0">
+              <a:buNone/>
+            </a:pPr>
+            <a:r>
+              <a:rPr lang="de-DE" sz="1800" dirty="0" err="1">
+                <a:latin typeface="Consolas" panose="020B0609020204030204" pitchFamily="49" charset="0"/>
+              </a:rPr>
+              <a:t>stages</a:t>
+            </a:r>
+            <a:r>
+              <a:rPr lang="de-DE" sz="1800" dirty="0">
+                <a:latin typeface="Consolas" panose="020B0609020204030204" pitchFamily="49" charset="0"/>
+              </a:rPr>
+              <a:t>: </a:t>
+            </a:r>
+            <a:r>
+              <a:rPr lang="de-DE" sz="1600" dirty="0">
+                <a:solidFill>
+                  <a:srgbClr val="008C5A"/>
+                </a:solidFill>
+                <a:latin typeface="Consolas" panose="020B0609020204030204" pitchFamily="49" charset="0"/>
+              </a:rPr>
+              <a:t># Vier Stages</a:t>
+            </a:r>
+          </a:p>
+          <a:p>
+            <a:pPr marL="0" indent="0">
+              <a:buNone/>
+            </a:pPr>
+            <a:r>
+              <a:rPr lang="de-DE" sz="1800" dirty="0">
+                <a:latin typeface="Consolas" panose="020B0609020204030204" pitchFamily="49" charset="0"/>
+              </a:rPr>
+              <a:t>  - </a:t>
+            </a:r>
+            <a:r>
+              <a:rPr lang="de-DE" sz="1800" dirty="0" err="1">
+                <a:latin typeface="Consolas" panose="020B0609020204030204" pitchFamily="49" charset="0"/>
+              </a:rPr>
+              <a:t>build</a:t>
+            </a:r>
+            <a:endParaRPr lang="de-DE" sz="1800" dirty="0">
+              <a:latin typeface="Consolas" panose="020B0609020204030204" pitchFamily="49" charset="0"/>
+            </a:endParaRPr>
+          </a:p>
+          <a:p>
+            <a:pPr marL="0" indent="0">
+              <a:buNone/>
+            </a:pPr>
+            <a:r>
+              <a:rPr lang="de-DE" sz="1800" dirty="0">
+                <a:latin typeface="Consolas" panose="020B0609020204030204" pitchFamily="49" charset="0"/>
+              </a:rPr>
+              <a:t>  - </a:t>
+            </a:r>
+            <a:r>
+              <a:rPr lang="de-DE" sz="1800" dirty="0" err="1">
+                <a:latin typeface="Consolas" panose="020B0609020204030204" pitchFamily="49" charset="0"/>
+              </a:rPr>
+              <a:t>test</a:t>
+            </a:r>
+            <a:endParaRPr lang="de-DE" sz="1800" dirty="0">
+              <a:latin typeface="Consolas" panose="020B0609020204030204" pitchFamily="49" charset="0"/>
+            </a:endParaRPr>
+          </a:p>
+          <a:p>
+            <a:pPr marL="0" indent="0">
+              <a:buNone/>
+            </a:pPr>
+            <a:r>
+              <a:rPr lang="de-DE" sz="1800" dirty="0">
+                <a:latin typeface="Consolas" panose="020B0609020204030204" pitchFamily="49" charset="0"/>
+              </a:rPr>
+              <a:t>  - release</a:t>
+            </a:r>
+          </a:p>
+          <a:p>
+            <a:pPr marL="0" indent="0">
+              <a:buNone/>
+            </a:pPr>
+            <a:r>
+              <a:rPr lang="de-DE" sz="1800" dirty="0">
+                <a:latin typeface="Consolas" panose="020B0609020204030204" pitchFamily="49" charset="0"/>
+              </a:rPr>
+              <a:t>  - deploy</a:t>
+            </a:r>
+          </a:p>
+          <a:p>
+            <a:pPr marL="0" indent="0">
+              <a:buNone/>
+            </a:pPr>
+            <a:endParaRPr lang="de-DE" sz="1600" dirty="0">
+              <a:latin typeface="Consolas" panose="020B0609020204030204" pitchFamily="49" charset="0"/>
+            </a:endParaRPr>
+          </a:p>
+          <a:p>
+            <a:pPr marL="0" indent="0">
+              <a:buNone/>
+            </a:pPr>
+            <a:endParaRPr lang="de-DE" sz="1600" dirty="0">
+              <a:latin typeface="Consolas" panose="020B0609020204030204" pitchFamily="49" charset="0"/>
+            </a:endParaRPr>
           </a:p>
         </p:txBody>
       </p:sp>
     </p:spTree>
     <p:extLst>
       <p:ext uri="{BB962C8B-B14F-4D97-AF65-F5344CB8AC3E}">
-        <p14:creationId xmlns:p14="http://schemas.microsoft.com/office/powerpoint/2010/main" val="3612983727"/>
+        <p14:creationId xmlns:p14="http://schemas.microsoft.com/office/powerpoint/2010/main" val="3047470218"/>
       </p:ext>
     </p:extLst>
   </p:cSld>
@@ -5289,7 +6037,7 @@
 </p:sld>
 </file>
 
-<file path=ppt/slides/slide13.xml><?xml version="1.0" encoding="utf-8"?>
+<file path=ppt/slides/slide17.xml><?xml version="1.0" encoding="utf-8"?>
 <p:sld xmlns:a="http://schemas.openxmlformats.org/drawingml/2006/main" xmlns:r="http://schemas.openxmlformats.org/officeDocument/2006/relationships" xmlns:p="http://schemas.openxmlformats.org/presentationml/2006/main">
   <p:cSld>
     <p:spTree>
@@ -5311,7 +6059,7 @@
           <p:cNvPr id="2" name="Titel 1">
             <a:extLst>
               <a:ext uri="{FF2B5EF4-FFF2-40B4-BE49-F238E27FC236}">
-                <a16:creationId xmlns:a16="http://schemas.microsoft.com/office/drawing/2014/main" id="{C68C1737-D484-715E-7DED-B4DAE0681091}"/>
+                <a16:creationId xmlns:a16="http://schemas.microsoft.com/office/drawing/2014/main" id="{49A48EBC-55D9-6D64-715F-AF6DEBF117C3}"/>
               </a:ext>
             </a:extLst>
           </p:cNvPr>
@@ -5328,7 +6076,7 @@
           <a:lstStyle/>
           <a:p>
             <a:r>
-              <a:rPr lang="de-DE" cap="none"/>
+              <a:rPr lang="de-DE" cap="none" dirty="0"/>
               <a:t>Abschlussübung &amp; Diskussion</a:t>
             </a:r>
             <a:endParaRPr lang="de-DE" dirty="0"/>
@@ -5340,7 +6088,7 @@
           <p:cNvPr id="3" name="Inhaltsplatzhalter 2">
             <a:extLst>
               <a:ext uri="{FF2B5EF4-FFF2-40B4-BE49-F238E27FC236}">
-                <a16:creationId xmlns:a16="http://schemas.microsoft.com/office/drawing/2014/main" id="{587B5FFC-7C29-4CF8-B4D6-9549918B4725}"/>
+                <a16:creationId xmlns:a16="http://schemas.microsoft.com/office/drawing/2014/main" id="{7B404127-ED2B-6905-BDD1-3C60D11A2A7C}"/>
               </a:ext>
             </a:extLst>
           </p:cNvPr>
@@ -5360,29 +6108,1503 @@
               <a:buNone/>
             </a:pPr>
             <a:r>
-              <a:rPr lang="de-DE" dirty="0"/>
-              <a:t>Komplexe Pipeline mit </a:t>
-            </a:r>
-            <a:r>
-              <a:rPr lang="de-DE" dirty="0" err="1"/>
-              <a:t>Docusaurus</a:t>
-            </a:r>
-            <a:r>
-              <a:rPr lang="de-DE" dirty="0"/>
-              <a:t> und </a:t>
-            </a:r>
-            <a:r>
-              <a:rPr lang="de-DE" dirty="0" err="1"/>
-              <a:t>npm</a:t>
-            </a:r>
-            <a:endParaRPr lang="de-DE" dirty="0"/>
+              <a:rPr lang="de-DE" sz="2000" b="1" dirty="0">
+                <a:latin typeface="Consolas" panose="020B0609020204030204" pitchFamily="49" charset="0"/>
+              </a:rPr>
+              <a:t>.</a:t>
+            </a:r>
+            <a:r>
+              <a:rPr lang="de-DE" sz="2000" b="1" dirty="0" err="1">
+                <a:latin typeface="Consolas" panose="020B0609020204030204" pitchFamily="49" charset="0"/>
+              </a:rPr>
+              <a:t>gitlab-ci.yml</a:t>
+            </a:r>
+            <a:r>
+              <a:rPr lang="de-DE" sz="2000" b="1" dirty="0">
+                <a:latin typeface="Consolas" panose="020B0609020204030204" pitchFamily="49" charset="0"/>
+              </a:rPr>
+              <a:t> (2/4)</a:t>
+            </a:r>
+          </a:p>
+          <a:p>
+            <a:pPr marL="0" indent="0">
+              <a:buNone/>
+            </a:pPr>
+            <a:r>
+              <a:rPr lang="de-DE" sz="1600" dirty="0">
+                <a:latin typeface="Consolas" panose="020B0609020204030204" pitchFamily="49" charset="0"/>
+              </a:rPr>
+              <a:t>variables:</a:t>
+            </a:r>
+          </a:p>
+          <a:p>
+            <a:pPr marL="0" indent="0">
+              <a:buNone/>
+            </a:pPr>
+            <a:r>
+              <a:rPr lang="de-DE" sz="1600" dirty="0">
+                <a:latin typeface="Consolas" panose="020B0609020204030204" pitchFamily="49" charset="0"/>
+              </a:rPr>
+              <a:t>  # Use TLS </a:t>
+            </a:r>
+            <a:r>
+              <a:rPr lang="de-DE" sz="1600" b="1" dirty="0">
+                <a:latin typeface="Consolas" panose="020B0609020204030204" pitchFamily="49" charset="0"/>
+              </a:rPr>
+              <a:t>(kein Muss!)</a:t>
+            </a:r>
+            <a:r>
+              <a:rPr lang="de-DE" sz="1600" dirty="0">
+                <a:latin typeface="Consolas" panose="020B0609020204030204" pitchFamily="49" charset="0"/>
+              </a:rPr>
+              <a:t> https://docs.gitlab.com/ee/ci/docker/using_docker_build.html#tls-enabled</a:t>
+            </a:r>
+          </a:p>
+          <a:p>
+            <a:pPr marL="0" indent="0">
+              <a:buNone/>
+            </a:pPr>
+            <a:r>
+              <a:rPr lang="de-DE" sz="1600" dirty="0">
+                <a:latin typeface="Consolas" panose="020B0609020204030204" pitchFamily="49" charset="0"/>
+              </a:rPr>
+              <a:t>  DOCKER_HOST: tcp://docker:2376</a:t>
+            </a:r>
+          </a:p>
+          <a:p>
+            <a:pPr marL="0" indent="0">
+              <a:buNone/>
+            </a:pPr>
+            <a:r>
+              <a:rPr lang="de-DE" sz="1600" dirty="0">
+                <a:latin typeface="Consolas" panose="020B0609020204030204" pitchFamily="49" charset="0"/>
+              </a:rPr>
+              <a:t>  DOCKER_TLS_CERTDIR: "/</a:t>
+            </a:r>
+            <a:r>
+              <a:rPr lang="de-DE" sz="1600" dirty="0" err="1">
+                <a:latin typeface="Consolas" panose="020B0609020204030204" pitchFamily="49" charset="0"/>
+              </a:rPr>
+              <a:t>certs</a:t>
+            </a:r>
+            <a:r>
+              <a:rPr lang="de-DE" sz="1600" dirty="0">
+                <a:latin typeface="Consolas" panose="020B0609020204030204" pitchFamily="49" charset="0"/>
+              </a:rPr>
+              <a:t>"</a:t>
+            </a:r>
+          </a:p>
+          <a:p>
+            <a:pPr marL="0" indent="0">
+              <a:buNone/>
+            </a:pPr>
+            <a:r>
+              <a:rPr lang="de-DE" sz="1600" dirty="0">
+                <a:latin typeface="Consolas" panose="020B0609020204030204" pitchFamily="49" charset="0"/>
+              </a:rPr>
+              <a:t>  CONTAINER_TEST_IMAGE: $CI_REGISTRY_IMAGE:$CI_COMMIT_REF_SLUG</a:t>
+            </a:r>
+          </a:p>
+          <a:p>
+            <a:pPr marL="0" indent="0">
+              <a:buNone/>
+            </a:pPr>
+            <a:r>
+              <a:rPr lang="de-DE" sz="1600" dirty="0">
+                <a:latin typeface="Consolas" panose="020B0609020204030204" pitchFamily="49" charset="0"/>
+              </a:rPr>
+              <a:t>  CONTAINER_RELEASE_IMAGE: $</a:t>
+            </a:r>
+            <a:r>
+              <a:rPr lang="de-DE" sz="1600" dirty="0" err="1">
+                <a:latin typeface="Consolas" panose="020B0609020204030204" pitchFamily="49" charset="0"/>
+              </a:rPr>
+              <a:t>CI_REGISTRY_IMAGE:latest</a:t>
+            </a:r>
+            <a:r>
+              <a:rPr lang="de-DE" sz="1600" dirty="0">
+                <a:latin typeface="Consolas" panose="020B0609020204030204" pitchFamily="49" charset="0"/>
+              </a:rPr>
+              <a:t> </a:t>
+            </a:r>
+            <a:r>
+              <a:rPr lang="de-DE" sz="1600" dirty="0">
+                <a:solidFill>
+                  <a:srgbClr val="008C5A"/>
+                </a:solidFill>
+                <a:latin typeface="Consolas" panose="020B0609020204030204" pitchFamily="49" charset="0"/>
+              </a:rPr>
+              <a:t># Variable für 4.</a:t>
+            </a:r>
+          </a:p>
+          <a:p>
+            <a:pPr marL="0" indent="0">
+              <a:buNone/>
+            </a:pPr>
+            <a:endParaRPr lang="de-DE" sz="1600" dirty="0">
+              <a:latin typeface="Consolas" panose="020B0609020204030204" pitchFamily="49" charset="0"/>
+            </a:endParaRPr>
+          </a:p>
+          <a:p>
+            <a:pPr marL="0" indent="0">
+              <a:buNone/>
+            </a:pPr>
+            <a:r>
+              <a:rPr lang="de-DE" sz="1600" dirty="0" err="1">
+                <a:latin typeface="Consolas" panose="020B0609020204030204" pitchFamily="49" charset="0"/>
+              </a:rPr>
+              <a:t>build</a:t>
+            </a:r>
+            <a:r>
+              <a:rPr lang="de-DE" sz="1600" dirty="0">
+                <a:latin typeface="Consolas" panose="020B0609020204030204" pitchFamily="49" charset="0"/>
+              </a:rPr>
+              <a:t>:</a:t>
+            </a:r>
+          </a:p>
+          <a:p>
+            <a:pPr marL="0" indent="0">
+              <a:buNone/>
+            </a:pPr>
+            <a:r>
+              <a:rPr lang="de-DE" sz="1600" dirty="0">
+                <a:latin typeface="Consolas" panose="020B0609020204030204" pitchFamily="49" charset="0"/>
+              </a:rPr>
+              <a:t>  </a:t>
+            </a:r>
+            <a:r>
+              <a:rPr lang="de-DE" sz="1600" dirty="0" err="1">
+                <a:latin typeface="Consolas" panose="020B0609020204030204" pitchFamily="49" charset="0"/>
+              </a:rPr>
+              <a:t>stage</a:t>
+            </a:r>
+            <a:r>
+              <a:rPr lang="de-DE" sz="1600" dirty="0">
+                <a:latin typeface="Consolas" panose="020B0609020204030204" pitchFamily="49" charset="0"/>
+              </a:rPr>
+              <a:t>: </a:t>
+            </a:r>
+            <a:r>
+              <a:rPr lang="de-DE" sz="1600" dirty="0" err="1">
+                <a:latin typeface="Consolas" panose="020B0609020204030204" pitchFamily="49" charset="0"/>
+              </a:rPr>
+              <a:t>build</a:t>
+            </a:r>
+            <a:endParaRPr lang="de-DE" sz="1600" dirty="0">
+              <a:latin typeface="Consolas" panose="020B0609020204030204" pitchFamily="49" charset="0"/>
+            </a:endParaRPr>
+          </a:p>
+          <a:p>
+            <a:pPr marL="0" indent="0">
+              <a:buNone/>
+            </a:pPr>
+            <a:r>
+              <a:rPr lang="de-DE" sz="1600" dirty="0">
+                <a:latin typeface="Consolas" panose="020B0609020204030204" pitchFamily="49" charset="0"/>
+              </a:rPr>
+              <a:t>  </a:t>
+            </a:r>
+            <a:r>
+              <a:rPr lang="de-DE" sz="1600" dirty="0" err="1">
+                <a:latin typeface="Consolas" panose="020B0609020204030204" pitchFamily="49" charset="0"/>
+              </a:rPr>
+              <a:t>script</a:t>
+            </a:r>
+            <a:r>
+              <a:rPr lang="de-DE" sz="1600" dirty="0">
+                <a:latin typeface="Consolas" panose="020B0609020204030204" pitchFamily="49" charset="0"/>
+              </a:rPr>
+              <a:t>:</a:t>
+            </a:r>
+          </a:p>
+          <a:p>
+            <a:pPr marL="0" indent="0">
+              <a:buNone/>
+            </a:pPr>
+            <a:r>
+              <a:rPr lang="de-DE" sz="1600" dirty="0">
+                <a:latin typeface="Consolas" panose="020B0609020204030204" pitchFamily="49" charset="0"/>
+              </a:rPr>
+              <a:t>    - </a:t>
+            </a:r>
+            <a:r>
+              <a:rPr lang="de-DE" sz="1600" dirty="0" err="1">
+                <a:latin typeface="Consolas" panose="020B0609020204030204" pitchFamily="49" charset="0"/>
+              </a:rPr>
+              <a:t>docker</a:t>
+            </a:r>
+            <a:r>
+              <a:rPr lang="de-DE" sz="1600" dirty="0">
+                <a:latin typeface="Consolas" panose="020B0609020204030204" pitchFamily="49" charset="0"/>
+              </a:rPr>
+              <a:t> </a:t>
+            </a:r>
+            <a:r>
+              <a:rPr lang="de-DE" sz="1600" dirty="0" err="1">
+                <a:latin typeface="Consolas" panose="020B0609020204030204" pitchFamily="49" charset="0"/>
+              </a:rPr>
+              <a:t>build</a:t>
+            </a:r>
+            <a:r>
+              <a:rPr lang="de-DE" sz="1600" dirty="0">
+                <a:latin typeface="Consolas" panose="020B0609020204030204" pitchFamily="49" charset="0"/>
+              </a:rPr>
+              <a:t> --pull -t $CONTAINER_TEST_IMAGE .</a:t>
+            </a:r>
+          </a:p>
+          <a:p>
+            <a:pPr marL="0" indent="0">
+              <a:buNone/>
+            </a:pPr>
+            <a:r>
+              <a:rPr lang="de-DE" sz="1600" dirty="0">
+                <a:latin typeface="Consolas" panose="020B0609020204030204" pitchFamily="49" charset="0"/>
+              </a:rPr>
+              <a:t>    - </a:t>
+            </a:r>
+            <a:r>
+              <a:rPr lang="de-DE" sz="1600" dirty="0" err="1">
+                <a:latin typeface="Consolas" panose="020B0609020204030204" pitchFamily="49" charset="0"/>
+              </a:rPr>
+              <a:t>docker</a:t>
+            </a:r>
+            <a:r>
+              <a:rPr lang="de-DE" sz="1600" dirty="0">
+                <a:latin typeface="Consolas" panose="020B0609020204030204" pitchFamily="49" charset="0"/>
+              </a:rPr>
+              <a:t> push $CONTAINER_TEST_IMAGE </a:t>
+            </a:r>
+            <a:r>
+              <a:rPr lang="de-DE" sz="1600" dirty="0">
+                <a:solidFill>
+                  <a:srgbClr val="008C5A"/>
+                </a:solidFill>
+                <a:latin typeface="Consolas" panose="020B0609020204030204" pitchFamily="49" charset="0"/>
+              </a:rPr>
+              <a:t># 1. </a:t>
+            </a:r>
+            <a:r>
+              <a:rPr lang="de-DE" sz="1600" dirty="0" err="1">
+                <a:solidFill>
+                  <a:srgbClr val="008C5A"/>
+                </a:solidFill>
+                <a:latin typeface="Consolas" panose="020B0609020204030204" pitchFamily="49" charset="0"/>
+              </a:rPr>
+              <a:t>Build</a:t>
+            </a:r>
+            <a:r>
+              <a:rPr lang="de-DE" sz="1600" dirty="0">
+                <a:solidFill>
+                  <a:srgbClr val="008C5A"/>
+                </a:solidFill>
+                <a:latin typeface="Consolas" panose="020B0609020204030204" pitchFamily="49" charset="0"/>
+              </a:rPr>
+              <a:t> wird in die Container Registry </a:t>
+            </a:r>
+            <a:r>
+              <a:rPr lang="de-DE" sz="1600" dirty="0" err="1">
+                <a:solidFill>
+                  <a:srgbClr val="008C5A"/>
+                </a:solidFill>
+                <a:latin typeface="Consolas" panose="020B0609020204030204" pitchFamily="49" charset="0"/>
+              </a:rPr>
+              <a:t>gepushed</a:t>
+            </a:r>
+            <a:endParaRPr lang="de-DE" sz="1600" dirty="0">
+              <a:solidFill>
+                <a:srgbClr val="008C5A"/>
+              </a:solidFill>
+              <a:latin typeface="Consolas" panose="020B0609020204030204" pitchFamily="49" charset="0"/>
+            </a:endParaRPr>
+          </a:p>
+          <a:p>
+            <a:pPr marL="0" indent="0">
+              <a:buNone/>
+            </a:pPr>
+            <a:endParaRPr lang="de-DE" sz="1600" dirty="0">
+              <a:latin typeface="Consolas" panose="020B0609020204030204" pitchFamily="49" charset="0"/>
+            </a:endParaRPr>
+          </a:p>
+          <a:p>
+            <a:pPr marL="0" indent="0">
+              <a:buNone/>
+            </a:pPr>
+            <a:endParaRPr lang="de-DE" sz="1600" dirty="0">
+              <a:latin typeface="Consolas" panose="020B0609020204030204" pitchFamily="49" charset="0"/>
+            </a:endParaRPr>
+          </a:p>
+          <a:p>
+            <a:pPr marL="0" indent="0">
+              <a:buNone/>
+            </a:pPr>
+            <a:endParaRPr lang="de-DE" sz="1600" dirty="0">
+              <a:latin typeface="Consolas" panose="020B0609020204030204" pitchFamily="49" charset="0"/>
+            </a:endParaRPr>
           </a:p>
         </p:txBody>
       </p:sp>
     </p:spTree>
     <p:extLst>
       <p:ext uri="{BB962C8B-B14F-4D97-AF65-F5344CB8AC3E}">
-        <p14:creationId xmlns:p14="http://schemas.microsoft.com/office/powerpoint/2010/main" val="308782299"/>
+        <p14:creationId xmlns:p14="http://schemas.microsoft.com/office/powerpoint/2010/main" val="812820427"/>
+      </p:ext>
+    </p:extLst>
+  </p:cSld>
+  <p:clrMapOvr>
+    <a:masterClrMapping/>
+  </p:clrMapOvr>
+</p:sld>
+</file>
+
+<file path=ppt/slides/slide18.xml><?xml version="1.0" encoding="utf-8"?>
+<p:sld xmlns:a="http://schemas.openxmlformats.org/drawingml/2006/main" xmlns:r="http://schemas.openxmlformats.org/officeDocument/2006/relationships" xmlns:p="http://schemas.openxmlformats.org/presentationml/2006/main">
+  <p:cSld>
+    <p:spTree>
+      <p:nvGrpSpPr>
+        <p:cNvPr id="1" name=""/>
+        <p:cNvGrpSpPr/>
+        <p:nvPr/>
+      </p:nvGrpSpPr>
+      <p:grpSpPr>
+        <a:xfrm>
+          <a:off x="0" y="0"/>
+          <a:ext cx="0" cy="0"/>
+          <a:chOff x="0" y="0"/>
+          <a:chExt cx="0" cy="0"/>
+        </a:xfrm>
+      </p:grpSpPr>
+      <p:sp>
+        <p:nvSpPr>
+          <p:cNvPr id="2" name="Titel 1">
+            <a:extLst>
+              <a:ext uri="{FF2B5EF4-FFF2-40B4-BE49-F238E27FC236}">
+                <a16:creationId xmlns:a16="http://schemas.microsoft.com/office/drawing/2014/main" id="{49A48EBC-55D9-6D64-715F-AF6DEBF117C3}"/>
+              </a:ext>
+            </a:extLst>
+          </p:cNvPr>
+          <p:cNvSpPr>
+            <a:spLocks noGrp="1"/>
+          </p:cNvSpPr>
+          <p:nvPr>
+            <p:ph type="title"/>
+          </p:nvPr>
+        </p:nvSpPr>
+        <p:spPr/>
+        <p:txBody>
+          <a:bodyPr/>
+          <a:lstStyle/>
+          <a:p>
+            <a:r>
+              <a:rPr lang="de-DE" cap="none" dirty="0"/>
+              <a:t>Abschlussübung &amp; Diskussion</a:t>
+            </a:r>
+            <a:endParaRPr lang="de-DE" dirty="0"/>
+          </a:p>
+        </p:txBody>
+      </p:sp>
+      <p:sp>
+        <p:nvSpPr>
+          <p:cNvPr id="3" name="Inhaltsplatzhalter 2">
+            <a:extLst>
+              <a:ext uri="{FF2B5EF4-FFF2-40B4-BE49-F238E27FC236}">
+                <a16:creationId xmlns:a16="http://schemas.microsoft.com/office/drawing/2014/main" id="{7B404127-ED2B-6905-BDD1-3C60D11A2A7C}"/>
+              </a:ext>
+            </a:extLst>
+          </p:cNvPr>
+          <p:cNvSpPr>
+            <a:spLocks noGrp="1"/>
+          </p:cNvSpPr>
+          <p:nvPr>
+            <p:ph idx="1"/>
+          </p:nvPr>
+        </p:nvSpPr>
+        <p:spPr/>
+        <p:txBody>
+          <a:bodyPr/>
+          <a:lstStyle/>
+          <a:p>
+            <a:pPr marL="0" indent="0">
+              <a:buNone/>
+            </a:pPr>
+            <a:r>
+              <a:rPr lang="de-DE" sz="2000" b="1" dirty="0">
+                <a:latin typeface="Consolas" panose="020B0609020204030204" pitchFamily="49" charset="0"/>
+              </a:rPr>
+              <a:t>.</a:t>
+            </a:r>
+            <a:r>
+              <a:rPr lang="de-DE" sz="2000" b="1" dirty="0" err="1">
+                <a:latin typeface="Consolas" panose="020B0609020204030204" pitchFamily="49" charset="0"/>
+              </a:rPr>
+              <a:t>gitlab-ci.yml</a:t>
+            </a:r>
+            <a:r>
+              <a:rPr lang="de-DE" sz="2000" b="1" dirty="0">
+                <a:latin typeface="Consolas" panose="020B0609020204030204" pitchFamily="49" charset="0"/>
+              </a:rPr>
+              <a:t> (3/4)</a:t>
+            </a:r>
+          </a:p>
+          <a:p>
+            <a:pPr marL="0" indent="0">
+              <a:buNone/>
+            </a:pPr>
+            <a:r>
+              <a:rPr lang="de-DE" sz="1600" dirty="0">
+                <a:latin typeface="Consolas" panose="020B0609020204030204" pitchFamily="49" charset="0"/>
+              </a:rPr>
+              <a:t>test1:</a:t>
+            </a:r>
+          </a:p>
+          <a:p>
+            <a:pPr marL="0" indent="0">
+              <a:buNone/>
+            </a:pPr>
+            <a:r>
+              <a:rPr lang="de-DE" sz="1600" dirty="0">
+                <a:latin typeface="Consolas" panose="020B0609020204030204" pitchFamily="49" charset="0"/>
+              </a:rPr>
+              <a:t>  </a:t>
+            </a:r>
+            <a:r>
+              <a:rPr lang="de-DE" sz="1600" dirty="0" err="1">
+                <a:latin typeface="Consolas" panose="020B0609020204030204" pitchFamily="49" charset="0"/>
+              </a:rPr>
+              <a:t>stage</a:t>
+            </a:r>
+            <a:r>
+              <a:rPr lang="de-DE" sz="1600" dirty="0">
+                <a:latin typeface="Consolas" panose="020B0609020204030204" pitchFamily="49" charset="0"/>
+              </a:rPr>
+              <a:t>: </a:t>
+            </a:r>
+            <a:r>
+              <a:rPr lang="de-DE" sz="1600" dirty="0" err="1">
+                <a:latin typeface="Consolas" panose="020B0609020204030204" pitchFamily="49" charset="0"/>
+              </a:rPr>
+              <a:t>test</a:t>
+            </a:r>
+            <a:endParaRPr lang="de-DE" sz="1600" dirty="0">
+              <a:latin typeface="Consolas" panose="020B0609020204030204" pitchFamily="49" charset="0"/>
+            </a:endParaRPr>
+          </a:p>
+          <a:p>
+            <a:pPr marL="0" indent="0">
+              <a:buNone/>
+            </a:pPr>
+            <a:r>
+              <a:rPr lang="de-DE" sz="1600" dirty="0">
+                <a:latin typeface="Consolas" panose="020B0609020204030204" pitchFamily="49" charset="0"/>
+              </a:rPr>
+              <a:t>  </a:t>
+            </a:r>
+            <a:r>
+              <a:rPr lang="de-DE" sz="1600" dirty="0" err="1">
+                <a:latin typeface="Consolas" panose="020B0609020204030204" pitchFamily="49" charset="0"/>
+              </a:rPr>
+              <a:t>script</a:t>
+            </a:r>
+            <a:r>
+              <a:rPr lang="de-DE" sz="1600" dirty="0">
+                <a:latin typeface="Consolas" panose="020B0609020204030204" pitchFamily="49" charset="0"/>
+              </a:rPr>
+              <a:t>:</a:t>
+            </a:r>
+          </a:p>
+          <a:p>
+            <a:pPr marL="0" indent="0">
+              <a:buNone/>
+            </a:pPr>
+            <a:r>
+              <a:rPr lang="de-DE" sz="1600" dirty="0">
+                <a:latin typeface="Consolas" panose="020B0609020204030204" pitchFamily="49" charset="0"/>
+              </a:rPr>
+              <a:t>    - </a:t>
+            </a:r>
+            <a:r>
+              <a:rPr lang="de-DE" sz="1600" dirty="0" err="1">
+                <a:latin typeface="Consolas" panose="020B0609020204030204" pitchFamily="49" charset="0"/>
+              </a:rPr>
+              <a:t>docker</a:t>
+            </a:r>
+            <a:r>
+              <a:rPr lang="de-DE" sz="1600" dirty="0">
+                <a:latin typeface="Consolas" panose="020B0609020204030204" pitchFamily="49" charset="0"/>
+              </a:rPr>
+              <a:t> pull $CONTAINER_TEST_IMAGE </a:t>
+            </a:r>
+            <a:r>
+              <a:rPr lang="de-DE" sz="1600" dirty="0">
+                <a:solidFill>
+                  <a:srgbClr val="008C5A"/>
+                </a:solidFill>
+                <a:latin typeface="Consolas" panose="020B0609020204030204" pitchFamily="49" charset="0"/>
+              </a:rPr>
+              <a:t># 2. Von den nachfolgenden Stages (bei Bedarf) </a:t>
+            </a:r>
+            <a:r>
+              <a:rPr lang="de-DE" sz="1600" dirty="0" err="1">
+                <a:solidFill>
+                  <a:srgbClr val="008C5A"/>
+                </a:solidFill>
+                <a:latin typeface="Consolas" panose="020B0609020204030204" pitchFamily="49" charset="0"/>
+              </a:rPr>
+              <a:t>gepulled</a:t>
+            </a:r>
+            <a:endParaRPr lang="de-DE" sz="1600" dirty="0">
+              <a:solidFill>
+                <a:srgbClr val="008C5A"/>
+              </a:solidFill>
+              <a:latin typeface="Consolas" panose="020B0609020204030204" pitchFamily="49" charset="0"/>
+            </a:endParaRPr>
+          </a:p>
+          <a:p>
+            <a:pPr marL="0" indent="0">
+              <a:buNone/>
+            </a:pPr>
+            <a:r>
+              <a:rPr lang="de-DE" sz="1600" dirty="0">
+                <a:latin typeface="Consolas" panose="020B0609020204030204" pitchFamily="49" charset="0"/>
+              </a:rPr>
+              <a:t>    - </a:t>
+            </a:r>
+            <a:r>
+              <a:rPr lang="de-DE" sz="1600" dirty="0" err="1">
+                <a:latin typeface="Consolas" panose="020B0609020204030204" pitchFamily="49" charset="0"/>
+              </a:rPr>
+              <a:t>docker</a:t>
+            </a:r>
+            <a:r>
+              <a:rPr lang="de-DE" sz="1600" dirty="0">
+                <a:latin typeface="Consolas" panose="020B0609020204030204" pitchFamily="49" charset="0"/>
+              </a:rPr>
+              <a:t> </a:t>
+            </a:r>
+            <a:r>
+              <a:rPr lang="de-DE" sz="1600" dirty="0" err="1">
+                <a:latin typeface="Consolas" panose="020B0609020204030204" pitchFamily="49" charset="0"/>
+              </a:rPr>
+              <a:t>run</a:t>
+            </a:r>
+            <a:r>
+              <a:rPr lang="de-DE" sz="1600" dirty="0">
+                <a:latin typeface="Consolas" panose="020B0609020204030204" pitchFamily="49" charset="0"/>
+              </a:rPr>
+              <a:t> $CONTAINER_TEST_IMAGE /</a:t>
+            </a:r>
+            <a:r>
+              <a:rPr lang="de-DE" sz="1600" dirty="0" err="1">
+                <a:latin typeface="Consolas" panose="020B0609020204030204" pitchFamily="49" charset="0"/>
+              </a:rPr>
+              <a:t>script</a:t>
+            </a:r>
+            <a:r>
+              <a:rPr lang="de-DE" sz="1600" dirty="0">
+                <a:latin typeface="Consolas" panose="020B0609020204030204" pitchFamily="49" charset="0"/>
+              </a:rPr>
+              <a:t>/</a:t>
+            </a:r>
+            <a:r>
+              <a:rPr lang="de-DE" sz="1600" dirty="0" err="1">
+                <a:latin typeface="Consolas" panose="020B0609020204030204" pitchFamily="49" charset="0"/>
+              </a:rPr>
+              <a:t>to</a:t>
+            </a:r>
+            <a:r>
+              <a:rPr lang="de-DE" sz="1600" dirty="0">
+                <a:latin typeface="Consolas" panose="020B0609020204030204" pitchFamily="49" charset="0"/>
+              </a:rPr>
+              <a:t>/</a:t>
+            </a:r>
+            <a:r>
+              <a:rPr lang="de-DE" sz="1600" dirty="0" err="1">
+                <a:latin typeface="Consolas" panose="020B0609020204030204" pitchFamily="49" charset="0"/>
+              </a:rPr>
+              <a:t>run</a:t>
+            </a:r>
+            <a:r>
+              <a:rPr lang="de-DE" sz="1600" dirty="0">
+                <a:latin typeface="Consolas" panose="020B0609020204030204" pitchFamily="49" charset="0"/>
+              </a:rPr>
+              <a:t>/</a:t>
+            </a:r>
+            <a:r>
+              <a:rPr lang="de-DE" sz="1600" dirty="0" err="1">
+                <a:latin typeface="Consolas" panose="020B0609020204030204" pitchFamily="49" charset="0"/>
+              </a:rPr>
+              <a:t>tests</a:t>
+            </a:r>
+            <a:r>
+              <a:rPr lang="de-DE" sz="1600" dirty="0">
+                <a:latin typeface="Consolas" panose="020B0609020204030204" pitchFamily="49" charset="0"/>
+              </a:rPr>
+              <a:t> </a:t>
+            </a:r>
+            <a:r>
+              <a:rPr lang="de-DE" sz="1600" dirty="0">
+                <a:solidFill>
+                  <a:srgbClr val="008C5A"/>
+                </a:solidFill>
+                <a:latin typeface="Consolas" panose="020B0609020204030204" pitchFamily="49" charset="0"/>
+              </a:rPr>
+              <a:t># 3. Zwei </a:t>
+            </a:r>
+            <a:r>
+              <a:rPr lang="de-DE" sz="1600" dirty="0" err="1">
+                <a:solidFill>
+                  <a:srgbClr val="008C5A"/>
+                </a:solidFill>
+                <a:latin typeface="Consolas" panose="020B0609020204030204" pitchFamily="49" charset="0"/>
+              </a:rPr>
+              <a:t>paralell</a:t>
+            </a:r>
+            <a:r>
+              <a:rPr lang="de-DE" sz="1600" dirty="0">
+                <a:solidFill>
+                  <a:srgbClr val="008C5A"/>
+                </a:solidFill>
+                <a:latin typeface="Consolas" panose="020B0609020204030204" pitchFamily="49" charset="0"/>
+              </a:rPr>
+              <a:t> laufende Tests</a:t>
+            </a:r>
+          </a:p>
+          <a:p>
+            <a:pPr marL="0" indent="0">
+              <a:buNone/>
+            </a:pPr>
+            <a:endParaRPr lang="de-DE" sz="1600" dirty="0">
+              <a:latin typeface="Consolas" panose="020B0609020204030204" pitchFamily="49" charset="0"/>
+            </a:endParaRPr>
+          </a:p>
+          <a:p>
+            <a:pPr marL="0" indent="0">
+              <a:buNone/>
+            </a:pPr>
+            <a:r>
+              <a:rPr lang="de-DE" sz="1600" dirty="0">
+                <a:latin typeface="Consolas" panose="020B0609020204030204" pitchFamily="49" charset="0"/>
+              </a:rPr>
+              <a:t>test2:</a:t>
+            </a:r>
+          </a:p>
+          <a:p>
+            <a:pPr marL="0" indent="0">
+              <a:buNone/>
+            </a:pPr>
+            <a:r>
+              <a:rPr lang="de-DE" sz="1600" dirty="0">
+                <a:latin typeface="Consolas" panose="020B0609020204030204" pitchFamily="49" charset="0"/>
+              </a:rPr>
+              <a:t>  </a:t>
+            </a:r>
+            <a:r>
+              <a:rPr lang="de-DE" sz="1600" dirty="0" err="1">
+                <a:latin typeface="Consolas" panose="020B0609020204030204" pitchFamily="49" charset="0"/>
+              </a:rPr>
+              <a:t>stage</a:t>
+            </a:r>
+            <a:r>
+              <a:rPr lang="de-DE" sz="1600" dirty="0">
+                <a:latin typeface="Consolas" panose="020B0609020204030204" pitchFamily="49" charset="0"/>
+              </a:rPr>
+              <a:t>: </a:t>
+            </a:r>
+            <a:r>
+              <a:rPr lang="de-DE" sz="1600" dirty="0" err="1">
+                <a:latin typeface="Consolas" panose="020B0609020204030204" pitchFamily="49" charset="0"/>
+              </a:rPr>
+              <a:t>test</a:t>
+            </a:r>
+            <a:endParaRPr lang="de-DE" sz="1600" dirty="0">
+              <a:latin typeface="Consolas" panose="020B0609020204030204" pitchFamily="49" charset="0"/>
+            </a:endParaRPr>
+          </a:p>
+          <a:p>
+            <a:pPr marL="0" indent="0">
+              <a:buNone/>
+            </a:pPr>
+            <a:r>
+              <a:rPr lang="de-DE" sz="1600" dirty="0">
+                <a:latin typeface="Consolas" panose="020B0609020204030204" pitchFamily="49" charset="0"/>
+              </a:rPr>
+              <a:t>  </a:t>
+            </a:r>
+            <a:r>
+              <a:rPr lang="de-DE" sz="1600" dirty="0" err="1">
+                <a:latin typeface="Consolas" panose="020B0609020204030204" pitchFamily="49" charset="0"/>
+              </a:rPr>
+              <a:t>script</a:t>
+            </a:r>
+            <a:r>
+              <a:rPr lang="de-DE" sz="1600" dirty="0">
+                <a:latin typeface="Consolas" panose="020B0609020204030204" pitchFamily="49" charset="0"/>
+              </a:rPr>
+              <a:t>:</a:t>
+            </a:r>
+          </a:p>
+          <a:p>
+            <a:pPr marL="0" indent="0">
+              <a:buNone/>
+            </a:pPr>
+            <a:r>
+              <a:rPr lang="de-DE" sz="1600" dirty="0">
+                <a:latin typeface="Consolas" panose="020B0609020204030204" pitchFamily="49" charset="0"/>
+              </a:rPr>
+              <a:t>    - </a:t>
+            </a:r>
+            <a:r>
+              <a:rPr lang="de-DE" sz="1600" dirty="0" err="1">
+                <a:latin typeface="Consolas" panose="020B0609020204030204" pitchFamily="49" charset="0"/>
+              </a:rPr>
+              <a:t>docker</a:t>
+            </a:r>
+            <a:r>
+              <a:rPr lang="de-DE" sz="1600" dirty="0">
+                <a:latin typeface="Consolas" panose="020B0609020204030204" pitchFamily="49" charset="0"/>
+              </a:rPr>
+              <a:t> pull $CONTAINER_TEST_IMAGE </a:t>
+            </a:r>
+            <a:r>
+              <a:rPr lang="de-DE" sz="1600" dirty="0">
+                <a:solidFill>
+                  <a:srgbClr val="008C5A"/>
+                </a:solidFill>
+                <a:latin typeface="Consolas" panose="020B0609020204030204" pitchFamily="49" charset="0"/>
+              </a:rPr>
+              <a:t># 2. Von den nachfolgenden Stages (bei Bedarf) </a:t>
+            </a:r>
+            <a:r>
+              <a:rPr lang="de-DE" sz="1600" dirty="0" err="1">
+                <a:solidFill>
+                  <a:srgbClr val="008C5A"/>
+                </a:solidFill>
+                <a:latin typeface="Consolas" panose="020B0609020204030204" pitchFamily="49" charset="0"/>
+              </a:rPr>
+              <a:t>gepulled</a:t>
+            </a:r>
+            <a:endParaRPr lang="de-DE" sz="1600" dirty="0">
+              <a:solidFill>
+                <a:srgbClr val="008C5A"/>
+              </a:solidFill>
+              <a:latin typeface="Consolas" panose="020B0609020204030204" pitchFamily="49" charset="0"/>
+            </a:endParaRPr>
+          </a:p>
+          <a:p>
+            <a:pPr marL="0" indent="0">
+              <a:buNone/>
+            </a:pPr>
+            <a:r>
+              <a:rPr lang="de-DE" sz="1600" dirty="0">
+                <a:latin typeface="Consolas" panose="020B0609020204030204" pitchFamily="49" charset="0"/>
+              </a:rPr>
+              <a:t>    - </a:t>
+            </a:r>
+            <a:r>
+              <a:rPr lang="de-DE" sz="1600" dirty="0" err="1">
+                <a:latin typeface="Consolas" panose="020B0609020204030204" pitchFamily="49" charset="0"/>
+              </a:rPr>
+              <a:t>docker</a:t>
+            </a:r>
+            <a:r>
+              <a:rPr lang="de-DE" sz="1600" dirty="0">
+                <a:latin typeface="Consolas" panose="020B0609020204030204" pitchFamily="49" charset="0"/>
+              </a:rPr>
+              <a:t> </a:t>
+            </a:r>
+            <a:r>
+              <a:rPr lang="de-DE" sz="1600" dirty="0" err="1">
+                <a:latin typeface="Consolas" panose="020B0609020204030204" pitchFamily="49" charset="0"/>
+              </a:rPr>
+              <a:t>run</a:t>
+            </a:r>
+            <a:r>
+              <a:rPr lang="de-DE" sz="1600" dirty="0">
+                <a:latin typeface="Consolas" panose="020B0609020204030204" pitchFamily="49" charset="0"/>
+              </a:rPr>
+              <a:t> $CONTAINER_TEST_IMAGE /</a:t>
+            </a:r>
+            <a:r>
+              <a:rPr lang="de-DE" sz="1600" dirty="0" err="1">
+                <a:latin typeface="Consolas" panose="020B0609020204030204" pitchFamily="49" charset="0"/>
+              </a:rPr>
+              <a:t>script</a:t>
+            </a:r>
+            <a:r>
+              <a:rPr lang="de-DE" sz="1600" dirty="0">
+                <a:latin typeface="Consolas" panose="020B0609020204030204" pitchFamily="49" charset="0"/>
+              </a:rPr>
+              <a:t>/</a:t>
+            </a:r>
+            <a:r>
+              <a:rPr lang="de-DE" sz="1600" dirty="0" err="1">
+                <a:latin typeface="Consolas" panose="020B0609020204030204" pitchFamily="49" charset="0"/>
+              </a:rPr>
+              <a:t>to</a:t>
+            </a:r>
+            <a:r>
+              <a:rPr lang="de-DE" sz="1600" dirty="0">
+                <a:latin typeface="Consolas" panose="020B0609020204030204" pitchFamily="49" charset="0"/>
+              </a:rPr>
+              <a:t>/</a:t>
+            </a:r>
+            <a:r>
+              <a:rPr lang="de-DE" sz="1600" dirty="0" err="1">
+                <a:latin typeface="Consolas" panose="020B0609020204030204" pitchFamily="49" charset="0"/>
+              </a:rPr>
+              <a:t>run</a:t>
+            </a:r>
+            <a:r>
+              <a:rPr lang="de-DE" sz="1600" dirty="0">
+                <a:latin typeface="Consolas" panose="020B0609020204030204" pitchFamily="49" charset="0"/>
+              </a:rPr>
+              <a:t>/</a:t>
+            </a:r>
+            <a:r>
+              <a:rPr lang="de-DE" sz="1600" dirty="0" err="1">
+                <a:latin typeface="Consolas" panose="020B0609020204030204" pitchFamily="49" charset="0"/>
+              </a:rPr>
+              <a:t>another</a:t>
+            </a:r>
+            <a:r>
+              <a:rPr lang="de-DE" sz="1600" dirty="0">
+                <a:latin typeface="Consolas" panose="020B0609020204030204" pitchFamily="49" charset="0"/>
+              </a:rPr>
+              <a:t>/</a:t>
+            </a:r>
+            <a:r>
+              <a:rPr lang="de-DE" sz="1600" dirty="0" err="1">
+                <a:latin typeface="Consolas" panose="020B0609020204030204" pitchFamily="49" charset="0"/>
+              </a:rPr>
+              <a:t>test</a:t>
+            </a:r>
+            <a:r>
+              <a:rPr lang="de-DE" sz="1600" dirty="0">
+                <a:latin typeface="Consolas" panose="020B0609020204030204" pitchFamily="49" charset="0"/>
+              </a:rPr>
+              <a:t> </a:t>
+            </a:r>
+            <a:r>
+              <a:rPr lang="de-DE" sz="1600" dirty="0">
+                <a:solidFill>
+                  <a:srgbClr val="008C5A"/>
+                </a:solidFill>
+                <a:latin typeface="Consolas" panose="020B0609020204030204" pitchFamily="49" charset="0"/>
+              </a:rPr>
+              <a:t># 3. Zwei </a:t>
+            </a:r>
+            <a:r>
+              <a:rPr lang="de-DE" sz="1600" dirty="0" err="1">
+                <a:solidFill>
+                  <a:srgbClr val="008C5A"/>
+                </a:solidFill>
+                <a:latin typeface="Consolas" panose="020B0609020204030204" pitchFamily="49" charset="0"/>
+              </a:rPr>
+              <a:t>paralell</a:t>
+            </a:r>
+            <a:r>
+              <a:rPr lang="de-DE" sz="1600" dirty="0">
+                <a:solidFill>
+                  <a:srgbClr val="008C5A"/>
+                </a:solidFill>
+                <a:latin typeface="Consolas" panose="020B0609020204030204" pitchFamily="49" charset="0"/>
+              </a:rPr>
+              <a:t> laufende Tests</a:t>
+            </a:r>
+          </a:p>
+          <a:p>
+            <a:pPr marL="0" indent="0">
+              <a:buNone/>
+            </a:pPr>
+            <a:endParaRPr lang="de-DE" sz="1600" dirty="0">
+              <a:latin typeface="Consolas" panose="020B0609020204030204" pitchFamily="49" charset="0"/>
+            </a:endParaRPr>
+          </a:p>
+          <a:p>
+            <a:pPr marL="0" indent="0">
+              <a:buNone/>
+            </a:pPr>
+            <a:endParaRPr lang="de-DE" sz="1600" dirty="0">
+              <a:latin typeface="Consolas" panose="020B0609020204030204" pitchFamily="49" charset="0"/>
+            </a:endParaRPr>
+          </a:p>
+          <a:p>
+            <a:pPr marL="0" indent="0">
+              <a:buNone/>
+            </a:pPr>
+            <a:endParaRPr lang="de-DE" sz="1600" dirty="0">
+              <a:latin typeface="Consolas" panose="020B0609020204030204" pitchFamily="49" charset="0"/>
+            </a:endParaRPr>
+          </a:p>
+        </p:txBody>
+      </p:sp>
+    </p:spTree>
+    <p:extLst>
+      <p:ext uri="{BB962C8B-B14F-4D97-AF65-F5344CB8AC3E}">
+        <p14:creationId xmlns:p14="http://schemas.microsoft.com/office/powerpoint/2010/main" val="3546609096"/>
+      </p:ext>
+    </p:extLst>
+  </p:cSld>
+  <p:clrMapOvr>
+    <a:masterClrMapping/>
+  </p:clrMapOvr>
+</p:sld>
+</file>
+
+<file path=ppt/slides/slide19.xml><?xml version="1.0" encoding="utf-8"?>
+<p:sld xmlns:a="http://schemas.openxmlformats.org/drawingml/2006/main" xmlns:r="http://schemas.openxmlformats.org/officeDocument/2006/relationships" xmlns:p="http://schemas.openxmlformats.org/presentationml/2006/main">
+  <p:cSld>
+    <p:spTree>
+      <p:nvGrpSpPr>
+        <p:cNvPr id="1" name=""/>
+        <p:cNvGrpSpPr/>
+        <p:nvPr/>
+      </p:nvGrpSpPr>
+      <p:grpSpPr>
+        <a:xfrm>
+          <a:off x="0" y="0"/>
+          <a:ext cx="0" cy="0"/>
+          <a:chOff x="0" y="0"/>
+          <a:chExt cx="0" cy="0"/>
+        </a:xfrm>
+      </p:grpSpPr>
+      <p:sp>
+        <p:nvSpPr>
+          <p:cNvPr id="2" name="Titel 1">
+            <a:extLst>
+              <a:ext uri="{FF2B5EF4-FFF2-40B4-BE49-F238E27FC236}">
+                <a16:creationId xmlns:a16="http://schemas.microsoft.com/office/drawing/2014/main" id="{49A48EBC-55D9-6D64-715F-AF6DEBF117C3}"/>
+              </a:ext>
+            </a:extLst>
+          </p:cNvPr>
+          <p:cNvSpPr>
+            <a:spLocks noGrp="1"/>
+          </p:cNvSpPr>
+          <p:nvPr>
+            <p:ph type="title"/>
+          </p:nvPr>
+        </p:nvSpPr>
+        <p:spPr/>
+        <p:txBody>
+          <a:bodyPr/>
+          <a:lstStyle/>
+          <a:p>
+            <a:r>
+              <a:rPr lang="de-DE" cap="none" dirty="0"/>
+              <a:t>Abschlussübung &amp; Diskussion</a:t>
+            </a:r>
+            <a:endParaRPr lang="de-DE" dirty="0"/>
+          </a:p>
+        </p:txBody>
+      </p:sp>
+      <p:sp>
+        <p:nvSpPr>
+          <p:cNvPr id="3" name="Inhaltsplatzhalter 2">
+            <a:extLst>
+              <a:ext uri="{FF2B5EF4-FFF2-40B4-BE49-F238E27FC236}">
+                <a16:creationId xmlns:a16="http://schemas.microsoft.com/office/drawing/2014/main" id="{7B404127-ED2B-6905-BDD1-3C60D11A2A7C}"/>
+              </a:ext>
+            </a:extLst>
+          </p:cNvPr>
+          <p:cNvSpPr>
+            <a:spLocks noGrp="1"/>
+          </p:cNvSpPr>
+          <p:nvPr>
+            <p:ph idx="1"/>
+          </p:nvPr>
+        </p:nvSpPr>
+        <p:spPr/>
+        <p:txBody>
+          <a:bodyPr/>
+          <a:lstStyle/>
+          <a:p>
+            <a:pPr marL="0" indent="0">
+              <a:buNone/>
+            </a:pPr>
+            <a:r>
+              <a:rPr lang="de-DE" sz="2000" b="1" dirty="0">
+                <a:latin typeface="Consolas" panose="020B0609020204030204" pitchFamily="49" charset="0"/>
+              </a:rPr>
+              <a:t>.</a:t>
+            </a:r>
+            <a:r>
+              <a:rPr lang="de-DE" sz="2000" b="1" dirty="0" err="1">
+                <a:latin typeface="Consolas" panose="020B0609020204030204" pitchFamily="49" charset="0"/>
+              </a:rPr>
+              <a:t>gitlab-ci.yml</a:t>
+            </a:r>
+            <a:r>
+              <a:rPr lang="de-DE" sz="2000" b="1" dirty="0">
+                <a:latin typeface="Consolas" panose="020B0609020204030204" pitchFamily="49" charset="0"/>
+              </a:rPr>
+              <a:t> (4/4)</a:t>
+            </a:r>
+          </a:p>
+          <a:p>
+            <a:pPr marL="0" indent="0">
+              <a:buNone/>
+            </a:pPr>
+            <a:r>
+              <a:rPr lang="de-DE" sz="1400" dirty="0">
+                <a:latin typeface="Consolas" panose="020B0609020204030204" pitchFamily="49" charset="0"/>
+              </a:rPr>
+              <a:t>release-image:</a:t>
+            </a:r>
+          </a:p>
+          <a:p>
+            <a:pPr marL="0" indent="0">
+              <a:buNone/>
+            </a:pPr>
+            <a:r>
+              <a:rPr lang="de-DE" sz="1400" dirty="0">
+                <a:latin typeface="Consolas" panose="020B0609020204030204" pitchFamily="49" charset="0"/>
+              </a:rPr>
+              <a:t>  </a:t>
+            </a:r>
+            <a:r>
+              <a:rPr lang="de-DE" sz="1400" dirty="0" err="1">
+                <a:latin typeface="Consolas" panose="020B0609020204030204" pitchFamily="49" charset="0"/>
+              </a:rPr>
+              <a:t>stage</a:t>
+            </a:r>
+            <a:r>
+              <a:rPr lang="de-DE" sz="1400" dirty="0">
+                <a:latin typeface="Consolas" panose="020B0609020204030204" pitchFamily="49" charset="0"/>
+              </a:rPr>
+              <a:t>: release</a:t>
+            </a:r>
+          </a:p>
+          <a:p>
+            <a:pPr marL="0" indent="0">
+              <a:buNone/>
+            </a:pPr>
+            <a:r>
+              <a:rPr lang="de-DE" sz="1400" dirty="0">
+                <a:latin typeface="Consolas" panose="020B0609020204030204" pitchFamily="49" charset="0"/>
+              </a:rPr>
+              <a:t>  </a:t>
+            </a:r>
+            <a:r>
+              <a:rPr lang="de-DE" sz="1400" dirty="0" err="1">
+                <a:latin typeface="Consolas" panose="020B0609020204030204" pitchFamily="49" charset="0"/>
+              </a:rPr>
+              <a:t>script</a:t>
+            </a:r>
+            <a:r>
+              <a:rPr lang="de-DE" sz="1400" dirty="0">
+                <a:latin typeface="Consolas" panose="020B0609020204030204" pitchFamily="49" charset="0"/>
+              </a:rPr>
+              <a:t>:</a:t>
+            </a:r>
+          </a:p>
+          <a:p>
+            <a:pPr marL="0" indent="0">
+              <a:buNone/>
+            </a:pPr>
+            <a:r>
+              <a:rPr lang="de-DE" sz="1400" dirty="0">
+                <a:latin typeface="Consolas" panose="020B0609020204030204" pitchFamily="49" charset="0"/>
+              </a:rPr>
+              <a:t>    - </a:t>
+            </a:r>
+            <a:r>
+              <a:rPr lang="de-DE" sz="1400" dirty="0" err="1">
+                <a:latin typeface="Consolas" panose="020B0609020204030204" pitchFamily="49" charset="0"/>
+              </a:rPr>
+              <a:t>docker</a:t>
+            </a:r>
+            <a:r>
+              <a:rPr lang="de-DE" sz="1400" dirty="0">
+                <a:latin typeface="Consolas" panose="020B0609020204030204" pitchFamily="49" charset="0"/>
+              </a:rPr>
+              <a:t> pull $CONTAINER_TEST_IMAGE </a:t>
+            </a:r>
+            <a:r>
+              <a:rPr lang="de-DE" sz="1400" dirty="0">
+                <a:solidFill>
+                  <a:srgbClr val="008C5A"/>
+                </a:solidFill>
+                <a:latin typeface="Consolas" panose="020B0609020204030204" pitchFamily="49" charset="0"/>
+              </a:rPr>
+              <a:t># 2. Von den nachfolgenden Stages (bei Bedarf) </a:t>
+            </a:r>
+            <a:r>
+              <a:rPr lang="de-DE" sz="1400" dirty="0" err="1">
+                <a:solidFill>
+                  <a:srgbClr val="008C5A"/>
+                </a:solidFill>
+                <a:latin typeface="Consolas" panose="020B0609020204030204" pitchFamily="49" charset="0"/>
+              </a:rPr>
+              <a:t>gepulled</a:t>
+            </a:r>
+            <a:endParaRPr lang="de-DE" sz="1400" dirty="0">
+              <a:solidFill>
+                <a:srgbClr val="008C5A"/>
+              </a:solidFill>
+              <a:latin typeface="Consolas" panose="020B0609020204030204" pitchFamily="49" charset="0"/>
+            </a:endParaRPr>
+          </a:p>
+          <a:p>
+            <a:pPr marL="0" indent="0">
+              <a:buNone/>
+            </a:pPr>
+            <a:r>
+              <a:rPr lang="de-DE" sz="1400" dirty="0">
+                <a:latin typeface="Consolas" panose="020B0609020204030204" pitchFamily="49" charset="0"/>
+              </a:rPr>
+              <a:t>    - </a:t>
+            </a:r>
+            <a:r>
+              <a:rPr lang="de-DE" sz="1400" dirty="0" err="1">
+                <a:latin typeface="Consolas" panose="020B0609020204030204" pitchFamily="49" charset="0"/>
+              </a:rPr>
+              <a:t>docker</a:t>
+            </a:r>
+            <a:r>
+              <a:rPr lang="de-DE" sz="1400" dirty="0">
+                <a:latin typeface="Consolas" panose="020B0609020204030204" pitchFamily="49" charset="0"/>
+              </a:rPr>
+              <a:t> tag $CONTAINER_TEST_IMAGE $CONTAINER_RELEASE_IMAGE </a:t>
+            </a:r>
+            <a:r>
+              <a:rPr lang="de-DE" sz="1400" dirty="0">
+                <a:solidFill>
+                  <a:srgbClr val="008C5A"/>
+                </a:solidFill>
+                <a:latin typeface="Consolas" panose="020B0609020204030204" pitchFamily="49" charset="0"/>
+              </a:rPr>
+              <a:t># 4. Änderungen am </a:t>
+            </a:r>
+            <a:r>
+              <a:rPr lang="de-DE" sz="1400" dirty="0" err="1">
+                <a:solidFill>
+                  <a:srgbClr val="008C5A"/>
+                </a:solidFill>
+                <a:latin typeface="Consolas" panose="020B0609020204030204" pitchFamily="49" charset="0"/>
+              </a:rPr>
+              <a:t>main</a:t>
+            </a:r>
+            <a:r>
+              <a:rPr lang="de-DE" sz="1400" dirty="0">
+                <a:solidFill>
+                  <a:srgbClr val="008C5A"/>
+                </a:solidFill>
+                <a:latin typeface="Consolas" panose="020B0609020204030204" pitchFamily="49" charset="0"/>
+              </a:rPr>
+              <a:t> werden als </a:t>
+            </a:r>
+            <a:r>
+              <a:rPr lang="de-DE" sz="1400" dirty="0" err="1">
+                <a:solidFill>
+                  <a:srgbClr val="008C5A"/>
+                </a:solidFill>
+                <a:latin typeface="Consolas" panose="020B0609020204030204" pitchFamily="49" charset="0"/>
+              </a:rPr>
+              <a:t>latest</a:t>
+            </a:r>
+            <a:r>
+              <a:rPr lang="de-DE" sz="1400" dirty="0">
+                <a:solidFill>
+                  <a:srgbClr val="008C5A"/>
+                </a:solidFill>
+                <a:latin typeface="Consolas" panose="020B0609020204030204" pitchFamily="49" charset="0"/>
+              </a:rPr>
+              <a:t> </a:t>
+            </a:r>
+            <a:r>
+              <a:rPr lang="de-DE" sz="1400" dirty="0" err="1">
+                <a:solidFill>
+                  <a:srgbClr val="008C5A"/>
+                </a:solidFill>
+                <a:latin typeface="Consolas" panose="020B0609020204030204" pitchFamily="49" charset="0"/>
+              </a:rPr>
+              <a:t>getagged</a:t>
+            </a:r>
+            <a:endParaRPr lang="de-DE" sz="1400" dirty="0">
+              <a:solidFill>
+                <a:srgbClr val="008C5A"/>
+              </a:solidFill>
+              <a:latin typeface="Consolas" panose="020B0609020204030204" pitchFamily="49" charset="0"/>
+            </a:endParaRPr>
+          </a:p>
+          <a:p>
+            <a:pPr marL="0" indent="0">
+              <a:buNone/>
+            </a:pPr>
+            <a:r>
+              <a:rPr lang="de-DE" sz="1400" dirty="0">
+                <a:latin typeface="Consolas" panose="020B0609020204030204" pitchFamily="49" charset="0"/>
+              </a:rPr>
+              <a:t>    - </a:t>
+            </a:r>
+            <a:r>
+              <a:rPr lang="de-DE" sz="1400" dirty="0" err="1">
+                <a:latin typeface="Consolas" panose="020B0609020204030204" pitchFamily="49" charset="0"/>
+              </a:rPr>
+              <a:t>docker</a:t>
+            </a:r>
+            <a:r>
+              <a:rPr lang="de-DE" sz="1400" dirty="0">
+                <a:latin typeface="Consolas" panose="020B0609020204030204" pitchFamily="49" charset="0"/>
+              </a:rPr>
+              <a:t> push $CONTAINER_RELEASE_IMAGE</a:t>
+            </a:r>
+          </a:p>
+          <a:p>
+            <a:pPr marL="0" indent="0">
+              <a:buNone/>
+            </a:pPr>
+            <a:r>
+              <a:rPr lang="de-DE" sz="1400" dirty="0">
+                <a:latin typeface="Consolas" panose="020B0609020204030204" pitchFamily="49" charset="0"/>
+              </a:rPr>
+              <a:t>  </a:t>
+            </a:r>
+            <a:r>
+              <a:rPr lang="de-DE" sz="1400" dirty="0" err="1">
+                <a:latin typeface="Consolas" panose="020B0609020204030204" pitchFamily="49" charset="0"/>
+              </a:rPr>
+              <a:t>only</a:t>
+            </a:r>
+            <a:r>
+              <a:rPr lang="de-DE" sz="1400" dirty="0">
+                <a:latin typeface="Consolas" panose="020B0609020204030204" pitchFamily="49" charset="0"/>
+              </a:rPr>
+              <a:t>:</a:t>
+            </a:r>
+          </a:p>
+          <a:p>
+            <a:pPr marL="0" indent="0">
+              <a:buNone/>
+            </a:pPr>
+            <a:r>
+              <a:rPr lang="de-DE" sz="1400" dirty="0">
+                <a:latin typeface="Consolas" panose="020B0609020204030204" pitchFamily="49" charset="0"/>
+              </a:rPr>
+              <a:t>    - </a:t>
+            </a:r>
+            <a:r>
+              <a:rPr lang="de-DE" sz="1400" dirty="0" err="1">
+                <a:latin typeface="Consolas" panose="020B0609020204030204" pitchFamily="49" charset="0"/>
+              </a:rPr>
+              <a:t>main</a:t>
+            </a:r>
+            <a:endParaRPr lang="de-DE" sz="1400" dirty="0">
+              <a:latin typeface="Consolas" panose="020B0609020204030204" pitchFamily="49" charset="0"/>
+            </a:endParaRPr>
+          </a:p>
+          <a:p>
+            <a:pPr marL="0" indent="0">
+              <a:buNone/>
+            </a:pPr>
+            <a:endParaRPr lang="de-DE" sz="1400" dirty="0">
+              <a:latin typeface="Consolas" panose="020B0609020204030204" pitchFamily="49" charset="0"/>
+            </a:endParaRPr>
+          </a:p>
+          <a:p>
+            <a:pPr marL="0" indent="0">
+              <a:buNone/>
+            </a:pPr>
+            <a:r>
+              <a:rPr lang="de-DE" sz="1400" dirty="0">
+                <a:solidFill>
+                  <a:srgbClr val="008C5A"/>
+                </a:solidFill>
+                <a:latin typeface="Consolas" panose="020B0609020204030204" pitchFamily="49" charset="0"/>
+              </a:rPr>
+              <a:t># 5. </a:t>
+            </a:r>
+            <a:r>
+              <a:rPr lang="de-DE" sz="1400" dirty="0" err="1">
+                <a:solidFill>
+                  <a:srgbClr val="008C5A"/>
+                </a:solidFill>
+                <a:latin typeface="Consolas" panose="020B0609020204030204" pitchFamily="49" charset="0"/>
+              </a:rPr>
+              <a:t>Deployment</a:t>
+            </a:r>
+            <a:r>
+              <a:rPr lang="de-DE" sz="1400" dirty="0">
+                <a:solidFill>
+                  <a:srgbClr val="008C5A"/>
+                </a:solidFill>
+                <a:latin typeface="Consolas" panose="020B0609020204030204" pitchFamily="49" charset="0"/>
+              </a:rPr>
+              <a:t> über anwendungs-spezifisches Deploy-Skript</a:t>
+            </a:r>
+          </a:p>
+          <a:p>
+            <a:pPr marL="0" indent="0">
+              <a:buNone/>
+            </a:pPr>
+            <a:r>
+              <a:rPr lang="de-DE" sz="1400" dirty="0">
+                <a:latin typeface="Consolas" panose="020B0609020204030204" pitchFamily="49" charset="0"/>
+              </a:rPr>
+              <a:t>deploy:</a:t>
+            </a:r>
+          </a:p>
+          <a:p>
+            <a:pPr marL="0" indent="0">
+              <a:buNone/>
+            </a:pPr>
+            <a:r>
+              <a:rPr lang="de-DE" sz="1400" dirty="0">
+                <a:latin typeface="Consolas" panose="020B0609020204030204" pitchFamily="49" charset="0"/>
+              </a:rPr>
+              <a:t>  </a:t>
+            </a:r>
+            <a:r>
+              <a:rPr lang="de-DE" sz="1400" dirty="0" err="1">
+                <a:latin typeface="Consolas" panose="020B0609020204030204" pitchFamily="49" charset="0"/>
+              </a:rPr>
+              <a:t>stage</a:t>
+            </a:r>
+            <a:r>
+              <a:rPr lang="de-DE" sz="1400" dirty="0">
+                <a:latin typeface="Consolas" panose="020B0609020204030204" pitchFamily="49" charset="0"/>
+              </a:rPr>
+              <a:t>: deploy</a:t>
+            </a:r>
+          </a:p>
+          <a:p>
+            <a:pPr marL="0" indent="0">
+              <a:buNone/>
+            </a:pPr>
+            <a:r>
+              <a:rPr lang="de-DE" sz="1400" dirty="0">
+                <a:latin typeface="Consolas" panose="020B0609020204030204" pitchFamily="49" charset="0"/>
+              </a:rPr>
+              <a:t>  </a:t>
+            </a:r>
+            <a:r>
+              <a:rPr lang="de-DE" sz="1400" dirty="0" err="1">
+                <a:latin typeface="Consolas" panose="020B0609020204030204" pitchFamily="49" charset="0"/>
+              </a:rPr>
+              <a:t>script</a:t>
+            </a:r>
+            <a:r>
+              <a:rPr lang="de-DE" sz="1400" dirty="0">
+                <a:latin typeface="Consolas" panose="020B0609020204030204" pitchFamily="49" charset="0"/>
+              </a:rPr>
+              <a:t>:</a:t>
+            </a:r>
+          </a:p>
+          <a:p>
+            <a:pPr marL="0" indent="0">
+              <a:buNone/>
+            </a:pPr>
+            <a:r>
+              <a:rPr lang="de-DE" sz="1400" dirty="0">
+                <a:latin typeface="Consolas" panose="020B0609020204030204" pitchFamily="49" charset="0"/>
+              </a:rPr>
+              <a:t>    - ./deploy.sh</a:t>
+            </a:r>
+          </a:p>
+          <a:p>
+            <a:pPr marL="0" indent="0">
+              <a:buNone/>
+            </a:pPr>
+            <a:r>
+              <a:rPr lang="de-DE" sz="1400" dirty="0">
+                <a:latin typeface="Consolas" panose="020B0609020204030204" pitchFamily="49" charset="0"/>
+              </a:rPr>
+              <a:t>  </a:t>
+            </a:r>
+            <a:r>
+              <a:rPr lang="de-DE" sz="1400" dirty="0" err="1">
+                <a:latin typeface="Consolas" panose="020B0609020204030204" pitchFamily="49" charset="0"/>
+              </a:rPr>
+              <a:t>only</a:t>
+            </a:r>
+            <a:r>
+              <a:rPr lang="de-DE" sz="1400" dirty="0">
+                <a:latin typeface="Consolas" panose="020B0609020204030204" pitchFamily="49" charset="0"/>
+              </a:rPr>
+              <a:t>:</a:t>
+            </a:r>
+          </a:p>
+          <a:p>
+            <a:pPr marL="0" indent="0">
+              <a:buNone/>
+            </a:pPr>
+            <a:r>
+              <a:rPr lang="de-DE" sz="1400" dirty="0">
+                <a:latin typeface="Consolas" panose="020B0609020204030204" pitchFamily="49" charset="0"/>
+              </a:rPr>
+              <a:t>    - </a:t>
+            </a:r>
+            <a:r>
+              <a:rPr lang="de-DE" sz="1400" dirty="0" err="1">
+                <a:latin typeface="Consolas" panose="020B0609020204030204" pitchFamily="49" charset="0"/>
+              </a:rPr>
+              <a:t>main</a:t>
+            </a:r>
+            <a:endParaRPr lang="de-DE" sz="1400" dirty="0">
+              <a:latin typeface="Consolas" panose="020B0609020204030204" pitchFamily="49" charset="0"/>
+            </a:endParaRPr>
+          </a:p>
+          <a:p>
+            <a:pPr marL="0" indent="0">
+              <a:buNone/>
+            </a:pPr>
+            <a:r>
+              <a:rPr lang="de-DE" sz="1400" dirty="0">
+                <a:latin typeface="Consolas" panose="020B0609020204030204" pitchFamily="49" charset="0"/>
+              </a:rPr>
+              <a:t>  </a:t>
+            </a:r>
+            <a:r>
+              <a:rPr lang="de-DE" sz="1400" dirty="0" err="1">
+                <a:latin typeface="Consolas" panose="020B0609020204030204" pitchFamily="49" charset="0"/>
+              </a:rPr>
+              <a:t>environment</a:t>
+            </a:r>
+            <a:r>
+              <a:rPr lang="de-DE" sz="1400" dirty="0">
+                <a:latin typeface="Consolas" panose="020B0609020204030204" pitchFamily="49" charset="0"/>
+              </a:rPr>
+              <a:t>: </a:t>
+            </a:r>
+            <a:r>
+              <a:rPr lang="de-DE" sz="1400" dirty="0" err="1">
+                <a:latin typeface="Consolas" panose="020B0609020204030204" pitchFamily="49" charset="0"/>
+              </a:rPr>
+              <a:t>production</a:t>
+            </a:r>
+            <a:endParaRPr lang="de-DE" sz="1400" dirty="0">
+              <a:latin typeface="Consolas" panose="020B0609020204030204" pitchFamily="49" charset="0"/>
+            </a:endParaRPr>
+          </a:p>
+          <a:p>
+            <a:pPr marL="0" indent="0">
+              <a:buNone/>
+            </a:pPr>
+            <a:endParaRPr lang="de-DE" sz="1600" dirty="0">
+              <a:latin typeface="Consolas" panose="020B0609020204030204" pitchFamily="49" charset="0"/>
+            </a:endParaRPr>
+          </a:p>
+          <a:p>
+            <a:pPr marL="0" indent="0">
+              <a:buNone/>
+            </a:pPr>
+            <a:endParaRPr lang="de-DE" sz="1600" dirty="0">
+              <a:latin typeface="Consolas" panose="020B0609020204030204" pitchFamily="49" charset="0"/>
+            </a:endParaRPr>
+          </a:p>
+          <a:p>
+            <a:pPr marL="0" indent="0">
+              <a:buNone/>
+            </a:pPr>
+            <a:endParaRPr lang="de-DE" sz="1600" dirty="0">
+              <a:latin typeface="Consolas" panose="020B0609020204030204" pitchFamily="49" charset="0"/>
+            </a:endParaRPr>
+          </a:p>
+        </p:txBody>
+      </p:sp>
+    </p:spTree>
+    <p:extLst>
+      <p:ext uri="{BB962C8B-B14F-4D97-AF65-F5344CB8AC3E}">
+        <p14:creationId xmlns:p14="http://schemas.microsoft.com/office/powerpoint/2010/main" val="2664526633"/>
       </p:ext>
     </p:extLst>
   </p:cSld>
@@ -5775,6 +7997,226 @@
         </p:txBody>
       </p:sp>
     </p:spTree>
+  </p:cSld>
+  <p:clrMapOvr>
+    <a:masterClrMapping/>
+  </p:clrMapOvr>
+</p:sld>
+</file>
+
+<file path=ppt/slides/slide20.xml><?xml version="1.0" encoding="utf-8"?>
+<p:sld xmlns:a="http://schemas.openxmlformats.org/drawingml/2006/main" xmlns:r="http://schemas.openxmlformats.org/officeDocument/2006/relationships" xmlns:p="http://schemas.openxmlformats.org/presentationml/2006/main">
+  <p:cSld>
+    <p:spTree>
+      <p:nvGrpSpPr>
+        <p:cNvPr id="1" name=""/>
+        <p:cNvGrpSpPr/>
+        <p:nvPr/>
+      </p:nvGrpSpPr>
+      <p:grpSpPr>
+        <a:xfrm>
+          <a:off x="0" y="0"/>
+          <a:ext cx="0" cy="0"/>
+          <a:chOff x="0" y="0"/>
+          <a:chExt cx="0" cy="0"/>
+        </a:xfrm>
+      </p:grpSpPr>
+      <p:sp>
+        <p:nvSpPr>
+          <p:cNvPr id="2" name="Titel 1">
+            <a:extLst>
+              <a:ext uri="{FF2B5EF4-FFF2-40B4-BE49-F238E27FC236}">
+                <a16:creationId xmlns:a16="http://schemas.microsoft.com/office/drawing/2014/main" id="{C68C1737-D484-715E-7DED-B4DAE0681091}"/>
+              </a:ext>
+            </a:extLst>
+          </p:cNvPr>
+          <p:cNvSpPr>
+            <a:spLocks noGrp="1"/>
+          </p:cNvSpPr>
+          <p:nvPr>
+            <p:ph type="title"/>
+          </p:nvPr>
+        </p:nvSpPr>
+        <p:spPr/>
+        <p:txBody>
+          <a:bodyPr/>
+          <a:lstStyle/>
+          <a:p>
+            <a:r>
+              <a:rPr lang="de-DE" cap="none"/>
+              <a:t>Abschlussübung &amp; Diskussion</a:t>
+            </a:r>
+            <a:endParaRPr lang="de-DE" dirty="0"/>
+          </a:p>
+        </p:txBody>
+      </p:sp>
+      <p:sp>
+        <p:nvSpPr>
+          <p:cNvPr id="3" name="Inhaltsplatzhalter 2">
+            <a:extLst>
+              <a:ext uri="{FF2B5EF4-FFF2-40B4-BE49-F238E27FC236}">
+                <a16:creationId xmlns:a16="http://schemas.microsoft.com/office/drawing/2014/main" id="{587B5FFC-7C29-4CF8-B4D6-9549918B4725}"/>
+              </a:ext>
+            </a:extLst>
+          </p:cNvPr>
+          <p:cNvSpPr>
+            <a:spLocks noGrp="1"/>
+          </p:cNvSpPr>
+          <p:nvPr>
+            <p:ph idx="1"/>
+          </p:nvPr>
+        </p:nvSpPr>
+        <p:spPr/>
+        <p:txBody>
+          <a:bodyPr/>
+          <a:lstStyle/>
+          <a:p>
+            <a:pPr marL="0" indent="0">
+              <a:buNone/>
+            </a:pPr>
+            <a:r>
+              <a:rPr lang="de-DE" dirty="0"/>
+              <a:t>Inhalt von hier übernehmen:</a:t>
+            </a:r>
+          </a:p>
+          <a:p>
+            <a:pPr marL="0" indent="0">
+              <a:buNone/>
+            </a:pPr>
+            <a:r>
+              <a:rPr lang="de-DE" dirty="0">
+                <a:hlinkClick r:id="rId2"/>
+              </a:rPr>
+              <a:t>https://docs.gitlab.com/ee/ci/quick_start/tutorial.html</a:t>
+            </a:r>
+            <a:endParaRPr lang="de-DE" dirty="0"/>
+          </a:p>
+          <a:p>
+            <a:pPr marL="0" indent="0">
+              <a:buNone/>
+            </a:pPr>
+            <a:endParaRPr lang="de-DE" dirty="0"/>
+          </a:p>
+          <a:p>
+            <a:pPr marL="0" indent="0">
+              <a:buNone/>
+            </a:pPr>
+            <a:r>
+              <a:rPr lang="de-DE" dirty="0"/>
+              <a:t>Das wird nochmal eine „komplexere“ Pipeline.</a:t>
+            </a:r>
+          </a:p>
+        </p:txBody>
+      </p:sp>
+    </p:spTree>
+    <p:extLst>
+      <p:ext uri="{BB962C8B-B14F-4D97-AF65-F5344CB8AC3E}">
+        <p14:creationId xmlns:p14="http://schemas.microsoft.com/office/powerpoint/2010/main" val="3612983727"/>
+      </p:ext>
+    </p:extLst>
+  </p:cSld>
+  <p:clrMapOvr>
+    <a:masterClrMapping/>
+  </p:clrMapOvr>
+</p:sld>
+</file>
+
+<file path=ppt/slides/slide21.xml><?xml version="1.0" encoding="utf-8"?>
+<p:sld xmlns:a="http://schemas.openxmlformats.org/drawingml/2006/main" xmlns:r="http://schemas.openxmlformats.org/officeDocument/2006/relationships" xmlns:p="http://schemas.openxmlformats.org/presentationml/2006/main">
+  <p:cSld>
+    <p:spTree>
+      <p:nvGrpSpPr>
+        <p:cNvPr id="1" name=""/>
+        <p:cNvGrpSpPr/>
+        <p:nvPr/>
+      </p:nvGrpSpPr>
+      <p:grpSpPr>
+        <a:xfrm>
+          <a:off x="0" y="0"/>
+          <a:ext cx="0" cy="0"/>
+          <a:chOff x="0" y="0"/>
+          <a:chExt cx="0" cy="0"/>
+        </a:xfrm>
+      </p:grpSpPr>
+      <p:sp>
+        <p:nvSpPr>
+          <p:cNvPr id="2" name="Titel 1">
+            <a:extLst>
+              <a:ext uri="{FF2B5EF4-FFF2-40B4-BE49-F238E27FC236}">
+                <a16:creationId xmlns:a16="http://schemas.microsoft.com/office/drawing/2014/main" id="{C68C1737-D484-715E-7DED-B4DAE0681091}"/>
+              </a:ext>
+            </a:extLst>
+          </p:cNvPr>
+          <p:cNvSpPr>
+            <a:spLocks noGrp="1"/>
+          </p:cNvSpPr>
+          <p:nvPr>
+            <p:ph type="title"/>
+          </p:nvPr>
+        </p:nvSpPr>
+        <p:spPr/>
+        <p:txBody>
+          <a:bodyPr/>
+          <a:lstStyle/>
+          <a:p>
+            <a:r>
+              <a:rPr lang="de-DE" cap="none"/>
+              <a:t>Abschlussübung &amp; Diskussion</a:t>
+            </a:r>
+            <a:endParaRPr lang="de-DE" dirty="0"/>
+          </a:p>
+        </p:txBody>
+      </p:sp>
+      <p:sp>
+        <p:nvSpPr>
+          <p:cNvPr id="3" name="Inhaltsplatzhalter 2">
+            <a:extLst>
+              <a:ext uri="{FF2B5EF4-FFF2-40B4-BE49-F238E27FC236}">
+                <a16:creationId xmlns:a16="http://schemas.microsoft.com/office/drawing/2014/main" id="{587B5FFC-7C29-4CF8-B4D6-9549918B4725}"/>
+              </a:ext>
+            </a:extLst>
+          </p:cNvPr>
+          <p:cNvSpPr>
+            <a:spLocks noGrp="1"/>
+          </p:cNvSpPr>
+          <p:nvPr>
+            <p:ph idx="1"/>
+          </p:nvPr>
+        </p:nvSpPr>
+        <p:spPr/>
+        <p:txBody>
+          <a:bodyPr/>
+          <a:lstStyle/>
+          <a:p>
+            <a:pPr marL="0" indent="0">
+              <a:buNone/>
+            </a:pPr>
+            <a:r>
+              <a:rPr lang="de-DE" dirty="0"/>
+              <a:t>Komplexe Pipeline mit </a:t>
+            </a:r>
+            <a:r>
+              <a:rPr lang="de-DE" dirty="0" err="1"/>
+              <a:t>Docusaurus</a:t>
+            </a:r>
+            <a:r>
+              <a:rPr lang="de-DE" dirty="0"/>
+              <a:t> und </a:t>
+            </a:r>
+            <a:r>
+              <a:rPr lang="de-DE" dirty="0" err="1"/>
+              <a:t>npm</a:t>
+            </a:r>
+            <a:endParaRPr lang="de-DE" dirty="0"/>
+          </a:p>
+        </p:txBody>
+      </p:sp>
+    </p:spTree>
+    <p:extLst>
+      <p:ext uri="{BB962C8B-B14F-4D97-AF65-F5344CB8AC3E}">
+        <p14:creationId xmlns:p14="http://schemas.microsoft.com/office/powerpoint/2010/main" val="308782299"/>
+      </p:ext>
+    </p:extLst>
   </p:cSld>
   <p:clrMapOvr>
     <a:masterClrMapping/>
@@ -6290,9 +8732,10 @@
           <a:lstStyle/>
           <a:p>
             <a:r>
-              <a:rPr lang="de-DE" dirty="0"/>
-              <a:t>Key Takeaways</a:t>
-            </a:r>
+              <a:rPr lang="de-DE" cap="none" dirty="0"/>
+              <a:t>Abschlussübung &amp; Diskussion</a:t>
+            </a:r>
+            <a:endParaRPr lang="de-DE" dirty="0"/>
           </a:p>
         </p:txBody>
       </p:sp>
@@ -6317,17 +8760,22 @@
           <a:bodyPr/>
           <a:lstStyle/>
           <a:p>
+            <a:pPr marL="0" indent="0">
+              <a:buNone/>
+            </a:pPr>
+            <a:r>
+              <a:rPr lang="de-DE" sz="2000" b="1" dirty="0"/>
+              <a:t>Key Takeaways</a:t>
+            </a:r>
+          </a:p>
+          <a:p>
             <a:pPr>
               <a:buFont typeface="Arial" panose="020B0604020202020204" pitchFamily="34" charset="0"/>
               <a:buChar char="•"/>
             </a:pPr>
             <a:r>
-              <a:rPr lang="de-DE" sz="2000" dirty="0" err="1"/>
-              <a:t>Continuous</a:t>
-            </a:r>
-            <a:r>
               <a:rPr lang="de-DE" sz="2000" dirty="0"/>
-              <a:t> Integration (CI)</a:t>
+              <a:t>Workflow</a:t>
             </a:r>
           </a:p>
           <a:p>
@@ -6337,20 +8785,9 @@
             </a:pPr>
             <a:r>
               <a:rPr lang="de-DE" sz="2000" dirty="0" err="1"/>
-              <a:t>Continuous</a:t>
-            </a:r>
-            <a:r>
-              <a:rPr lang="de-DE" sz="2000" dirty="0"/>
-              <a:t> </a:t>
-            </a:r>
-            <a:r>
-              <a:rPr lang="de-DE" sz="2000" dirty="0" err="1"/>
-              <a:t>Delivery</a:t>
-            </a:r>
-            <a:r>
-              <a:rPr lang="de-DE" sz="2000" dirty="0"/>
-              <a:t> (CD)</a:t>
-            </a:r>
+              <a:t>Versionierungsstrategie</a:t>
+            </a:r>
+            <a:endParaRPr lang="de-DE" sz="2000" dirty="0"/>
           </a:p>
           <a:p>
             <a:pPr>
@@ -6358,8 +8795,12 @@
               <a:buChar char="•"/>
             </a:pPr>
             <a:r>
+              <a:rPr lang="de-DE" sz="2000" dirty="0" err="1"/>
+              <a:t>Continuous</a:t>
+            </a:r>
+            <a:r>
               <a:rPr lang="de-DE" sz="2000" dirty="0"/>
-              <a:t>Unterschiede CI und CD</a:t>
+              <a:t> Integration (CI)</a:t>
             </a:r>
           </a:p>
           <a:p>
@@ -6368,34 +8809,20 @@
               <a:buChar char="•"/>
             </a:pPr>
             <a:r>
+              <a:rPr lang="de-DE" sz="2000" dirty="0" err="1"/>
+              <a:t>Continuous</a:t>
+            </a:r>
+            <a:r>
               <a:rPr lang="de-DE" sz="2000" dirty="0"/>
-              <a:t>Das Grundgerüst</a:t>
-            </a:r>
-          </a:p>
-          <a:p>
-            <a:pPr lvl="1">
-              <a:buFont typeface="Arial" panose="020B0604020202020204" pitchFamily="34" charset="0"/>
-              <a:buChar char="•"/>
-            </a:pPr>
-            <a:r>
-              <a:rPr lang="de-DE" sz="1800" dirty="0"/>
-              <a:t>VCS, </a:t>
-            </a:r>
-            <a:r>
-              <a:rPr lang="de-DE" sz="1800" dirty="0" err="1"/>
-              <a:t>Build</a:t>
-            </a:r>
-            <a:r>
-              <a:rPr lang="de-DE" sz="1800" dirty="0"/>
-              <a:t> System, </a:t>
-            </a:r>
-            <a:r>
-              <a:rPr lang="de-DE" sz="1800" dirty="0" err="1"/>
-              <a:t>Versionierungsstrategie</a:t>
-            </a:r>
-            <a:r>
-              <a:rPr lang="de-DE" sz="1800" dirty="0"/>
-              <a:t>, Workflow, </a:t>
+              <a:t> </a:t>
+            </a:r>
+            <a:r>
+              <a:rPr lang="de-DE" sz="2000" dirty="0" err="1"/>
+              <a:t>Delivery</a:t>
+            </a:r>
+            <a:r>
+              <a:rPr lang="de-DE" sz="2000" dirty="0"/>
+              <a:t> (CD)</a:t>
             </a:r>
           </a:p>
           <a:p>
@@ -6405,237 +8832,15 @@
             </a:pPr>
             <a:r>
               <a:rPr lang="de-DE" sz="2000" dirty="0"/>
-              <a:t>Komponenten der CI/CD Pipeline</a:t>
-            </a:r>
-          </a:p>
-          <a:p>
-            <a:pPr lvl="1">
-              <a:buFont typeface="Arial" panose="020B0604020202020204" pitchFamily="34" charset="0"/>
-              <a:buChar char="•"/>
-            </a:pPr>
-            <a:r>
-              <a:rPr lang="de-DE" sz="1800" dirty="0"/>
-              <a:t>Repository, </a:t>
-            </a:r>
-            <a:r>
-              <a:rPr lang="de-DE" sz="1800" dirty="0" err="1"/>
-              <a:t>Build</a:t>
-            </a:r>
-            <a:r>
-              <a:rPr lang="de-DE" sz="1800" dirty="0"/>
-              <a:t> Automation, </a:t>
-            </a:r>
-            <a:r>
-              <a:rPr lang="de-DE" sz="1800" dirty="0" err="1"/>
-              <a:t>Automated</a:t>
-            </a:r>
-            <a:r>
-              <a:rPr lang="de-DE" sz="1800" dirty="0"/>
-              <a:t> </a:t>
-            </a:r>
-            <a:r>
-              <a:rPr lang="de-DE" sz="1800" dirty="0" err="1"/>
-              <a:t>Testing</a:t>
-            </a:r>
-            <a:r>
-              <a:rPr lang="de-DE" sz="1800" dirty="0"/>
-              <a:t>, </a:t>
-            </a:r>
-            <a:r>
-              <a:rPr lang="de-DE" sz="1800" dirty="0" err="1"/>
-              <a:t>Artifact</a:t>
-            </a:r>
-            <a:r>
-              <a:rPr lang="de-DE" sz="1800" dirty="0"/>
-              <a:t> Repository, </a:t>
-            </a:r>
-            <a:r>
-              <a:rPr lang="de-DE" sz="1800" dirty="0" err="1"/>
-              <a:t>Deployment</a:t>
-            </a:r>
-            <a:r>
-              <a:rPr lang="de-DE" sz="1800" dirty="0"/>
-              <a:t> Strategie, </a:t>
-            </a:r>
-          </a:p>
-          <a:p>
-            <a:pPr lvl="1">
-              <a:buFont typeface="Arial" panose="020B0604020202020204" pitchFamily="34" charset="0"/>
-              <a:buChar char="•"/>
-            </a:pPr>
-            <a:r>
-              <a:rPr lang="de-DE" sz="1800" dirty="0"/>
-              <a:t>Zukunft: Monitoring und Feedback, Security und Compliance Checks, Compliance </a:t>
-            </a:r>
-            <a:r>
-              <a:rPr lang="de-DE" sz="1800" dirty="0" err="1"/>
-              <a:t>as</a:t>
-            </a:r>
-            <a:r>
-              <a:rPr lang="de-DE" sz="1800" dirty="0"/>
-              <a:t> Code</a:t>
-            </a:r>
-          </a:p>
-          <a:p>
-            <a:pPr>
-              <a:buFont typeface="Arial" panose="020B0604020202020204" pitchFamily="34" charset="0"/>
-              <a:buChar char="•"/>
-            </a:pPr>
-            <a:r>
-              <a:rPr lang="de-DE" sz="2000" dirty="0"/>
-              <a:t>Umsetzung der CI/CD Pipeline</a:t>
-            </a:r>
-          </a:p>
-          <a:p>
-            <a:pPr lvl="1">
-              <a:buFont typeface="Arial" panose="020B0604020202020204" pitchFamily="34" charset="0"/>
-              <a:buChar char="•"/>
-            </a:pPr>
-            <a:r>
-              <a:rPr lang="de-DE" sz="1800" dirty="0" err="1"/>
-              <a:t>Git</a:t>
-            </a:r>
-            <a:r>
-              <a:rPr lang="de-DE" sz="1800" dirty="0"/>
-              <a:t>, </a:t>
-            </a:r>
-            <a:r>
-              <a:rPr lang="de-DE" sz="1800" dirty="0" err="1"/>
-              <a:t>branching</a:t>
-            </a:r>
-            <a:r>
-              <a:rPr lang="de-DE" sz="1800" dirty="0"/>
-              <a:t> </a:t>
-            </a:r>
-            <a:r>
-              <a:rPr lang="de-DE" sz="1800" dirty="0" err="1"/>
-              <a:t>strategie</a:t>
-            </a:r>
-            <a:r>
-              <a:rPr lang="de-DE" sz="1800" dirty="0"/>
-              <a:t> (</a:t>
-            </a:r>
-            <a:r>
-              <a:rPr lang="de-DE" sz="1800" dirty="0" err="1"/>
-              <a:t>gitflow</a:t>
-            </a:r>
-            <a:r>
-              <a:rPr lang="de-DE" sz="1800" dirty="0"/>
-              <a:t>), häufige </a:t>
-            </a:r>
-            <a:r>
-              <a:rPr lang="de-DE" sz="1800" dirty="0" err="1"/>
-              <a:t>commits</a:t>
-            </a:r>
-            <a:r>
-              <a:rPr lang="de-DE" sz="1800" dirty="0"/>
-              <a:t>, CI Server, </a:t>
-            </a:r>
-            <a:r>
-              <a:rPr lang="de-DE" sz="1800" dirty="0" err="1"/>
-              <a:t>Build</a:t>
-            </a:r>
-            <a:r>
-              <a:rPr lang="de-DE" sz="1800" dirty="0"/>
-              <a:t> und Tests automatisieren, Artefakte, </a:t>
-            </a:r>
-            <a:r>
-              <a:rPr lang="de-DE" sz="1800" dirty="0" err="1"/>
-              <a:t>Deployment</a:t>
-            </a:r>
-            <a:endParaRPr lang="de-DE" sz="1800" dirty="0"/>
-          </a:p>
-          <a:p>
-            <a:pPr>
-              <a:buFont typeface="Arial" panose="020B0604020202020204" pitchFamily="34" charset="0"/>
-              <a:buChar char="•"/>
-            </a:pPr>
-            <a:r>
-              <a:rPr lang="de-DE" sz="2000" dirty="0"/>
-              <a:t>Zukunft:</a:t>
-            </a:r>
-          </a:p>
-          <a:p>
-            <a:pPr lvl="1">
-              <a:buFont typeface="Arial" panose="020B0604020202020204" pitchFamily="34" charset="0"/>
-              <a:buChar char="•"/>
-            </a:pPr>
-            <a:r>
-              <a:rPr lang="de-DE" sz="1600" dirty="0"/>
-              <a:t>Infrastructure </a:t>
-            </a:r>
-            <a:r>
-              <a:rPr lang="de-DE" sz="1600" dirty="0" err="1"/>
-              <a:t>as</a:t>
-            </a:r>
-            <a:r>
-              <a:rPr lang="de-DE" sz="1600" dirty="0"/>
-              <a:t> Code (</a:t>
-            </a:r>
-            <a:r>
-              <a:rPr lang="de-DE" sz="1600" dirty="0" err="1"/>
-              <a:t>IaC</a:t>
-            </a:r>
-            <a:r>
-              <a:rPr lang="de-DE" sz="1600" dirty="0"/>
-              <a:t>): Terraform, Auto-</a:t>
-            </a:r>
-            <a:r>
-              <a:rPr lang="de-DE" sz="1600" dirty="0" err="1"/>
-              <a:t>Scaling</a:t>
-            </a:r>
-            <a:r>
-              <a:rPr lang="de-DE" sz="1600" dirty="0"/>
-              <a:t> (</a:t>
-            </a:r>
-            <a:r>
-              <a:rPr lang="de-DE" sz="1600" dirty="0" err="1"/>
-              <a:t>Kubernetes</a:t>
-            </a:r>
-            <a:r>
-              <a:rPr lang="de-DE" sz="1600" dirty="0"/>
-              <a:t> Horizontal Pod </a:t>
-            </a:r>
-            <a:r>
-              <a:rPr lang="de-DE" sz="1600" dirty="0" err="1"/>
-              <a:t>Autoscaling</a:t>
-            </a:r>
-            <a:r>
-              <a:rPr lang="de-DE" sz="1600" dirty="0"/>
-              <a:t>) und Self-Healing Mechanismen (</a:t>
-            </a:r>
-            <a:r>
-              <a:rPr lang="de-DE" sz="1600" dirty="0" err="1"/>
-              <a:t>Readiness</a:t>
-            </a:r>
-            <a:r>
-              <a:rPr lang="de-DE" sz="1600" dirty="0"/>
-              <a:t> und </a:t>
-            </a:r>
-            <a:r>
-              <a:rPr lang="de-DE" sz="1600" dirty="0" err="1"/>
-              <a:t>Liveness</a:t>
-            </a:r>
-            <a:r>
-              <a:rPr lang="de-DE" sz="1600" dirty="0"/>
-              <a:t> </a:t>
-            </a:r>
-            <a:r>
-              <a:rPr lang="de-DE" sz="1600" dirty="0" err="1"/>
-              <a:t>Probes</a:t>
-            </a:r>
-            <a:r>
-              <a:rPr lang="de-DE" sz="1600"/>
-              <a:t>…)</a:t>
-            </a:r>
-            <a:endParaRPr lang="de-DE" sz="1600" dirty="0"/>
+              <a:t>Unterschiede CI und CD</a:t>
+            </a:r>
           </a:p>
         </p:txBody>
       </p:sp>
     </p:spTree>
     <p:extLst>
       <p:ext uri="{BB962C8B-B14F-4D97-AF65-F5344CB8AC3E}">
-        <p14:creationId xmlns:p14="http://schemas.microsoft.com/office/powerpoint/2010/main" val="4281425325"/>
+        <p14:creationId xmlns:p14="http://schemas.microsoft.com/office/powerpoint/2010/main" val="1125538343"/>
       </p:ext>
     </p:extLst>
   </p:cSld>
@@ -6667,7 +8872,7 @@
           <p:cNvPr id="2" name="Titel 1">
             <a:extLst>
               <a:ext uri="{FF2B5EF4-FFF2-40B4-BE49-F238E27FC236}">
-                <a16:creationId xmlns:a16="http://schemas.microsoft.com/office/drawing/2014/main" id="{0A6ADA43-34C1-347C-FD8E-BF87A5A77FC5}"/>
+                <a16:creationId xmlns:a16="http://schemas.microsoft.com/office/drawing/2014/main" id="{C1685EFD-0B12-A118-74A4-A33EE3E5069D}"/>
               </a:ext>
             </a:extLst>
           </p:cNvPr>
@@ -6684,10 +8889,9 @@
           <a:lstStyle/>
           <a:p>
             <a:r>
-              <a:rPr lang="de-DE" cap="none" dirty="0"/>
-              <a:t>Abschlussübung &amp; Diskussion</a:t>
-            </a:r>
-            <a:endParaRPr lang="de-DE" dirty="0"/>
+              <a:rPr lang="de-DE" dirty="0"/>
+              <a:t>Key Takeaways</a:t>
+            </a:r>
           </a:p>
         </p:txBody>
       </p:sp>
@@ -6696,7 +8900,7 @@
           <p:cNvPr id="3" name="Inhaltsplatzhalter 2">
             <a:extLst>
               <a:ext uri="{FF2B5EF4-FFF2-40B4-BE49-F238E27FC236}">
-                <a16:creationId xmlns:a16="http://schemas.microsoft.com/office/drawing/2014/main" id="{4D911ADB-7C0F-98E1-85DA-1C884339CE08}"/>
+                <a16:creationId xmlns:a16="http://schemas.microsoft.com/office/drawing/2014/main" id="{B1AC08BC-C841-A94C-A976-502217A7D7C7}"/>
               </a:ext>
             </a:extLst>
           </p:cNvPr>
@@ -6716,160 +8920,84 @@
               <a:buNone/>
             </a:pPr>
             <a:r>
-              <a:rPr lang="de-DE" b="1" dirty="0"/>
-              <a:t>Aufgabe: Pipeline mit vier Stages</a:t>
-            </a:r>
-          </a:p>
-          <a:p>
-            <a:pPr marL="457200" indent="-457200">
-              <a:buFont typeface="+mj-lt"/>
-              <a:buAutoNum type="arabicPeriod"/>
-            </a:pPr>
-            <a:r>
-              <a:rPr lang="de-DE" b="1" dirty="0"/>
-              <a:t>Ziel: </a:t>
-            </a:r>
-            <a:r>
-              <a:rPr lang="de-DE" dirty="0"/>
-              <a:t>Tiefgehendes CI/CD Verständnis</a:t>
-            </a:r>
-          </a:p>
-          <a:p>
-            <a:pPr marL="457200" indent="-457200">
-              <a:buFont typeface="+mj-lt"/>
-              <a:buAutoNum type="arabicPeriod"/>
-            </a:pPr>
-            <a:r>
-              <a:rPr lang="de-DE" b="1" dirty="0"/>
-              <a:t>Schritte:</a:t>
-            </a:r>
-          </a:p>
-          <a:p>
-            <a:pPr marL="857250" lvl="1" indent="-457200">
+              <a:rPr lang="de-DE" sz="2000" b="1" dirty="0"/>
+              <a:t>Workflow</a:t>
+            </a:r>
+          </a:p>
+          <a:p>
+            <a:pPr>
               <a:buFont typeface="Arial" panose="020B0604020202020204" pitchFamily="34" charset="0"/>
               <a:buChar char="•"/>
             </a:pPr>
             <a:r>
-              <a:rPr lang="de-DE" dirty="0" err="1"/>
-              <a:t>Build</a:t>
-            </a:r>
-            <a:r>
-              <a:rPr lang="de-DE" dirty="0"/>
-              <a:t> wird in die Container Registry </a:t>
-            </a:r>
-            <a:r>
-              <a:rPr lang="de-DE" dirty="0" err="1"/>
-              <a:t>gepushed</a:t>
-            </a:r>
-            <a:endParaRPr lang="de-DE" dirty="0"/>
-          </a:p>
-          <a:p>
-            <a:pPr marL="857250" lvl="1" indent="-457200">
+              <a:rPr lang="de-DE" sz="2000" dirty="0"/>
+              <a:t>Ein gut definierter Workflow skizziert, wie Codeänderungen von der Entwicklung bis zur Bereitstellung fortschreiten.</a:t>
+            </a:r>
+          </a:p>
+          <a:p>
+            <a:pPr>
               <a:buFont typeface="Arial" panose="020B0604020202020204" pitchFamily="34" charset="0"/>
               <a:buChar char="•"/>
             </a:pPr>
             <a:r>
-              <a:rPr lang="de-DE" dirty="0"/>
-              <a:t>Von den nachfolgenden Stages (bei Bedarf) </a:t>
-            </a:r>
-            <a:r>
-              <a:rPr lang="de-DE" dirty="0" err="1"/>
-              <a:t>gepulled</a:t>
-            </a:r>
-            <a:endParaRPr lang="de-DE" dirty="0"/>
-          </a:p>
-          <a:p>
-            <a:pPr marL="857250" lvl="1" indent="-457200">
+              <a:rPr lang="de-DE" sz="2000" dirty="0" err="1"/>
+              <a:t>Gitflow</a:t>
+            </a:r>
+            <a:r>
+              <a:rPr lang="de-DE" sz="2000" dirty="0"/>
+              <a:t>: </a:t>
+            </a:r>
+            <a:r>
+              <a:rPr lang="de-DE" sz="2000" dirty="0" err="1"/>
+              <a:t>Branching</a:t>
+            </a:r>
+            <a:r>
+              <a:rPr lang="de-DE" sz="2000" dirty="0"/>
+              <a:t>-Modell, das zwischen Feature-</a:t>
+            </a:r>
+            <a:r>
+              <a:rPr lang="de-DE" sz="2000" dirty="0" err="1"/>
+              <a:t>Branches</a:t>
+            </a:r>
+            <a:r>
+              <a:rPr lang="de-DE" sz="2000" dirty="0"/>
+              <a:t>, Release-</a:t>
+            </a:r>
+            <a:r>
+              <a:rPr lang="de-DE" sz="2000" dirty="0" err="1"/>
+              <a:t>Branches</a:t>
+            </a:r>
+            <a:r>
+              <a:rPr lang="de-DE" sz="2000" dirty="0"/>
+              <a:t> und Hotfixes unterscheidet, geeignet für Projekte mit klar definierten Release-Zyklen.</a:t>
+            </a:r>
+          </a:p>
+          <a:p>
+            <a:pPr>
               <a:buFont typeface="Arial" panose="020B0604020202020204" pitchFamily="34" charset="0"/>
               <a:buChar char="•"/>
             </a:pPr>
             <a:r>
-              <a:rPr lang="de-DE" dirty="0"/>
-              <a:t>Zwei </a:t>
-            </a:r>
-            <a:r>
-              <a:rPr lang="de-DE" dirty="0" err="1"/>
-              <a:t>paralell</a:t>
-            </a:r>
-            <a:r>
-              <a:rPr lang="de-DE" dirty="0"/>
-              <a:t> laufende Tests</a:t>
-            </a:r>
-          </a:p>
-          <a:p>
-            <a:pPr marL="857250" lvl="1" indent="-457200">
+              <a:rPr lang="de-DE" sz="2000" dirty="0"/>
+              <a:t>Custom Workflow: Einige Projekte erfordern maßgeschneiderte Workflows, die spezifische Release-Strategien oder regulatorische Anforderungen berücksichtigen.</a:t>
+            </a:r>
+          </a:p>
+          <a:p>
+            <a:pPr>
               <a:buFont typeface="Arial" panose="020B0604020202020204" pitchFamily="34" charset="0"/>
               <a:buChar char="•"/>
             </a:pPr>
             <a:r>
-              <a:rPr lang="de-DE" dirty="0"/>
-              <a:t>Änderungen am </a:t>
-            </a:r>
-            <a:r>
-              <a:rPr lang="de-DE" dirty="0" err="1"/>
-              <a:t>main</a:t>
-            </a:r>
-            <a:r>
-              <a:rPr lang="de-DE" dirty="0"/>
-              <a:t> werden als </a:t>
-            </a:r>
-            <a:r>
-              <a:rPr lang="de-DE" dirty="0" err="1">
-                <a:latin typeface="Consolas" panose="020B0609020204030204" pitchFamily="49" charset="0"/>
-              </a:rPr>
-              <a:t>latest</a:t>
-            </a:r>
-            <a:r>
-              <a:rPr lang="de-DE" dirty="0"/>
-              <a:t> </a:t>
-            </a:r>
-            <a:r>
-              <a:rPr lang="de-DE" dirty="0" err="1"/>
-              <a:t>getagged</a:t>
-            </a:r>
-            <a:endParaRPr lang="de-DE" dirty="0"/>
-          </a:p>
-          <a:p>
-            <a:pPr marL="857250" lvl="1" indent="-457200">
-              <a:buFont typeface="Arial" panose="020B0604020202020204" pitchFamily="34" charset="0"/>
-              <a:buChar char="•"/>
-            </a:pPr>
-            <a:r>
-              <a:rPr lang="de-DE" dirty="0" err="1"/>
-              <a:t>Deployment</a:t>
-            </a:r>
-            <a:r>
-              <a:rPr lang="de-DE" dirty="0"/>
-              <a:t> über anwendungs-spezifisches Deploy-Skript</a:t>
-            </a:r>
-          </a:p>
-          <a:p>
-            <a:pPr marL="857250" lvl="1" indent="-457200">
-              <a:buFont typeface="Arial" panose="020B0604020202020204" pitchFamily="34" charset="0"/>
-              <a:buChar char="•"/>
-            </a:pPr>
-            <a:endParaRPr lang="de-DE" dirty="0"/>
-          </a:p>
-          <a:p>
-            <a:pPr marL="857250" lvl="1" indent="-457200">
-              <a:buFont typeface="Arial" panose="020B0604020202020204" pitchFamily="34" charset="0"/>
-              <a:buChar char="•"/>
-            </a:pPr>
-            <a:endParaRPr lang="de-DE" dirty="0"/>
-          </a:p>
-          <a:p>
-            <a:pPr marL="857250" lvl="1" indent="-457200">
-              <a:buFont typeface="Arial" panose="020B0604020202020204" pitchFamily="34" charset="0"/>
-              <a:buChar char="•"/>
-            </a:pPr>
-            <a:endParaRPr lang="de-DE" dirty="0"/>
+              <a:rPr lang="de-DE" sz="2000" dirty="0"/>
+              <a:t>Der definierte Workflow dient als Fahrplan für das Entwicklungsteam und sorgt für konsistente Praktiken und effiziente Code-Integration.</a:t>
+            </a:r>
           </a:p>
         </p:txBody>
       </p:sp>
     </p:spTree>
     <p:extLst>
       <p:ext uri="{BB962C8B-B14F-4D97-AF65-F5344CB8AC3E}">
-        <p14:creationId xmlns:p14="http://schemas.microsoft.com/office/powerpoint/2010/main" val="1582550262"/>
+        <p14:creationId xmlns:p14="http://schemas.microsoft.com/office/powerpoint/2010/main" val="3548368418"/>
       </p:ext>
     </p:extLst>
   </p:cSld>
@@ -6901,7 +9029,7 @@
           <p:cNvPr id="2" name="Titel 1">
             <a:extLst>
               <a:ext uri="{FF2B5EF4-FFF2-40B4-BE49-F238E27FC236}">
-                <a16:creationId xmlns:a16="http://schemas.microsoft.com/office/drawing/2014/main" id="{49A48EBC-55D9-6D64-715F-AF6DEBF117C3}"/>
+                <a16:creationId xmlns:a16="http://schemas.microsoft.com/office/drawing/2014/main" id="{C1685EFD-0B12-A118-74A4-A33EE3E5069D}"/>
               </a:ext>
             </a:extLst>
           </p:cNvPr>
@@ -6918,10 +9046,9 @@
           <a:lstStyle/>
           <a:p>
             <a:r>
-              <a:rPr lang="de-DE" cap="none" dirty="0"/>
-              <a:t>Abschlussübung &amp; Diskussion</a:t>
-            </a:r>
-            <a:endParaRPr lang="de-DE" dirty="0"/>
+              <a:rPr lang="de-DE" dirty="0"/>
+              <a:t>Key Takeaways</a:t>
+            </a:r>
           </a:p>
         </p:txBody>
       </p:sp>
@@ -6930,7 +9057,7 @@
           <p:cNvPr id="3" name="Inhaltsplatzhalter 2">
             <a:extLst>
               <a:ext uri="{FF2B5EF4-FFF2-40B4-BE49-F238E27FC236}">
-                <a16:creationId xmlns:a16="http://schemas.microsoft.com/office/drawing/2014/main" id="{7B404127-ED2B-6905-BDD1-3C60D11A2A7C}"/>
+                <a16:creationId xmlns:a16="http://schemas.microsoft.com/office/drawing/2014/main" id="{B1AC08BC-C841-A94C-A976-502217A7D7C7}"/>
               </a:ext>
             </a:extLst>
           </p:cNvPr>
@@ -6950,138 +9077,89 @@
               <a:buNone/>
             </a:pPr>
             <a:r>
-              <a:rPr lang="de-DE" b="1" dirty="0"/>
-              <a:t>Pipeline mit vier Stages (… auf vier Slides </a:t>
-            </a:r>
-            <a:r>
-              <a:rPr lang="de-DE" b="1" dirty="0">
-                <a:sym typeface="Wingdings" panose="05000000000000000000" pitchFamily="2" charset="2"/>
-              </a:rPr>
-              <a:t>)</a:t>
-            </a:r>
-            <a:endParaRPr lang="de-DE" b="1" dirty="0"/>
-          </a:p>
-          <a:p>
-            <a:pPr marL="457200" indent="-457200">
-              <a:buFont typeface="+mj-lt"/>
-              <a:buAutoNum type="arabicPeriod"/>
-            </a:pPr>
-            <a:r>
-              <a:rPr lang="de-DE" dirty="0" err="1"/>
-              <a:t>Build</a:t>
-            </a:r>
-            <a:r>
-              <a:rPr lang="de-DE" dirty="0"/>
-              <a:t> wird in die Container Registry </a:t>
-            </a:r>
-            <a:r>
-              <a:rPr lang="de-DE" dirty="0" err="1"/>
-              <a:t>gepushed</a:t>
-            </a:r>
-            <a:endParaRPr lang="de-DE" dirty="0"/>
-          </a:p>
-          <a:p>
-            <a:pPr marL="457200" indent="-457200">
-              <a:buFont typeface="+mj-lt"/>
-              <a:buAutoNum type="arabicPeriod"/>
-            </a:pPr>
-            <a:r>
-              <a:rPr lang="de-DE" dirty="0"/>
-              <a:t>Von den nachfolgenden Stages (bei Bedarf) </a:t>
-            </a:r>
-            <a:r>
-              <a:rPr lang="de-DE" dirty="0" err="1"/>
-              <a:t>gepulled</a:t>
-            </a:r>
-            <a:endParaRPr lang="de-DE" dirty="0"/>
-          </a:p>
-          <a:p>
-            <a:pPr marL="457200" indent="-457200">
-              <a:buFont typeface="+mj-lt"/>
-              <a:buAutoNum type="arabicPeriod"/>
-            </a:pPr>
-            <a:r>
-              <a:rPr lang="de-DE" dirty="0"/>
-              <a:t>Zwei </a:t>
-            </a:r>
-            <a:r>
-              <a:rPr lang="de-DE" dirty="0" err="1"/>
-              <a:t>paralell</a:t>
-            </a:r>
-            <a:r>
-              <a:rPr lang="de-DE" dirty="0"/>
-              <a:t> laufende Tests</a:t>
-            </a:r>
-          </a:p>
-          <a:p>
-            <a:pPr marL="457200" indent="-457200">
-              <a:buFont typeface="+mj-lt"/>
-              <a:buAutoNum type="arabicPeriod"/>
-            </a:pPr>
-            <a:r>
-              <a:rPr lang="de-DE" dirty="0"/>
-              <a:t>Änderungen am </a:t>
-            </a:r>
-            <a:r>
-              <a:rPr lang="de-DE" dirty="0" err="1">
-                <a:latin typeface="Consolas" panose="020B0609020204030204" pitchFamily="49" charset="0"/>
-              </a:rPr>
-              <a:t>main</a:t>
-            </a:r>
-            <a:r>
-              <a:rPr lang="de-DE" dirty="0"/>
-              <a:t> werden als </a:t>
-            </a:r>
-            <a:r>
-              <a:rPr lang="de-DE" dirty="0" err="1">
-                <a:latin typeface="Consolas" panose="020B0609020204030204" pitchFamily="49" charset="0"/>
-              </a:rPr>
-              <a:t>latest</a:t>
-            </a:r>
-            <a:r>
-              <a:rPr lang="de-DE" dirty="0"/>
-              <a:t> </a:t>
-            </a:r>
-            <a:r>
-              <a:rPr lang="de-DE" dirty="0" err="1"/>
-              <a:t>getagged</a:t>
-            </a:r>
-            <a:endParaRPr lang="de-DE" dirty="0"/>
-          </a:p>
-          <a:p>
-            <a:pPr marL="457200" indent="-457200">
-              <a:buFont typeface="+mj-lt"/>
-              <a:buAutoNum type="arabicPeriod"/>
-            </a:pPr>
-            <a:r>
-              <a:rPr lang="de-DE" dirty="0" err="1"/>
-              <a:t>Deployment</a:t>
-            </a:r>
-            <a:r>
-              <a:rPr lang="de-DE" dirty="0"/>
-              <a:t> über anwendungs-spezifisches Deploy-Skript</a:t>
-            </a:r>
+              <a:rPr lang="de-DE" sz="2000" b="1" dirty="0" err="1"/>
+              <a:t>Versionierungsstrategie</a:t>
+            </a:r>
+            <a:endParaRPr lang="de-DE" sz="2000" b="1" dirty="0"/>
           </a:p>
           <a:p>
             <a:pPr>
               <a:buFont typeface="Arial" panose="020B0604020202020204" pitchFamily="34" charset="0"/>
               <a:buChar char="•"/>
             </a:pPr>
-            <a:endParaRPr lang="de-DE" dirty="0"/>
+            <a:r>
+              <a:rPr lang="de-DE" sz="2000" dirty="0"/>
+              <a:t>Eine gut definierte </a:t>
+            </a:r>
+            <a:r>
+              <a:rPr lang="de-DE" sz="2000" dirty="0" err="1"/>
+              <a:t>Versionierungsstrategie</a:t>
+            </a:r>
+            <a:r>
+              <a:rPr lang="de-DE" sz="2000" dirty="0"/>
+              <a:t> gewährleistet Konsistenz und Rückverfolgbarkeit der Software-Releases.</a:t>
+            </a:r>
           </a:p>
           <a:p>
             <a:pPr>
               <a:buFont typeface="Arial" panose="020B0604020202020204" pitchFamily="34" charset="0"/>
               <a:buChar char="•"/>
             </a:pPr>
-            <a:endParaRPr lang="de-DE" dirty="0"/>
+            <a:r>
+              <a:rPr lang="de-DE" sz="2000" dirty="0"/>
+              <a:t>Semantische Versionierung (</a:t>
+            </a:r>
+            <a:r>
+              <a:rPr lang="de-DE" sz="2000" dirty="0" err="1"/>
+              <a:t>SemVer</a:t>
+            </a:r>
+            <a:r>
+              <a:rPr lang="de-DE" sz="2000" dirty="0"/>
+              <a:t>): Klare Formatierung von MAJOR.MINOR.PATCH, weit verbreitet und kommuniziert Kompatibilität und Änderungen effektiv.</a:t>
+            </a:r>
+          </a:p>
+          <a:p>
+            <a:pPr>
+              <a:buFont typeface="Arial" panose="020B0604020202020204" pitchFamily="34" charset="0"/>
+              <a:buChar char="•"/>
+            </a:pPr>
+            <a:r>
+              <a:rPr lang="de-DE" sz="2000" dirty="0"/>
+              <a:t>Custom </a:t>
+            </a:r>
+            <a:r>
+              <a:rPr lang="de-DE" sz="2000" dirty="0" err="1"/>
+              <a:t>Versioning</a:t>
+            </a:r>
+            <a:r>
+              <a:rPr lang="de-DE" sz="2000" dirty="0"/>
+              <a:t>: Für Projekte mit speziellen Anforderungen kann eine benutzerdefinierte </a:t>
+            </a:r>
+            <a:r>
+              <a:rPr lang="de-DE" sz="2000" dirty="0" err="1"/>
+              <a:t>Versionierungsstrategie</a:t>
+            </a:r>
+            <a:r>
+              <a:rPr lang="de-DE" sz="2000" dirty="0"/>
+              <a:t> besser geeignet sein.</a:t>
+            </a:r>
+          </a:p>
+          <a:p>
+            <a:pPr>
+              <a:buFont typeface="Arial" panose="020B0604020202020204" pitchFamily="34" charset="0"/>
+              <a:buChar char="•"/>
+            </a:pPr>
+            <a:r>
+              <a:rPr lang="de-DE" sz="2000" dirty="0"/>
+              <a:t>Klare Versionierung hilft, die Bedeutung jedes Releases zu verstehen und ermöglicht es Benutzern, fundierte Entscheidungen über Updates und Kompatibilität zu treffen.</a:t>
+            </a:r>
           </a:p>
         </p:txBody>
       </p:sp>
     </p:spTree>
     <p:extLst>
       <p:ext uri="{BB962C8B-B14F-4D97-AF65-F5344CB8AC3E}">
-        <p14:creationId xmlns:p14="http://schemas.microsoft.com/office/powerpoint/2010/main" val="4283580811"/>
+        <p14:creationId xmlns:p14="http://schemas.microsoft.com/office/powerpoint/2010/main" val="2233009720"/>
       </p:ext>
     </p:extLst>
   </p:cSld>
@@ -7113,7 +9191,7 @@
           <p:cNvPr id="2" name="Titel 1">
             <a:extLst>
               <a:ext uri="{FF2B5EF4-FFF2-40B4-BE49-F238E27FC236}">
-                <a16:creationId xmlns:a16="http://schemas.microsoft.com/office/drawing/2014/main" id="{49A48EBC-55D9-6D64-715F-AF6DEBF117C3}"/>
+                <a16:creationId xmlns:a16="http://schemas.microsoft.com/office/drawing/2014/main" id="{C1685EFD-0B12-A118-74A4-A33EE3E5069D}"/>
               </a:ext>
             </a:extLst>
           </p:cNvPr>
@@ -7130,10 +9208,9 @@
           <a:lstStyle/>
           <a:p>
             <a:r>
-              <a:rPr lang="de-DE" cap="none" dirty="0"/>
-              <a:t>Abschlussübung &amp; Diskussion</a:t>
-            </a:r>
-            <a:endParaRPr lang="de-DE" dirty="0"/>
+              <a:rPr lang="de-DE" dirty="0"/>
+              <a:t>Key Takeaways</a:t>
+            </a:r>
           </a:p>
         </p:txBody>
       </p:sp>
@@ -7142,7 +9219,7 @@
           <p:cNvPr id="3" name="Inhaltsplatzhalter 2">
             <a:extLst>
               <a:ext uri="{FF2B5EF4-FFF2-40B4-BE49-F238E27FC236}">
-                <a16:creationId xmlns:a16="http://schemas.microsoft.com/office/drawing/2014/main" id="{7B404127-ED2B-6905-BDD1-3C60D11A2A7C}"/>
+                <a16:creationId xmlns:a16="http://schemas.microsoft.com/office/drawing/2014/main" id="{B1AC08BC-C841-A94C-A976-502217A7D7C7}"/>
               </a:ext>
             </a:extLst>
           </p:cNvPr>
@@ -7162,274 +9239,100 @@
               <a:buNone/>
             </a:pPr>
             <a:r>
-              <a:rPr lang="de-DE" sz="2000" b="1" dirty="0">
-                <a:latin typeface="Consolas" panose="020B0609020204030204" pitchFamily="49" charset="0"/>
-              </a:rPr>
-              <a:t>.</a:t>
-            </a:r>
-            <a:r>
-              <a:rPr lang="de-DE" sz="2000" b="1" dirty="0" err="1">
-                <a:latin typeface="Consolas" panose="020B0609020204030204" pitchFamily="49" charset="0"/>
-              </a:rPr>
-              <a:t>gitlab-ci.yml</a:t>
-            </a:r>
-            <a:r>
-              <a:rPr lang="de-DE" sz="2000" b="1" dirty="0">
-                <a:latin typeface="Consolas" panose="020B0609020204030204" pitchFamily="49" charset="0"/>
-              </a:rPr>
-              <a:t> (1/4)</a:t>
+              <a:rPr lang="de-DE" sz="2000" b="1" dirty="0" err="1"/>
+              <a:t>Continuous</a:t>
+            </a:r>
+            <a:r>
+              <a:rPr lang="de-DE" sz="2000" b="1" dirty="0"/>
+              <a:t> Integration (CI)</a:t>
+            </a:r>
+          </a:p>
+          <a:p>
+            <a:pPr>
+              <a:buFont typeface="Arial" panose="020B0604020202020204" pitchFamily="34" charset="0"/>
+              <a:buChar char="•"/>
+            </a:pPr>
+            <a:r>
+              <a:rPr lang="de-DE" sz="2000" dirty="0"/>
+              <a:t>Ist eine Vorgehensweise in der Softwareentwicklung, bei der die häufige Integration von Codeänderungen in ein gemeinsames (</a:t>
+            </a:r>
+            <a:r>
+              <a:rPr lang="de-DE" sz="2000" dirty="0" err="1"/>
+              <a:t>remotes</a:t>
+            </a:r>
+            <a:r>
+              <a:rPr lang="de-DE" sz="2000" dirty="0"/>
+              <a:t>) Repository im Vordergrund steht.</a:t>
             </a:r>
           </a:p>
           <a:p>
             <a:pPr marL="0" indent="0">
               <a:buNone/>
             </a:pPr>
-            <a:r>
-              <a:rPr lang="de-DE" sz="1800" dirty="0" err="1">
-                <a:latin typeface="Consolas" panose="020B0609020204030204" pitchFamily="49" charset="0"/>
-              </a:rPr>
-              <a:t>default</a:t>
-            </a:r>
-            <a:r>
-              <a:rPr lang="de-DE" sz="1800" dirty="0">
-                <a:latin typeface="Consolas" panose="020B0609020204030204" pitchFamily="49" charset="0"/>
-              </a:rPr>
-              <a:t>:</a:t>
-            </a:r>
+            <a:endParaRPr lang="de-DE" sz="2000" dirty="0"/>
           </a:p>
           <a:p>
             <a:pPr marL="0" indent="0">
               <a:buNone/>
             </a:pPr>
             <a:r>
-              <a:rPr lang="de-DE" sz="1800" dirty="0">
-                <a:latin typeface="Consolas" panose="020B0609020204030204" pitchFamily="49" charset="0"/>
-              </a:rPr>
-              <a:t>  </a:t>
-            </a:r>
-            <a:r>
-              <a:rPr lang="de-DE" sz="1800" dirty="0" err="1">
-                <a:latin typeface="Consolas" panose="020B0609020204030204" pitchFamily="49" charset="0"/>
-              </a:rPr>
-              <a:t>image</a:t>
-            </a:r>
-            <a:r>
-              <a:rPr lang="de-DE" sz="1800" dirty="0">
-                <a:latin typeface="Consolas" panose="020B0609020204030204" pitchFamily="49" charset="0"/>
-              </a:rPr>
-              <a:t>: docker:20.10.16</a:t>
-            </a:r>
-          </a:p>
-          <a:p>
-            <a:pPr marL="0" indent="0">
-              <a:buNone/>
-            </a:pPr>
-            <a:r>
-              <a:rPr lang="de-DE" sz="1800" dirty="0">
-                <a:latin typeface="Consolas" panose="020B0609020204030204" pitchFamily="49" charset="0"/>
-              </a:rPr>
-              <a:t>  </a:t>
-            </a:r>
-            <a:r>
-              <a:rPr lang="de-DE" sz="1800" dirty="0" err="1">
-                <a:latin typeface="Consolas" panose="020B0609020204030204" pitchFamily="49" charset="0"/>
-              </a:rPr>
-              <a:t>services</a:t>
-            </a:r>
-            <a:r>
-              <a:rPr lang="de-DE" sz="1800" dirty="0">
-                <a:latin typeface="Consolas" panose="020B0609020204030204" pitchFamily="49" charset="0"/>
-              </a:rPr>
-              <a:t>:</a:t>
-            </a:r>
-          </a:p>
-          <a:p>
-            <a:pPr marL="0" indent="0">
-              <a:buNone/>
-            </a:pPr>
-            <a:r>
-              <a:rPr lang="de-DE" sz="1800" dirty="0">
-                <a:latin typeface="Consolas" panose="020B0609020204030204" pitchFamily="49" charset="0"/>
-              </a:rPr>
-              <a:t>    - docker:20.10.16-dind</a:t>
-            </a:r>
-          </a:p>
-          <a:p>
-            <a:pPr marL="0" indent="0">
-              <a:buNone/>
-            </a:pPr>
-            <a:r>
-              <a:rPr lang="de-DE" sz="1800" dirty="0">
-                <a:latin typeface="Consolas" panose="020B0609020204030204" pitchFamily="49" charset="0"/>
-              </a:rPr>
-              <a:t>  </a:t>
-            </a:r>
-            <a:r>
-              <a:rPr lang="de-DE" sz="1800" dirty="0" err="1">
-                <a:latin typeface="Consolas" panose="020B0609020204030204" pitchFamily="49" charset="0"/>
-              </a:rPr>
-              <a:t>before_script</a:t>
-            </a:r>
-            <a:r>
-              <a:rPr lang="de-DE" sz="1800" dirty="0">
-                <a:latin typeface="Consolas" panose="020B0609020204030204" pitchFamily="49" charset="0"/>
-              </a:rPr>
-              <a:t>:</a:t>
-            </a:r>
-          </a:p>
-          <a:p>
-            <a:pPr marL="0" indent="0">
-              <a:buNone/>
-            </a:pPr>
-            <a:r>
-              <a:rPr lang="de-DE" sz="1800" dirty="0">
-                <a:latin typeface="Consolas" panose="020B0609020204030204" pitchFamily="49" charset="0"/>
-              </a:rPr>
-              <a:t>    - </a:t>
-            </a:r>
-            <a:r>
-              <a:rPr lang="de-DE" sz="1800" dirty="0" err="1">
-                <a:latin typeface="Consolas" panose="020B0609020204030204" pitchFamily="49" charset="0"/>
-              </a:rPr>
-              <a:t>docker</a:t>
-            </a:r>
-            <a:r>
-              <a:rPr lang="de-DE" sz="1800" dirty="0">
-                <a:latin typeface="Consolas" panose="020B0609020204030204" pitchFamily="49" charset="0"/>
-              </a:rPr>
-              <a:t> </a:t>
-            </a:r>
-            <a:r>
-              <a:rPr lang="de-DE" sz="1800" dirty="0" err="1">
-                <a:latin typeface="Consolas" panose="020B0609020204030204" pitchFamily="49" charset="0"/>
-              </a:rPr>
-              <a:t>login</a:t>
-            </a:r>
-            <a:r>
-              <a:rPr lang="de-DE" sz="1800" dirty="0">
-                <a:latin typeface="Consolas" panose="020B0609020204030204" pitchFamily="49" charset="0"/>
-              </a:rPr>
-              <a:t> -u $CI_REGISTRY_USER -p $CI_REGISTRY_PASSWORD $CI_REGISTRY</a:t>
-            </a:r>
-          </a:p>
-          <a:p>
-            <a:pPr marL="0" indent="0">
-              <a:buNone/>
-            </a:pPr>
-            <a:endParaRPr lang="de-DE" sz="1800" dirty="0">
-              <a:latin typeface="Consolas" panose="020B0609020204030204" pitchFamily="49" charset="0"/>
-            </a:endParaRPr>
-          </a:p>
-          <a:p>
-            <a:pPr marL="0" indent="0">
-              <a:buNone/>
-            </a:pPr>
-            <a:r>
-              <a:rPr lang="de-DE" sz="1800" dirty="0" err="1">
-                <a:latin typeface="Consolas" panose="020B0609020204030204" pitchFamily="49" charset="0"/>
-              </a:rPr>
-              <a:t>stages</a:t>
-            </a:r>
-            <a:r>
-              <a:rPr lang="de-DE" sz="1800" dirty="0">
-                <a:latin typeface="Consolas" panose="020B0609020204030204" pitchFamily="49" charset="0"/>
-              </a:rPr>
-              <a:t>: </a:t>
-            </a:r>
-            <a:r>
-              <a:rPr lang="de-DE" sz="1600" dirty="0">
-                <a:solidFill>
-                  <a:srgbClr val="008C5A"/>
-                </a:solidFill>
-                <a:latin typeface="Consolas" panose="020B0609020204030204" pitchFamily="49" charset="0"/>
-              </a:rPr>
-              <a:t># Vier Stages</a:t>
-            </a:r>
-          </a:p>
-          <a:p>
-            <a:pPr marL="0" indent="0">
-              <a:buNone/>
-            </a:pPr>
-            <a:r>
-              <a:rPr lang="de-DE" sz="1800" dirty="0">
-                <a:latin typeface="Consolas" panose="020B0609020204030204" pitchFamily="49" charset="0"/>
-              </a:rPr>
-              <a:t>  - </a:t>
-            </a:r>
-            <a:r>
-              <a:rPr lang="de-DE" sz="1800" dirty="0" err="1">
-                <a:latin typeface="Consolas" panose="020B0609020204030204" pitchFamily="49" charset="0"/>
-              </a:rPr>
-              <a:t>build</a:t>
-            </a:r>
-            <a:endParaRPr lang="de-DE" sz="1800" dirty="0">
-              <a:latin typeface="Consolas" panose="020B0609020204030204" pitchFamily="49" charset="0"/>
-            </a:endParaRPr>
-          </a:p>
-          <a:p>
-            <a:pPr marL="0" indent="0">
-              <a:buNone/>
-            </a:pPr>
-            <a:r>
-              <a:rPr lang="de-DE" sz="1800" dirty="0">
-                <a:latin typeface="Consolas" panose="020B0609020204030204" pitchFamily="49" charset="0"/>
-              </a:rPr>
-              <a:t>  - </a:t>
-            </a:r>
-            <a:r>
-              <a:rPr lang="de-DE" sz="1800" dirty="0" err="1">
-                <a:latin typeface="Consolas" panose="020B0609020204030204" pitchFamily="49" charset="0"/>
-              </a:rPr>
-              <a:t>test</a:t>
-            </a:r>
-            <a:endParaRPr lang="de-DE" sz="1800" dirty="0">
-              <a:latin typeface="Consolas" panose="020B0609020204030204" pitchFamily="49" charset="0"/>
-            </a:endParaRPr>
-          </a:p>
-          <a:p>
-            <a:pPr marL="0" indent="0">
-              <a:buNone/>
-            </a:pPr>
-            <a:r>
-              <a:rPr lang="de-DE" sz="1800" dirty="0">
-                <a:latin typeface="Consolas" panose="020B0609020204030204" pitchFamily="49" charset="0"/>
-              </a:rPr>
-              <a:t>  - release</a:t>
-            </a:r>
-          </a:p>
-          <a:p>
-            <a:pPr marL="0" indent="0">
-              <a:buNone/>
-            </a:pPr>
-            <a:r>
-              <a:rPr lang="de-DE" sz="1800" dirty="0">
-                <a:latin typeface="Consolas" panose="020B0609020204030204" pitchFamily="49" charset="0"/>
-              </a:rPr>
-              <a:t>  - deploy</a:t>
-            </a:r>
-          </a:p>
-          <a:p>
-            <a:pPr marL="0" indent="0">
-              <a:buNone/>
-            </a:pPr>
-            <a:endParaRPr lang="de-DE" sz="1600" dirty="0">
-              <a:latin typeface="Consolas" panose="020B0609020204030204" pitchFamily="49" charset="0"/>
-            </a:endParaRPr>
-          </a:p>
-          <a:p>
-            <a:pPr marL="0" indent="0">
-              <a:buNone/>
-            </a:pPr>
-            <a:endParaRPr lang="de-DE" sz="1600" dirty="0">
-              <a:latin typeface="Consolas" panose="020B0609020204030204" pitchFamily="49" charset="0"/>
-            </a:endParaRPr>
+              <a:rPr lang="de-DE" sz="2000" b="1" dirty="0"/>
+              <a:t>Vorteile</a:t>
+            </a:r>
+          </a:p>
+          <a:p>
+            <a:pPr>
+              <a:buFont typeface="Arial" panose="020B0604020202020204" pitchFamily="34" charset="0"/>
+              <a:buChar char="•"/>
+            </a:pPr>
+            <a:r>
+              <a:rPr lang="de-DE" sz="2000" dirty="0"/>
+              <a:t>Ermöglicht die frühzeitige Erkennung im Entwicklungszyklus von Integrationsproblemen und Bugs, wodurch Kosten und Aufwand für deren Behebung reduziert werden</a:t>
+            </a:r>
+          </a:p>
+          <a:p>
+            <a:pPr>
+              <a:buFont typeface="Arial" panose="020B0604020202020204" pitchFamily="34" charset="0"/>
+              <a:buChar char="•"/>
+            </a:pPr>
+            <a:r>
+              <a:rPr lang="de-DE" sz="2000" dirty="0"/>
+              <a:t>Entwickler können in kleineren, überschaubaren Schritten arbeiten und ihre Änderungen schnell integrieren und testen</a:t>
+            </a:r>
+          </a:p>
+          <a:p>
+            <a:pPr>
+              <a:buFont typeface="Arial" panose="020B0604020202020204" pitchFamily="34" charset="0"/>
+              <a:buChar char="•"/>
+            </a:pPr>
+            <a:r>
+              <a:rPr lang="de-DE" sz="2000" dirty="0"/>
+              <a:t>Teams arbeiten kollaborativer, da CI das Teilen von Code und das schnelle Lösen von Konflikten fördert</a:t>
+            </a:r>
+          </a:p>
+          <a:p>
+            <a:pPr>
+              <a:buFont typeface="Arial" panose="020B0604020202020204" pitchFamily="34" charset="0"/>
+              <a:buChar char="•"/>
+            </a:pPr>
+            <a:r>
+              <a:rPr lang="de-DE" sz="2000" dirty="0"/>
+              <a:t>CI stellt sicher, dass der Code stets bau- und testbar ist.</a:t>
+            </a:r>
+          </a:p>
+          <a:p>
+            <a:pPr>
+              <a:buFont typeface="Arial" panose="020B0604020202020204" pitchFamily="34" charset="0"/>
+              <a:buChar char="•"/>
+            </a:pPr>
+            <a:endParaRPr lang="de-DE" sz="2000" dirty="0"/>
           </a:p>
         </p:txBody>
       </p:sp>
     </p:spTree>
     <p:extLst>
       <p:ext uri="{BB962C8B-B14F-4D97-AF65-F5344CB8AC3E}">
-        <p14:creationId xmlns:p14="http://schemas.microsoft.com/office/powerpoint/2010/main" val="3047470218"/>
+        <p14:creationId xmlns:p14="http://schemas.microsoft.com/office/powerpoint/2010/main" val="4291748913"/>
       </p:ext>
     </p:extLst>
   </p:cSld>
@@ -7461,7 +9364,7 @@
           <p:cNvPr id="2" name="Titel 1">
             <a:extLst>
               <a:ext uri="{FF2B5EF4-FFF2-40B4-BE49-F238E27FC236}">
-                <a16:creationId xmlns:a16="http://schemas.microsoft.com/office/drawing/2014/main" id="{49A48EBC-55D9-6D64-715F-AF6DEBF117C3}"/>
+                <a16:creationId xmlns:a16="http://schemas.microsoft.com/office/drawing/2014/main" id="{C1685EFD-0B12-A118-74A4-A33EE3E5069D}"/>
               </a:ext>
             </a:extLst>
           </p:cNvPr>
@@ -7478,10 +9381,9 @@
           <a:lstStyle/>
           <a:p>
             <a:r>
-              <a:rPr lang="de-DE" cap="none" dirty="0"/>
-              <a:t>Abschlussübung &amp; Diskussion</a:t>
-            </a:r>
-            <a:endParaRPr lang="de-DE" dirty="0"/>
+              <a:rPr lang="de-DE" dirty="0"/>
+              <a:t>Key Takeaways</a:t>
+            </a:r>
           </a:p>
         </p:txBody>
       </p:sp>
@@ -7490,7 +9392,7 @@
           <p:cNvPr id="3" name="Inhaltsplatzhalter 2">
             <a:extLst>
               <a:ext uri="{FF2B5EF4-FFF2-40B4-BE49-F238E27FC236}">
-                <a16:creationId xmlns:a16="http://schemas.microsoft.com/office/drawing/2014/main" id="{7B404127-ED2B-6905-BDD1-3C60D11A2A7C}"/>
+                <a16:creationId xmlns:a16="http://schemas.microsoft.com/office/drawing/2014/main" id="{B1AC08BC-C841-A94C-A976-502217A7D7C7}"/>
               </a:ext>
             </a:extLst>
           </p:cNvPr>
@@ -7510,345 +9412,159 @@
               <a:buNone/>
             </a:pPr>
             <a:r>
-              <a:rPr lang="de-DE" sz="2000" b="1" dirty="0">
-                <a:latin typeface="Consolas" panose="020B0609020204030204" pitchFamily="49" charset="0"/>
-              </a:rPr>
-              <a:t>.</a:t>
-            </a:r>
-            <a:r>
-              <a:rPr lang="de-DE" sz="2000" b="1" dirty="0" err="1">
-                <a:latin typeface="Consolas" panose="020B0609020204030204" pitchFamily="49" charset="0"/>
-              </a:rPr>
-              <a:t>gitlab-ci.yml</a:t>
-            </a:r>
-            <a:r>
-              <a:rPr lang="de-DE" sz="2000" b="1" dirty="0">
-                <a:latin typeface="Consolas" panose="020B0609020204030204" pitchFamily="49" charset="0"/>
-              </a:rPr>
-              <a:t> (2/4)</a:t>
-            </a:r>
+              <a:rPr lang="de-DE" sz="2000" b="1" dirty="0"/>
+              <a:t>CI Best </a:t>
+            </a:r>
+            <a:r>
+              <a:rPr lang="de-DE" sz="2000" b="1" dirty="0" err="1"/>
+              <a:t>Practises</a:t>
+            </a:r>
+            <a:endParaRPr lang="de-DE" sz="2000" b="1" dirty="0"/>
+          </a:p>
+          <a:p>
+            <a:pPr>
+              <a:buFont typeface="Arial" panose="020B0604020202020204" pitchFamily="34" charset="0"/>
+              <a:buChar char="•"/>
+            </a:pPr>
+            <a:r>
+              <a:rPr lang="de-DE" sz="1800" dirty="0"/>
+              <a:t>Versionskontrolle (VCS): Verwenden Sie ein robustes Versionskontrollsystem wie </a:t>
+            </a:r>
+            <a:r>
+              <a:rPr lang="de-DE" sz="1800" dirty="0" err="1"/>
+              <a:t>Git</a:t>
+            </a:r>
+            <a:r>
+              <a:rPr lang="de-DE" sz="1800" dirty="0"/>
+              <a:t> zur Verwaltung von Codeänderungen.</a:t>
+            </a:r>
+          </a:p>
+          <a:p>
+            <a:pPr lvl="1">
+              <a:buFont typeface="Arial" panose="020B0604020202020204" pitchFamily="34" charset="0"/>
+              <a:buChar char="•"/>
+            </a:pPr>
+            <a:r>
+              <a:rPr lang="de-DE" sz="1600" dirty="0"/>
+              <a:t>Die Wahl des VCS sollte mit dem Workflow, den Projektanforderungen und den Skalierungsplänen des Teams übereinstimmen.</a:t>
+            </a:r>
+          </a:p>
+          <a:p>
+            <a:pPr>
+              <a:buFont typeface="Arial" panose="020B0604020202020204" pitchFamily="34" charset="0"/>
+              <a:buChar char="•"/>
+            </a:pPr>
+            <a:r>
+              <a:rPr lang="de-DE" sz="1800" dirty="0"/>
+              <a:t>Automatisierte Tests: Schreiben Sie Unit-Tests, Integrationstests und End-</a:t>
+            </a:r>
+            <a:r>
+              <a:rPr lang="de-DE" sz="1800" dirty="0" err="1"/>
+              <a:t>to</a:t>
+            </a:r>
+            <a:r>
+              <a:rPr lang="de-DE" sz="1800" dirty="0"/>
+              <a:t>-End-Tests zur automatischen Validierung von Codeänderungen.</a:t>
+            </a:r>
+          </a:p>
+          <a:p>
+            <a:pPr>
+              <a:buFont typeface="Arial" panose="020B0604020202020204" pitchFamily="34" charset="0"/>
+              <a:buChar char="•"/>
+            </a:pPr>
+            <a:r>
+              <a:rPr lang="de-DE" sz="1800" dirty="0"/>
+              <a:t>Automatisierte </a:t>
+            </a:r>
+            <a:r>
+              <a:rPr lang="de-DE" sz="1800" dirty="0" err="1"/>
+              <a:t>Builds</a:t>
+            </a:r>
+            <a:r>
+              <a:rPr lang="de-DE" sz="1800" dirty="0"/>
+              <a:t>: Richten Sie automatisierte </a:t>
+            </a:r>
+            <a:r>
+              <a:rPr lang="de-DE" sz="1800" dirty="0" err="1"/>
+              <a:t>Build</a:t>
+            </a:r>
+            <a:r>
+              <a:rPr lang="de-DE" sz="1800" dirty="0"/>
+              <a:t>-Pipelines ein, die Code kompilieren, Anwendungen paketieren und Artefakte erstellen.</a:t>
+            </a:r>
+          </a:p>
+          <a:p>
+            <a:pPr>
+              <a:buFont typeface="Arial" panose="020B0604020202020204" pitchFamily="34" charset="0"/>
+              <a:buChar char="•"/>
+            </a:pPr>
+            <a:r>
+              <a:rPr lang="de-DE" sz="1800" dirty="0"/>
+              <a:t>Häufige Integration: Ermutigen Sie Entwickler, Codeänderungen mehrmals täglich in das gemeinsame Repository zu integrieren.</a:t>
+            </a:r>
+          </a:p>
+          <a:p>
+            <a:pPr>
+              <a:buFont typeface="Arial" panose="020B0604020202020204" pitchFamily="34" charset="0"/>
+              <a:buChar char="•"/>
+            </a:pPr>
+            <a:r>
+              <a:rPr lang="de-DE" sz="1800" dirty="0"/>
+              <a:t>Feedback-Schleifen: Implementieren Sie Feedback-Mechanismen, um Entwickler über </a:t>
+            </a:r>
+            <a:r>
+              <a:rPr lang="de-DE" sz="1800" dirty="0" err="1"/>
+              <a:t>Build</a:t>
+            </a:r>
+            <a:r>
+              <a:rPr lang="de-DE" sz="1800" dirty="0"/>
+              <a:t>- und Testergebnisse zu informieren.</a:t>
+            </a:r>
+          </a:p>
+          <a:p>
+            <a:pPr>
+              <a:buFont typeface="Arial" panose="020B0604020202020204" pitchFamily="34" charset="0"/>
+              <a:buChar char="•"/>
+            </a:pPr>
+            <a:endParaRPr lang="de-DE" sz="1800" dirty="0"/>
           </a:p>
           <a:p>
             <a:pPr marL="0" indent="0">
               <a:buNone/>
             </a:pPr>
             <a:r>
-              <a:rPr lang="de-DE" sz="1600" dirty="0">
-                <a:latin typeface="Consolas" panose="020B0609020204030204" pitchFamily="49" charset="0"/>
-              </a:rPr>
-              <a:t>variables:</a:t>
-            </a:r>
-          </a:p>
-          <a:p>
-            <a:pPr marL="0" indent="0">
-              <a:buNone/>
-            </a:pPr>
-            <a:r>
-              <a:rPr lang="de-DE" sz="1600" dirty="0">
-                <a:latin typeface="Consolas" panose="020B0609020204030204" pitchFamily="49" charset="0"/>
-              </a:rPr>
-              <a:t>  # Use TLS </a:t>
-            </a:r>
-            <a:r>
-              <a:rPr lang="de-DE" sz="1600" b="1" dirty="0">
-                <a:latin typeface="Consolas" panose="020B0609020204030204" pitchFamily="49" charset="0"/>
-              </a:rPr>
-              <a:t>(kein Muss!)</a:t>
-            </a:r>
-            <a:r>
-              <a:rPr lang="de-DE" sz="1600" dirty="0">
-                <a:latin typeface="Consolas" panose="020B0609020204030204" pitchFamily="49" charset="0"/>
-              </a:rPr>
-              <a:t> https://docs.gitlab.com/ee/ci/docker/using_docker_build.html#tls-enabled</a:t>
-            </a:r>
-          </a:p>
-          <a:p>
-            <a:pPr marL="0" indent="0">
-              <a:buNone/>
-            </a:pPr>
-            <a:r>
-              <a:rPr lang="de-DE" sz="1600" dirty="0">
-                <a:latin typeface="Consolas" panose="020B0609020204030204" pitchFamily="49" charset="0"/>
-              </a:rPr>
-              <a:t>  DOCKER_HOST: tcp://docker:2376</a:t>
-            </a:r>
-          </a:p>
-          <a:p>
-            <a:pPr marL="0" indent="0">
-              <a:buNone/>
-            </a:pPr>
-            <a:r>
-              <a:rPr lang="de-DE" sz="1600" dirty="0">
-                <a:latin typeface="Consolas" panose="020B0609020204030204" pitchFamily="49" charset="0"/>
-              </a:rPr>
-              <a:t>  DOCKER_TLS_CERTDIR: "/</a:t>
-            </a:r>
-            <a:r>
-              <a:rPr lang="de-DE" sz="1600" dirty="0" err="1">
-                <a:latin typeface="Consolas" panose="020B0609020204030204" pitchFamily="49" charset="0"/>
-              </a:rPr>
-              <a:t>certs</a:t>
-            </a:r>
-            <a:r>
-              <a:rPr lang="de-DE" sz="1600" dirty="0">
-                <a:latin typeface="Consolas" panose="020B0609020204030204" pitchFamily="49" charset="0"/>
-              </a:rPr>
-              <a:t>"</a:t>
-            </a:r>
-          </a:p>
-          <a:p>
-            <a:pPr marL="0" indent="0">
-              <a:buNone/>
-            </a:pPr>
-            <a:r>
-              <a:rPr lang="de-DE" sz="1600" dirty="0">
-                <a:latin typeface="Consolas" panose="020B0609020204030204" pitchFamily="49" charset="0"/>
-              </a:rPr>
-              <a:t>  CONTAINER_TEST_IMAGE: $CI_REGISTRY_IMAGE:$CI_COMMIT_REF_SLUG</a:t>
-            </a:r>
-          </a:p>
-          <a:p>
-            <a:pPr marL="0" indent="0">
-              <a:buNone/>
-            </a:pPr>
-            <a:r>
-              <a:rPr lang="de-DE" sz="1600" dirty="0">
-                <a:latin typeface="Consolas" panose="020B0609020204030204" pitchFamily="49" charset="0"/>
-              </a:rPr>
-              <a:t>  CONTAINER_RELEASE_IMAGE: $</a:t>
-            </a:r>
-            <a:r>
-              <a:rPr lang="de-DE" sz="1600" dirty="0" err="1">
-                <a:latin typeface="Consolas" panose="020B0609020204030204" pitchFamily="49" charset="0"/>
-              </a:rPr>
-              <a:t>CI_REGISTRY_IMAGE:latest</a:t>
-            </a:r>
-            <a:r>
-              <a:rPr lang="de-DE" sz="1600" dirty="0">
-                <a:latin typeface="Consolas" panose="020B0609020204030204" pitchFamily="49" charset="0"/>
-              </a:rPr>
-              <a:t> </a:t>
-            </a:r>
-            <a:r>
-              <a:rPr lang="de-DE" sz="1600" dirty="0">
-                <a:solidFill>
-                  <a:srgbClr val="008C5A"/>
-                </a:solidFill>
-                <a:latin typeface="Consolas" panose="020B0609020204030204" pitchFamily="49" charset="0"/>
-              </a:rPr>
-              <a:t># Variable für 4.</a:t>
-            </a:r>
-          </a:p>
-          <a:p>
-            <a:pPr marL="0" indent="0">
-              <a:buNone/>
-            </a:pPr>
-            <a:endParaRPr lang="de-DE" sz="1600" dirty="0">
-              <a:latin typeface="Consolas" panose="020B0609020204030204" pitchFamily="49" charset="0"/>
-            </a:endParaRPr>
-          </a:p>
-          <a:p>
-            <a:pPr marL="0" indent="0">
-              <a:buNone/>
-            </a:pPr>
-            <a:r>
-              <a:rPr lang="de-DE" sz="1600" dirty="0" err="1">
-                <a:latin typeface="Consolas" panose="020B0609020204030204" pitchFamily="49" charset="0"/>
-              </a:rPr>
-              <a:t>build</a:t>
-            </a:r>
-            <a:r>
-              <a:rPr lang="de-DE" sz="1600" dirty="0">
-                <a:latin typeface="Consolas" panose="020B0609020204030204" pitchFamily="49" charset="0"/>
-              </a:rPr>
-              <a:t>:</a:t>
-            </a:r>
-          </a:p>
-          <a:p>
-            <a:pPr marL="0" indent="0">
-              <a:buNone/>
-            </a:pPr>
-            <a:r>
-              <a:rPr lang="de-DE" sz="1600" dirty="0">
-                <a:latin typeface="Consolas" panose="020B0609020204030204" pitchFamily="49" charset="0"/>
-              </a:rPr>
-              <a:t>  </a:t>
-            </a:r>
-            <a:r>
-              <a:rPr lang="de-DE" sz="1600" dirty="0" err="1">
-                <a:latin typeface="Consolas" panose="020B0609020204030204" pitchFamily="49" charset="0"/>
-              </a:rPr>
-              <a:t>stage</a:t>
-            </a:r>
-            <a:r>
-              <a:rPr lang="de-DE" sz="1600" dirty="0">
-                <a:latin typeface="Consolas" panose="020B0609020204030204" pitchFamily="49" charset="0"/>
-              </a:rPr>
-              <a:t>: </a:t>
-            </a:r>
-            <a:r>
-              <a:rPr lang="de-DE" sz="1600" dirty="0" err="1">
-                <a:latin typeface="Consolas" panose="020B0609020204030204" pitchFamily="49" charset="0"/>
-              </a:rPr>
-              <a:t>build</a:t>
-            </a:r>
-            <a:endParaRPr lang="de-DE" sz="1600" dirty="0">
-              <a:latin typeface="Consolas" panose="020B0609020204030204" pitchFamily="49" charset="0"/>
-            </a:endParaRPr>
-          </a:p>
-          <a:p>
-            <a:pPr marL="0" indent="0">
-              <a:buNone/>
-            </a:pPr>
-            <a:r>
-              <a:rPr lang="de-DE" sz="1600" dirty="0">
-                <a:latin typeface="Consolas" panose="020B0609020204030204" pitchFamily="49" charset="0"/>
-              </a:rPr>
-              <a:t>  </a:t>
-            </a:r>
-            <a:r>
-              <a:rPr lang="de-DE" sz="1600" dirty="0" err="1">
-                <a:latin typeface="Consolas" panose="020B0609020204030204" pitchFamily="49" charset="0"/>
-              </a:rPr>
-              <a:t>script</a:t>
-            </a:r>
-            <a:r>
-              <a:rPr lang="de-DE" sz="1600" dirty="0">
-                <a:latin typeface="Consolas" panose="020B0609020204030204" pitchFamily="49" charset="0"/>
-              </a:rPr>
-              <a:t>:</a:t>
-            </a:r>
-          </a:p>
-          <a:p>
-            <a:pPr marL="0" indent="0">
-              <a:buNone/>
-            </a:pPr>
-            <a:r>
-              <a:rPr lang="de-DE" sz="1600" dirty="0">
-                <a:latin typeface="Consolas" panose="020B0609020204030204" pitchFamily="49" charset="0"/>
-              </a:rPr>
-              <a:t>    - </a:t>
-            </a:r>
-            <a:r>
-              <a:rPr lang="de-DE" sz="1600" dirty="0" err="1">
-                <a:latin typeface="Consolas" panose="020B0609020204030204" pitchFamily="49" charset="0"/>
-              </a:rPr>
-              <a:t>docker</a:t>
-            </a:r>
-            <a:r>
-              <a:rPr lang="de-DE" sz="1600" dirty="0">
-                <a:latin typeface="Consolas" panose="020B0609020204030204" pitchFamily="49" charset="0"/>
-              </a:rPr>
-              <a:t> </a:t>
-            </a:r>
-            <a:r>
-              <a:rPr lang="de-DE" sz="1600" dirty="0" err="1">
-                <a:latin typeface="Consolas" panose="020B0609020204030204" pitchFamily="49" charset="0"/>
-              </a:rPr>
-              <a:t>build</a:t>
-            </a:r>
-            <a:r>
-              <a:rPr lang="de-DE" sz="1600" dirty="0">
-                <a:latin typeface="Consolas" panose="020B0609020204030204" pitchFamily="49" charset="0"/>
-              </a:rPr>
-              <a:t> --pull -t $CONTAINER_TEST_IMAGE .</a:t>
-            </a:r>
-          </a:p>
-          <a:p>
-            <a:pPr marL="0" indent="0">
-              <a:buNone/>
-            </a:pPr>
-            <a:r>
-              <a:rPr lang="de-DE" sz="1600" dirty="0">
-                <a:latin typeface="Consolas" panose="020B0609020204030204" pitchFamily="49" charset="0"/>
-              </a:rPr>
-              <a:t>    - </a:t>
-            </a:r>
-            <a:r>
-              <a:rPr lang="de-DE" sz="1600" dirty="0" err="1">
-                <a:latin typeface="Consolas" panose="020B0609020204030204" pitchFamily="49" charset="0"/>
-              </a:rPr>
-              <a:t>docker</a:t>
-            </a:r>
-            <a:r>
-              <a:rPr lang="de-DE" sz="1600" dirty="0">
-                <a:latin typeface="Consolas" panose="020B0609020204030204" pitchFamily="49" charset="0"/>
-              </a:rPr>
-              <a:t> push $CONTAINER_TEST_IMAGE </a:t>
-            </a:r>
-            <a:r>
-              <a:rPr lang="de-DE" sz="1600" dirty="0">
-                <a:solidFill>
-                  <a:srgbClr val="008C5A"/>
-                </a:solidFill>
-                <a:latin typeface="Consolas" panose="020B0609020204030204" pitchFamily="49" charset="0"/>
-              </a:rPr>
-              <a:t># 1. </a:t>
-            </a:r>
-            <a:r>
-              <a:rPr lang="de-DE" sz="1600" dirty="0" err="1">
-                <a:solidFill>
-                  <a:srgbClr val="008C5A"/>
-                </a:solidFill>
-                <a:latin typeface="Consolas" panose="020B0609020204030204" pitchFamily="49" charset="0"/>
-              </a:rPr>
-              <a:t>Build</a:t>
-            </a:r>
-            <a:r>
-              <a:rPr lang="de-DE" sz="1600" dirty="0">
-                <a:solidFill>
-                  <a:srgbClr val="008C5A"/>
-                </a:solidFill>
-                <a:latin typeface="Consolas" panose="020B0609020204030204" pitchFamily="49" charset="0"/>
-              </a:rPr>
-              <a:t> wird in die Container Registry </a:t>
-            </a:r>
-            <a:r>
-              <a:rPr lang="de-DE" sz="1600" dirty="0" err="1">
-                <a:solidFill>
-                  <a:srgbClr val="008C5A"/>
-                </a:solidFill>
-                <a:latin typeface="Consolas" panose="020B0609020204030204" pitchFamily="49" charset="0"/>
-              </a:rPr>
-              <a:t>gepushed</a:t>
-            </a:r>
-            <a:endParaRPr lang="de-DE" sz="1600" dirty="0">
-              <a:solidFill>
-                <a:srgbClr val="008C5A"/>
-              </a:solidFill>
-              <a:latin typeface="Consolas" panose="020B0609020204030204" pitchFamily="49" charset="0"/>
-            </a:endParaRPr>
-          </a:p>
-          <a:p>
-            <a:pPr marL="0" indent="0">
-              <a:buNone/>
-            </a:pPr>
-            <a:endParaRPr lang="de-DE" sz="1600" dirty="0">
-              <a:latin typeface="Consolas" panose="020B0609020204030204" pitchFamily="49" charset="0"/>
-            </a:endParaRPr>
-          </a:p>
-          <a:p>
-            <a:pPr marL="0" indent="0">
-              <a:buNone/>
-            </a:pPr>
-            <a:endParaRPr lang="de-DE" sz="1600" dirty="0">
-              <a:latin typeface="Consolas" panose="020B0609020204030204" pitchFamily="49" charset="0"/>
-            </a:endParaRPr>
-          </a:p>
-          <a:p>
-            <a:pPr marL="0" indent="0">
-              <a:buNone/>
-            </a:pPr>
-            <a:endParaRPr lang="de-DE" sz="1600" dirty="0">
-              <a:latin typeface="Consolas" panose="020B0609020204030204" pitchFamily="49" charset="0"/>
-            </a:endParaRPr>
+              <a:rPr lang="de-DE" sz="2000" b="1" dirty="0"/>
+              <a:t>Tools:</a:t>
+            </a:r>
+          </a:p>
+          <a:p>
+            <a:pPr>
+              <a:buFont typeface="Arial" panose="020B0604020202020204" pitchFamily="34" charset="0"/>
+              <a:buChar char="•"/>
+            </a:pPr>
+            <a:r>
+              <a:rPr lang="de-DE" sz="2000" dirty="0" err="1"/>
+              <a:t>GitLab</a:t>
+            </a:r>
+            <a:r>
+              <a:rPr lang="de-DE" sz="2000" dirty="0"/>
+              <a:t> CI/CD, Jenkins, </a:t>
+            </a:r>
+            <a:r>
+              <a:rPr lang="de-DE" sz="2000" dirty="0" err="1"/>
+              <a:t>CircleCI</a:t>
+            </a:r>
+            <a:r>
+              <a:rPr lang="de-DE" sz="2000" dirty="0"/>
+              <a:t>, … </a:t>
+            </a:r>
           </a:p>
         </p:txBody>
       </p:sp>
     </p:spTree>
     <p:extLst>
       <p:ext uri="{BB962C8B-B14F-4D97-AF65-F5344CB8AC3E}">
-        <p14:creationId xmlns:p14="http://schemas.microsoft.com/office/powerpoint/2010/main" val="812820427"/>
+        <p14:creationId xmlns:p14="http://schemas.microsoft.com/office/powerpoint/2010/main" val="2231331641"/>
       </p:ext>
     </p:extLst>
   </p:cSld>

--- a/slides/Tag-3_5-Abschluss.pptx
+++ b/slides/Tag-3_5-Abschluss.pptx
@@ -16,15 +16,15 @@
     <p:sldId id="289" r:id="rId4"/>
     <p:sldId id="291" r:id="rId5"/>
     <p:sldId id="597" r:id="rId6"/>
-    <p:sldId id="645" r:id="rId7"/>
-    <p:sldId id="648" r:id="rId8"/>
-    <p:sldId id="646" r:id="rId9"/>
-    <p:sldId id="639" r:id="rId10"/>
-    <p:sldId id="640" r:id="rId11"/>
-    <p:sldId id="641" r:id="rId12"/>
-    <p:sldId id="642" r:id="rId13"/>
-    <p:sldId id="643" r:id="rId14"/>
-    <p:sldId id="644" r:id="rId15"/>
+    <p:sldId id="649" r:id="rId7"/>
+    <p:sldId id="645" r:id="rId8"/>
+    <p:sldId id="648" r:id="rId9"/>
+    <p:sldId id="646" r:id="rId10"/>
+    <p:sldId id="639" r:id="rId11"/>
+    <p:sldId id="640" r:id="rId12"/>
+    <p:sldId id="641" r:id="rId13"/>
+    <p:sldId id="642" r:id="rId14"/>
+    <p:sldId id="643" r:id="rId15"/>
     <p:sldId id="635" r:id="rId16"/>
     <p:sldId id="627" r:id="rId17"/>
     <p:sldId id="628" r:id="rId18"/>
@@ -1277,7 +1277,7 @@
             <a:fld id="{18182567-388C-4D33-8B7B-A651F195F118}" type="slidenum">
               <a:rPr lang="de-DE" altLang="de-DE" smtClean="0"/>
               <a:pPr/>
-              <a:t>5</a:t>
+              <a:t>6</a:t>
             </a:fld>
             <a:endParaRPr lang="de-DE" altLang="de-DE"/>
           </a:p>
@@ -1362,7 +1362,7 @@
             <a:fld id="{18182567-388C-4D33-8B7B-A651F195F118}" type="slidenum">
               <a:rPr lang="de-DE" altLang="de-DE" smtClean="0"/>
               <a:pPr/>
-              <a:t>6</a:t>
+              <a:t>7</a:t>
             </a:fld>
             <a:endParaRPr lang="de-DE" altLang="de-DE"/>
           </a:p>
@@ -1447,7 +1447,7 @@
             <a:fld id="{18182567-388C-4D33-8B7B-A651F195F118}" type="slidenum">
               <a:rPr lang="de-DE" altLang="de-DE" smtClean="0"/>
               <a:pPr/>
-              <a:t>7</a:t>
+              <a:t>8</a:t>
             </a:fld>
             <a:endParaRPr lang="de-DE" altLang="de-DE"/>
           </a:p>
@@ -1532,7 +1532,7 @@
             <a:fld id="{18182567-388C-4D33-8B7B-A651F195F118}" type="slidenum">
               <a:rPr lang="de-DE" altLang="de-DE" smtClean="0"/>
               <a:pPr/>
-              <a:t>8</a:t>
+              <a:t>9</a:t>
             </a:fld>
             <a:endParaRPr lang="de-DE" altLang="de-DE"/>
           </a:p>
@@ -1617,7 +1617,7 @@
             <a:fld id="{18182567-388C-4D33-8B7B-A651F195F118}" type="slidenum">
               <a:rPr lang="de-DE" altLang="de-DE" smtClean="0"/>
               <a:pPr/>
-              <a:t>9</a:t>
+              <a:t>10</a:t>
             </a:fld>
             <a:endParaRPr lang="de-DE" altLang="de-DE"/>
           </a:p>
@@ -1702,7 +1702,7 @@
             <a:fld id="{18182567-388C-4D33-8B7B-A651F195F118}" type="slidenum">
               <a:rPr lang="de-DE" altLang="de-DE" smtClean="0"/>
               <a:pPr/>
-              <a:t>10</a:t>
+              <a:t>11</a:t>
             </a:fld>
             <a:endParaRPr lang="de-DE" altLang="de-DE"/>
           </a:p>
@@ -1787,7 +1787,7 @@
             <a:fld id="{18182567-388C-4D33-8B7B-A651F195F118}" type="slidenum">
               <a:rPr lang="de-DE" altLang="de-DE" smtClean="0"/>
               <a:pPr/>
-              <a:t>11</a:t>
+              <a:t>12</a:t>
             </a:fld>
             <a:endParaRPr lang="de-DE" altLang="de-DE"/>
           </a:p>
@@ -1872,7 +1872,7 @@
             <a:fld id="{18182567-388C-4D33-8B7B-A651F195F118}" type="slidenum">
               <a:rPr lang="de-DE" altLang="de-DE" smtClean="0"/>
               <a:pPr/>
-              <a:t>12</a:t>
+              <a:t>13</a:t>
             </a:fld>
             <a:endParaRPr lang="de-DE" altLang="de-DE"/>
           </a:p>
@@ -4687,21 +4687,14 @@
               <a:buNone/>
             </a:pPr>
             <a:r>
+              <a:rPr lang="de-DE" sz="2000" b="1" dirty="0"/>
+              <a:t>CI Best </a:t>
+            </a:r>
+            <a:r>
               <a:rPr lang="de-DE" sz="2000" b="1" dirty="0" err="1"/>
-              <a:t>Continuous</a:t>
-            </a:r>
-            <a:r>
-              <a:rPr lang="de-DE" sz="2000" b="1" dirty="0"/>
-              <a:t> </a:t>
-            </a:r>
-            <a:r>
-              <a:rPr lang="de-DE" sz="2000" b="1" dirty="0" err="1"/>
-              <a:t>Delivery</a:t>
-            </a:r>
-            <a:r>
-              <a:rPr lang="de-DE" sz="2000" b="1" dirty="0"/>
-              <a:t> (CD)</a:t>
-            </a:r>
+              <a:t>Practises</a:t>
+            </a:r>
+            <a:endParaRPr lang="de-DE" sz="2000" b="1" dirty="0"/>
           </a:p>
           <a:p>
             <a:pPr>
@@ -4709,8 +4702,26 @@
               <a:buChar char="•"/>
             </a:pPr>
             <a:r>
-              <a:rPr lang="de-DE" sz="2000" dirty="0"/>
-              <a:t>CD erweitert die Prinzipien von CI zur Automatisierung der Anwendungsbereitstellung in verschiedene Umgebungen, einschließlich Produktion.</a:t>
+              <a:rPr lang="de-DE" sz="1800" dirty="0"/>
+              <a:t>Versionskontrolle (VCS): Verwenden Sie ein robustes Versionskontrollsystem wie </a:t>
+            </a:r>
+            <a:r>
+              <a:rPr lang="de-DE" sz="1800" dirty="0" err="1"/>
+              <a:t>Git</a:t>
+            </a:r>
+            <a:r>
+              <a:rPr lang="de-DE" sz="1800" dirty="0"/>
+              <a:t> zur Verwaltung von Codeänderungen.</a:t>
+            </a:r>
+          </a:p>
+          <a:p>
+            <a:pPr lvl="1">
+              <a:buFont typeface="Arial" panose="020B0604020202020204" pitchFamily="34" charset="0"/>
+              <a:buChar char="•"/>
+            </a:pPr>
+            <a:r>
+              <a:rPr lang="de-DE" sz="1600" dirty="0"/>
+              <a:t>Die Wahl des VCS sollte mit dem Workflow, den Projektanforderungen und den Skalierungsplänen des Teams übereinstimmen.</a:t>
             </a:r>
           </a:p>
           <a:p>
@@ -4719,23 +4730,16 @@
               <a:buChar char="•"/>
             </a:pPr>
             <a:r>
-              <a:rPr lang="de-DE" sz="2000" dirty="0"/>
-              <a:t>CD stellt sicher, dass Software immer in einem einsatzbereiten Zustand ist und jederzeit in Produktion gehen kann.</a:t>
-            </a:r>
-          </a:p>
-          <a:p>
-            <a:pPr marL="0" indent="0">
-              <a:buNone/>
-            </a:pPr>
-            <a:endParaRPr lang="de-DE" sz="2000" b="1" dirty="0"/>
-          </a:p>
-          <a:p>
-            <a:pPr marL="0" indent="0">
-              <a:buNone/>
-            </a:pPr>
-            <a:r>
-              <a:rPr lang="de-DE" sz="2000" b="1" dirty="0"/>
-              <a:t>Vorteile</a:t>
+              <a:rPr lang="de-DE" sz="1800" dirty="0"/>
+              <a:t>Automatisierte Tests: Schreiben Sie Unit-Tests, Integrationstests und End-</a:t>
+            </a:r>
+            <a:r>
+              <a:rPr lang="de-DE" sz="1800" dirty="0" err="1"/>
+              <a:t>to</a:t>
+            </a:r>
+            <a:r>
+              <a:rPr lang="de-DE" sz="1800" dirty="0"/>
+              <a:t>-End-Tests zur automatischen Validierung von Codeänderungen.</a:t>
             </a:r>
           </a:p>
           <a:p>
@@ -4744,8 +4748,24 @@
               <a:buChar char="•"/>
             </a:pPr>
             <a:r>
-              <a:rPr lang="de-DE" sz="2000" dirty="0"/>
-              <a:t>Automatisierung des Bereitstellungsprozesses, Reduzierung des Risikos menschlicher Fehler bei Releases.</a:t>
+              <a:rPr lang="de-DE" sz="1800" dirty="0"/>
+              <a:t>Automatisierte </a:t>
+            </a:r>
+            <a:r>
+              <a:rPr lang="de-DE" sz="1800" dirty="0" err="1"/>
+              <a:t>Builds</a:t>
+            </a:r>
+            <a:r>
+              <a:rPr lang="de-DE" sz="1800" dirty="0"/>
+              <a:t>: Richten Sie automatisierte </a:t>
+            </a:r>
+            <a:r>
+              <a:rPr lang="de-DE" sz="1800" dirty="0" err="1"/>
+              <a:t>Build</a:t>
+            </a:r>
+            <a:r>
+              <a:rPr lang="de-DE" sz="1800" dirty="0"/>
+              <a:t>-Pipelines ein, die Code kompilieren, Anwendungen paketieren und Artefakte erstellen.</a:t>
             </a:r>
           </a:p>
           <a:p>
@@ -4754,8 +4774,8 @@
               <a:buChar char="•"/>
             </a:pPr>
             <a:r>
-              <a:rPr lang="de-DE" sz="2000" dirty="0"/>
-              <a:t>Häufigere Veröffentlichung neuer Funktionen und Fehlerbehebungen, schnellere Wertschöpfung für Benutzer.</a:t>
+              <a:rPr lang="de-DE" sz="1800" dirty="0"/>
+              <a:t>Häufige Integration: Ermutigen Sie Entwickler, Codeänderungen mehrmals täglich in das gemeinsame Repository zu integrieren.</a:t>
             </a:r>
           </a:p>
           <a:p>
@@ -4764,8 +4784,54 @@
               <a:buChar char="•"/>
             </a:pPr>
             <a:r>
+              <a:rPr lang="de-DE" sz="1800" dirty="0"/>
+              <a:t>Feedback-Schleifen: Implementieren Sie Feedback-Mechanismen, um Entwickler über </a:t>
+            </a:r>
+            <a:r>
+              <a:rPr lang="de-DE" sz="1800" dirty="0" err="1"/>
+              <a:t>Build</a:t>
+            </a:r>
+            <a:r>
+              <a:rPr lang="de-DE" sz="1800" dirty="0"/>
+              <a:t>- und Testergebnisse zu informieren.</a:t>
+            </a:r>
+          </a:p>
+          <a:p>
+            <a:pPr>
+              <a:buFont typeface="Arial" panose="020B0604020202020204" pitchFamily="34" charset="0"/>
+              <a:buChar char="•"/>
+            </a:pPr>
+            <a:endParaRPr lang="de-DE" sz="1800" dirty="0"/>
+          </a:p>
+          <a:p>
+            <a:pPr marL="0" indent="0">
+              <a:buNone/>
+            </a:pPr>
+            <a:r>
+              <a:rPr lang="de-DE" sz="2000" b="1" dirty="0"/>
+              <a:t>Tools:</a:t>
+            </a:r>
+          </a:p>
+          <a:p>
+            <a:pPr>
+              <a:buFont typeface="Arial" panose="020B0604020202020204" pitchFamily="34" charset="0"/>
+              <a:buChar char="•"/>
+            </a:pPr>
+            <a:r>
+              <a:rPr lang="de-DE" sz="2000" dirty="0" err="1"/>
+              <a:t>GitLab</a:t>
+            </a:r>
+            <a:r>
               <a:rPr lang="de-DE" sz="2000" dirty="0"/>
-              <a:t>Konsistente Bereitstellungsprozesse in allen Umgebungen, schnelle Verbesserungen durch häufige Releases und Benutzerfeedback.</a:t>
+              <a:t> CI/CD, Jenkins, </a:t>
+            </a:r>
+            <a:r>
+              <a:rPr lang="de-DE" sz="2000" dirty="0" err="1"/>
+              <a:t>CircleCI</a:t>
+            </a:r>
+            <a:r>
+              <a:rPr lang="de-DE" sz="2000" dirty="0"/>
+              <a:t>, … </a:t>
             </a:r>
           </a:p>
         </p:txBody>
@@ -4773,7 +4839,7 @@
     </p:spTree>
     <p:extLst>
       <p:ext uri="{BB962C8B-B14F-4D97-AF65-F5344CB8AC3E}">
-        <p14:creationId xmlns:p14="http://schemas.microsoft.com/office/powerpoint/2010/main" val="3055129910"/>
+        <p14:creationId xmlns:p14="http://schemas.microsoft.com/office/powerpoint/2010/main" val="2231331641"/>
       </p:ext>
     </p:extLst>
   </p:cSld>
@@ -4853,14 +4919,21 @@
               <a:buNone/>
             </a:pPr>
             <a:r>
+              <a:rPr lang="de-DE" sz="2000" b="1" dirty="0" err="1"/>
+              <a:t>Continuous</a:t>
+            </a:r>
+            <a:r>
               <a:rPr lang="de-DE" sz="2000" b="1" dirty="0"/>
-              <a:t>CD Best </a:t>
+              <a:t> </a:t>
             </a:r>
             <a:r>
               <a:rPr lang="de-DE" sz="2000" b="1" dirty="0" err="1"/>
-              <a:t>Practises</a:t>
-            </a:r>
-            <a:endParaRPr lang="de-DE" sz="2000" b="1" dirty="0"/>
+              <a:t>Delivery</a:t>
+            </a:r>
+            <a:r>
+              <a:rPr lang="de-DE" sz="2000" b="1" dirty="0"/>
+              <a:t> (CD)</a:t>
+            </a:r>
           </a:p>
           <a:p>
             <a:pPr>
@@ -4869,23 +4942,7 @@
             </a:pPr>
             <a:r>
               <a:rPr lang="de-DE" sz="2000" dirty="0"/>
-              <a:t>Infrastruktur als Code (</a:t>
-            </a:r>
-            <a:r>
-              <a:rPr lang="de-DE" sz="2000" dirty="0" err="1"/>
-              <a:t>IaC</a:t>
-            </a:r>
-            <a:r>
-              <a:rPr lang="de-DE" sz="2000" dirty="0"/>
-              <a:t>): Definieren Sie Infrastruktur mit Code (z.B. Terraform oder AWS </a:t>
-            </a:r>
-            <a:r>
-              <a:rPr lang="de-DE" sz="2000" dirty="0" err="1"/>
-              <a:t>CloudFormation</a:t>
-            </a:r>
-            <a:r>
-              <a:rPr lang="de-DE" sz="2000" dirty="0"/>
-              <a:t>) für konsistente Umgebungen.</a:t>
+              <a:t>CD erweitert die Prinzipien von CI zur Automatisierung der Anwendungsbereitstellung in verschiedene Umgebungen, einschließlich Produktion.</a:t>
             </a:r>
           </a:p>
           <a:p>
@@ -4895,15 +4952,22 @@
             </a:pPr>
             <a:r>
               <a:rPr lang="de-DE" sz="2000" dirty="0"/>
-              <a:t>Automatisierte Tests: Kontinuierliche Tests in </a:t>
-            </a:r>
-            <a:r>
-              <a:rPr lang="de-DE" sz="2000" dirty="0" err="1"/>
-              <a:t>Staging</a:t>
-            </a:r>
-            <a:r>
-              <a:rPr lang="de-DE" sz="2000" dirty="0"/>
-              <a:t>-Umgebungen, die die Produktion nachahmen.</a:t>
+              <a:t>CD stellt sicher, dass Software immer in einem einsatzbereiten Zustand ist und jederzeit in Produktion gehen kann.</a:t>
+            </a:r>
+          </a:p>
+          <a:p>
+            <a:pPr marL="0" indent="0">
+              <a:buNone/>
+            </a:pPr>
+            <a:endParaRPr lang="de-DE" sz="2000" b="1" dirty="0"/>
+          </a:p>
+          <a:p>
+            <a:pPr marL="0" indent="0">
+              <a:buNone/>
+            </a:pPr>
+            <a:r>
+              <a:rPr lang="de-DE" sz="2000" b="1" dirty="0"/>
+              <a:t>Vorteile</a:t>
             </a:r>
           </a:p>
           <a:p>
@@ -4913,23 +4977,7 @@
             </a:pPr>
             <a:r>
               <a:rPr lang="de-DE" sz="2000" dirty="0"/>
-              <a:t>Bereitstellungspipelines: Erstellen Sie Bereitstellungspipelines mit mehreren Stufen, einschließlich </a:t>
-            </a:r>
-            <a:r>
-              <a:rPr lang="de-DE" sz="2000" dirty="0" err="1"/>
-              <a:t>Testing</a:t>
-            </a:r>
-            <a:r>
-              <a:rPr lang="de-DE" sz="2000" dirty="0"/>
-              <a:t>, </a:t>
-            </a:r>
-            <a:r>
-              <a:rPr lang="de-DE" sz="2000" dirty="0" err="1"/>
-              <a:t>Staging</a:t>
-            </a:r>
-            <a:r>
-              <a:rPr lang="de-DE" sz="2000" dirty="0"/>
-              <a:t> und Produktion.</a:t>
+              <a:t>Automatisierung des Bereitstellungsprozesses, Reduzierung des Risikos menschlicher Fehler bei Releases.</a:t>
             </a:r>
           </a:p>
           <a:p>
@@ -4939,23 +4987,7 @@
             </a:pPr>
             <a:r>
               <a:rPr lang="de-DE" sz="2000" dirty="0"/>
-              <a:t>Blue-Green </a:t>
-            </a:r>
-            <a:r>
-              <a:rPr lang="de-DE" sz="2000" dirty="0" err="1"/>
-              <a:t>Deployments</a:t>
-            </a:r>
-            <a:r>
-              <a:rPr lang="de-DE" sz="2000" dirty="0"/>
-              <a:t>: Implementieren Sie Blue-Green </a:t>
-            </a:r>
-            <a:r>
-              <a:rPr lang="de-DE" sz="2000" dirty="0" err="1"/>
-              <a:t>Deployments</a:t>
-            </a:r>
-            <a:r>
-              <a:rPr lang="de-DE" sz="2000" dirty="0"/>
-              <a:t> zur Minimierung von Ausfallzeiten bei Releases.</a:t>
+              <a:t>Häufigere Veröffentlichung neuer Funktionen und Fehlerbehebungen, schnellere Wertschöpfung für Benutzer.</a:t>
             </a:r>
           </a:p>
           <a:p>
@@ -4965,41 +4997,7 @@
             </a:pPr>
             <a:r>
               <a:rPr lang="de-DE" sz="2000" dirty="0"/>
-              <a:t>Rollbackstrategien: Definieren Sie Rollbackstrategien für den Fall, dass Probleme bei der Bereitstellung auftreten.</a:t>
-            </a:r>
-          </a:p>
-          <a:p>
-            <a:pPr>
-              <a:buFont typeface="Arial" panose="020B0604020202020204" pitchFamily="34" charset="0"/>
-              <a:buChar char="•"/>
-            </a:pPr>
-            <a:endParaRPr lang="de-DE" sz="2000" dirty="0"/>
-          </a:p>
-          <a:p>
-            <a:pPr marL="0" indent="0">
-              <a:buNone/>
-            </a:pPr>
-            <a:r>
-              <a:rPr lang="de-DE" sz="2000" b="1" dirty="0"/>
-              <a:t>Tools</a:t>
-            </a:r>
-          </a:p>
-          <a:p>
-            <a:pPr>
-              <a:buFont typeface="Arial" panose="020B0604020202020204" pitchFamily="34" charset="0"/>
-              <a:buChar char="•"/>
-            </a:pPr>
-            <a:r>
-              <a:rPr lang="de-DE" sz="2000" dirty="0"/>
-              <a:t>Docker, </a:t>
-            </a:r>
-            <a:r>
-              <a:rPr lang="de-DE" sz="2000" dirty="0" err="1"/>
-              <a:t>Kubernetes</a:t>
-            </a:r>
-            <a:r>
-              <a:rPr lang="de-DE" sz="2000" dirty="0"/>
-              <a:t>, Jenkins, Spinnaker, …</a:t>
+              <a:t>Konsistente Bereitstellungsprozesse in allen Umgebungen, schnelle Verbesserungen durch häufige Releases und Benutzerfeedback.</a:t>
             </a:r>
           </a:p>
         </p:txBody>
@@ -5007,7 +5005,7 @@
     </p:spTree>
     <p:extLst>
       <p:ext uri="{BB962C8B-B14F-4D97-AF65-F5344CB8AC3E}">
-        <p14:creationId xmlns:p14="http://schemas.microsoft.com/office/powerpoint/2010/main" val="1565248319"/>
+        <p14:creationId xmlns:p14="http://schemas.microsoft.com/office/powerpoint/2010/main" val="3055129910"/>
       </p:ext>
     </p:extLst>
   </p:cSld>
@@ -5088,8 +5086,13 @@
             </a:pPr>
             <a:r>
               <a:rPr lang="de-DE" sz="2000" b="1" dirty="0"/>
-              <a:t>Unterschiede CI und CD</a:t>
-            </a:r>
+              <a:t>CD Best </a:t>
+            </a:r>
+            <a:r>
+              <a:rPr lang="de-DE" sz="2000" b="1" dirty="0" err="1"/>
+              <a:t>Practises</a:t>
+            </a:r>
+            <a:endParaRPr lang="de-DE" sz="2000" b="1" dirty="0"/>
           </a:p>
           <a:p>
             <a:pPr>
@@ -5097,19 +5100,16 @@
               <a:buChar char="•"/>
             </a:pPr>
             <a:r>
-              <a:rPr lang="de-DE" sz="2000" u="sng" dirty="0"/>
-              <a:t>CI konzentriert sich auf die Integration</a:t>
-            </a:r>
-            <a:r>
               <a:rPr lang="de-DE" sz="2000" dirty="0"/>
-              <a:t>: </a:t>
-            </a:r>
-            <a:br>
+              <a:t>Automatisierte Tests: Kontinuierliche Tests in </a:t>
+            </a:r>
+            <a:r>
+              <a:rPr lang="de-DE" sz="2000" dirty="0" err="1"/>
+              <a:t>Staging</a:t>
+            </a:r>
+            <a:r>
               <a:rPr lang="de-DE" sz="2000" dirty="0"/>
-            </a:br>
-            <a:r>
-              <a:rPr lang="de-DE" sz="2000" dirty="0"/>
-              <a:t>Hauptziel ist die Integration von Codeänderungen in ein gemeinsames Repository und die Sicherstellung, dass bestehende Funktionalitäten nicht beeinträchtigt werden.</a:t>
+              <a:t>-Umgebungen, die die Produktion nachahmen.</a:t>
             </a:r>
           </a:p>
           <a:p>
@@ -5117,7 +5117,26 @@
               <a:buFont typeface="Arial" panose="020B0604020202020204" pitchFamily="34" charset="0"/>
               <a:buChar char="•"/>
             </a:pPr>
-            <a:endParaRPr lang="de-DE" sz="2000" dirty="0"/>
+            <a:r>
+              <a:rPr lang="de-DE" sz="2000" dirty="0"/>
+              <a:t>Bereitstellungspipelines: Erstellen Sie Bereitstellungspipelines mit mehreren Stufen, einschließlich </a:t>
+            </a:r>
+            <a:r>
+              <a:rPr lang="de-DE" sz="2000" dirty="0" err="1"/>
+              <a:t>Testing</a:t>
+            </a:r>
+            <a:r>
+              <a:rPr lang="de-DE" sz="2000" dirty="0"/>
+              <a:t>, </a:t>
+            </a:r>
+            <a:r>
+              <a:rPr lang="de-DE" sz="2000" dirty="0" err="1"/>
+              <a:t>Staging</a:t>
+            </a:r>
+            <a:r>
+              <a:rPr lang="de-DE" sz="2000" dirty="0"/>
+              <a:t> und Produktion.</a:t>
+            </a:r>
           </a:p>
           <a:p>
             <a:pPr>
@@ -5125,27 +5144,94 @@
               <a:buChar char="•"/>
             </a:pPr>
             <a:r>
-              <a:rPr lang="de-DE" sz="2000" u="sng" dirty="0"/>
-              <a:t>CD konzentriert sich auf Lieferung und Bereitstellung</a:t>
-            </a:r>
-            <a:r>
               <a:rPr lang="de-DE" sz="2000" dirty="0"/>
-              <a:t>: </a:t>
-            </a:r>
-            <a:br>
+              <a:t>Blue-Green </a:t>
+            </a:r>
+            <a:r>
+              <a:rPr lang="de-DE" sz="2000" dirty="0" err="1"/>
+              <a:t>Deployments</a:t>
+            </a:r>
+            <a:r>
               <a:rPr lang="de-DE" sz="2000" dirty="0"/>
-            </a:br>
+              <a:t>: Implementieren Sie Blue-Green </a:t>
+            </a:r>
+            <a:r>
+              <a:rPr lang="de-DE" sz="2000" dirty="0" err="1"/>
+              <a:t>Deployments</a:t>
+            </a:r>
             <a:r>
               <a:rPr lang="de-DE" sz="2000" dirty="0"/>
-              <a:t>Erweiterung von CI durch Automatisierung des </a:t>
+              <a:t> zur Minimierung von Ausfallzeiten bei Releases.</a:t>
+            </a:r>
+          </a:p>
+          <a:p>
+            <a:pPr>
+              <a:buFont typeface="Arial" panose="020B0604020202020204" pitchFamily="34" charset="0"/>
+              <a:buChar char="•"/>
+            </a:pPr>
+            <a:r>
+              <a:rPr lang="de-DE" sz="2000" dirty="0"/>
+              <a:t>Rollbackstrategien: Definieren Sie Rollbackstrategien für den Fall, dass Probleme bei der Bereitstellung auftreten.</a:t>
+            </a:r>
+          </a:p>
+          <a:p>
+            <a:pPr>
+              <a:buFont typeface="Arial" panose="020B0604020202020204" pitchFamily="34" charset="0"/>
+              <a:buChar char="•"/>
+            </a:pPr>
+            <a:r>
+              <a:rPr lang="de-DE" sz="2000" dirty="0"/>
+              <a:t>Infrastruktur als Code (</a:t>
             </a:r>
             <a:r>
               <a:rPr lang="de-DE" sz="2000" dirty="0" err="1"/>
-              <a:t>Builds</a:t>
+              <a:t>IaC</a:t>
             </a:r>
             <a:r>
               <a:rPr lang="de-DE" sz="2000" dirty="0"/>
-              <a:t>, Testens und Bereitstellens von Anwendungen in verschiedene Umgebungen, letztlich bis hin zur Produktion.</a:t>
+              <a:t>): Definieren Sie Infrastruktur mit Code (z.B. Terraform oder AWS </a:t>
+            </a:r>
+            <a:r>
+              <a:rPr lang="de-DE" sz="2000" dirty="0" err="1"/>
+              <a:t>CloudFormation</a:t>
+            </a:r>
+            <a:r>
+              <a:rPr lang="de-DE" sz="2000" dirty="0"/>
+              <a:t>) für konsistente und reproduzierbare Umgebungen.</a:t>
+            </a:r>
+          </a:p>
+          <a:p>
+            <a:pPr>
+              <a:buFont typeface="Arial" panose="020B0604020202020204" pitchFamily="34" charset="0"/>
+              <a:buChar char="•"/>
+            </a:pPr>
+            <a:endParaRPr lang="de-DE" sz="2000" dirty="0"/>
+          </a:p>
+          <a:p>
+            <a:pPr marL="0" indent="0">
+              <a:buNone/>
+            </a:pPr>
+            <a:r>
+              <a:rPr lang="de-DE" sz="2000" b="1" dirty="0"/>
+              <a:t>Tools</a:t>
+            </a:r>
+          </a:p>
+          <a:p>
+            <a:pPr>
+              <a:buFont typeface="Arial" panose="020B0604020202020204" pitchFamily="34" charset="0"/>
+              <a:buChar char="•"/>
+            </a:pPr>
+            <a:r>
+              <a:rPr lang="de-DE" sz="2000" dirty="0"/>
+              <a:t>Docker, </a:t>
+            </a:r>
+            <a:r>
+              <a:rPr lang="de-DE" sz="2000" dirty="0" err="1"/>
+              <a:t>Kubernetes</a:t>
+            </a:r>
+            <a:r>
+              <a:rPr lang="de-DE" sz="2000" dirty="0"/>
+              <a:t>, Jenkins, Spinnaker, …</a:t>
             </a:r>
           </a:p>
         </p:txBody>
@@ -5153,7 +5239,7 @@
     </p:spTree>
     <p:extLst>
       <p:ext uri="{BB962C8B-B14F-4D97-AF65-F5344CB8AC3E}">
-        <p14:creationId xmlns:p14="http://schemas.microsoft.com/office/powerpoint/2010/main" val="3909652257"/>
+        <p14:creationId xmlns:p14="http://schemas.microsoft.com/office/powerpoint/2010/main" val="1565248319"/>
       </p:ext>
     </p:extLst>
   </p:cSld>
@@ -5185,7 +5271,7 @@
           <p:cNvPr id="2" name="Titel 1">
             <a:extLst>
               <a:ext uri="{FF2B5EF4-FFF2-40B4-BE49-F238E27FC236}">
-                <a16:creationId xmlns:a16="http://schemas.microsoft.com/office/drawing/2014/main" id="{F8E33785-A583-1AB5-4924-1FA7C922DDA3}"/>
+                <a16:creationId xmlns:a16="http://schemas.microsoft.com/office/drawing/2014/main" id="{C1685EFD-0B12-A118-74A4-A33EE3E5069D}"/>
               </a:ext>
             </a:extLst>
           </p:cNvPr>
@@ -5201,7 +5287,10 @@
           <a:bodyPr/>
           <a:lstStyle/>
           <a:p>
-            <a:endParaRPr lang="de-DE"/>
+            <a:r>
+              <a:rPr lang="de-DE" dirty="0"/>
+              <a:t>Key Takeaways</a:t>
+            </a:r>
           </a:p>
         </p:txBody>
       </p:sp>
@@ -5210,7 +5299,7 @@
           <p:cNvPr id="3" name="Inhaltsplatzhalter 2">
             <a:extLst>
               <a:ext uri="{FF2B5EF4-FFF2-40B4-BE49-F238E27FC236}">
-                <a16:creationId xmlns:a16="http://schemas.microsoft.com/office/drawing/2014/main" id="{A8116C02-BC29-C8CF-F6B5-C57F8F0090F3}"/>
+                <a16:creationId xmlns:a16="http://schemas.microsoft.com/office/drawing/2014/main" id="{B1AC08BC-C841-A94C-A976-502217A7D7C7}"/>
               </a:ext>
             </a:extLst>
           </p:cNvPr>
@@ -5226,14 +5315,77 @@
           <a:bodyPr/>
           <a:lstStyle/>
           <a:p>
-            <a:endParaRPr lang="de-DE"/>
+            <a:pPr marL="0" indent="0">
+              <a:buNone/>
+            </a:pPr>
+            <a:r>
+              <a:rPr lang="de-DE" sz="2000" b="1" dirty="0"/>
+              <a:t>Unterschiede CI und CD</a:t>
+            </a:r>
+          </a:p>
+          <a:p>
+            <a:pPr>
+              <a:buFont typeface="Arial" panose="020B0604020202020204" pitchFamily="34" charset="0"/>
+              <a:buChar char="•"/>
+            </a:pPr>
+            <a:r>
+              <a:rPr lang="de-DE" sz="2000" u="sng" dirty="0"/>
+              <a:t>CI konzentriert sich auf die Integration</a:t>
+            </a:r>
+            <a:r>
+              <a:rPr lang="de-DE" sz="2000" dirty="0"/>
+              <a:t>: </a:t>
+            </a:r>
+            <a:br>
+              <a:rPr lang="de-DE" sz="2000" dirty="0"/>
+            </a:br>
+            <a:r>
+              <a:rPr lang="de-DE" sz="2000" dirty="0"/>
+              <a:t>Hauptziel ist die Integration von Codeänderungen in ein gemeinsames Repository und die Sicherstellung, dass bestehende Funktionalitäten nicht beeinträchtigt werden.</a:t>
+            </a:r>
+          </a:p>
+          <a:p>
+            <a:pPr>
+              <a:buFont typeface="Arial" panose="020B0604020202020204" pitchFamily="34" charset="0"/>
+              <a:buChar char="•"/>
+            </a:pPr>
+            <a:endParaRPr lang="de-DE" sz="2000" dirty="0"/>
+          </a:p>
+          <a:p>
+            <a:pPr>
+              <a:buFont typeface="Arial" panose="020B0604020202020204" pitchFamily="34" charset="0"/>
+              <a:buChar char="•"/>
+            </a:pPr>
+            <a:r>
+              <a:rPr lang="de-DE" sz="2000" u="sng" dirty="0"/>
+              <a:t>CD konzentriert sich auf Lieferung und Bereitstellung</a:t>
+            </a:r>
+            <a:r>
+              <a:rPr lang="de-DE" sz="2000" dirty="0"/>
+              <a:t>: </a:t>
+            </a:r>
+            <a:br>
+              <a:rPr lang="de-DE" sz="2000" dirty="0"/>
+            </a:br>
+            <a:r>
+              <a:rPr lang="de-DE" sz="2000" dirty="0"/>
+              <a:t>Erweiterung von CI durch Automatisierung des </a:t>
+            </a:r>
+            <a:r>
+              <a:rPr lang="de-DE" sz="2000" dirty="0" err="1"/>
+              <a:t>Builds</a:t>
+            </a:r>
+            <a:r>
+              <a:rPr lang="de-DE" sz="2000" dirty="0"/>
+              <a:t>, Testens und Bereitstellens von Anwendungen in verschiedene Umgebungen, letztlich bis hin zur Produktion.</a:t>
+            </a:r>
           </a:p>
         </p:txBody>
       </p:sp>
     </p:spTree>
     <p:extLst>
       <p:ext uri="{BB962C8B-B14F-4D97-AF65-F5344CB8AC3E}">
-        <p14:creationId xmlns:p14="http://schemas.microsoft.com/office/powerpoint/2010/main" val="3159604936"/>
+        <p14:creationId xmlns:p14="http://schemas.microsoft.com/office/powerpoint/2010/main" val="3909652257"/>
       </p:ext>
     </p:extLst>
   </p:cSld>
@@ -8715,7 +8867,7 @@
           <p:cNvPr id="2" name="Titel 1">
             <a:extLst>
               <a:ext uri="{FF2B5EF4-FFF2-40B4-BE49-F238E27FC236}">
-                <a16:creationId xmlns:a16="http://schemas.microsoft.com/office/drawing/2014/main" id="{C1685EFD-0B12-A118-74A4-A33EE3E5069D}"/>
+                <a16:creationId xmlns:a16="http://schemas.microsoft.com/office/drawing/2014/main" id="{2A4D71A2-77C7-233E-99B5-C65F61B7D647}"/>
               </a:ext>
             </a:extLst>
           </p:cNvPr>
@@ -8744,7 +8896,7 @@
           <p:cNvPr id="3" name="Inhaltsplatzhalter 2">
             <a:extLst>
               <a:ext uri="{FF2B5EF4-FFF2-40B4-BE49-F238E27FC236}">
-                <a16:creationId xmlns:a16="http://schemas.microsoft.com/office/drawing/2014/main" id="{B1AC08BC-C841-A94C-A976-502217A7D7C7}"/>
+                <a16:creationId xmlns:a16="http://schemas.microsoft.com/office/drawing/2014/main" id="{1EE273EC-803A-83B8-5F26-E5867491F972}"/>
               </a:ext>
             </a:extLst>
           </p:cNvPr>
@@ -8764,8 +8916,8 @@
               <a:buNone/>
             </a:pPr>
             <a:r>
-              <a:rPr lang="de-DE" sz="2000" b="1" dirty="0"/>
-              <a:t>Key Takeaways</a:t>
+              <a:rPr lang="de-DE" b="1" dirty="0"/>
+              <a:t>Agenda</a:t>
             </a:r>
           </a:p>
           <a:p>
@@ -8774,8 +8926,8 @@
               <a:buChar char="•"/>
             </a:pPr>
             <a:r>
-              <a:rPr lang="de-DE" sz="2000" dirty="0"/>
-              <a:t>Workflow</a:t>
+              <a:rPr lang="de-DE" dirty="0"/>
+              <a:t>Key Takeaways</a:t>
             </a:r>
           </a:p>
           <a:p>
@@ -8784,10 +8936,9 @@
               <a:buChar char="•"/>
             </a:pPr>
             <a:r>
-              <a:rPr lang="de-DE" sz="2000" dirty="0" err="1"/>
-              <a:t>Versionierungsstrategie</a:t>
-            </a:r>
-            <a:endParaRPr lang="de-DE" sz="2000" dirty="0"/>
+              <a:rPr lang="de-DE" dirty="0"/>
+              <a:t>Abschlussübung</a:t>
+            </a:r>
           </a:p>
           <a:p>
             <a:pPr>
@@ -8795,52 +8946,29 @@
               <a:buChar char="•"/>
             </a:pPr>
             <a:r>
-              <a:rPr lang="de-DE" sz="2000" dirty="0" err="1"/>
-              <a:t>Continuous</a:t>
-            </a:r>
-            <a:r>
-              <a:rPr lang="de-DE" sz="2000" dirty="0"/>
-              <a:t> Integration (CI)</a:t>
-            </a:r>
-          </a:p>
-          <a:p>
-            <a:pPr>
-              <a:buFont typeface="Arial" panose="020B0604020202020204" pitchFamily="34" charset="0"/>
-              <a:buChar char="•"/>
-            </a:pPr>
-            <a:r>
-              <a:rPr lang="de-DE" sz="2000" dirty="0" err="1"/>
-              <a:t>Continuous</a:t>
-            </a:r>
-            <a:r>
-              <a:rPr lang="de-DE" sz="2000" dirty="0"/>
-              <a:t> </a:t>
-            </a:r>
-            <a:r>
-              <a:rPr lang="de-DE" sz="2000" dirty="0" err="1"/>
-              <a:t>Delivery</a:t>
-            </a:r>
-            <a:r>
-              <a:rPr lang="de-DE" sz="2000" dirty="0"/>
-              <a:t> (CD)</a:t>
-            </a:r>
-          </a:p>
-          <a:p>
-            <a:pPr>
-              <a:buFont typeface="Arial" panose="020B0604020202020204" pitchFamily="34" charset="0"/>
-              <a:buChar char="•"/>
-            </a:pPr>
-            <a:r>
-              <a:rPr lang="de-DE" sz="2000" dirty="0"/>
-              <a:t>Unterschiede CI und CD</a:t>
-            </a:r>
+              <a:rPr lang="de-DE" dirty="0"/>
+              <a:t>Beispiel: Komplexe Pipeline mit </a:t>
+            </a:r>
+            <a:r>
+              <a:rPr lang="de-DE" dirty="0" err="1"/>
+              <a:t>Docusaurus</a:t>
+            </a:r>
+            <a:r>
+              <a:rPr lang="de-DE" dirty="0"/>
+              <a:t> und </a:t>
+            </a:r>
+            <a:r>
+              <a:rPr lang="de-DE" dirty="0" err="1"/>
+              <a:t>npm</a:t>
+            </a:r>
+            <a:endParaRPr lang="de-DE" dirty="0"/>
           </a:p>
         </p:txBody>
       </p:sp>
     </p:spTree>
     <p:extLst>
       <p:ext uri="{BB962C8B-B14F-4D97-AF65-F5344CB8AC3E}">
-        <p14:creationId xmlns:p14="http://schemas.microsoft.com/office/powerpoint/2010/main" val="1125538343"/>
+        <p14:creationId xmlns:p14="http://schemas.microsoft.com/office/powerpoint/2010/main" val="789805022"/>
       </p:ext>
     </p:extLst>
   </p:cSld>
@@ -8889,9 +9017,10 @@
           <a:lstStyle/>
           <a:p>
             <a:r>
-              <a:rPr lang="de-DE" dirty="0"/>
-              <a:t>Key Takeaways</a:t>
-            </a:r>
+              <a:rPr lang="de-DE" cap="none" dirty="0"/>
+              <a:t>Abschlussübung &amp; Diskussion</a:t>
+            </a:r>
+            <a:endParaRPr lang="de-DE" dirty="0"/>
           </a:p>
         </p:txBody>
       </p:sp>
@@ -8921,7 +9050,7 @@
             </a:pPr>
             <a:r>
               <a:rPr lang="de-DE" sz="2000" b="1" dirty="0"/>
-              <a:t>Workflow</a:t>
+              <a:t>Key Takeaways</a:t>
             </a:r>
           </a:p>
           <a:p>
@@ -8931,7 +9060,7 @@
             </a:pPr>
             <a:r>
               <a:rPr lang="de-DE" sz="2000" dirty="0"/>
-              <a:t>Ein gut definierter Workflow skizziert, wie Codeänderungen von der Entwicklung bis zur Bereitstellung fortschreiten.</a:t>
+              <a:t>Workflow</a:t>
             </a:r>
           </a:p>
           <a:p>
@@ -8941,36 +9070,9 @@
             </a:pPr>
             <a:r>
               <a:rPr lang="de-DE" sz="2000" dirty="0" err="1"/>
-              <a:t>Gitflow</a:t>
-            </a:r>
-            <a:r>
-              <a:rPr lang="de-DE" sz="2000" dirty="0"/>
-              <a:t>: </a:t>
-            </a:r>
-            <a:r>
-              <a:rPr lang="de-DE" sz="2000" dirty="0" err="1"/>
-              <a:t>Branching</a:t>
-            </a:r>
-            <a:r>
-              <a:rPr lang="de-DE" sz="2000" dirty="0"/>
-              <a:t>-Modell, das zwischen Feature-</a:t>
-            </a:r>
-            <a:r>
-              <a:rPr lang="de-DE" sz="2000" dirty="0" err="1"/>
-              <a:t>Branches</a:t>
-            </a:r>
-            <a:r>
-              <a:rPr lang="de-DE" sz="2000" dirty="0"/>
-              <a:t>, Release-</a:t>
-            </a:r>
-            <a:r>
-              <a:rPr lang="de-DE" sz="2000" dirty="0" err="1"/>
-              <a:t>Branches</a:t>
-            </a:r>
-            <a:r>
-              <a:rPr lang="de-DE" sz="2000" dirty="0"/>
-              <a:t> und Hotfixes unterscheidet, geeignet für Projekte mit klar definierten Release-Zyklen.</a:t>
-            </a:r>
+              <a:t>Versionierungsstrategie</a:t>
+            </a:r>
+            <a:endParaRPr lang="de-DE" sz="2000" dirty="0"/>
           </a:p>
           <a:p>
             <a:pPr>
@@ -8978,8 +9080,12 @@
               <a:buChar char="•"/>
             </a:pPr>
             <a:r>
+              <a:rPr lang="de-DE" sz="2000" dirty="0" err="1"/>
+              <a:t>Continuous</a:t>
+            </a:r>
+            <a:r>
               <a:rPr lang="de-DE" sz="2000" dirty="0"/>
-              <a:t>Custom Workflow: Einige Projekte erfordern maßgeschneiderte Workflows, die spezifische Release-Strategien oder regulatorische Anforderungen berücksichtigen.</a:t>
+              <a:t> Integration (CI)</a:t>
             </a:r>
           </a:p>
           <a:p>
@@ -8988,8 +9094,30 @@
               <a:buChar char="•"/>
             </a:pPr>
             <a:r>
+              <a:rPr lang="de-DE" sz="2000" dirty="0" err="1"/>
+              <a:t>Continuous</a:t>
+            </a:r>
+            <a:r>
               <a:rPr lang="de-DE" sz="2000" dirty="0"/>
-              <a:t>Der definierte Workflow dient als Fahrplan für das Entwicklungsteam und sorgt für konsistente Praktiken und effiziente Code-Integration.</a:t>
+              <a:t> </a:t>
+            </a:r>
+            <a:r>
+              <a:rPr lang="de-DE" sz="2000" dirty="0" err="1"/>
+              <a:t>Delivery</a:t>
+            </a:r>
+            <a:r>
+              <a:rPr lang="de-DE" sz="2000" dirty="0"/>
+              <a:t> (CD)</a:t>
+            </a:r>
+          </a:p>
+          <a:p>
+            <a:pPr>
+              <a:buFont typeface="Arial" panose="020B0604020202020204" pitchFamily="34" charset="0"/>
+              <a:buChar char="•"/>
+            </a:pPr>
+            <a:r>
+              <a:rPr lang="de-DE" sz="2000" dirty="0"/>
+              <a:t>Unterschiede CI und CD</a:t>
             </a:r>
           </a:p>
         </p:txBody>
@@ -8997,7 +9125,7 @@
     </p:spTree>
     <p:extLst>
       <p:ext uri="{BB962C8B-B14F-4D97-AF65-F5344CB8AC3E}">
-        <p14:creationId xmlns:p14="http://schemas.microsoft.com/office/powerpoint/2010/main" val="3548368418"/>
+        <p14:creationId xmlns:p14="http://schemas.microsoft.com/office/powerpoint/2010/main" val="1125538343"/>
       </p:ext>
     </p:extLst>
   </p:cSld>
@@ -9077,10 +9205,9 @@
               <a:buNone/>
             </a:pPr>
             <a:r>
-              <a:rPr lang="de-DE" sz="2000" b="1" dirty="0" err="1"/>
-              <a:t>Versionierungsstrategie</a:t>
-            </a:r>
-            <a:endParaRPr lang="de-DE" sz="2000" b="1" dirty="0"/>
+              <a:rPr lang="de-DE" sz="2000" b="1" dirty="0"/>
+              <a:t>Workflow</a:t>
+            </a:r>
           </a:p>
           <a:p>
             <a:pPr>
@@ -9089,15 +9216,7 @@
             </a:pPr>
             <a:r>
               <a:rPr lang="de-DE" sz="2000" dirty="0"/>
-              <a:t>Eine gut definierte </a:t>
-            </a:r>
-            <a:r>
-              <a:rPr lang="de-DE" sz="2000" dirty="0" err="1"/>
-              <a:t>Versionierungsstrategie</a:t>
-            </a:r>
-            <a:r>
-              <a:rPr lang="de-DE" sz="2000" dirty="0"/>
-              <a:t> gewährleistet Konsistenz und Rückverfolgbarkeit der Software-Releases.</a:t>
+              <a:t>Ein gut definierter Workflow skizziert, wie Codeänderungen von der Entwicklung bis zur Bereitstellung fortschreiten.</a:t>
             </a:r>
           </a:p>
           <a:p>
@@ -9106,16 +9225,36 @@
               <a:buChar char="•"/>
             </a:pPr>
             <a:r>
+              <a:rPr lang="de-DE" sz="2000" dirty="0" err="1"/>
+              <a:t>Gitflow</a:t>
+            </a:r>
+            <a:r>
               <a:rPr lang="de-DE" sz="2000" dirty="0"/>
-              <a:t>Semantische Versionierung (</a:t>
+              <a:t>: </a:t>
             </a:r>
             <a:r>
               <a:rPr lang="de-DE" sz="2000" dirty="0" err="1"/>
-              <a:t>SemVer</a:t>
+              <a:t>Branching</a:t>
             </a:r>
             <a:r>
               <a:rPr lang="de-DE" sz="2000" dirty="0"/>
-              <a:t>): Klare Formatierung von MAJOR.MINOR.PATCH, weit verbreitet und kommuniziert Kompatibilität und Änderungen effektiv.</a:t>
+              <a:t>-Modell, das zwischen Feature-</a:t>
+            </a:r>
+            <a:r>
+              <a:rPr lang="de-DE" sz="2000" dirty="0" err="1"/>
+              <a:t>Branches</a:t>
+            </a:r>
+            <a:r>
+              <a:rPr lang="de-DE" sz="2000" dirty="0"/>
+              <a:t>, Release-</a:t>
+            </a:r>
+            <a:r>
+              <a:rPr lang="de-DE" sz="2000" dirty="0" err="1"/>
+              <a:t>Branches</a:t>
+            </a:r>
+            <a:r>
+              <a:rPr lang="de-DE" sz="2000" dirty="0"/>
+              <a:t> und Hotfixes unterscheidet, geeignet für Projekte mit klar definierten Release-Zyklen.</a:t>
             </a:r>
           </a:p>
           <a:p>
@@ -9125,23 +9264,7 @@
             </a:pPr>
             <a:r>
               <a:rPr lang="de-DE" sz="2000" dirty="0"/>
-              <a:t>Custom </a:t>
-            </a:r>
-            <a:r>
-              <a:rPr lang="de-DE" sz="2000" dirty="0" err="1"/>
-              <a:t>Versioning</a:t>
-            </a:r>
-            <a:r>
-              <a:rPr lang="de-DE" sz="2000" dirty="0"/>
-              <a:t>: Für Projekte mit speziellen Anforderungen kann eine benutzerdefinierte </a:t>
-            </a:r>
-            <a:r>
-              <a:rPr lang="de-DE" sz="2000" dirty="0" err="1"/>
-              <a:t>Versionierungsstrategie</a:t>
-            </a:r>
-            <a:r>
-              <a:rPr lang="de-DE" sz="2000" dirty="0"/>
-              <a:t> besser geeignet sein.</a:t>
+              <a:t>Custom Workflow: Einige Projekte erfordern maßgeschneiderte Workflows, die spezifische Release-Strategien oder regulatorische Anforderungen berücksichtigen.</a:t>
             </a:r>
           </a:p>
           <a:p>
@@ -9151,7 +9274,7 @@
             </a:pPr>
             <a:r>
               <a:rPr lang="de-DE" sz="2000" dirty="0"/>
-              <a:t>Klare Versionierung hilft, die Bedeutung jedes Releases zu verstehen und ermöglicht es Benutzern, fundierte Entscheidungen über Updates und Kompatibilität zu treffen.</a:t>
+              <a:t>Der definierte Workflow dient als Fahrplan für das Entwicklungsteam und sorgt für konsistente Praktiken und effiziente Code-Integration.</a:t>
             </a:r>
           </a:p>
         </p:txBody>
@@ -9159,7 +9282,7 @@
     </p:spTree>
     <p:extLst>
       <p:ext uri="{BB962C8B-B14F-4D97-AF65-F5344CB8AC3E}">
-        <p14:creationId xmlns:p14="http://schemas.microsoft.com/office/powerpoint/2010/main" val="2233009720"/>
+        <p14:creationId xmlns:p14="http://schemas.microsoft.com/office/powerpoint/2010/main" val="3548368418"/>
       </p:ext>
     </p:extLst>
   </p:cSld>
@@ -9240,12 +9363,9 @@
             </a:pPr>
             <a:r>
               <a:rPr lang="de-DE" sz="2000" b="1" dirty="0" err="1"/>
-              <a:t>Continuous</a:t>
-            </a:r>
-            <a:r>
-              <a:rPr lang="de-DE" sz="2000" b="1" dirty="0"/>
-              <a:t> Integration (CI)</a:t>
-            </a:r>
+              <a:t>Versionierungsstrategie</a:t>
+            </a:r>
+            <a:endParaRPr lang="de-DE" sz="2000" b="1" dirty="0"/>
           </a:p>
           <a:p>
             <a:pPr>
@@ -9254,30 +9374,15 @@
             </a:pPr>
             <a:r>
               <a:rPr lang="de-DE" sz="2000" dirty="0"/>
-              <a:t>Ist eine Vorgehensweise in der Softwareentwicklung, bei der die häufige Integration von Codeänderungen in ein gemeinsames (</a:t>
+              <a:t>Eine gut definierte </a:t>
             </a:r>
             <a:r>
               <a:rPr lang="de-DE" sz="2000" dirty="0" err="1"/>
-              <a:t>remotes</a:t>
+              <a:t>Versionierungsstrategie</a:t>
             </a:r>
             <a:r>
               <a:rPr lang="de-DE" sz="2000" dirty="0"/>
-              <a:t>) Repository im Vordergrund steht.</a:t>
-            </a:r>
-          </a:p>
-          <a:p>
-            <a:pPr marL="0" indent="0">
-              <a:buNone/>
-            </a:pPr>
-            <a:endParaRPr lang="de-DE" sz="2000" dirty="0"/>
-          </a:p>
-          <a:p>
-            <a:pPr marL="0" indent="0">
-              <a:buNone/>
-            </a:pPr>
-            <a:r>
-              <a:rPr lang="de-DE" sz="2000" b="1" dirty="0"/>
-              <a:t>Vorteile</a:t>
+              <a:t> gewährleistet Konsistenz und Rückverfolgbarkeit der Software-Releases.</a:t>
             </a:r>
           </a:p>
           <a:p>
@@ -9287,7 +9392,15 @@
             </a:pPr>
             <a:r>
               <a:rPr lang="de-DE" sz="2000" dirty="0"/>
-              <a:t>Ermöglicht die frühzeitige Erkennung im Entwicklungszyklus von Integrationsproblemen und Bugs, wodurch Kosten und Aufwand für deren Behebung reduziert werden</a:t>
+              <a:t>Semantische Versionierung (</a:t>
+            </a:r>
+            <a:r>
+              <a:rPr lang="de-DE" sz="2000" dirty="0" err="1"/>
+              <a:t>SemVer</a:t>
+            </a:r>
+            <a:r>
+              <a:rPr lang="de-DE" sz="2000" dirty="0"/>
+              <a:t>): Klare Formatierung von MAJOR.MINOR.PATCH, weit verbreitet und kommuniziert Kompatibilität und Änderungen effektiv.</a:t>
             </a:r>
           </a:p>
           <a:p>
@@ -9297,7 +9410,23 @@
             </a:pPr>
             <a:r>
               <a:rPr lang="de-DE" sz="2000" dirty="0"/>
-              <a:t>Entwickler können in kleineren, überschaubaren Schritten arbeiten und ihre Änderungen schnell integrieren und testen</a:t>
+              <a:t>Custom </a:t>
+            </a:r>
+            <a:r>
+              <a:rPr lang="de-DE" sz="2000" dirty="0" err="1"/>
+              <a:t>Versioning</a:t>
+            </a:r>
+            <a:r>
+              <a:rPr lang="de-DE" sz="2000" dirty="0"/>
+              <a:t>: Für Projekte mit speziellen Anforderungen kann eine benutzerdefinierte </a:t>
+            </a:r>
+            <a:r>
+              <a:rPr lang="de-DE" sz="2000" dirty="0" err="1"/>
+              <a:t>Versionierungsstrategie</a:t>
+            </a:r>
+            <a:r>
+              <a:rPr lang="de-DE" sz="2000" dirty="0"/>
+              <a:t> besser geeignet sein.</a:t>
             </a:r>
           </a:p>
           <a:p>
@@ -9307,32 +9436,15 @@
             </a:pPr>
             <a:r>
               <a:rPr lang="de-DE" sz="2000" dirty="0"/>
-              <a:t>Teams arbeiten kollaborativer, da CI das Teilen von Code und das schnelle Lösen von Konflikten fördert</a:t>
-            </a:r>
-          </a:p>
-          <a:p>
-            <a:pPr>
-              <a:buFont typeface="Arial" panose="020B0604020202020204" pitchFamily="34" charset="0"/>
-              <a:buChar char="•"/>
-            </a:pPr>
-            <a:r>
-              <a:rPr lang="de-DE" sz="2000" dirty="0"/>
-              <a:t>CI stellt sicher, dass der Code stets bau- und testbar ist.</a:t>
-            </a:r>
-          </a:p>
-          <a:p>
-            <a:pPr>
-              <a:buFont typeface="Arial" panose="020B0604020202020204" pitchFamily="34" charset="0"/>
-              <a:buChar char="•"/>
-            </a:pPr>
-            <a:endParaRPr lang="de-DE" sz="2000" dirty="0"/>
+              <a:t>Klare Versionierung hilft, die Bedeutung jedes Releases zu verstehen und ermöglicht es Benutzern, fundierte Entscheidungen über Updates und Kompatibilität zu treffen.</a:t>
+            </a:r>
           </a:p>
         </p:txBody>
       </p:sp>
     </p:spTree>
     <p:extLst>
       <p:ext uri="{BB962C8B-B14F-4D97-AF65-F5344CB8AC3E}">
-        <p14:creationId xmlns:p14="http://schemas.microsoft.com/office/powerpoint/2010/main" val="4291748913"/>
+        <p14:creationId xmlns:p14="http://schemas.microsoft.com/office/powerpoint/2010/main" val="2233009720"/>
       </p:ext>
     </p:extLst>
   </p:cSld>
@@ -9412,14 +9524,13 @@
               <a:buNone/>
             </a:pPr>
             <a:r>
+              <a:rPr lang="de-DE" sz="2000" b="1" dirty="0" err="1"/>
+              <a:t>Continuous</a:t>
+            </a:r>
+            <a:r>
               <a:rPr lang="de-DE" sz="2000" b="1" dirty="0"/>
-              <a:t>CI Best </a:t>
-            </a:r>
-            <a:r>
-              <a:rPr lang="de-DE" sz="2000" b="1" dirty="0" err="1"/>
-              <a:t>Practises</a:t>
-            </a:r>
-            <a:endParaRPr lang="de-DE" sz="2000" b="1" dirty="0"/>
+              <a:t> Integration (CI)</a:t>
+            </a:r>
           </a:p>
           <a:p>
             <a:pPr>
@@ -9427,26 +9538,31 @@
               <a:buChar char="•"/>
             </a:pPr>
             <a:r>
-              <a:rPr lang="de-DE" sz="1800" dirty="0"/>
-              <a:t>Versionskontrolle (VCS): Verwenden Sie ein robustes Versionskontrollsystem wie </a:t>
-            </a:r>
-            <a:r>
-              <a:rPr lang="de-DE" sz="1800" dirty="0" err="1"/>
-              <a:t>Git</a:t>
-            </a:r>
-            <a:r>
-              <a:rPr lang="de-DE" sz="1800" dirty="0"/>
-              <a:t> zur Verwaltung von Codeänderungen.</a:t>
-            </a:r>
-          </a:p>
-          <a:p>
-            <a:pPr lvl="1">
-              <a:buFont typeface="Arial" panose="020B0604020202020204" pitchFamily="34" charset="0"/>
-              <a:buChar char="•"/>
-            </a:pPr>
-            <a:r>
-              <a:rPr lang="de-DE" sz="1600" dirty="0"/>
-              <a:t>Die Wahl des VCS sollte mit dem Workflow, den Projektanforderungen und den Skalierungsplänen des Teams übereinstimmen.</a:t>
+              <a:rPr lang="de-DE" sz="2000" dirty="0"/>
+              <a:t>Ist eine Vorgehensweise in der Softwareentwicklung, bei der die häufige Integration von Codeänderungen in ein gemeinsames (</a:t>
+            </a:r>
+            <a:r>
+              <a:rPr lang="de-DE" sz="2000" dirty="0" err="1"/>
+              <a:t>remotes</a:t>
+            </a:r>
+            <a:r>
+              <a:rPr lang="de-DE" sz="2000" dirty="0"/>
+              <a:t>) Repository im Vordergrund steht.</a:t>
+            </a:r>
+          </a:p>
+          <a:p>
+            <a:pPr marL="0" indent="0">
+              <a:buNone/>
+            </a:pPr>
+            <a:endParaRPr lang="de-DE" sz="2000" dirty="0"/>
+          </a:p>
+          <a:p>
+            <a:pPr marL="0" indent="0">
+              <a:buNone/>
+            </a:pPr>
+            <a:r>
+              <a:rPr lang="de-DE" sz="2000" b="1" dirty="0"/>
+              <a:t>Vorteile</a:t>
             </a:r>
           </a:p>
           <a:p>
@@ -9455,16 +9571,8 @@
               <a:buChar char="•"/>
             </a:pPr>
             <a:r>
-              <a:rPr lang="de-DE" sz="1800" dirty="0"/>
-              <a:t>Automatisierte Tests: Schreiben Sie Unit-Tests, Integrationstests und End-</a:t>
-            </a:r>
-            <a:r>
-              <a:rPr lang="de-DE" sz="1800" dirty="0" err="1"/>
-              <a:t>to</a:t>
-            </a:r>
-            <a:r>
-              <a:rPr lang="de-DE" sz="1800" dirty="0"/>
-              <a:t>-End-Tests zur automatischen Validierung von Codeänderungen.</a:t>
+              <a:rPr lang="de-DE" sz="2000" dirty="0"/>
+              <a:t>Ermöglicht die frühzeitige Erkennung im Entwicklungszyklus von Integrationsproblemen und Bugs, wodurch Kosten und Aufwand für deren Behebung reduziert werden</a:t>
             </a:r>
           </a:p>
           <a:p>
@@ -9473,24 +9581,8 @@
               <a:buChar char="•"/>
             </a:pPr>
             <a:r>
-              <a:rPr lang="de-DE" sz="1800" dirty="0"/>
-              <a:t>Automatisierte </a:t>
-            </a:r>
-            <a:r>
-              <a:rPr lang="de-DE" sz="1800" dirty="0" err="1"/>
-              <a:t>Builds</a:t>
-            </a:r>
-            <a:r>
-              <a:rPr lang="de-DE" sz="1800" dirty="0"/>
-              <a:t>: Richten Sie automatisierte </a:t>
-            </a:r>
-            <a:r>
-              <a:rPr lang="de-DE" sz="1800" dirty="0" err="1"/>
-              <a:t>Build</a:t>
-            </a:r>
-            <a:r>
-              <a:rPr lang="de-DE" sz="1800" dirty="0"/>
-              <a:t>-Pipelines ein, die Code kompilieren, Anwendungen paketieren und Artefakte erstellen.</a:t>
+              <a:rPr lang="de-DE" sz="2000" dirty="0"/>
+              <a:t>Entwickler können in kleineren, überschaubaren Schritten arbeiten und ihre Änderungen schnell integrieren und testen</a:t>
             </a:r>
           </a:p>
           <a:p>
@@ -9499,8 +9591,8 @@
               <a:buChar char="•"/>
             </a:pPr>
             <a:r>
-              <a:rPr lang="de-DE" sz="1800" dirty="0"/>
-              <a:t>Häufige Integration: Ermutigen Sie Entwickler, Codeänderungen mehrmals täglich in das gemeinsame Repository zu integrieren.</a:t>
+              <a:rPr lang="de-DE" sz="2000" dirty="0"/>
+              <a:t>Teams arbeiten kollaborativer, da CI das Teilen von Code und das schnelle Lösen von Konflikten fördert</a:t>
             </a:r>
           </a:p>
           <a:p>
@@ -9509,16 +9601,8 @@
               <a:buChar char="•"/>
             </a:pPr>
             <a:r>
-              <a:rPr lang="de-DE" sz="1800" dirty="0"/>
-              <a:t>Feedback-Schleifen: Implementieren Sie Feedback-Mechanismen, um Entwickler über </a:t>
-            </a:r>
-            <a:r>
-              <a:rPr lang="de-DE" sz="1800" dirty="0" err="1"/>
-              <a:t>Build</a:t>
-            </a:r>
-            <a:r>
-              <a:rPr lang="de-DE" sz="1800" dirty="0"/>
-              <a:t>- und Testergebnisse zu informieren.</a:t>
+              <a:rPr lang="de-DE" sz="2000" dirty="0"/>
+              <a:t>CI stellt sicher, dass der Code stets bau- und testbar ist.</a:t>
             </a:r>
           </a:p>
           <a:p>
@@ -9526,45 +9610,14 @@
               <a:buFont typeface="Arial" panose="020B0604020202020204" pitchFamily="34" charset="0"/>
               <a:buChar char="•"/>
             </a:pPr>
-            <a:endParaRPr lang="de-DE" sz="1800" dirty="0"/>
-          </a:p>
-          <a:p>
-            <a:pPr marL="0" indent="0">
-              <a:buNone/>
-            </a:pPr>
-            <a:r>
-              <a:rPr lang="de-DE" sz="2000" b="1" dirty="0"/>
-              <a:t>Tools:</a:t>
-            </a:r>
-          </a:p>
-          <a:p>
-            <a:pPr>
-              <a:buFont typeface="Arial" panose="020B0604020202020204" pitchFamily="34" charset="0"/>
-              <a:buChar char="•"/>
-            </a:pPr>
-            <a:r>
-              <a:rPr lang="de-DE" sz="2000" dirty="0" err="1"/>
-              <a:t>GitLab</a:t>
-            </a:r>
-            <a:r>
-              <a:rPr lang="de-DE" sz="2000" dirty="0"/>
-              <a:t> CI/CD, Jenkins, </a:t>
-            </a:r>
-            <a:r>
-              <a:rPr lang="de-DE" sz="2000" dirty="0" err="1"/>
-              <a:t>CircleCI</a:t>
-            </a:r>
-            <a:r>
-              <a:rPr lang="de-DE" sz="2000" dirty="0"/>
-              <a:t>, … </a:t>
-            </a:r>
+            <a:endParaRPr lang="de-DE" sz="2000" dirty="0"/>
           </a:p>
         </p:txBody>
       </p:sp>
     </p:spTree>
     <p:extLst>
       <p:ext uri="{BB962C8B-B14F-4D97-AF65-F5344CB8AC3E}">
-        <p14:creationId xmlns:p14="http://schemas.microsoft.com/office/powerpoint/2010/main" val="2231331641"/>
+        <p14:creationId xmlns:p14="http://schemas.microsoft.com/office/powerpoint/2010/main" val="4291748913"/>
       </p:ext>
     </p:extLst>
   </p:cSld>
